--- a/Music Notes 2024.pptx
+++ b/Music Notes 2024.pptx
@@ -12,9 +12,9 @@
     <p:sldId id="259" r:id="rId6"/>
     <p:sldId id="260" r:id="rId7"/>
     <p:sldId id="261" r:id="rId8"/>
-    <p:sldId id="263" r:id="rId9"/>
-    <p:sldId id="264" r:id="rId10"/>
-    <p:sldId id="265" r:id="rId11"/>
+    <p:sldId id="265" r:id="rId9"/>
+    <p:sldId id="263" r:id="rId10"/>
+    <p:sldId id="264" r:id="rId11"/>
     <p:sldId id="266" r:id="rId12"/>
     <p:sldId id="267" r:id="rId13"/>
     <p:sldId id="268" r:id="rId14"/>
@@ -116,6 +116,11 @@
       </a:defRPr>
     </a:lvl9pPr>
   </p:defaultTextStyle>
+  <p:extLst>
+    <p:ext uri="{EFAFB233-063F-42B5-8137-9DF3F51BA10A}">
+      <p15:sldGuideLst xmlns:p15="http://schemas.microsoft.com/office/powerpoint/2012/main"/>
+    </p:ext>
+  </p:extLst>
 </p:presentation>
 </file>
 
@@ -454,7 +459,7 @@
           <a:p>
             <a:fld id="{46BF4387-4A99-4F27-AD1F-80E6CBF2FC4E}" type="datetimeFigureOut">
               <a:rPr lang="en-US" smtClean="0"/>
-              <a:t>1/4/2024</a:t>
+              <a:t>1/10/24</a:t>
             </a:fld>
             <a:endParaRPr lang="en-US"/>
           </a:p>
@@ -1542,7 +1547,7 @@
           <a:p>
             <a:fld id="{46BF4387-4A99-4F27-AD1F-80E6CBF2FC4E}" type="datetimeFigureOut">
               <a:rPr lang="en-US" smtClean="0"/>
-              <a:t>1/4/2024</a:t>
+              <a:t>1/10/24</a:t>
             </a:fld>
             <a:endParaRPr lang="en-US"/>
           </a:p>
@@ -2522,7 +2527,7 @@
           <a:p>
             <a:fld id="{46BF4387-4A99-4F27-AD1F-80E6CBF2FC4E}" type="datetimeFigureOut">
               <a:rPr lang="en-US" smtClean="0"/>
-              <a:t>1/4/2024</a:t>
+              <a:t>1/10/24</a:t>
             </a:fld>
             <a:endParaRPr lang="en-US"/>
           </a:p>
@@ -3656,7 +3661,7 @@
           <a:p>
             <a:fld id="{46BF4387-4A99-4F27-AD1F-80E6CBF2FC4E}" type="datetimeFigureOut">
               <a:rPr lang="en-US" smtClean="0"/>
-              <a:t>1/4/2024</a:t>
+              <a:t>1/10/24</a:t>
             </a:fld>
             <a:endParaRPr lang="en-US"/>
           </a:p>
@@ -4689,7 +4694,7 @@
           <a:p>
             <a:fld id="{46BF4387-4A99-4F27-AD1F-80E6CBF2FC4E}" type="datetimeFigureOut">
               <a:rPr lang="en-US" smtClean="0"/>
-              <a:t>1/4/2024</a:t>
+              <a:t>1/10/24</a:t>
             </a:fld>
             <a:endParaRPr lang="en-US"/>
           </a:p>
@@ -5349,7 +5354,7 @@
           <a:p>
             <a:fld id="{46BF4387-4A99-4F27-AD1F-80E6CBF2FC4E}" type="datetimeFigureOut">
               <a:rPr lang="en-US" smtClean="0"/>
-              <a:t>1/4/2024</a:t>
+              <a:t>1/10/24</a:t>
             </a:fld>
             <a:endParaRPr lang="en-US"/>
           </a:p>
@@ -6210,7 +6215,7 @@
           <a:p>
             <a:fld id="{46BF4387-4A99-4F27-AD1F-80E6CBF2FC4E}" type="datetimeFigureOut">
               <a:rPr lang="en-US" smtClean="0"/>
-              <a:t>1/4/2024</a:t>
+              <a:t>1/10/24</a:t>
             </a:fld>
             <a:endParaRPr lang="en-US"/>
           </a:p>
@@ -6400,7 +6405,7 @@
           <a:p>
             <a:fld id="{46BF4387-4A99-4F27-AD1F-80E6CBF2FC4E}" type="datetimeFigureOut">
               <a:rPr lang="en-US" smtClean="0"/>
-              <a:t>1/4/2024</a:t>
+              <a:t>1/10/24</a:t>
             </a:fld>
             <a:endParaRPr lang="en-US"/>
           </a:p>
@@ -7372,7 +7377,7 @@
           <a:p>
             <a:fld id="{46BF4387-4A99-4F27-AD1F-80E6CBF2FC4E}" type="datetimeFigureOut">
               <a:rPr lang="en-US" smtClean="0"/>
-              <a:t>1/4/2024</a:t>
+              <a:t>1/10/24</a:t>
             </a:fld>
             <a:endParaRPr lang="en-US"/>
           </a:p>
@@ -7583,7 +7588,7 @@
           <a:p>
             <a:fld id="{46BF4387-4A99-4F27-AD1F-80E6CBF2FC4E}" type="datetimeFigureOut">
               <a:rPr lang="en-US" smtClean="0"/>
-              <a:t>1/4/2024</a:t>
+              <a:t>1/10/24</a:t>
             </a:fld>
             <a:endParaRPr lang="en-US"/>
           </a:p>
@@ -8617,7 +8622,7 @@
           <a:p>
             <a:fld id="{46BF4387-4A99-4F27-AD1F-80E6CBF2FC4E}" type="datetimeFigureOut">
               <a:rPr lang="en-US" smtClean="0"/>
-              <a:t>1/4/2024</a:t>
+              <a:t>1/10/24</a:t>
             </a:fld>
             <a:endParaRPr lang="en-US"/>
           </a:p>
@@ -8889,7 +8894,7 @@
           <a:p>
             <a:fld id="{46BF4387-4A99-4F27-AD1F-80E6CBF2FC4E}" type="datetimeFigureOut">
               <a:rPr lang="en-US" smtClean="0"/>
-              <a:t>1/4/2024</a:t>
+              <a:t>1/10/24</a:t>
             </a:fld>
             <a:endParaRPr lang="en-US"/>
           </a:p>
@@ -9299,7 +9304,7 @@
           <a:p>
             <a:fld id="{46BF4387-4A99-4F27-AD1F-80E6CBF2FC4E}" type="datetimeFigureOut">
               <a:rPr lang="en-US" smtClean="0"/>
-              <a:t>1/4/2024</a:t>
+              <a:t>1/10/24</a:t>
             </a:fld>
             <a:endParaRPr lang="en-US"/>
           </a:p>
@@ -9426,7 +9431,7 @@
           <a:p>
             <a:fld id="{46BF4387-4A99-4F27-AD1F-80E6CBF2FC4E}" type="datetimeFigureOut">
               <a:rPr lang="en-US" smtClean="0"/>
-              <a:t>1/4/2024</a:t>
+              <a:t>1/10/24</a:t>
             </a:fld>
             <a:endParaRPr lang="en-US"/>
           </a:p>
@@ -9521,7 +9526,7 @@
           <a:p>
             <a:fld id="{46BF4387-4A99-4F27-AD1F-80E6CBF2FC4E}" type="datetimeFigureOut">
               <a:rPr lang="en-US" smtClean="0"/>
-              <a:t>1/4/2024</a:t>
+              <a:t>1/10/24</a:t>
             </a:fld>
             <a:endParaRPr lang="en-US"/>
           </a:p>
@@ -10602,7 +10607,7 @@
           <a:p>
             <a:fld id="{46BF4387-4A99-4F27-AD1F-80E6CBF2FC4E}" type="datetimeFigureOut">
               <a:rPr lang="en-US" smtClean="0"/>
-              <a:t>1/4/2024</a:t>
+              <a:t>1/10/24</a:t>
             </a:fld>
             <a:endParaRPr lang="en-US"/>
           </a:p>
@@ -11710,7 +11715,7 @@
           <a:p>
             <a:fld id="{46BF4387-4A99-4F27-AD1F-80E6CBF2FC4E}" type="datetimeFigureOut">
               <a:rPr lang="en-US" smtClean="0"/>
-              <a:t>1/4/2024</a:t>
+              <a:t>1/10/24</a:t>
             </a:fld>
             <a:endParaRPr lang="en-US"/>
           </a:p>
@@ -12707,7 +12712,7 @@
           <a:p>
             <a:fld id="{46BF4387-4A99-4F27-AD1F-80E6CBF2FC4E}" type="datetimeFigureOut">
               <a:rPr lang="en-US" smtClean="0"/>
-              <a:t>1/4/2024</a:t>
+              <a:t>1/10/24</a:t>
             </a:fld>
             <a:endParaRPr lang="en-US"/>
           </a:p>
@@ -13460,7 +13465,610 @@
                   <a:schemeClr val="accent1"/>
                 </a:solidFill>
               </a:rPr>
-              <a:t>Scatter plots to check for outliers during Covid year</a:t>
+              <a:t>Stream/Downloads per Year , Pre-During and Post Covid-19</a:t>
+            </a:r>
+          </a:p>
+        </p:txBody>
+      </p:sp>
+      <p:graphicFrame>
+        <p:nvGraphicFramePr>
+          <p:cNvPr id="4" name="Table 3">
+            <a:extLst>
+              <a:ext uri="{FF2B5EF4-FFF2-40B4-BE49-F238E27FC236}">
+                <a16:creationId xmlns:a16="http://schemas.microsoft.com/office/drawing/2014/main" id="{6D192720-3B58-5744-49E8-459262CCEBCF}"/>
+              </a:ext>
+            </a:extLst>
+          </p:cNvPr>
+          <p:cNvGraphicFramePr>
+            <a:graphicFrameLocks noGrp="1"/>
+          </p:cNvGraphicFramePr>
+          <p:nvPr>
+            <p:extLst>
+              <p:ext uri="{D42A27DB-BD31-4B8C-83A1-F6EECF244321}">
+                <p14:modId xmlns:p14="http://schemas.microsoft.com/office/powerpoint/2010/main" val="315215683"/>
+              </p:ext>
+            </p:extLst>
+          </p:nvPr>
+        </p:nvGraphicFramePr>
+        <p:xfrm>
+          <a:off x="1154953" y="3234690"/>
+          <a:ext cx="4179966" cy="1703070"/>
+        </p:xfrm>
+        <a:graphic>
+          <a:graphicData uri="http://schemas.openxmlformats.org/drawingml/2006/table">
+            <a:tbl>
+              <a:tblPr/>
+              <a:tblGrid>
+                <a:gridCol w="1360304">
+                  <a:extLst>
+                    <a:ext uri="{9D8B030D-6E8A-4147-A177-3AD203B41FA5}">
+                      <a16:colId xmlns:a16="http://schemas.microsoft.com/office/drawing/2014/main" val="3796534991"/>
+                    </a:ext>
+                  </a:extLst>
+                </a:gridCol>
+                <a:gridCol w="2819662">
+                  <a:extLst>
+                    <a:ext uri="{9D8B030D-6E8A-4147-A177-3AD203B41FA5}">
+                      <a16:colId xmlns:a16="http://schemas.microsoft.com/office/drawing/2014/main" val="734461199"/>
+                    </a:ext>
+                  </a:extLst>
+                </a:gridCol>
+              </a:tblGrid>
+              <a:tr h="0">
+                <a:tc>
+                  <a:txBody>
+                    <a:bodyPr/>
+                    <a:lstStyle/>
+                    <a:p>
+                      <a:pPr algn="r" rtl="0" fontAlgn="ctr"/>
+                      <a:r>
+                        <a:rPr lang="en-US" sz="1800" b="1" i="0" u="none" strike="noStrike" dirty="0">
+                          <a:solidFill>
+                            <a:srgbClr val="000000"/>
+                          </a:solidFill>
+                          <a:effectLst/>
+                          <a:latin typeface="Century Gothic" panose="020B0502020202020204" pitchFamily="34" charset="0"/>
+                        </a:rPr>
+                        <a:t>Year</a:t>
+                      </a:r>
+                    </a:p>
+                  </a:txBody>
+                  <a:tcPr marL="9525" marR="9525" marT="9525" marB="0" anchor="ctr" anchorCtr="1">
+                    <a:lnL>
+                      <a:noFill/>
+                    </a:lnL>
+                    <a:lnR>
+                      <a:noFill/>
+                    </a:lnR>
+                    <a:lnT>
+                      <a:noFill/>
+                    </a:lnT>
+                    <a:lnB>
+                      <a:noFill/>
+                    </a:lnB>
+                    <a:solidFill>
+                      <a:schemeClr val="bg1">
+                        <a:lumMod val="75000"/>
+                      </a:schemeClr>
+                    </a:solidFill>
+                  </a:tcPr>
+                </a:tc>
+                <a:tc>
+                  <a:txBody>
+                    <a:bodyPr/>
+                    <a:lstStyle/>
+                    <a:p>
+                      <a:pPr algn="r" rtl="0" fontAlgn="ctr"/>
+                      <a:r>
+                        <a:rPr lang="en-US" sz="1800" b="1" i="0" u="none" strike="noStrike" dirty="0">
+                          <a:solidFill>
+                            <a:srgbClr val="000000"/>
+                          </a:solidFill>
+                          <a:effectLst/>
+                          <a:latin typeface="Century Gothic" panose="020B0502020202020204" pitchFamily="34" charset="0"/>
+                        </a:rPr>
+                        <a:t>Streams</a:t>
+                      </a:r>
+                    </a:p>
+                  </a:txBody>
+                  <a:tcPr marL="9525" marR="9525" marT="9525" marB="0" anchor="ctr" anchorCtr="1">
+                    <a:lnL>
+                      <a:noFill/>
+                    </a:lnL>
+                    <a:lnR>
+                      <a:noFill/>
+                    </a:lnR>
+                    <a:lnT>
+                      <a:noFill/>
+                    </a:lnT>
+                    <a:lnB>
+                      <a:noFill/>
+                    </a:lnB>
+                    <a:solidFill>
+                      <a:schemeClr val="bg1">
+                        <a:lumMod val="75000"/>
+                      </a:schemeClr>
+                    </a:solidFill>
+                  </a:tcPr>
+                </a:tc>
+                <a:extLst>
+                  <a:ext uri="{0D108BD9-81ED-4DB2-BD59-A6C34878D82A}">
+                    <a16:rowId xmlns:a16="http://schemas.microsoft.com/office/drawing/2014/main" val="3441185617"/>
+                  </a:ext>
+                </a:extLst>
+              </a:tr>
+              <a:tr h="0">
+                <a:tc>
+                  <a:txBody>
+                    <a:bodyPr/>
+                    <a:lstStyle/>
+                    <a:p>
+                      <a:pPr algn="r" rtl="0" fontAlgn="ctr"/>
+                      <a:r>
+                        <a:rPr lang="en-US" sz="1800" b="0" i="0" u="none" strike="noStrike">
+                          <a:solidFill>
+                            <a:srgbClr val="000000"/>
+                          </a:solidFill>
+                          <a:effectLst/>
+                          <a:latin typeface="Century Gothic" panose="020B0502020202020204" pitchFamily="34" charset="0"/>
+                        </a:rPr>
+                        <a:t>2017</a:t>
+                      </a:r>
+                    </a:p>
+                  </a:txBody>
+                  <a:tcPr marL="9525" marR="9525" marT="9525" marB="0" anchor="ctr" anchorCtr="1">
+                    <a:lnL>
+                      <a:noFill/>
+                    </a:lnL>
+                    <a:lnR>
+                      <a:noFill/>
+                    </a:lnR>
+                    <a:lnT>
+                      <a:noFill/>
+                    </a:lnT>
+                    <a:lnB>
+                      <a:noFill/>
+                    </a:lnB>
+                    <a:solidFill>
+                      <a:srgbClr val="F5F5F5"/>
+                    </a:solidFill>
+                  </a:tcPr>
+                </a:tc>
+                <a:tc>
+                  <a:txBody>
+                    <a:bodyPr/>
+                    <a:lstStyle/>
+                    <a:p>
+                      <a:pPr algn="r" rtl="0" fontAlgn="ctr"/>
+                      <a:r>
+                        <a:rPr lang="en-US" sz="1800" b="0" i="0" u="none" strike="noStrike" dirty="0">
+                          <a:solidFill>
+                            <a:srgbClr val="000000"/>
+                          </a:solidFill>
+                          <a:effectLst/>
+                          <a:latin typeface="Century Gothic" panose="020B0502020202020204" pitchFamily="34" charset="0"/>
+                        </a:rPr>
+                        <a:t>               75,248,867,959 </a:t>
+                      </a:r>
+                    </a:p>
+                  </a:txBody>
+                  <a:tcPr marL="9525" marR="9525" marT="9525" marB="0" anchor="ctr" anchorCtr="1">
+                    <a:lnL>
+                      <a:noFill/>
+                    </a:lnL>
+                    <a:lnR>
+                      <a:noFill/>
+                    </a:lnR>
+                    <a:lnT>
+                      <a:noFill/>
+                    </a:lnT>
+                    <a:lnB>
+                      <a:noFill/>
+                    </a:lnB>
+                    <a:solidFill>
+                      <a:srgbClr val="F5F5F5"/>
+                    </a:solidFill>
+                  </a:tcPr>
+                </a:tc>
+                <a:extLst>
+                  <a:ext uri="{0D108BD9-81ED-4DB2-BD59-A6C34878D82A}">
+                    <a16:rowId xmlns:a16="http://schemas.microsoft.com/office/drawing/2014/main" val="3715589244"/>
+                  </a:ext>
+                </a:extLst>
+              </a:tr>
+              <a:tr h="0">
+                <a:tc>
+                  <a:txBody>
+                    <a:bodyPr/>
+                    <a:lstStyle/>
+                    <a:p>
+                      <a:pPr algn="r" rtl="0" fontAlgn="ctr"/>
+                      <a:r>
+                        <a:rPr lang="en-US" sz="1800" b="0" i="0" u="none" strike="noStrike">
+                          <a:solidFill>
+                            <a:srgbClr val="000000"/>
+                          </a:solidFill>
+                          <a:effectLst/>
+                          <a:latin typeface="Century Gothic" panose="020B0502020202020204" pitchFamily="34" charset="0"/>
+                        </a:rPr>
+                        <a:t>2018</a:t>
+                      </a:r>
+                    </a:p>
+                  </a:txBody>
+                  <a:tcPr marL="9525" marR="9525" marT="9525" marB="0" anchor="ctr" anchorCtr="1">
+                    <a:lnL>
+                      <a:noFill/>
+                    </a:lnL>
+                    <a:lnR>
+                      <a:noFill/>
+                    </a:lnR>
+                    <a:lnT>
+                      <a:noFill/>
+                    </a:lnT>
+                    <a:lnB>
+                      <a:noFill/>
+                    </a:lnB>
+                    <a:solidFill>
+                      <a:srgbClr val="FFFFFF"/>
+                    </a:solidFill>
+                  </a:tcPr>
+                </a:tc>
+                <a:tc>
+                  <a:txBody>
+                    <a:bodyPr/>
+                    <a:lstStyle/>
+                    <a:p>
+                      <a:pPr algn="r" rtl="0" fontAlgn="ctr"/>
+                      <a:r>
+                        <a:rPr lang="en-US" sz="1800" b="0" i="0" u="none" strike="noStrike">
+                          <a:solidFill>
+                            <a:srgbClr val="000000"/>
+                          </a:solidFill>
+                          <a:effectLst/>
+                          <a:latin typeface="Century Gothic" panose="020B0502020202020204" pitchFamily="34" charset="0"/>
+                        </a:rPr>
+                        <a:t>               83,871,067,173 </a:t>
+                      </a:r>
+                    </a:p>
+                  </a:txBody>
+                  <a:tcPr marL="9525" marR="9525" marT="9525" marB="0" anchor="ctr" anchorCtr="1">
+                    <a:lnL>
+                      <a:noFill/>
+                    </a:lnL>
+                    <a:lnR>
+                      <a:noFill/>
+                    </a:lnR>
+                    <a:lnT>
+                      <a:noFill/>
+                    </a:lnT>
+                    <a:lnB>
+                      <a:noFill/>
+                    </a:lnB>
+                    <a:solidFill>
+                      <a:srgbClr val="FFFFFF"/>
+                    </a:solidFill>
+                  </a:tcPr>
+                </a:tc>
+                <a:extLst>
+                  <a:ext uri="{0D108BD9-81ED-4DB2-BD59-A6C34878D82A}">
+                    <a16:rowId xmlns:a16="http://schemas.microsoft.com/office/drawing/2014/main" val="2279699556"/>
+                  </a:ext>
+                </a:extLst>
+              </a:tr>
+              <a:tr h="0">
+                <a:tc>
+                  <a:txBody>
+                    <a:bodyPr/>
+                    <a:lstStyle/>
+                    <a:p>
+                      <a:pPr algn="r" rtl="0" fontAlgn="ctr"/>
+                      <a:r>
+                        <a:rPr lang="en-US" sz="1800" b="0" i="0" u="none" strike="noStrike">
+                          <a:solidFill>
+                            <a:srgbClr val="000000"/>
+                          </a:solidFill>
+                          <a:effectLst/>
+                          <a:latin typeface="Century Gothic" panose="020B0502020202020204" pitchFamily="34" charset="0"/>
+                        </a:rPr>
+                        <a:t>2019</a:t>
+                      </a:r>
+                    </a:p>
+                  </a:txBody>
+                  <a:tcPr marL="9525" marR="9525" marT="9525" marB="0" anchor="ctr" anchorCtr="1">
+                    <a:lnL>
+                      <a:noFill/>
+                    </a:lnL>
+                    <a:lnR>
+                      <a:noFill/>
+                    </a:lnR>
+                    <a:lnT>
+                      <a:noFill/>
+                    </a:lnT>
+                    <a:lnB>
+                      <a:noFill/>
+                    </a:lnB>
+                    <a:solidFill>
+                      <a:srgbClr val="F5F5F5"/>
+                    </a:solidFill>
+                  </a:tcPr>
+                </a:tc>
+                <a:tc>
+                  <a:txBody>
+                    <a:bodyPr/>
+                    <a:lstStyle/>
+                    <a:p>
+                      <a:pPr algn="r" rtl="0" fontAlgn="ctr"/>
+                      <a:r>
+                        <a:rPr lang="en-US" sz="1800" b="0" i="0" u="none" strike="noStrike">
+                          <a:solidFill>
+                            <a:srgbClr val="000000"/>
+                          </a:solidFill>
+                          <a:effectLst/>
+                          <a:latin typeface="Century Gothic" panose="020B0502020202020204" pitchFamily="34" charset="0"/>
+                        </a:rPr>
+                        <a:t>               89,244,533,337 </a:t>
+                      </a:r>
+                    </a:p>
+                  </a:txBody>
+                  <a:tcPr marL="9525" marR="9525" marT="9525" marB="0" anchor="ctr" anchorCtr="1">
+                    <a:lnL>
+                      <a:noFill/>
+                    </a:lnL>
+                    <a:lnR>
+                      <a:noFill/>
+                    </a:lnR>
+                    <a:lnT>
+                      <a:noFill/>
+                    </a:lnT>
+                    <a:lnB>
+                      <a:noFill/>
+                    </a:lnB>
+                    <a:solidFill>
+                      <a:srgbClr val="F5F5F5"/>
+                    </a:solidFill>
+                  </a:tcPr>
+                </a:tc>
+                <a:extLst>
+                  <a:ext uri="{0D108BD9-81ED-4DB2-BD59-A6C34878D82A}">
+                    <a16:rowId xmlns:a16="http://schemas.microsoft.com/office/drawing/2014/main" val="1705234275"/>
+                  </a:ext>
+                </a:extLst>
+              </a:tr>
+              <a:tr h="0">
+                <a:tc>
+                  <a:txBody>
+                    <a:bodyPr/>
+                    <a:lstStyle/>
+                    <a:p>
+                      <a:pPr algn="r" rtl="0" fontAlgn="ctr"/>
+                      <a:r>
+                        <a:rPr lang="en-US" sz="1800" b="0" i="0" u="none" strike="noStrike">
+                          <a:solidFill>
+                            <a:srgbClr val="000000"/>
+                          </a:solidFill>
+                          <a:effectLst/>
+                          <a:latin typeface="Century Gothic" panose="020B0502020202020204" pitchFamily="34" charset="0"/>
+                        </a:rPr>
+                        <a:t>2020</a:t>
+                      </a:r>
+                    </a:p>
+                  </a:txBody>
+                  <a:tcPr marL="9525" marR="9525" marT="9525" marB="0" anchor="ctr" anchorCtr="1">
+                    <a:lnL>
+                      <a:noFill/>
+                    </a:lnL>
+                    <a:lnR>
+                      <a:noFill/>
+                    </a:lnR>
+                    <a:lnT>
+                      <a:noFill/>
+                    </a:lnT>
+                    <a:lnB>
+                      <a:noFill/>
+                    </a:lnB>
+                    <a:solidFill>
+                      <a:srgbClr val="FFFFFF"/>
+                    </a:solidFill>
+                  </a:tcPr>
+                </a:tc>
+                <a:tc>
+                  <a:txBody>
+                    <a:bodyPr/>
+                    <a:lstStyle/>
+                    <a:p>
+                      <a:pPr algn="r" rtl="0" fontAlgn="ctr"/>
+                      <a:r>
+                        <a:rPr lang="en-US" sz="1800" b="0" i="0" u="none" strike="noStrike">
+                          <a:solidFill>
+                            <a:srgbClr val="000000"/>
+                          </a:solidFill>
+                          <a:effectLst/>
+                          <a:latin typeface="Century Gothic" panose="020B0502020202020204" pitchFamily="34" charset="0"/>
+                        </a:rPr>
+                        <a:t>               93,572,987,487 </a:t>
+                      </a:r>
+                    </a:p>
+                  </a:txBody>
+                  <a:tcPr marL="9525" marR="9525" marT="9525" marB="0" anchor="ctr" anchorCtr="1">
+                    <a:lnL>
+                      <a:noFill/>
+                    </a:lnL>
+                    <a:lnR>
+                      <a:noFill/>
+                    </a:lnR>
+                    <a:lnT>
+                      <a:noFill/>
+                    </a:lnT>
+                    <a:lnB>
+                      <a:noFill/>
+                    </a:lnB>
+                    <a:solidFill>
+                      <a:srgbClr val="FFFFFF"/>
+                    </a:solidFill>
+                  </a:tcPr>
+                </a:tc>
+                <a:extLst>
+                  <a:ext uri="{0D108BD9-81ED-4DB2-BD59-A6C34878D82A}">
+                    <a16:rowId xmlns:a16="http://schemas.microsoft.com/office/drawing/2014/main" val="4108132722"/>
+                  </a:ext>
+                </a:extLst>
+              </a:tr>
+              <a:tr h="0">
+                <a:tc>
+                  <a:txBody>
+                    <a:bodyPr/>
+                    <a:lstStyle/>
+                    <a:p>
+                      <a:pPr algn="r" rtl="0" fontAlgn="ctr"/>
+                      <a:r>
+                        <a:rPr lang="en-US" sz="1800" b="0" i="0" u="none" strike="noStrike">
+                          <a:solidFill>
+                            <a:srgbClr val="000000"/>
+                          </a:solidFill>
+                          <a:effectLst/>
+                          <a:latin typeface="Century Gothic" panose="020B0502020202020204" pitchFamily="34" charset="0"/>
+                        </a:rPr>
+                        <a:t>2021</a:t>
+                      </a:r>
+                    </a:p>
+                  </a:txBody>
+                  <a:tcPr marL="9525" marR="9525" marT="9525" marB="0" anchor="ctr" anchorCtr="1">
+                    <a:lnL>
+                      <a:noFill/>
+                    </a:lnL>
+                    <a:lnR>
+                      <a:noFill/>
+                    </a:lnR>
+                    <a:lnT>
+                      <a:noFill/>
+                    </a:lnT>
+                    <a:lnB>
+                      <a:noFill/>
+                    </a:lnB>
+                    <a:solidFill>
+                      <a:srgbClr val="F5F5F5"/>
+                    </a:solidFill>
+                  </a:tcPr>
+                </a:tc>
+                <a:tc>
+                  <a:txBody>
+                    <a:bodyPr/>
+                    <a:lstStyle/>
+                    <a:p>
+                      <a:pPr algn="r" rtl="0" fontAlgn="ctr"/>
+                      <a:r>
+                        <a:rPr lang="en-US" sz="1800" b="0" i="0" u="none" strike="noStrike" dirty="0">
+                          <a:solidFill>
+                            <a:srgbClr val="000000"/>
+                          </a:solidFill>
+                          <a:effectLst/>
+                          <a:latin typeface="Century Gothic" panose="020B0502020202020204" pitchFamily="34" charset="0"/>
+                        </a:rPr>
+                        <a:t>               39,775,784,728 </a:t>
+                      </a:r>
+                    </a:p>
+                  </a:txBody>
+                  <a:tcPr marL="9525" marR="9525" marT="9525" marB="0" anchor="ctr" anchorCtr="1">
+                    <a:lnL>
+                      <a:noFill/>
+                    </a:lnL>
+                    <a:lnR>
+                      <a:noFill/>
+                    </a:lnR>
+                    <a:lnT>
+                      <a:noFill/>
+                    </a:lnT>
+                    <a:lnB>
+                      <a:noFill/>
+                    </a:lnB>
+                    <a:solidFill>
+                      <a:srgbClr val="F5F5F5"/>
+                    </a:solidFill>
+                  </a:tcPr>
+                </a:tc>
+                <a:extLst>
+                  <a:ext uri="{0D108BD9-81ED-4DB2-BD59-A6C34878D82A}">
+                    <a16:rowId xmlns:a16="http://schemas.microsoft.com/office/drawing/2014/main" val="585907154"/>
+                  </a:ext>
+                </a:extLst>
+              </a:tr>
+            </a:tbl>
+          </a:graphicData>
+        </a:graphic>
+      </p:graphicFrame>
+      <p:pic>
+        <p:nvPicPr>
+          <p:cNvPr id="5" name="Picture 4">
+            <a:extLst>
+              <a:ext uri="{FF2B5EF4-FFF2-40B4-BE49-F238E27FC236}">
+                <a16:creationId xmlns:a16="http://schemas.microsoft.com/office/drawing/2014/main" id="{D48D8958-8D7A-2540-E1D9-F9C97CA40D12}"/>
+              </a:ext>
+            </a:extLst>
+          </p:cNvPr>
+          <p:cNvPicPr>
+            <a:picLocks noChangeAspect="1"/>
+          </p:cNvPicPr>
+          <p:nvPr/>
+        </p:nvPicPr>
+        <p:blipFill>
+          <a:blip r:embed="rId2">
+            <a:extLst>
+              <a:ext uri="{28A0092B-C50C-407E-A947-70E740481C1C}">
+                <a14:useLocalDpi xmlns:a14="http://schemas.microsoft.com/office/drawing/2010/main" val="0"/>
+              </a:ext>
+            </a:extLst>
+          </a:blip>
+          <a:stretch>
+            <a:fillRect/>
+          </a:stretch>
+        </p:blipFill>
+        <p:spPr>
+          <a:xfrm>
+            <a:off x="6225071" y="2980214"/>
+            <a:ext cx="5334918" cy="3200951"/>
+          </a:xfrm>
+          <a:prstGeom prst="rect">
+            <a:avLst/>
+          </a:prstGeom>
+        </p:spPr>
+      </p:pic>
+      <p:sp>
+        <p:nvSpPr>
+          <p:cNvPr id="6" name="TextBox 5">
+            <a:extLst>
+              <a:ext uri="{FF2B5EF4-FFF2-40B4-BE49-F238E27FC236}">
+                <a16:creationId xmlns:a16="http://schemas.microsoft.com/office/drawing/2014/main" id="{5D40AB45-2F5D-9FF8-F71D-7A39364174C6}"/>
+              </a:ext>
+            </a:extLst>
+          </p:cNvPr>
+          <p:cNvSpPr txBox="1"/>
+          <p:nvPr/>
+        </p:nvSpPr>
+        <p:spPr>
+          <a:xfrm>
+            <a:off x="926353" y="5244857"/>
+            <a:ext cx="5850965" cy="1477328"/>
+          </a:xfrm>
+          <a:prstGeom prst="rect">
+            <a:avLst/>
+          </a:prstGeom>
+          <a:noFill/>
+        </p:spPr>
+        <p:txBody>
+          <a:bodyPr wrap="square" rtlCol="0">
+            <a:spAutoFit/>
+          </a:bodyPr>
+          <a:lstStyle/>
+          <a:p>
+            <a:r>
+              <a:rPr lang="en-US" dirty="0"/>
+              <a:t>The bar chart clearly show the music streaming increase approximately 4.0B from 2019- 2020. Also note that 2021 streaming data is for 6 month. </a:t>
+            </a:r>
+          </a:p>
+          <a:p>
+            <a:r>
+              <a:rPr lang="en-US" dirty="0"/>
+              <a:t>We estimate that the streaming for the year 2021 year end would  reach 78.0 B streams.</a:t>
             </a:r>
           </a:p>
         </p:txBody>
@@ -13468,13 +14076,16 @@
     </p:spTree>
     <p:extLst>
       <p:ext uri="{BB962C8B-B14F-4D97-AF65-F5344CB8AC3E}">
-        <p14:creationId xmlns:p14="http://schemas.microsoft.com/office/powerpoint/2010/main" val="612460994"/>
+        <p14:creationId xmlns:p14="http://schemas.microsoft.com/office/powerpoint/2010/main" val="262404599"/>
       </p:ext>
     </p:extLst>
   </p:cSld>
   <p:clrMapOvr>
     <a:masterClrMapping/>
   </p:clrMapOvr>
+  <p:transition spd="slow">
+    <p:push dir="u"/>
+  </p:transition>
 </p:sld>
 </file>
 
@@ -13540,7 +14151,12 @@
             <p:ph idx="1"/>
           </p:nvPr>
         </p:nvSpPr>
-        <p:spPr/>
+        <p:spPr>
+          <a:xfrm>
+            <a:off x="1154954" y="2603500"/>
+            <a:ext cx="10396070" cy="3416300"/>
+          </a:xfrm>
+        </p:spPr>
         <p:txBody>
           <a:bodyPr/>
           <a:lstStyle/>
@@ -13551,7 +14167,7 @@
                   <a:schemeClr val="accent1"/>
                 </a:solidFill>
               </a:rPr>
-              <a:t>Top 5 performing artists by year</a:t>
+              <a:t>Stream/Downloads per Year , Pre-During and Post  Covid-19</a:t>
             </a:r>
           </a:p>
           <a:p>
@@ -13563,6 +14179,42 @@
           </a:p>
         </p:txBody>
       </p:sp>
+      <p:pic>
+        <p:nvPicPr>
+          <p:cNvPr id="7" name="Picture 6">
+            <a:extLst>
+              <a:ext uri="{FF2B5EF4-FFF2-40B4-BE49-F238E27FC236}">
+                <a16:creationId xmlns:a16="http://schemas.microsoft.com/office/drawing/2014/main" id="{02B435F8-507A-321C-2D2B-BB60D33798E9}"/>
+              </a:ext>
+            </a:extLst>
+          </p:cNvPr>
+          <p:cNvPicPr>
+            <a:picLocks noChangeAspect="1"/>
+          </p:cNvPicPr>
+          <p:nvPr/>
+        </p:nvPicPr>
+        <p:blipFill>
+          <a:blip r:embed="rId2">
+            <a:extLst>
+              <a:ext uri="{28A0092B-C50C-407E-A947-70E740481C1C}">
+                <a14:useLocalDpi xmlns:a14="http://schemas.microsoft.com/office/drawing/2010/main" val="0"/>
+              </a:ext>
+            </a:extLst>
+          </a:blip>
+          <a:stretch>
+            <a:fillRect/>
+          </a:stretch>
+        </p:blipFill>
+        <p:spPr>
+          <a:xfrm>
+            <a:off x="1349188" y="3011168"/>
+            <a:ext cx="8803341" cy="3200951"/>
+          </a:xfrm>
+          <a:prstGeom prst="rect">
+            <a:avLst/>
+          </a:prstGeom>
+        </p:spPr>
+      </p:pic>
     </p:spTree>
     <p:extLst>
       <p:ext uri="{BB962C8B-B14F-4D97-AF65-F5344CB8AC3E}">
@@ -13573,6 +14225,9 @@
   <p:clrMapOvr>
     <a:masterClrMapping/>
   </p:clrMapOvr>
+  <p:transition spd="slow">
+    <p:push dir="u"/>
+  </p:transition>
 </p:sld>
 </file>
 
@@ -13649,18 +14304,124 @@
                   <a:schemeClr val="accent1"/>
                 </a:solidFill>
               </a:rPr>
-              <a:t>Correlation between properties of the song and streaming</a:t>
+              <a:t>Correlation between streaming Music and Covid-19</a:t>
             </a:r>
-          </a:p>
-          <a:p>
-            <a:endParaRPr lang="en-US" b="1" dirty="0">
-              <a:solidFill>
-                <a:schemeClr val="accent1"/>
-              </a:solidFill>
-            </a:endParaRPr>
           </a:p>
         </p:txBody>
       </p:sp>
+      <p:pic>
+        <p:nvPicPr>
+          <p:cNvPr id="7" name="Picture 6">
+            <a:extLst>
+              <a:ext uri="{FF2B5EF4-FFF2-40B4-BE49-F238E27FC236}">
+                <a16:creationId xmlns:a16="http://schemas.microsoft.com/office/drawing/2014/main" id="{D2C1CE95-5A5E-4483-C967-3CFC6EC02F4C}"/>
+              </a:ext>
+            </a:extLst>
+          </p:cNvPr>
+          <p:cNvPicPr>
+            <a:picLocks noChangeAspect="1"/>
+          </p:cNvPicPr>
+          <p:nvPr/>
+        </p:nvPicPr>
+        <p:blipFill>
+          <a:blip r:embed="rId2">
+            <a:extLst>
+              <a:ext uri="{28A0092B-C50C-407E-A947-70E740481C1C}">
+                <a14:useLocalDpi xmlns:a14="http://schemas.microsoft.com/office/drawing/2010/main" val="0"/>
+              </a:ext>
+            </a:extLst>
+          </a:blip>
+          <a:stretch>
+            <a:fillRect/>
+          </a:stretch>
+        </p:blipFill>
+        <p:spPr>
+          <a:xfrm>
+            <a:off x="5023948" y="2902348"/>
+            <a:ext cx="4395474" cy="3192275"/>
+          </a:xfrm>
+          <a:prstGeom prst="rect">
+            <a:avLst/>
+          </a:prstGeom>
+        </p:spPr>
+      </p:pic>
+      <p:sp>
+        <p:nvSpPr>
+          <p:cNvPr id="8" name="TextBox 7">
+            <a:extLst>
+              <a:ext uri="{FF2B5EF4-FFF2-40B4-BE49-F238E27FC236}">
+                <a16:creationId xmlns:a16="http://schemas.microsoft.com/office/drawing/2014/main" id="{340B037A-6903-1328-9D09-A859B1318736}"/>
+              </a:ext>
+            </a:extLst>
+          </p:cNvPr>
+          <p:cNvSpPr txBox="1"/>
+          <p:nvPr/>
+        </p:nvSpPr>
+        <p:spPr>
+          <a:xfrm>
+            <a:off x="1154954" y="6019800"/>
+            <a:ext cx="8264468" cy="923330"/>
+          </a:xfrm>
+          <a:prstGeom prst="rect">
+            <a:avLst/>
+          </a:prstGeom>
+          <a:noFill/>
+        </p:spPr>
+        <p:txBody>
+          <a:bodyPr wrap="square" rtlCol="0">
+            <a:spAutoFit/>
+          </a:bodyPr>
+          <a:lstStyle/>
+          <a:p>
+            <a:r>
+              <a:rPr lang="en-US" dirty="0"/>
+              <a:t>This graph shows the trend the music streaming took from 2017 – 2021</a:t>
+            </a:r>
+          </a:p>
+          <a:p>
+            <a:r>
+              <a:rPr lang="en-US" dirty="0"/>
+              <a:t>There is a positive correlation between music streamed and covid 19 era.</a:t>
+            </a:r>
+          </a:p>
+        </p:txBody>
+      </p:sp>
+      <p:pic>
+        <p:nvPicPr>
+          <p:cNvPr id="6" name="Picture 5">
+            <a:extLst>
+              <a:ext uri="{FF2B5EF4-FFF2-40B4-BE49-F238E27FC236}">
+                <a16:creationId xmlns:a16="http://schemas.microsoft.com/office/drawing/2014/main" id="{0C9F7F10-2B14-D790-94A5-1AADE427D1BB}"/>
+              </a:ext>
+            </a:extLst>
+          </p:cNvPr>
+          <p:cNvPicPr>
+            <a:picLocks noChangeAspect="1"/>
+          </p:cNvPicPr>
+          <p:nvPr/>
+        </p:nvPicPr>
+        <p:blipFill>
+          <a:blip r:embed="rId3">
+            <a:extLst>
+              <a:ext uri="{28A0092B-C50C-407E-A947-70E740481C1C}">
+                <a14:useLocalDpi xmlns:a14="http://schemas.microsoft.com/office/drawing/2010/main" val="0"/>
+              </a:ext>
+            </a:extLst>
+          </a:blip>
+          <a:stretch>
+            <a:fillRect/>
+          </a:stretch>
+        </p:blipFill>
+        <p:spPr>
+          <a:xfrm>
+            <a:off x="1028736" y="2902348"/>
+            <a:ext cx="4121431" cy="3091073"/>
+          </a:xfrm>
+          <a:prstGeom prst="rect">
+            <a:avLst/>
+          </a:prstGeom>
+        </p:spPr>
+      </p:pic>
     </p:spTree>
     <p:extLst>
       <p:ext uri="{BB962C8B-B14F-4D97-AF65-F5344CB8AC3E}">
@@ -13671,6 +14432,9 @@
   <p:clrMapOvr>
     <a:masterClrMapping/>
   </p:clrMapOvr>
+  <p:transition spd="slow">
+    <p:push dir="u"/>
+  </p:transition>
 </p:sld>
 </file>
 
@@ -13799,6 +14563,13 @@
               <a:schemeClr val="lt1"/>
             </a:fontRef>
           </p:style>
+          <p:txBody>
+            <a:bodyPr/>
+            <a:lstStyle/>
+            <a:p>
+              <a:endParaRPr lang="en-US"/>
+            </a:p>
+          </p:txBody>
         </p:sp>
         <p:sp>
           <p:nvSpPr>
@@ -13878,6 +14649,13 @@
               <a:noFill/>
             </a:ln>
           </p:spPr>
+          <p:txBody>
+            <a:bodyPr/>
+            <a:lstStyle/>
+            <a:p>
+              <a:endParaRPr lang="en-US"/>
+            </a:p>
+          </p:txBody>
         </p:sp>
       </p:grpSp>
       <p:sp>
@@ -13932,6 +14710,13 @@
             <a:schemeClr val="lt1"/>
           </a:fontRef>
         </p:style>
+        <p:txBody>
+          <a:bodyPr/>
+          <a:lstStyle/>
+          <a:p>
+            <a:endParaRPr lang="en-US"/>
+          </a:p>
+        </p:txBody>
       </p:sp>
       <p:sp>
         <p:nvSpPr>
@@ -14011,6 +14796,13 @@
             <a:noFill/>
           </a:ln>
         </p:spPr>
+        <p:txBody>
+          <a:bodyPr/>
+          <a:lstStyle/>
+          <a:p>
+            <a:endParaRPr lang="en-US"/>
+          </a:p>
+        </p:txBody>
       </p:sp>
       <p:sp>
         <p:nvSpPr>
@@ -14138,6 +14930,13 @@
             <a:schemeClr val="lt1"/>
           </a:fontRef>
         </p:style>
+        <p:txBody>
+          <a:bodyPr/>
+          <a:lstStyle/>
+          <a:p>
+            <a:endParaRPr lang="en-US"/>
+          </a:p>
+        </p:txBody>
       </p:sp>
       <p:pic>
         <p:nvPicPr>
@@ -14275,6 +15074,13 @@
             <a:schemeClr val="lt1"/>
           </a:fontRef>
         </p:style>
+        <p:txBody>
+          <a:bodyPr/>
+          <a:lstStyle/>
+          <a:p>
+            <a:endParaRPr lang="en-US"/>
+          </a:p>
+        </p:txBody>
       </p:sp>
       <p:sp>
         <p:nvSpPr>
@@ -14439,6 +15245,13 @@
             <a:noFill/>
           </a:ln>
         </p:spPr>
+        <p:txBody>
+          <a:bodyPr/>
+          <a:lstStyle/>
+          <a:p>
+            <a:endParaRPr lang="en-US"/>
+          </a:p>
+        </p:txBody>
       </p:sp>
       <p:sp>
         <p:nvSpPr>
@@ -14905,6 +15718,13 @@
             <a:noFill/>
           </a:ln>
         </p:spPr>
+        <p:txBody>
+          <a:bodyPr/>
+          <a:lstStyle/>
+          <a:p>
+            <a:endParaRPr lang="en-US"/>
+          </a:p>
+        </p:txBody>
       </p:sp>
       <p:sp>
         <p:nvSpPr>
@@ -14984,6 +15804,13 @@
             <a:noFill/>
           </a:ln>
         </p:spPr>
+        <p:txBody>
+          <a:bodyPr/>
+          <a:lstStyle/>
+          <a:p>
+            <a:endParaRPr lang="en-US"/>
+          </a:p>
+        </p:txBody>
       </p:sp>
       <p:sp>
         <p:nvSpPr>
@@ -15098,6 +15925,13 @@
             <a:schemeClr val="lt1"/>
           </a:fontRef>
         </p:style>
+        <p:txBody>
+          <a:bodyPr/>
+          <a:lstStyle/>
+          <a:p>
+            <a:endParaRPr lang="en-US"/>
+          </a:p>
+        </p:txBody>
       </p:sp>
       <p:sp>
         <p:nvSpPr>
@@ -16129,7 +16963,12 @@
             <p:ph idx="1"/>
           </p:nvPr>
         </p:nvSpPr>
-        <p:spPr/>
+        <p:spPr>
+          <a:xfrm>
+            <a:off x="445787" y="2252268"/>
+            <a:ext cx="8825659" cy="3416300"/>
+          </a:xfrm>
+        </p:spPr>
         <p:txBody>
           <a:bodyPr/>
           <a:lstStyle/>
@@ -16140,7 +16979,865 @@
                   <a:schemeClr val="accent1"/>
                 </a:solidFill>
               </a:rPr>
-              <a:t>Plots by Streams and music features like Danceability, loudness, tempo</a:t>
+              <a:t>Pie Chart of Most Streamed Artist Pre and post covid</a:t>
+            </a:r>
+          </a:p>
+        </p:txBody>
+      </p:sp>
+      <p:pic>
+        <p:nvPicPr>
+          <p:cNvPr id="7" name="Picture 6">
+            <a:extLst>
+              <a:ext uri="{FF2B5EF4-FFF2-40B4-BE49-F238E27FC236}">
+                <a16:creationId xmlns:a16="http://schemas.microsoft.com/office/drawing/2014/main" id="{30887898-16D3-DF1A-9077-F295D1800B11}"/>
+              </a:ext>
+            </a:extLst>
+          </p:cNvPr>
+          <p:cNvPicPr>
+            <a:picLocks noChangeAspect="1"/>
+          </p:cNvPicPr>
+          <p:nvPr/>
+        </p:nvPicPr>
+        <p:blipFill>
+          <a:blip r:embed="rId2">
+            <a:extLst>
+              <a:ext uri="{28A0092B-C50C-407E-A947-70E740481C1C}">
+                <a14:useLocalDpi xmlns:a14="http://schemas.microsoft.com/office/drawing/2010/main" val="0"/>
+              </a:ext>
+            </a:extLst>
+          </a:blip>
+          <a:stretch>
+            <a:fillRect/>
+          </a:stretch>
+        </p:blipFill>
+        <p:spPr>
+          <a:xfrm>
+            <a:off x="7113492" y="4532985"/>
+            <a:ext cx="3028221" cy="2271166"/>
+          </a:xfrm>
+          <a:prstGeom prst="rect">
+            <a:avLst/>
+          </a:prstGeom>
+        </p:spPr>
+      </p:pic>
+      <p:pic>
+        <p:nvPicPr>
+          <p:cNvPr id="17" name="Picture 16">
+            <a:extLst>
+              <a:ext uri="{FF2B5EF4-FFF2-40B4-BE49-F238E27FC236}">
+                <a16:creationId xmlns:a16="http://schemas.microsoft.com/office/drawing/2014/main" id="{EF187972-D71C-5189-637A-7AA717FAFEB7}"/>
+              </a:ext>
+            </a:extLst>
+          </p:cNvPr>
+          <p:cNvPicPr>
+            <a:picLocks noChangeAspect="1"/>
+          </p:cNvPicPr>
+          <p:nvPr/>
+        </p:nvPicPr>
+        <p:blipFill>
+          <a:blip r:embed="rId3">
+            <a:extLst>
+              <a:ext uri="{28A0092B-C50C-407E-A947-70E740481C1C}">
+                <a14:useLocalDpi xmlns:a14="http://schemas.microsoft.com/office/drawing/2010/main" val="0"/>
+              </a:ext>
+            </a:extLst>
+          </a:blip>
+          <a:stretch>
+            <a:fillRect/>
+          </a:stretch>
+        </p:blipFill>
+        <p:spPr>
+          <a:xfrm>
+            <a:off x="6398483" y="2325015"/>
+            <a:ext cx="4170906" cy="2311134"/>
+          </a:xfrm>
+          <a:prstGeom prst="rect">
+            <a:avLst/>
+          </a:prstGeom>
+        </p:spPr>
+      </p:pic>
+      <p:graphicFrame>
+        <p:nvGraphicFramePr>
+          <p:cNvPr id="22" name="Table 21">
+            <a:extLst>
+              <a:ext uri="{FF2B5EF4-FFF2-40B4-BE49-F238E27FC236}">
+                <a16:creationId xmlns:a16="http://schemas.microsoft.com/office/drawing/2014/main" id="{D249448E-8112-775E-6E76-8E96D807DC08}"/>
+              </a:ext>
+            </a:extLst>
+          </p:cNvPr>
+          <p:cNvGraphicFramePr>
+            <a:graphicFrameLocks noGrp="1"/>
+          </p:cNvGraphicFramePr>
+          <p:nvPr>
+            <p:extLst>
+              <p:ext uri="{D42A27DB-BD31-4B8C-83A1-F6EECF244321}">
+                <p14:modId xmlns:p14="http://schemas.microsoft.com/office/powerpoint/2010/main" val="1931472463"/>
+              </p:ext>
+            </p:extLst>
+          </p:nvPr>
+        </p:nvGraphicFramePr>
+        <p:xfrm>
+          <a:off x="241182" y="2863587"/>
+          <a:ext cx="5393137" cy="1703070"/>
+        </p:xfrm>
+        <a:graphic>
+          <a:graphicData uri="http://schemas.openxmlformats.org/drawingml/2006/table">
+            <a:tbl>
+              <a:tblPr/>
+              <a:tblGrid>
+                <a:gridCol w="980381">
+                  <a:extLst>
+                    <a:ext uri="{9D8B030D-6E8A-4147-A177-3AD203B41FA5}">
+                      <a16:colId xmlns:a16="http://schemas.microsoft.com/office/drawing/2014/main" val="193057600"/>
+                    </a:ext>
+                  </a:extLst>
+                </a:gridCol>
+                <a:gridCol w="1591847">
+                  <a:extLst>
+                    <a:ext uri="{9D8B030D-6E8A-4147-A177-3AD203B41FA5}">
+                      <a16:colId xmlns:a16="http://schemas.microsoft.com/office/drawing/2014/main" val="2376070044"/>
+                    </a:ext>
+                  </a:extLst>
+                </a:gridCol>
+                <a:gridCol w="2820909">
+                  <a:extLst>
+                    <a:ext uri="{9D8B030D-6E8A-4147-A177-3AD203B41FA5}">
+                      <a16:colId xmlns:a16="http://schemas.microsoft.com/office/drawing/2014/main" val="2117664360"/>
+                    </a:ext>
+                  </a:extLst>
+                </a:gridCol>
+              </a:tblGrid>
+              <a:tr h="0">
+                <a:tc>
+                  <a:txBody>
+                    <a:bodyPr/>
+                    <a:lstStyle/>
+                    <a:p>
+                      <a:pPr algn="r" rtl="0" fontAlgn="ctr"/>
+                      <a:r>
+                        <a:rPr lang="en-US" sz="1800" b="1" i="0" u="none" strike="noStrike" dirty="0">
+                          <a:solidFill>
+                            <a:srgbClr val="000000"/>
+                          </a:solidFill>
+                          <a:effectLst/>
+                          <a:latin typeface="Century Gothic" panose="020B0502020202020204" pitchFamily="34" charset="0"/>
+                        </a:rPr>
+                        <a:t>Year</a:t>
+                      </a:r>
+                    </a:p>
+                  </a:txBody>
+                  <a:tcPr marL="9525" marR="9525" marT="9525" marB="0" anchor="ctr" anchorCtr="1">
+                    <a:lnL>
+                      <a:noFill/>
+                    </a:lnL>
+                    <a:lnR>
+                      <a:noFill/>
+                    </a:lnR>
+                    <a:lnT>
+                      <a:noFill/>
+                    </a:lnT>
+                    <a:lnB>
+                      <a:noFill/>
+                    </a:lnB>
+                    <a:solidFill>
+                      <a:schemeClr val="bg1">
+                        <a:lumMod val="75000"/>
+                      </a:schemeClr>
+                    </a:solidFill>
+                  </a:tcPr>
+                </a:tc>
+                <a:tc>
+                  <a:txBody>
+                    <a:bodyPr/>
+                    <a:lstStyle/>
+                    <a:p>
+                      <a:pPr algn="r" rtl="0" fontAlgn="ctr"/>
+                      <a:r>
+                        <a:rPr lang="en-US" sz="1800" b="1" i="0" u="none" strike="noStrike">
+                          <a:solidFill>
+                            <a:srgbClr val="000000"/>
+                          </a:solidFill>
+                          <a:effectLst/>
+                          <a:latin typeface="Century Gothic" panose="020B0502020202020204" pitchFamily="34" charset="0"/>
+                        </a:rPr>
+                        <a:t>Artist</a:t>
+                      </a:r>
+                    </a:p>
+                  </a:txBody>
+                  <a:tcPr marL="9525" marR="9525" marT="9525" marB="0" anchor="ctr" anchorCtr="1">
+                    <a:lnL>
+                      <a:noFill/>
+                    </a:lnL>
+                    <a:lnR>
+                      <a:noFill/>
+                    </a:lnR>
+                    <a:lnT>
+                      <a:noFill/>
+                    </a:lnT>
+                    <a:lnB>
+                      <a:noFill/>
+                    </a:lnB>
+                    <a:solidFill>
+                      <a:schemeClr val="bg1">
+                        <a:lumMod val="75000"/>
+                      </a:schemeClr>
+                    </a:solidFill>
+                  </a:tcPr>
+                </a:tc>
+                <a:tc>
+                  <a:txBody>
+                    <a:bodyPr/>
+                    <a:lstStyle/>
+                    <a:p>
+                      <a:pPr algn="r" rtl="0" fontAlgn="ctr"/>
+                      <a:r>
+                        <a:rPr lang="en-US" sz="1800" b="1" i="0" u="none" strike="noStrike">
+                          <a:solidFill>
+                            <a:srgbClr val="000000"/>
+                          </a:solidFill>
+                          <a:effectLst/>
+                          <a:latin typeface="Century Gothic" panose="020B0502020202020204" pitchFamily="34" charset="0"/>
+                        </a:rPr>
+                        <a:t>Streams</a:t>
+                      </a:r>
+                    </a:p>
+                  </a:txBody>
+                  <a:tcPr marL="9525" marR="9525" marT="9525" marB="0" anchor="ctr" anchorCtr="1">
+                    <a:lnL>
+                      <a:noFill/>
+                    </a:lnL>
+                    <a:lnR>
+                      <a:noFill/>
+                    </a:lnR>
+                    <a:lnT>
+                      <a:noFill/>
+                    </a:lnT>
+                    <a:lnB>
+                      <a:noFill/>
+                    </a:lnB>
+                    <a:solidFill>
+                      <a:schemeClr val="bg1">
+                        <a:lumMod val="75000"/>
+                      </a:schemeClr>
+                    </a:solidFill>
+                  </a:tcPr>
+                </a:tc>
+                <a:extLst>
+                  <a:ext uri="{0D108BD9-81ED-4DB2-BD59-A6C34878D82A}">
+                    <a16:rowId xmlns:a16="http://schemas.microsoft.com/office/drawing/2014/main" val="2682202562"/>
+                  </a:ext>
+                </a:extLst>
+              </a:tr>
+              <a:tr h="0">
+                <a:tc>
+                  <a:txBody>
+                    <a:bodyPr/>
+                    <a:lstStyle/>
+                    <a:p>
+                      <a:pPr algn="r" rtl="0" fontAlgn="ctr"/>
+                      <a:r>
+                        <a:rPr lang="en-US" sz="1800" b="0" i="0" u="none" strike="noStrike" dirty="0">
+                          <a:solidFill>
+                            <a:srgbClr val="000000"/>
+                          </a:solidFill>
+                          <a:effectLst/>
+                          <a:latin typeface="Century Gothic" panose="020B0502020202020204" pitchFamily="34" charset="0"/>
+                        </a:rPr>
+                        <a:t>2017</a:t>
+                      </a:r>
+                    </a:p>
+                  </a:txBody>
+                  <a:tcPr marL="9525" marR="9525" marT="9525" marB="0" anchor="ctr" anchorCtr="1">
+                    <a:lnL>
+                      <a:noFill/>
+                    </a:lnL>
+                    <a:lnR>
+                      <a:noFill/>
+                    </a:lnR>
+                    <a:lnT>
+                      <a:noFill/>
+                    </a:lnT>
+                    <a:lnB>
+                      <a:noFill/>
+                    </a:lnB>
+                    <a:solidFill>
+                      <a:srgbClr val="F5F5F5"/>
+                    </a:solidFill>
+                  </a:tcPr>
+                </a:tc>
+                <a:tc>
+                  <a:txBody>
+                    <a:bodyPr/>
+                    <a:lstStyle/>
+                    <a:p>
+                      <a:pPr algn="r" rtl="0" fontAlgn="ctr"/>
+                      <a:r>
+                        <a:rPr lang="en-US" sz="1800" b="0" i="0" u="none" strike="noStrike">
+                          <a:solidFill>
+                            <a:srgbClr val="000000"/>
+                          </a:solidFill>
+                          <a:effectLst/>
+                          <a:latin typeface="Century Gothic" panose="020B0502020202020204" pitchFamily="34" charset="0"/>
+                        </a:rPr>
+                        <a:t>Ed Sheeran</a:t>
+                      </a:r>
+                    </a:p>
+                  </a:txBody>
+                  <a:tcPr marL="9525" marR="9525" marT="9525" marB="0" anchor="ctr" anchorCtr="1">
+                    <a:lnL>
+                      <a:noFill/>
+                    </a:lnL>
+                    <a:lnR>
+                      <a:noFill/>
+                    </a:lnR>
+                    <a:lnT>
+                      <a:noFill/>
+                    </a:lnT>
+                    <a:lnB>
+                      <a:noFill/>
+                    </a:lnB>
+                    <a:solidFill>
+                      <a:srgbClr val="F5F5F5"/>
+                    </a:solidFill>
+                  </a:tcPr>
+                </a:tc>
+                <a:tc>
+                  <a:txBody>
+                    <a:bodyPr/>
+                    <a:lstStyle/>
+                    <a:p>
+                      <a:pPr algn="r" rtl="0" fontAlgn="ctr"/>
+                      <a:r>
+                        <a:rPr lang="en-US" sz="1800" b="0" i="0" u="none" strike="noStrike" dirty="0">
+                          <a:solidFill>
+                            <a:srgbClr val="000000"/>
+                          </a:solidFill>
+                          <a:effectLst/>
+                          <a:latin typeface="Century Gothic" panose="020B0502020202020204" pitchFamily="34" charset="0"/>
+                        </a:rPr>
+                        <a:t>       4,526,988,042 </a:t>
+                      </a:r>
+                    </a:p>
+                  </a:txBody>
+                  <a:tcPr marL="9525" marR="9525" marT="9525" marB="0" anchor="ctr" anchorCtr="1">
+                    <a:lnL>
+                      <a:noFill/>
+                    </a:lnL>
+                    <a:lnR>
+                      <a:noFill/>
+                    </a:lnR>
+                    <a:lnT>
+                      <a:noFill/>
+                    </a:lnT>
+                    <a:lnB>
+                      <a:noFill/>
+                    </a:lnB>
+                    <a:solidFill>
+                      <a:srgbClr val="F5F5F5"/>
+                    </a:solidFill>
+                  </a:tcPr>
+                </a:tc>
+                <a:extLst>
+                  <a:ext uri="{0D108BD9-81ED-4DB2-BD59-A6C34878D82A}">
+                    <a16:rowId xmlns:a16="http://schemas.microsoft.com/office/drawing/2014/main" val="1386762444"/>
+                  </a:ext>
+                </a:extLst>
+              </a:tr>
+              <a:tr h="0">
+                <a:tc>
+                  <a:txBody>
+                    <a:bodyPr/>
+                    <a:lstStyle/>
+                    <a:p>
+                      <a:pPr algn="r" rtl="0" fontAlgn="ctr"/>
+                      <a:r>
+                        <a:rPr lang="en-US" sz="1800" b="0" i="0" u="none" strike="noStrike" dirty="0">
+                          <a:solidFill>
+                            <a:srgbClr val="000000"/>
+                          </a:solidFill>
+                          <a:effectLst/>
+                          <a:latin typeface="Century Gothic" panose="020B0502020202020204" pitchFamily="34" charset="0"/>
+                        </a:rPr>
+                        <a:t>2018</a:t>
+                      </a:r>
+                    </a:p>
+                  </a:txBody>
+                  <a:tcPr marL="9525" marR="9525" marT="9525" marB="0" anchor="ctr" anchorCtr="1">
+                    <a:lnL>
+                      <a:noFill/>
+                    </a:lnL>
+                    <a:lnR>
+                      <a:noFill/>
+                    </a:lnR>
+                    <a:lnT>
+                      <a:noFill/>
+                    </a:lnT>
+                    <a:lnB>
+                      <a:noFill/>
+                    </a:lnB>
+                    <a:solidFill>
+                      <a:srgbClr val="FFFFFF"/>
+                    </a:solidFill>
+                  </a:tcPr>
+                </a:tc>
+                <a:tc>
+                  <a:txBody>
+                    <a:bodyPr/>
+                    <a:lstStyle/>
+                    <a:p>
+                      <a:pPr algn="r" rtl="0" fontAlgn="ctr"/>
+                      <a:r>
+                        <a:rPr lang="en-US" sz="1800" b="0" i="0" u="none" strike="noStrike" dirty="0">
+                          <a:solidFill>
+                            <a:srgbClr val="000000"/>
+                          </a:solidFill>
+                          <a:effectLst/>
+                          <a:latin typeface="Century Gothic" panose="020B0502020202020204" pitchFamily="34" charset="0"/>
+                        </a:rPr>
+                        <a:t>Post Malone</a:t>
+                      </a:r>
+                    </a:p>
+                  </a:txBody>
+                  <a:tcPr marL="9525" marR="9525" marT="9525" marB="0" anchor="ctr" anchorCtr="1">
+                    <a:lnL>
+                      <a:noFill/>
+                    </a:lnL>
+                    <a:lnR>
+                      <a:noFill/>
+                    </a:lnR>
+                    <a:lnT>
+                      <a:noFill/>
+                    </a:lnT>
+                    <a:lnB>
+                      <a:noFill/>
+                    </a:lnB>
+                    <a:solidFill>
+                      <a:srgbClr val="FFFFFF"/>
+                    </a:solidFill>
+                  </a:tcPr>
+                </a:tc>
+                <a:tc>
+                  <a:txBody>
+                    <a:bodyPr/>
+                    <a:lstStyle/>
+                    <a:p>
+                      <a:pPr algn="r" rtl="0" fontAlgn="ctr"/>
+                      <a:r>
+                        <a:rPr lang="en-US" sz="1800" b="0" i="0" u="none" strike="noStrike">
+                          <a:solidFill>
+                            <a:srgbClr val="000000"/>
+                          </a:solidFill>
+                          <a:effectLst/>
+                          <a:latin typeface="Century Gothic" panose="020B0502020202020204" pitchFamily="34" charset="0"/>
+                        </a:rPr>
+                        <a:t>       4,474,074,823 </a:t>
+                      </a:r>
+                    </a:p>
+                  </a:txBody>
+                  <a:tcPr marL="9525" marR="9525" marT="9525" marB="0" anchor="ctr" anchorCtr="1">
+                    <a:lnL>
+                      <a:noFill/>
+                    </a:lnL>
+                    <a:lnR>
+                      <a:noFill/>
+                    </a:lnR>
+                    <a:lnT>
+                      <a:noFill/>
+                    </a:lnT>
+                    <a:lnB>
+                      <a:noFill/>
+                    </a:lnB>
+                    <a:solidFill>
+                      <a:srgbClr val="FFFFFF"/>
+                    </a:solidFill>
+                  </a:tcPr>
+                </a:tc>
+                <a:extLst>
+                  <a:ext uri="{0D108BD9-81ED-4DB2-BD59-A6C34878D82A}">
+                    <a16:rowId xmlns:a16="http://schemas.microsoft.com/office/drawing/2014/main" val="1683236646"/>
+                  </a:ext>
+                </a:extLst>
+              </a:tr>
+              <a:tr h="0">
+                <a:tc>
+                  <a:txBody>
+                    <a:bodyPr/>
+                    <a:lstStyle/>
+                    <a:p>
+                      <a:pPr algn="r" rtl="0" fontAlgn="ctr"/>
+                      <a:r>
+                        <a:rPr lang="en-US" sz="1800" b="0" i="0" u="none" strike="noStrike" dirty="0">
+                          <a:solidFill>
+                            <a:srgbClr val="000000"/>
+                          </a:solidFill>
+                          <a:effectLst/>
+                          <a:latin typeface="Century Gothic" panose="020B0502020202020204" pitchFamily="34" charset="0"/>
+                        </a:rPr>
+                        <a:t>2019</a:t>
+                      </a:r>
+                    </a:p>
+                  </a:txBody>
+                  <a:tcPr marL="9525" marR="9525" marT="9525" marB="0" anchor="ctr" anchorCtr="1">
+                    <a:lnL>
+                      <a:noFill/>
+                    </a:lnL>
+                    <a:lnR>
+                      <a:noFill/>
+                    </a:lnR>
+                    <a:lnT>
+                      <a:noFill/>
+                    </a:lnT>
+                    <a:lnB>
+                      <a:noFill/>
+                    </a:lnB>
+                    <a:solidFill>
+                      <a:srgbClr val="F5F5F5"/>
+                    </a:solidFill>
+                  </a:tcPr>
+                </a:tc>
+                <a:tc>
+                  <a:txBody>
+                    <a:bodyPr/>
+                    <a:lstStyle/>
+                    <a:p>
+                      <a:pPr algn="r" rtl="0" fontAlgn="ctr"/>
+                      <a:r>
+                        <a:rPr lang="en-US" sz="1800" b="0" i="0" u="none" strike="noStrike">
+                          <a:solidFill>
+                            <a:srgbClr val="000000"/>
+                          </a:solidFill>
+                          <a:effectLst/>
+                          <a:latin typeface="Century Gothic" panose="020B0502020202020204" pitchFamily="34" charset="0"/>
+                        </a:rPr>
+                        <a:t>Post Malone</a:t>
+                      </a:r>
+                    </a:p>
+                  </a:txBody>
+                  <a:tcPr marL="9525" marR="9525" marT="9525" marB="0" anchor="ctr" anchorCtr="1">
+                    <a:lnL>
+                      <a:noFill/>
+                    </a:lnL>
+                    <a:lnR>
+                      <a:noFill/>
+                    </a:lnR>
+                    <a:lnT>
+                      <a:noFill/>
+                    </a:lnT>
+                    <a:lnB>
+                      <a:noFill/>
+                    </a:lnB>
+                    <a:solidFill>
+                      <a:srgbClr val="F5F5F5"/>
+                    </a:solidFill>
+                  </a:tcPr>
+                </a:tc>
+                <a:tc>
+                  <a:txBody>
+                    <a:bodyPr/>
+                    <a:lstStyle/>
+                    <a:p>
+                      <a:pPr algn="r" rtl="0" fontAlgn="ctr"/>
+                      <a:r>
+                        <a:rPr lang="en-US" sz="1800" b="0" i="0" u="none" strike="noStrike">
+                          <a:solidFill>
+                            <a:srgbClr val="000000"/>
+                          </a:solidFill>
+                          <a:effectLst/>
+                          <a:latin typeface="Century Gothic" panose="020B0502020202020204" pitchFamily="34" charset="0"/>
+                        </a:rPr>
+                        <a:t>       4,989,227,763 </a:t>
+                      </a:r>
+                    </a:p>
+                  </a:txBody>
+                  <a:tcPr marL="9525" marR="9525" marT="9525" marB="0" anchor="ctr" anchorCtr="1">
+                    <a:lnL>
+                      <a:noFill/>
+                    </a:lnL>
+                    <a:lnR>
+                      <a:noFill/>
+                    </a:lnR>
+                    <a:lnT>
+                      <a:noFill/>
+                    </a:lnT>
+                    <a:lnB>
+                      <a:noFill/>
+                    </a:lnB>
+                    <a:solidFill>
+                      <a:srgbClr val="F5F5F5"/>
+                    </a:solidFill>
+                  </a:tcPr>
+                </a:tc>
+                <a:extLst>
+                  <a:ext uri="{0D108BD9-81ED-4DB2-BD59-A6C34878D82A}">
+                    <a16:rowId xmlns:a16="http://schemas.microsoft.com/office/drawing/2014/main" val="2793297269"/>
+                  </a:ext>
+                </a:extLst>
+              </a:tr>
+              <a:tr h="0">
+                <a:tc>
+                  <a:txBody>
+                    <a:bodyPr/>
+                    <a:lstStyle/>
+                    <a:p>
+                      <a:pPr algn="r" rtl="0" fontAlgn="ctr"/>
+                      <a:r>
+                        <a:rPr lang="en-US" sz="1800" b="0" i="0" u="none" strike="noStrike" dirty="0">
+                          <a:solidFill>
+                            <a:srgbClr val="000000"/>
+                          </a:solidFill>
+                          <a:effectLst/>
+                          <a:latin typeface="Century Gothic" panose="020B0502020202020204" pitchFamily="34" charset="0"/>
+                        </a:rPr>
+                        <a:t>2020</a:t>
+                      </a:r>
+                    </a:p>
+                  </a:txBody>
+                  <a:tcPr marL="9525" marR="9525" marT="9525" marB="0" anchor="ctr" anchorCtr="1">
+                    <a:lnL>
+                      <a:noFill/>
+                    </a:lnL>
+                    <a:lnR>
+                      <a:noFill/>
+                    </a:lnR>
+                    <a:lnT>
+                      <a:noFill/>
+                    </a:lnT>
+                    <a:lnB>
+                      <a:noFill/>
+                    </a:lnB>
+                    <a:solidFill>
+                      <a:srgbClr val="FFFFFF"/>
+                    </a:solidFill>
+                  </a:tcPr>
+                </a:tc>
+                <a:tc>
+                  <a:txBody>
+                    <a:bodyPr/>
+                    <a:lstStyle/>
+                    <a:p>
+                      <a:pPr algn="r" rtl="0" fontAlgn="ctr"/>
+                      <a:r>
+                        <a:rPr lang="en-US" sz="1800" b="0" i="0" u="none" strike="noStrike" dirty="0">
+                          <a:solidFill>
+                            <a:srgbClr val="000000"/>
+                          </a:solidFill>
+                          <a:effectLst/>
+                          <a:latin typeface="Century Gothic" panose="020B0502020202020204" pitchFamily="34" charset="0"/>
+                        </a:rPr>
+                        <a:t>Bad Bunny</a:t>
+                      </a:r>
+                    </a:p>
+                  </a:txBody>
+                  <a:tcPr marL="9525" marR="9525" marT="9525" marB="0" anchor="ctr" anchorCtr="1">
+                    <a:lnL>
+                      <a:noFill/>
+                    </a:lnL>
+                    <a:lnR>
+                      <a:noFill/>
+                    </a:lnR>
+                    <a:lnT>
+                      <a:noFill/>
+                    </a:lnT>
+                    <a:lnB>
+                      <a:noFill/>
+                    </a:lnB>
+                    <a:solidFill>
+                      <a:srgbClr val="FFFFFF"/>
+                    </a:solidFill>
+                  </a:tcPr>
+                </a:tc>
+                <a:tc>
+                  <a:txBody>
+                    <a:bodyPr/>
+                    <a:lstStyle/>
+                    <a:p>
+                      <a:pPr algn="r" rtl="0" fontAlgn="ctr"/>
+                      <a:r>
+                        <a:rPr lang="en-US" sz="1800" b="0" i="0" u="none" strike="noStrike" dirty="0">
+                          <a:solidFill>
+                            <a:srgbClr val="000000"/>
+                          </a:solidFill>
+                          <a:effectLst/>
+                          <a:latin typeface="Century Gothic" panose="020B0502020202020204" pitchFamily="34" charset="0"/>
+                        </a:rPr>
+                        <a:t>       3,322,524,063 </a:t>
+                      </a:r>
+                    </a:p>
+                  </a:txBody>
+                  <a:tcPr marL="9525" marR="9525" marT="9525" marB="0" anchor="ctr" anchorCtr="1">
+                    <a:lnL>
+                      <a:noFill/>
+                    </a:lnL>
+                    <a:lnR>
+                      <a:noFill/>
+                    </a:lnR>
+                    <a:lnT>
+                      <a:noFill/>
+                    </a:lnT>
+                    <a:lnB>
+                      <a:noFill/>
+                    </a:lnB>
+                    <a:solidFill>
+                      <a:srgbClr val="FFFFFF"/>
+                    </a:solidFill>
+                  </a:tcPr>
+                </a:tc>
+                <a:extLst>
+                  <a:ext uri="{0D108BD9-81ED-4DB2-BD59-A6C34878D82A}">
+                    <a16:rowId xmlns:a16="http://schemas.microsoft.com/office/drawing/2014/main" val="407000815"/>
+                  </a:ext>
+                </a:extLst>
+              </a:tr>
+              <a:tr h="0">
+                <a:tc>
+                  <a:txBody>
+                    <a:bodyPr/>
+                    <a:lstStyle/>
+                    <a:p>
+                      <a:pPr algn="r" rtl="0" fontAlgn="ctr"/>
+                      <a:r>
+                        <a:rPr lang="en-US" sz="1800" b="0" i="0" u="none" strike="noStrike">
+                          <a:solidFill>
+                            <a:srgbClr val="000000"/>
+                          </a:solidFill>
+                          <a:effectLst/>
+                          <a:latin typeface="Century Gothic" panose="020B0502020202020204" pitchFamily="34" charset="0"/>
+                        </a:rPr>
+                        <a:t>2021</a:t>
+                      </a:r>
+                    </a:p>
+                  </a:txBody>
+                  <a:tcPr marL="9525" marR="9525" marT="9525" marB="0" anchor="ctr" anchorCtr="1">
+                    <a:lnL>
+                      <a:noFill/>
+                    </a:lnL>
+                    <a:lnR>
+                      <a:noFill/>
+                    </a:lnR>
+                    <a:lnT>
+                      <a:noFill/>
+                    </a:lnT>
+                    <a:lnB>
+                      <a:noFill/>
+                    </a:lnB>
+                    <a:solidFill>
+                      <a:srgbClr val="FFFFFF"/>
+                    </a:solidFill>
+                  </a:tcPr>
+                </a:tc>
+                <a:tc>
+                  <a:txBody>
+                    <a:bodyPr/>
+                    <a:lstStyle/>
+                    <a:p>
+                      <a:pPr algn="r" rtl="0" fontAlgn="ctr"/>
+                      <a:r>
+                        <a:rPr lang="en-US" sz="1800" b="0" i="0" u="none" strike="noStrike" dirty="0">
+                          <a:solidFill>
+                            <a:srgbClr val="000000"/>
+                          </a:solidFill>
+                          <a:effectLst/>
+                          <a:latin typeface="Century Gothic" panose="020B0502020202020204" pitchFamily="34" charset="0"/>
+                        </a:rPr>
+                        <a:t>Justin Bieber</a:t>
+                      </a:r>
+                    </a:p>
+                  </a:txBody>
+                  <a:tcPr marL="9525" marR="9525" marT="9525" marB="0" anchor="ctr" anchorCtr="1">
+                    <a:lnL>
+                      <a:noFill/>
+                    </a:lnL>
+                    <a:lnR>
+                      <a:noFill/>
+                    </a:lnR>
+                    <a:lnT>
+                      <a:noFill/>
+                    </a:lnT>
+                    <a:lnB>
+                      <a:noFill/>
+                    </a:lnB>
+                    <a:solidFill>
+                      <a:srgbClr val="FFFFFF"/>
+                    </a:solidFill>
+                  </a:tcPr>
+                </a:tc>
+                <a:tc>
+                  <a:txBody>
+                    <a:bodyPr/>
+                    <a:lstStyle/>
+                    <a:p>
+                      <a:pPr algn="r" rtl="0" fontAlgn="ctr"/>
+                      <a:r>
+                        <a:rPr lang="en-US" sz="1800" b="0" i="0" u="none" strike="noStrike" dirty="0">
+                          <a:solidFill>
+                            <a:srgbClr val="000000"/>
+                          </a:solidFill>
+                          <a:effectLst/>
+                          <a:latin typeface="Century Gothic" panose="020B0502020202020204" pitchFamily="34" charset="0"/>
+                        </a:rPr>
+                        <a:t>       1,560,451,296 </a:t>
+                      </a:r>
+                    </a:p>
+                  </a:txBody>
+                  <a:tcPr marL="9525" marR="9525" marT="9525" marB="0" anchor="ctr" anchorCtr="1">
+                    <a:lnL>
+                      <a:noFill/>
+                    </a:lnL>
+                    <a:lnR>
+                      <a:noFill/>
+                    </a:lnR>
+                    <a:lnT>
+                      <a:noFill/>
+                    </a:lnT>
+                    <a:lnB>
+                      <a:noFill/>
+                    </a:lnB>
+                    <a:solidFill>
+                      <a:srgbClr val="FFFFFF"/>
+                    </a:solidFill>
+                  </a:tcPr>
+                </a:tc>
+                <a:extLst>
+                  <a:ext uri="{0D108BD9-81ED-4DB2-BD59-A6C34878D82A}">
+                    <a16:rowId xmlns:a16="http://schemas.microsoft.com/office/drawing/2014/main" val="638935452"/>
+                  </a:ext>
+                </a:extLst>
+              </a:tr>
+            </a:tbl>
+          </a:graphicData>
+        </a:graphic>
+      </p:graphicFrame>
+      <p:sp>
+        <p:nvSpPr>
+          <p:cNvPr id="23" name="TextBox 22">
+            <a:extLst>
+              <a:ext uri="{FF2B5EF4-FFF2-40B4-BE49-F238E27FC236}">
+                <a16:creationId xmlns:a16="http://schemas.microsoft.com/office/drawing/2014/main" id="{77ABD004-8A00-9AE1-3D92-6A9C7A4CCB88}"/>
+              </a:ext>
+            </a:extLst>
+          </p:cNvPr>
+          <p:cNvSpPr txBox="1"/>
+          <p:nvPr/>
+        </p:nvSpPr>
+        <p:spPr>
+          <a:xfrm>
+            <a:off x="632012" y="5082988"/>
+            <a:ext cx="4652682" cy="1200329"/>
+          </a:xfrm>
+          <a:prstGeom prst="rect">
+            <a:avLst/>
+          </a:prstGeom>
+          <a:noFill/>
+        </p:spPr>
+        <p:txBody>
+          <a:bodyPr wrap="square" rtlCol="0">
+            <a:spAutoFit/>
+          </a:bodyPr>
+          <a:lstStyle/>
+          <a:p>
+            <a:r>
+              <a:rPr lang="en-US" dirty="0"/>
+              <a:t>Post Malone hold first place between the years 2018 and 2019.  then during covid Bad Bunny streams were the highest.</a:t>
             </a:r>
           </a:p>
         </p:txBody>
@@ -16148,13 +17845,228 @@
     </p:spTree>
     <p:extLst>
       <p:ext uri="{BB962C8B-B14F-4D97-AF65-F5344CB8AC3E}">
-        <p14:creationId xmlns:p14="http://schemas.microsoft.com/office/powerpoint/2010/main" val="722714087"/>
+        <p14:creationId xmlns:p14="http://schemas.microsoft.com/office/powerpoint/2010/main" val="612460994"/>
       </p:ext>
     </p:extLst>
   </p:cSld>
   <p:clrMapOvr>
     <a:masterClrMapping/>
   </p:clrMapOvr>
+  <p:transition spd="slow">
+    <p:push dir="u"/>
+  </p:transition>
+  <p:timing>
+    <p:tnLst>
+      <p:par>
+        <p:cTn id="1" dur="indefinite" restart="never" nodeType="tmRoot">
+          <p:childTnLst>
+            <p:seq concurrent="1" nextAc="seek">
+              <p:cTn id="2" dur="indefinite" nodeType="mainSeq">
+                <p:childTnLst>
+                  <p:par>
+                    <p:cTn id="3" fill="hold">
+                      <p:stCondLst>
+                        <p:cond delay="indefinite"/>
+                      </p:stCondLst>
+                      <p:childTnLst>
+                        <p:par>
+                          <p:cTn id="4" fill="hold">
+                            <p:stCondLst>
+                              <p:cond delay="0"/>
+                            </p:stCondLst>
+                            <p:childTnLst>
+                              <p:par>
+                                <p:cTn id="5" presetID="2" presetClass="entr" presetSubtype="4" fill="hold" nodeType="clickEffect">
+                                  <p:stCondLst>
+                                    <p:cond delay="0"/>
+                                  </p:stCondLst>
+                                  <p:childTnLst>
+                                    <p:set>
+                                      <p:cBhvr>
+                                        <p:cTn id="6" dur="1" fill="hold">
+                                          <p:stCondLst>
+                                            <p:cond delay="0"/>
+                                          </p:stCondLst>
+                                        </p:cTn>
+                                        <p:tgtEl>
+                                          <p:spTgt spid="17"/>
+                                        </p:tgtEl>
+                                        <p:attrNameLst>
+                                          <p:attrName>style.visibility</p:attrName>
+                                        </p:attrNameLst>
+                                      </p:cBhvr>
+                                      <p:to>
+                                        <p:strVal val="visible"/>
+                                      </p:to>
+                                    </p:set>
+                                    <p:anim calcmode="lin" valueType="num">
+                                      <p:cBhvr additive="base">
+                                        <p:cTn id="7" dur="500" fill="hold"/>
+                                        <p:tgtEl>
+                                          <p:spTgt spid="17"/>
+                                        </p:tgtEl>
+                                        <p:attrNameLst>
+                                          <p:attrName>ppt_x</p:attrName>
+                                        </p:attrNameLst>
+                                      </p:cBhvr>
+                                      <p:tavLst>
+                                        <p:tav tm="0">
+                                          <p:val>
+                                            <p:strVal val="#ppt_x"/>
+                                          </p:val>
+                                        </p:tav>
+                                        <p:tav tm="100000">
+                                          <p:val>
+                                            <p:strVal val="#ppt_x"/>
+                                          </p:val>
+                                        </p:tav>
+                                      </p:tavLst>
+                                    </p:anim>
+                                    <p:anim calcmode="lin" valueType="num">
+                                      <p:cBhvr additive="base">
+                                        <p:cTn id="8" dur="500" fill="hold"/>
+                                        <p:tgtEl>
+                                          <p:spTgt spid="17"/>
+                                        </p:tgtEl>
+                                        <p:attrNameLst>
+                                          <p:attrName>ppt_y</p:attrName>
+                                        </p:attrNameLst>
+                                      </p:cBhvr>
+                                      <p:tavLst>
+                                        <p:tav tm="0">
+                                          <p:val>
+                                            <p:strVal val="1+#ppt_h/2"/>
+                                          </p:val>
+                                        </p:tav>
+                                        <p:tav tm="100000">
+                                          <p:val>
+                                            <p:strVal val="#ppt_y"/>
+                                          </p:val>
+                                        </p:tav>
+                                      </p:tavLst>
+                                    </p:anim>
+                                  </p:childTnLst>
+                                </p:cTn>
+                              </p:par>
+                            </p:childTnLst>
+                          </p:cTn>
+                        </p:par>
+                      </p:childTnLst>
+                    </p:cTn>
+                  </p:par>
+                  <p:par>
+                    <p:cTn id="9" fill="hold">
+                      <p:stCondLst>
+                        <p:cond delay="indefinite"/>
+                      </p:stCondLst>
+                      <p:childTnLst>
+                        <p:par>
+                          <p:cTn id="10" fill="hold">
+                            <p:stCondLst>
+                              <p:cond delay="0"/>
+                            </p:stCondLst>
+                            <p:childTnLst>
+                              <p:par>
+                                <p:cTn id="11" presetID="2" presetClass="entr" presetSubtype="4" fill="hold" nodeType="clickEffect">
+                                  <p:stCondLst>
+                                    <p:cond delay="0"/>
+                                  </p:stCondLst>
+                                  <p:childTnLst>
+                                    <p:set>
+                                      <p:cBhvr>
+                                        <p:cTn id="12" dur="1" fill="hold">
+                                          <p:stCondLst>
+                                            <p:cond delay="0"/>
+                                          </p:stCondLst>
+                                        </p:cTn>
+                                        <p:tgtEl>
+                                          <p:spTgt spid="7"/>
+                                        </p:tgtEl>
+                                        <p:attrNameLst>
+                                          <p:attrName>style.visibility</p:attrName>
+                                        </p:attrNameLst>
+                                      </p:cBhvr>
+                                      <p:to>
+                                        <p:strVal val="visible"/>
+                                      </p:to>
+                                    </p:set>
+                                    <p:anim calcmode="lin" valueType="num">
+                                      <p:cBhvr additive="base">
+                                        <p:cTn id="13" dur="500" fill="hold"/>
+                                        <p:tgtEl>
+                                          <p:spTgt spid="7"/>
+                                        </p:tgtEl>
+                                        <p:attrNameLst>
+                                          <p:attrName>ppt_x</p:attrName>
+                                        </p:attrNameLst>
+                                      </p:cBhvr>
+                                      <p:tavLst>
+                                        <p:tav tm="0">
+                                          <p:val>
+                                            <p:strVal val="#ppt_x"/>
+                                          </p:val>
+                                        </p:tav>
+                                        <p:tav tm="100000">
+                                          <p:val>
+                                            <p:strVal val="#ppt_x"/>
+                                          </p:val>
+                                        </p:tav>
+                                      </p:tavLst>
+                                    </p:anim>
+                                    <p:anim calcmode="lin" valueType="num">
+                                      <p:cBhvr additive="base">
+                                        <p:cTn id="14" dur="500" fill="hold"/>
+                                        <p:tgtEl>
+                                          <p:spTgt spid="7"/>
+                                        </p:tgtEl>
+                                        <p:attrNameLst>
+                                          <p:attrName>ppt_y</p:attrName>
+                                        </p:attrNameLst>
+                                      </p:cBhvr>
+                                      <p:tavLst>
+                                        <p:tav tm="0">
+                                          <p:val>
+                                            <p:strVal val="1+#ppt_h/2"/>
+                                          </p:val>
+                                        </p:tav>
+                                        <p:tav tm="100000">
+                                          <p:val>
+                                            <p:strVal val="#ppt_y"/>
+                                          </p:val>
+                                        </p:tav>
+                                      </p:tavLst>
+                                    </p:anim>
+                                  </p:childTnLst>
+                                </p:cTn>
+                              </p:par>
+                            </p:childTnLst>
+                          </p:cTn>
+                        </p:par>
+                      </p:childTnLst>
+                    </p:cTn>
+                  </p:par>
+                </p:childTnLst>
+              </p:cTn>
+              <p:prevCondLst>
+                <p:cond evt="onPrev" delay="0">
+                  <p:tgtEl>
+                    <p:sldTgt/>
+                  </p:tgtEl>
+                </p:cond>
+              </p:prevCondLst>
+              <p:nextCondLst>
+                <p:cond evt="onNext" delay="0">
+                  <p:tgtEl>
+                    <p:sldTgt/>
+                  </p:tgtEl>
+                </p:cond>
+              </p:nextCondLst>
+            </p:seq>
+          </p:childTnLst>
+        </p:cTn>
+      </p:par>
+    </p:tnLst>
+  </p:timing>
 </p:sld>
 </file>
 
@@ -16220,7 +18132,12 @@
             <p:ph idx="1"/>
           </p:nvPr>
         </p:nvSpPr>
-        <p:spPr/>
+        <p:spPr>
+          <a:xfrm>
+            <a:off x="932330" y="2286000"/>
+            <a:ext cx="8825659" cy="3598332"/>
+          </a:xfrm>
+        </p:spPr>
         <p:txBody>
           <a:bodyPr/>
           <a:lstStyle/>
@@ -16231,7 +18148,78 @@
                   <a:schemeClr val="accent1"/>
                 </a:solidFill>
               </a:rPr>
-              <a:t>Scatter plots to check for outliers during Covid year</a:t>
+              <a:t>Top Stream Artist Bar chart</a:t>
+            </a:r>
+          </a:p>
+        </p:txBody>
+      </p:sp>
+      <p:pic>
+        <p:nvPicPr>
+          <p:cNvPr id="5" name="Picture 4">
+            <a:extLst>
+              <a:ext uri="{FF2B5EF4-FFF2-40B4-BE49-F238E27FC236}">
+                <a16:creationId xmlns:a16="http://schemas.microsoft.com/office/drawing/2014/main" id="{940F62F0-465A-D325-EEEE-9A50B6C31765}"/>
+              </a:ext>
+            </a:extLst>
+          </p:cNvPr>
+          <p:cNvPicPr>
+            <a:picLocks noChangeAspect="1"/>
+          </p:cNvPicPr>
+          <p:nvPr/>
+        </p:nvPicPr>
+        <p:blipFill>
+          <a:blip r:embed="rId2">
+            <a:extLst>
+              <a:ext uri="{28A0092B-C50C-407E-A947-70E740481C1C}">
+                <a14:useLocalDpi xmlns:a14="http://schemas.microsoft.com/office/drawing/2010/main" val="0"/>
+              </a:ext>
+            </a:extLst>
+          </a:blip>
+          <a:stretch>
+            <a:fillRect/>
+          </a:stretch>
+        </p:blipFill>
+        <p:spPr>
+          <a:xfrm>
+            <a:off x="1154953" y="2595282"/>
+            <a:ext cx="8825659" cy="3424517"/>
+          </a:xfrm>
+          <a:prstGeom prst="rect">
+            <a:avLst/>
+          </a:prstGeom>
+        </p:spPr>
+      </p:pic>
+      <p:sp>
+        <p:nvSpPr>
+          <p:cNvPr id="6" name="TextBox 5">
+            <a:extLst>
+              <a:ext uri="{FF2B5EF4-FFF2-40B4-BE49-F238E27FC236}">
+                <a16:creationId xmlns:a16="http://schemas.microsoft.com/office/drawing/2014/main" id="{02C48F7A-2837-3385-7DA8-E0AF27262B25}"/>
+              </a:ext>
+            </a:extLst>
+          </p:cNvPr>
+          <p:cNvSpPr txBox="1"/>
+          <p:nvPr/>
+        </p:nvSpPr>
+        <p:spPr>
+          <a:xfrm>
+            <a:off x="932330" y="6019800"/>
+            <a:ext cx="10327339" cy="646331"/>
+          </a:xfrm>
+          <a:prstGeom prst="rect">
+            <a:avLst/>
+          </a:prstGeom>
+          <a:noFill/>
+        </p:spPr>
+        <p:txBody>
+          <a:bodyPr wrap="square" rtlCol="0">
+            <a:spAutoFit/>
+          </a:bodyPr>
+          <a:lstStyle/>
+          <a:p>
+            <a:r>
+              <a:rPr lang="en-US" dirty="0"/>
+              <a:t>Event though Bad bunny was not the highest Streamed Artist Through out the Years he was the most Streamed Artist in the heart of Covid Year 2020 with a 3.3 Million streamed</a:t>
             </a:r>
           </a:p>
         </p:txBody>
@@ -16239,13 +18227,137 @@
     </p:spTree>
     <p:extLst>
       <p:ext uri="{BB962C8B-B14F-4D97-AF65-F5344CB8AC3E}">
-        <p14:creationId xmlns:p14="http://schemas.microsoft.com/office/powerpoint/2010/main" val="262404599"/>
+        <p14:creationId xmlns:p14="http://schemas.microsoft.com/office/powerpoint/2010/main" val="722714087"/>
       </p:ext>
     </p:extLst>
   </p:cSld>
   <p:clrMapOvr>
     <a:masterClrMapping/>
   </p:clrMapOvr>
+  <p:transition spd="slow">
+    <p:push dir="u"/>
+  </p:transition>
+  <p:timing>
+    <p:tnLst>
+      <p:par>
+        <p:cTn id="1" dur="indefinite" restart="never" nodeType="tmRoot">
+          <p:childTnLst>
+            <p:seq concurrent="1" nextAc="seek">
+              <p:cTn id="2" dur="indefinite" nodeType="mainSeq">
+                <p:childTnLst>
+                  <p:par>
+                    <p:cTn id="3" fill="hold">
+                      <p:stCondLst>
+                        <p:cond delay="indefinite"/>
+                      </p:stCondLst>
+                      <p:childTnLst>
+                        <p:par>
+                          <p:cTn id="4" fill="hold">
+                            <p:stCondLst>
+                              <p:cond delay="0"/>
+                            </p:stCondLst>
+                            <p:childTnLst>
+                              <p:par>
+                                <p:cTn id="5" presetID="2" presetClass="entr" presetSubtype="4" fill="hold" nodeType="clickEffect">
+                                  <p:stCondLst>
+                                    <p:cond delay="0"/>
+                                  </p:stCondLst>
+                                  <p:childTnLst>
+                                    <p:set>
+                                      <p:cBhvr>
+                                        <p:cTn id="6" dur="1" fill="hold">
+                                          <p:stCondLst>
+                                            <p:cond delay="0"/>
+                                          </p:stCondLst>
+                                        </p:cTn>
+                                        <p:tgtEl>
+                                          <p:spTgt spid="5"/>
+                                        </p:tgtEl>
+                                        <p:attrNameLst>
+                                          <p:attrName>style.visibility</p:attrName>
+                                        </p:attrNameLst>
+                                      </p:cBhvr>
+                                      <p:to>
+                                        <p:strVal val="visible"/>
+                                      </p:to>
+                                    </p:set>
+                                    <p:anim calcmode="lin" valueType="num">
+                                      <p:cBhvr additive="base">
+                                        <p:cTn id="7" dur="500" fill="hold"/>
+                                        <p:tgtEl>
+                                          <p:spTgt spid="5"/>
+                                        </p:tgtEl>
+                                        <p:attrNameLst>
+                                          <p:attrName>ppt_x</p:attrName>
+                                        </p:attrNameLst>
+                                      </p:cBhvr>
+                                      <p:tavLst>
+                                        <p:tav tm="0">
+                                          <p:val>
+                                            <p:strVal val="#ppt_x"/>
+                                          </p:val>
+                                        </p:tav>
+                                        <p:tav tm="100000">
+                                          <p:val>
+                                            <p:strVal val="#ppt_x"/>
+                                          </p:val>
+                                        </p:tav>
+                                      </p:tavLst>
+                                    </p:anim>
+                                    <p:anim calcmode="lin" valueType="num">
+                                      <p:cBhvr additive="base">
+                                        <p:cTn id="8" dur="500" fill="hold"/>
+                                        <p:tgtEl>
+                                          <p:spTgt spid="5"/>
+                                        </p:tgtEl>
+                                        <p:attrNameLst>
+                                          <p:attrName>ppt_y</p:attrName>
+                                        </p:attrNameLst>
+                                      </p:cBhvr>
+                                      <p:tavLst>
+                                        <p:tav tm="0">
+                                          <p:val>
+                                            <p:strVal val="1+#ppt_h/2"/>
+                                          </p:val>
+                                        </p:tav>
+                                        <p:tav tm="100000">
+                                          <p:val>
+                                            <p:strVal val="#ppt_y"/>
+                                          </p:val>
+                                        </p:tav>
+                                      </p:tavLst>
+                                    </p:anim>
+                                  </p:childTnLst>
+                                </p:cTn>
+                              </p:par>
+                            </p:childTnLst>
+                          </p:cTn>
+                        </p:par>
+                      </p:childTnLst>
+                    </p:cTn>
+                  </p:par>
+                </p:childTnLst>
+              </p:cTn>
+              <p:prevCondLst>
+                <p:cond evt="onPrev" delay="0">
+                  <p:tgtEl>
+                    <p:sldTgt/>
+                  </p:tgtEl>
+                </p:cond>
+              </p:prevCondLst>
+              <p:nextCondLst>
+                <p:cond evt="onNext" delay="0">
+                  <p:tgtEl>
+                    <p:sldTgt/>
+                  </p:tgtEl>
+                </p:cond>
+              </p:nextCondLst>
+            </p:seq>
+          </p:childTnLst>
+        </p:cTn>
+      </p:par>
+    </p:tnLst>
+  </p:timing>
 </p:sld>
 </file>
 

--- a/Music Notes 2024.pptx
+++ b/Music Notes 2024.pptx
@@ -7,17 +7,18 @@
   <p:sldIdLst>
     <p:sldId id="256" r:id="rId2"/>
     <p:sldId id="257" r:id="rId3"/>
-    <p:sldId id="258" r:id="rId4"/>
-    <p:sldId id="262" r:id="rId5"/>
+    <p:sldId id="262" r:id="rId4"/>
+    <p:sldId id="258" r:id="rId5"/>
     <p:sldId id="259" r:id="rId6"/>
-    <p:sldId id="260" r:id="rId7"/>
-    <p:sldId id="261" r:id="rId8"/>
-    <p:sldId id="265" r:id="rId9"/>
-    <p:sldId id="263" r:id="rId10"/>
-    <p:sldId id="264" r:id="rId11"/>
-    <p:sldId id="266" r:id="rId12"/>
-    <p:sldId id="267" r:id="rId13"/>
-    <p:sldId id="268" r:id="rId14"/>
+    <p:sldId id="261" r:id="rId7"/>
+    <p:sldId id="269" r:id="rId8"/>
+    <p:sldId id="271" r:id="rId9"/>
+    <p:sldId id="265" r:id="rId10"/>
+    <p:sldId id="263" r:id="rId11"/>
+    <p:sldId id="264" r:id="rId12"/>
+    <p:sldId id="266" r:id="rId13"/>
+    <p:sldId id="267" r:id="rId14"/>
+    <p:sldId id="268" r:id="rId15"/>
   </p:sldIdLst>
   <p:sldSz cx="12192000" cy="6858000"/>
   <p:notesSz cx="6858000" cy="9144000"/>
@@ -459,7 +460,7 @@
           <a:p>
             <a:fld id="{46BF4387-4A99-4F27-AD1F-80E6CBF2FC4E}" type="datetimeFigureOut">
               <a:rPr lang="en-US" smtClean="0"/>
-              <a:t>1/10/24</a:t>
+              <a:t>1/11/2024</a:t>
             </a:fld>
             <a:endParaRPr lang="en-US"/>
           </a:p>
@@ -1547,7 +1548,7 @@
           <a:p>
             <a:fld id="{46BF4387-4A99-4F27-AD1F-80E6CBF2FC4E}" type="datetimeFigureOut">
               <a:rPr lang="en-US" smtClean="0"/>
-              <a:t>1/10/24</a:t>
+              <a:t>1/11/2024</a:t>
             </a:fld>
             <a:endParaRPr lang="en-US"/>
           </a:p>
@@ -2527,7 +2528,7 @@
           <a:p>
             <a:fld id="{46BF4387-4A99-4F27-AD1F-80E6CBF2FC4E}" type="datetimeFigureOut">
               <a:rPr lang="en-US" smtClean="0"/>
-              <a:t>1/10/24</a:t>
+              <a:t>1/11/2024</a:t>
             </a:fld>
             <a:endParaRPr lang="en-US"/>
           </a:p>
@@ -3661,7 +3662,7 @@
           <a:p>
             <a:fld id="{46BF4387-4A99-4F27-AD1F-80E6CBF2FC4E}" type="datetimeFigureOut">
               <a:rPr lang="en-US" smtClean="0"/>
-              <a:t>1/10/24</a:t>
+              <a:t>1/11/2024</a:t>
             </a:fld>
             <a:endParaRPr lang="en-US"/>
           </a:p>
@@ -4694,7 +4695,7 @@
           <a:p>
             <a:fld id="{46BF4387-4A99-4F27-AD1F-80E6CBF2FC4E}" type="datetimeFigureOut">
               <a:rPr lang="en-US" smtClean="0"/>
-              <a:t>1/10/24</a:t>
+              <a:t>1/11/2024</a:t>
             </a:fld>
             <a:endParaRPr lang="en-US"/>
           </a:p>
@@ -5354,7 +5355,7 @@
           <a:p>
             <a:fld id="{46BF4387-4A99-4F27-AD1F-80E6CBF2FC4E}" type="datetimeFigureOut">
               <a:rPr lang="en-US" smtClean="0"/>
-              <a:t>1/10/24</a:t>
+              <a:t>1/11/2024</a:t>
             </a:fld>
             <a:endParaRPr lang="en-US"/>
           </a:p>
@@ -6215,7 +6216,7 @@
           <a:p>
             <a:fld id="{46BF4387-4A99-4F27-AD1F-80E6CBF2FC4E}" type="datetimeFigureOut">
               <a:rPr lang="en-US" smtClean="0"/>
-              <a:t>1/10/24</a:t>
+              <a:t>1/11/2024</a:t>
             </a:fld>
             <a:endParaRPr lang="en-US"/>
           </a:p>
@@ -6405,7 +6406,7 @@
           <a:p>
             <a:fld id="{46BF4387-4A99-4F27-AD1F-80E6CBF2FC4E}" type="datetimeFigureOut">
               <a:rPr lang="en-US" smtClean="0"/>
-              <a:t>1/10/24</a:t>
+              <a:t>1/11/2024</a:t>
             </a:fld>
             <a:endParaRPr lang="en-US"/>
           </a:p>
@@ -7377,7 +7378,7 @@
           <a:p>
             <a:fld id="{46BF4387-4A99-4F27-AD1F-80E6CBF2FC4E}" type="datetimeFigureOut">
               <a:rPr lang="en-US" smtClean="0"/>
-              <a:t>1/10/24</a:t>
+              <a:t>1/11/2024</a:t>
             </a:fld>
             <a:endParaRPr lang="en-US"/>
           </a:p>
@@ -7588,7 +7589,7 @@
           <a:p>
             <a:fld id="{46BF4387-4A99-4F27-AD1F-80E6CBF2FC4E}" type="datetimeFigureOut">
               <a:rPr lang="en-US" smtClean="0"/>
-              <a:t>1/10/24</a:t>
+              <a:t>1/11/2024</a:t>
             </a:fld>
             <a:endParaRPr lang="en-US"/>
           </a:p>
@@ -8622,7 +8623,7 @@
           <a:p>
             <a:fld id="{46BF4387-4A99-4F27-AD1F-80E6CBF2FC4E}" type="datetimeFigureOut">
               <a:rPr lang="en-US" smtClean="0"/>
-              <a:t>1/10/24</a:t>
+              <a:t>1/11/2024</a:t>
             </a:fld>
             <a:endParaRPr lang="en-US"/>
           </a:p>
@@ -8894,7 +8895,7 @@
           <a:p>
             <a:fld id="{46BF4387-4A99-4F27-AD1F-80E6CBF2FC4E}" type="datetimeFigureOut">
               <a:rPr lang="en-US" smtClean="0"/>
-              <a:t>1/10/24</a:t>
+              <a:t>1/11/2024</a:t>
             </a:fld>
             <a:endParaRPr lang="en-US"/>
           </a:p>
@@ -9304,7 +9305,7 @@
           <a:p>
             <a:fld id="{46BF4387-4A99-4F27-AD1F-80E6CBF2FC4E}" type="datetimeFigureOut">
               <a:rPr lang="en-US" smtClean="0"/>
-              <a:t>1/10/24</a:t>
+              <a:t>1/11/2024</a:t>
             </a:fld>
             <a:endParaRPr lang="en-US"/>
           </a:p>
@@ -9431,7 +9432,7 @@
           <a:p>
             <a:fld id="{46BF4387-4A99-4F27-AD1F-80E6CBF2FC4E}" type="datetimeFigureOut">
               <a:rPr lang="en-US" smtClean="0"/>
-              <a:t>1/10/24</a:t>
+              <a:t>1/11/2024</a:t>
             </a:fld>
             <a:endParaRPr lang="en-US"/>
           </a:p>
@@ -9526,7 +9527,7 @@
           <a:p>
             <a:fld id="{46BF4387-4A99-4F27-AD1F-80E6CBF2FC4E}" type="datetimeFigureOut">
               <a:rPr lang="en-US" smtClean="0"/>
-              <a:t>1/10/24</a:t>
+              <a:t>1/11/2024</a:t>
             </a:fld>
             <a:endParaRPr lang="en-US"/>
           </a:p>
@@ -10607,7 +10608,7 @@
           <a:p>
             <a:fld id="{46BF4387-4A99-4F27-AD1F-80E6CBF2FC4E}" type="datetimeFigureOut">
               <a:rPr lang="en-US" smtClean="0"/>
-              <a:t>1/10/24</a:t>
+              <a:t>1/11/2024</a:t>
             </a:fld>
             <a:endParaRPr lang="en-US"/>
           </a:p>
@@ -11715,7 +11716,7 @@
           <a:p>
             <a:fld id="{46BF4387-4A99-4F27-AD1F-80E6CBF2FC4E}" type="datetimeFigureOut">
               <a:rPr lang="en-US" smtClean="0"/>
-              <a:t>1/10/24</a:t>
+              <a:t>1/11/2024</a:t>
             </a:fld>
             <a:endParaRPr lang="en-US"/>
           </a:p>
@@ -12712,7 +12713,7 @@
           <a:p>
             <a:fld id="{46BF4387-4A99-4F27-AD1F-80E6CBF2FC4E}" type="datetimeFigureOut">
               <a:rPr lang="en-US" smtClean="0"/>
-              <a:t>1/10/24</a:t>
+              <a:t>1/11/2024</a:t>
             </a:fld>
             <a:endParaRPr lang="en-US"/>
           </a:p>
@@ -13342,9 +13343,10 @@
           <a:p>
             <a:pPr algn="ctr"/>
             <a:r>
-              <a:rPr lang="en-US" b="1" dirty="0"/>
-              <a:t>Katherine </a:t>
+              <a:rPr lang="en-US" b="1" dirty="0" err="1"/>
+              <a:t>KathLeen</a:t>
             </a:r>
+            <a:endParaRPr lang="en-US" b="1" dirty="0"/>
           </a:p>
           <a:p>
             <a:pPr algn="ctr"/>
@@ -13393,6 +13395,388 @@
 </file>
 
 <file path=ppt/slides/slide10.xml><?xml version="1.0" encoding="utf-8"?>
+<p:sld xmlns:a="http://schemas.openxmlformats.org/drawingml/2006/main" xmlns:r="http://schemas.openxmlformats.org/officeDocument/2006/relationships" xmlns:p="http://schemas.openxmlformats.org/presentationml/2006/main">
+  <p:cSld>
+    <p:spTree>
+      <p:nvGrpSpPr>
+        <p:cNvPr id="1" name=""/>
+        <p:cNvGrpSpPr/>
+        <p:nvPr/>
+      </p:nvGrpSpPr>
+      <p:grpSpPr>
+        <a:xfrm>
+          <a:off x="0" y="0"/>
+          <a:ext cx="0" cy="0"/>
+          <a:chOff x="0" y="0"/>
+          <a:chExt cx="0" cy="0"/>
+        </a:xfrm>
+      </p:grpSpPr>
+      <p:sp>
+        <p:nvSpPr>
+          <p:cNvPr id="2" name="Title 1">
+            <a:extLst>
+              <a:ext uri="{FF2B5EF4-FFF2-40B4-BE49-F238E27FC236}">
+                <a16:creationId xmlns:a16="http://schemas.microsoft.com/office/drawing/2014/main" id="{588A0D25-CE94-62E6-3D13-8646C7292AD3}"/>
+              </a:ext>
+            </a:extLst>
+          </p:cNvPr>
+          <p:cNvSpPr>
+            <a:spLocks noGrp="1"/>
+          </p:cNvSpPr>
+          <p:nvPr>
+            <p:ph type="title"/>
+          </p:nvPr>
+        </p:nvSpPr>
+        <p:spPr/>
+        <p:txBody>
+          <a:bodyPr/>
+          <a:lstStyle/>
+          <a:p>
+            <a:r>
+              <a:rPr lang="en-US" b="1" dirty="0"/>
+              <a:t>Data Visualization</a:t>
+            </a:r>
+            <a:endParaRPr lang="en-US" dirty="0"/>
+          </a:p>
+        </p:txBody>
+      </p:sp>
+      <p:sp>
+        <p:nvSpPr>
+          <p:cNvPr id="3" name="Content Placeholder 2">
+            <a:extLst>
+              <a:ext uri="{FF2B5EF4-FFF2-40B4-BE49-F238E27FC236}">
+                <a16:creationId xmlns:a16="http://schemas.microsoft.com/office/drawing/2014/main" id="{DEFF6F3F-2BD2-3D76-1483-072534DC4B24}"/>
+              </a:ext>
+            </a:extLst>
+          </p:cNvPr>
+          <p:cNvSpPr>
+            <a:spLocks noGrp="1"/>
+          </p:cNvSpPr>
+          <p:nvPr>
+            <p:ph idx="1"/>
+          </p:nvPr>
+        </p:nvSpPr>
+        <p:spPr>
+          <a:xfrm>
+            <a:off x="932330" y="2286000"/>
+            <a:ext cx="8825659" cy="3598332"/>
+          </a:xfrm>
+        </p:spPr>
+        <p:txBody>
+          <a:bodyPr/>
+          <a:lstStyle/>
+          <a:p>
+            <a:r>
+              <a:rPr lang="en-US" b="1" dirty="0">
+                <a:solidFill>
+                  <a:schemeClr val="accent1"/>
+                </a:solidFill>
+              </a:rPr>
+              <a:t>Top Stream Artist Bar chart</a:t>
+            </a:r>
+          </a:p>
+        </p:txBody>
+      </p:sp>
+      <p:pic>
+        <p:nvPicPr>
+          <p:cNvPr id="5" name="Picture 4">
+            <a:extLst>
+              <a:ext uri="{FF2B5EF4-FFF2-40B4-BE49-F238E27FC236}">
+                <a16:creationId xmlns:a16="http://schemas.microsoft.com/office/drawing/2014/main" id="{940F62F0-465A-D325-EEEE-9A50B6C31765}"/>
+              </a:ext>
+            </a:extLst>
+          </p:cNvPr>
+          <p:cNvPicPr>
+            <a:picLocks noChangeAspect="1"/>
+          </p:cNvPicPr>
+          <p:nvPr/>
+        </p:nvPicPr>
+        <p:blipFill>
+          <a:blip r:embed="rId2">
+            <a:extLst>
+              <a:ext uri="{28A0092B-C50C-407E-A947-70E740481C1C}">
+                <a14:useLocalDpi xmlns:a14="http://schemas.microsoft.com/office/drawing/2010/main" val="0"/>
+              </a:ext>
+            </a:extLst>
+          </a:blip>
+          <a:stretch>
+            <a:fillRect/>
+          </a:stretch>
+        </p:blipFill>
+        <p:spPr>
+          <a:xfrm>
+            <a:off x="1154953" y="2595282"/>
+            <a:ext cx="8825659" cy="3424517"/>
+          </a:xfrm>
+          <a:prstGeom prst="rect">
+            <a:avLst/>
+          </a:prstGeom>
+        </p:spPr>
+      </p:pic>
+      <p:sp>
+        <p:nvSpPr>
+          <p:cNvPr id="6" name="TextBox 5">
+            <a:extLst>
+              <a:ext uri="{FF2B5EF4-FFF2-40B4-BE49-F238E27FC236}">
+                <a16:creationId xmlns:a16="http://schemas.microsoft.com/office/drawing/2014/main" id="{02C48F7A-2837-3385-7DA8-E0AF27262B25}"/>
+              </a:ext>
+            </a:extLst>
+          </p:cNvPr>
+          <p:cNvSpPr txBox="1"/>
+          <p:nvPr/>
+        </p:nvSpPr>
+        <p:spPr>
+          <a:xfrm>
+            <a:off x="932330" y="6019800"/>
+            <a:ext cx="10327339" cy="646331"/>
+          </a:xfrm>
+          <a:prstGeom prst="rect">
+            <a:avLst/>
+          </a:prstGeom>
+          <a:noFill/>
+        </p:spPr>
+        <p:txBody>
+          <a:bodyPr wrap="square" rtlCol="0">
+            <a:spAutoFit/>
+          </a:bodyPr>
+          <a:lstStyle/>
+          <a:p>
+            <a:r>
+              <a:rPr lang="en-US" dirty="0"/>
+              <a:t>Event though Bad bunny was not the highest Streamed Artist Through out the Years he was the most Streamed Artist in the heart of Covid Year 2020 with a 3.3 Million streamed</a:t>
+            </a:r>
+          </a:p>
+        </p:txBody>
+      </p:sp>
+    </p:spTree>
+    <p:extLst>
+      <p:ext uri="{BB962C8B-B14F-4D97-AF65-F5344CB8AC3E}">
+        <p14:creationId xmlns:p14="http://schemas.microsoft.com/office/powerpoint/2010/main" val="722714087"/>
+      </p:ext>
+    </p:extLst>
+  </p:cSld>
+  <p:clrMapOvr>
+    <a:masterClrMapping/>
+  </p:clrMapOvr>
+  <p:transition spd="slow">
+    <p:push dir="u"/>
+  </p:transition>
+  <p:timing>
+    <p:tnLst>
+      <p:par>
+        <p:cTn id="1" dur="indefinite" restart="never" nodeType="tmRoot">
+          <p:childTnLst>
+            <p:seq concurrent="1" nextAc="seek">
+              <p:cTn id="2" dur="indefinite" nodeType="mainSeq">
+                <p:childTnLst>
+                  <p:par>
+                    <p:cTn id="3" fill="hold">
+                      <p:stCondLst>
+                        <p:cond delay="indefinite"/>
+                      </p:stCondLst>
+                      <p:childTnLst>
+                        <p:par>
+                          <p:cTn id="4" fill="hold">
+                            <p:stCondLst>
+                              <p:cond delay="0"/>
+                            </p:stCondLst>
+                            <p:childTnLst>
+                              <p:par>
+                                <p:cTn id="5" presetID="2" presetClass="entr" presetSubtype="4" fill="hold" nodeType="clickEffect">
+                                  <p:stCondLst>
+                                    <p:cond delay="0"/>
+                                  </p:stCondLst>
+                                  <p:childTnLst>
+                                    <p:set>
+                                      <p:cBhvr>
+                                        <p:cTn id="6" dur="1" fill="hold">
+                                          <p:stCondLst>
+                                            <p:cond delay="0"/>
+                                          </p:stCondLst>
+                                        </p:cTn>
+                                        <p:tgtEl>
+                                          <p:spTgt spid="5"/>
+                                        </p:tgtEl>
+                                        <p:attrNameLst>
+                                          <p:attrName>style.visibility</p:attrName>
+                                        </p:attrNameLst>
+                                      </p:cBhvr>
+                                      <p:to>
+                                        <p:strVal val="visible"/>
+                                      </p:to>
+                                    </p:set>
+                                    <p:anim calcmode="lin" valueType="num">
+                                      <p:cBhvr additive="base">
+                                        <p:cTn id="7" dur="500" fill="hold"/>
+                                        <p:tgtEl>
+                                          <p:spTgt spid="5"/>
+                                        </p:tgtEl>
+                                        <p:attrNameLst>
+                                          <p:attrName>ppt_x</p:attrName>
+                                        </p:attrNameLst>
+                                      </p:cBhvr>
+                                      <p:tavLst>
+                                        <p:tav tm="0">
+                                          <p:val>
+                                            <p:strVal val="#ppt_x"/>
+                                          </p:val>
+                                        </p:tav>
+                                        <p:tav tm="100000">
+                                          <p:val>
+                                            <p:strVal val="#ppt_x"/>
+                                          </p:val>
+                                        </p:tav>
+                                      </p:tavLst>
+                                    </p:anim>
+                                    <p:anim calcmode="lin" valueType="num">
+                                      <p:cBhvr additive="base">
+                                        <p:cTn id="8" dur="500" fill="hold"/>
+                                        <p:tgtEl>
+                                          <p:spTgt spid="5"/>
+                                        </p:tgtEl>
+                                        <p:attrNameLst>
+                                          <p:attrName>ppt_y</p:attrName>
+                                        </p:attrNameLst>
+                                      </p:cBhvr>
+                                      <p:tavLst>
+                                        <p:tav tm="0">
+                                          <p:val>
+                                            <p:strVal val="1+#ppt_h/2"/>
+                                          </p:val>
+                                        </p:tav>
+                                        <p:tav tm="100000">
+                                          <p:val>
+                                            <p:strVal val="#ppt_y"/>
+                                          </p:val>
+                                        </p:tav>
+                                      </p:tavLst>
+                                    </p:anim>
+                                  </p:childTnLst>
+                                </p:cTn>
+                              </p:par>
+                            </p:childTnLst>
+                          </p:cTn>
+                        </p:par>
+                      </p:childTnLst>
+                    </p:cTn>
+                  </p:par>
+                  <p:par>
+                    <p:cTn id="9" fill="hold">
+                      <p:stCondLst>
+                        <p:cond delay="indefinite"/>
+                      </p:stCondLst>
+                      <p:childTnLst>
+                        <p:par>
+                          <p:cTn id="10" fill="hold">
+                            <p:stCondLst>
+                              <p:cond delay="0"/>
+                            </p:stCondLst>
+                            <p:childTnLst>
+                              <p:par>
+                                <p:cTn id="11" presetID="2" presetClass="entr" presetSubtype="4" fill="hold" nodeType="clickEffect">
+                                  <p:stCondLst>
+                                    <p:cond delay="0"/>
+                                  </p:stCondLst>
+                                  <p:childTnLst>
+                                    <p:set>
+                                      <p:cBhvr>
+                                        <p:cTn id="12" dur="1" fill="hold">
+                                          <p:stCondLst>
+                                            <p:cond delay="0"/>
+                                          </p:stCondLst>
+                                        </p:cTn>
+                                        <p:tgtEl>
+                                          <p:spTgt spid="5"/>
+                                        </p:tgtEl>
+                                        <p:attrNameLst>
+                                          <p:attrName>style.visibility</p:attrName>
+                                        </p:attrNameLst>
+                                      </p:cBhvr>
+                                      <p:to>
+                                        <p:strVal val="visible"/>
+                                      </p:to>
+                                    </p:set>
+                                    <p:anim calcmode="lin" valueType="num">
+                                      <p:cBhvr additive="base">
+                                        <p:cTn id="13" dur="500" fill="hold"/>
+                                        <p:tgtEl>
+                                          <p:spTgt spid="5"/>
+                                        </p:tgtEl>
+                                        <p:attrNameLst>
+                                          <p:attrName>ppt_x</p:attrName>
+                                        </p:attrNameLst>
+                                      </p:cBhvr>
+                                      <p:tavLst>
+                                        <p:tav tm="0">
+                                          <p:val>
+                                            <p:strVal val="#ppt_x"/>
+                                          </p:val>
+                                        </p:tav>
+                                        <p:tav tm="100000">
+                                          <p:val>
+                                            <p:strVal val="#ppt_x"/>
+                                          </p:val>
+                                        </p:tav>
+                                      </p:tavLst>
+                                    </p:anim>
+                                    <p:anim calcmode="lin" valueType="num">
+                                      <p:cBhvr additive="base">
+                                        <p:cTn id="14" dur="500" fill="hold"/>
+                                        <p:tgtEl>
+                                          <p:spTgt spid="5"/>
+                                        </p:tgtEl>
+                                        <p:attrNameLst>
+                                          <p:attrName>ppt_y</p:attrName>
+                                        </p:attrNameLst>
+                                      </p:cBhvr>
+                                      <p:tavLst>
+                                        <p:tav tm="0">
+                                          <p:val>
+                                            <p:strVal val="1+#ppt_h/2"/>
+                                          </p:val>
+                                        </p:tav>
+                                        <p:tav tm="100000">
+                                          <p:val>
+                                            <p:strVal val="#ppt_y"/>
+                                          </p:val>
+                                        </p:tav>
+                                      </p:tavLst>
+                                    </p:anim>
+                                  </p:childTnLst>
+                                </p:cTn>
+                              </p:par>
+                            </p:childTnLst>
+                          </p:cTn>
+                        </p:par>
+                      </p:childTnLst>
+                    </p:cTn>
+                  </p:par>
+                </p:childTnLst>
+              </p:cTn>
+              <p:prevCondLst>
+                <p:cond evt="onPrev" delay="0">
+                  <p:tgtEl>
+                    <p:sldTgt/>
+                  </p:tgtEl>
+                </p:cond>
+              </p:prevCondLst>
+              <p:nextCondLst>
+                <p:cond evt="onNext" delay="0">
+                  <p:tgtEl>
+                    <p:sldTgt/>
+                  </p:tgtEl>
+                </p:cond>
+              </p:nextCondLst>
+            </p:seq>
+          </p:childTnLst>
+        </p:cTn>
+      </p:par>
+    </p:tnLst>
+  </p:timing>
+</p:sld>
+</file>
+
+<file path=ppt/slides/slide11.xml><?xml version="1.0" encoding="utf-8"?>
 <p:sld xmlns:a="http://schemas.openxmlformats.org/drawingml/2006/main" xmlns:r="http://schemas.openxmlformats.org/officeDocument/2006/relationships" xmlns:p="http://schemas.openxmlformats.org/presentationml/2006/main">
   <p:cSld>
     <p:spTree>
@@ -14086,10 +14470,131 @@
   <p:transition spd="slow">
     <p:push dir="u"/>
   </p:transition>
+  <p:timing>
+    <p:tnLst>
+      <p:par>
+        <p:cTn id="1" dur="indefinite" restart="never" nodeType="tmRoot">
+          <p:childTnLst>
+            <p:seq concurrent="1" nextAc="seek">
+              <p:cTn id="2" dur="indefinite" nodeType="mainSeq">
+                <p:childTnLst>
+                  <p:par>
+                    <p:cTn id="3" fill="hold">
+                      <p:stCondLst>
+                        <p:cond delay="indefinite"/>
+                      </p:stCondLst>
+                      <p:childTnLst>
+                        <p:par>
+                          <p:cTn id="4" fill="hold">
+                            <p:stCondLst>
+                              <p:cond delay="0"/>
+                            </p:stCondLst>
+                            <p:childTnLst>
+                              <p:par>
+                                <p:cTn id="5" presetID="2" presetClass="entr" presetSubtype="4" fill="hold" nodeType="clickEffect">
+                                  <p:stCondLst>
+                                    <p:cond delay="0"/>
+                                  </p:stCondLst>
+                                  <p:childTnLst>
+                                    <p:set>
+                                      <p:cBhvr>
+                                        <p:cTn id="6" dur="1" fill="hold">
+                                          <p:stCondLst>
+                                            <p:cond delay="0"/>
+                                          </p:stCondLst>
+                                        </p:cTn>
+                                        <p:tgtEl>
+                                          <p:spTgt spid="5"/>
+                                        </p:tgtEl>
+                                        <p:attrNameLst>
+                                          <p:attrName>style.visibility</p:attrName>
+                                        </p:attrNameLst>
+                                      </p:cBhvr>
+                                      <p:to>
+                                        <p:strVal val="visible"/>
+                                      </p:to>
+                                    </p:set>
+                                    <p:anim calcmode="lin" valueType="num">
+                                      <p:cBhvr additive="base">
+                                        <p:cTn id="7" dur="500" fill="hold"/>
+                                        <p:tgtEl>
+                                          <p:spTgt spid="5"/>
+                                        </p:tgtEl>
+                                        <p:attrNameLst>
+                                          <p:attrName>ppt_x</p:attrName>
+                                        </p:attrNameLst>
+                                      </p:cBhvr>
+                                      <p:tavLst>
+                                        <p:tav tm="0">
+                                          <p:val>
+                                            <p:strVal val="#ppt_x"/>
+                                          </p:val>
+                                        </p:tav>
+                                        <p:tav tm="100000">
+                                          <p:val>
+                                            <p:strVal val="#ppt_x"/>
+                                          </p:val>
+                                        </p:tav>
+                                      </p:tavLst>
+                                    </p:anim>
+                                    <p:anim calcmode="lin" valueType="num">
+                                      <p:cBhvr additive="base">
+                                        <p:cTn id="8" dur="500" fill="hold"/>
+                                        <p:tgtEl>
+                                          <p:spTgt spid="5"/>
+                                        </p:tgtEl>
+                                        <p:attrNameLst>
+                                          <p:attrName>ppt_y</p:attrName>
+                                        </p:attrNameLst>
+                                      </p:cBhvr>
+                                      <p:tavLst>
+                                        <p:tav tm="0">
+                                          <p:val>
+                                            <p:strVal val="1+#ppt_h/2"/>
+                                          </p:val>
+                                        </p:tav>
+                                        <p:tav tm="100000">
+                                          <p:val>
+                                            <p:strVal val="#ppt_y"/>
+                                          </p:val>
+                                        </p:tav>
+                                      </p:tavLst>
+                                    </p:anim>
+                                  </p:childTnLst>
+                                </p:cTn>
+                              </p:par>
+                            </p:childTnLst>
+                          </p:cTn>
+                        </p:par>
+                      </p:childTnLst>
+                    </p:cTn>
+                  </p:par>
+                </p:childTnLst>
+              </p:cTn>
+              <p:prevCondLst>
+                <p:cond evt="onPrev" delay="0">
+                  <p:tgtEl>
+                    <p:sldTgt/>
+                  </p:tgtEl>
+                </p:cond>
+              </p:prevCondLst>
+              <p:nextCondLst>
+                <p:cond evt="onNext" delay="0">
+                  <p:tgtEl>
+                    <p:sldTgt/>
+                  </p:tgtEl>
+                </p:cond>
+              </p:nextCondLst>
+            </p:seq>
+          </p:childTnLst>
+        </p:cTn>
+      </p:par>
+    </p:tnLst>
+  </p:timing>
 </p:sld>
 </file>
 
-<file path=ppt/slides/slide11.xml><?xml version="1.0" encoding="utf-8"?>
+<file path=ppt/slides/slide12.xml><?xml version="1.0" encoding="utf-8"?>
 <p:sld xmlns:a="http://schemas.openxmlformats.org/drawingml/2006/main" xmlns:r="http://schemas.openxmlformats.org/officeDocument/2006/relationships" xmlns:p="http://schemas.openxmlformats.org/presentationml/2006/main">
   <p:cSld>
     <p:spTree>
@@ -14228,10 +14733,131 @@
   <p:transition spd="slow">
     <p:push dir="u"/>
   </p:transition>
+  <p:timing>
+    <p:tnLst>
+      <p:par>
+        <p:cTn id="1" dur="indefinite" restart="never" nodeType="tmRoot">
+          <p:childTnLst>
+            <p:seq concurrent="1" nextAc="seek">
+              <p:cTn id="2" dur="indefinite" nodeType="mainSeq">
+                <p:childTnLst>
+                  <p:par>
+                    <p:cTn id="3" fill="hold">
+                      <p:stCondLst>
+                        <p:cond delay="indefinite"/>
+                      </p:stCondLst>
+                      <p:childTnLst>
+                        <p:par>
+                          <p:cTn id="4" fill="hold">
+                            <p:stCondLst>
+                              <p:cond delay="0"/>
+                            </p:stCondLst>
+                            <p:childTnLst>
+                              <p:par>
+                                <p:cTn id="5" presetID="2" presetClass="entr" presetSubtype="4" fill="hold" nodeType="clickEffect">
+                                  <p:stCondLst>
+                                    <p:cond delay="0"/>
+                                  </p:stCondLst>
+                                  <p:childTnLst>
+                                    <p:set>
+                                      <p:cBhvr>
+                                        <p:cTn id="6" dur="1" fill="hold">
+                                          <p:stCondLst>
+                                            <p:cond delay="0"/>
+                                          </p:stCondLst>
+                                        </p:cTn>
+                                        <p:tgtEl>
+                                          <p:spTgt spid="7"/>
+                                        </p:tgtEl>
+                                        <p:attrNameLst>
+                                          <p:attrName>style.visibility</p:attrName>
+                                        </p:attrNameLst>
+                                      </p:cBhvr>
+                                      <p:to>
+                                        <p:strVal val="visible"/>
+                                      </p:to>
+                                    </p:set>
+                                    <p:anim calcmode="lin" valueType="num">
+                                      <p:cBhvr additive="base">
+                                        <p:cTn id="7" dur="500" fill="hold"/>
+                                        <p:tgtEl>
+                                          <p:spTgt spid="7"/>
+                                        </p:tgtEl>
+                                        <p:attrNameLst>
+                                          <p:attrName>ppt_x</p:attrName>
+                                        </p:attrNameLst>
+                                      </p:cBhvr>
+                                      <p:tavLst>
+                                        <p:tav tm="0">
+                                          <p:val>
+                                            <p:strVal val="#ppt_x"/>
+                                          </p:val>
+                                        </p:tav>
+                                        <p:tav tm="100000">
+                                          <p:val>
+                                            <p:strVal val="#ppt_x"/>
+                                          </p:val>
+                                        </p:tav>
+                                      </p:tavLst>
+                                    </p:anim>
+                                    <p:anim calcmode="lin" valueType="num">
+                                      <p:cBhvr additive="base">
+                                        <p:cTn id="8" dur="500" fill="hold"/>
+                                        <p:tgtEl>
+                                          <p:spTgt spid="7"/>
+                                        </p:tgtEl>
+                                        <p:attrNameLst>
+                                          <p:attrName>ppt_y</p:attrName>
+                                        </p:attrNameLst>
+                                      </p:cBhvr>
+                                      <p:tavLst>
+                                        <p:tav tm="0">
+                                          <p:val>
+                                            <p:strVal val="1+#ppt_h/2"/>
+                                          </p:val>
+                                        </p:tav>
+                                        <p:tav tm="100000">
+                                          <p:val>
+                                            <p:strVal val="#ppt_y"/>
+                                          </p:val>
+                                        </p:tav>
+                                      </p:tavLst>
+                                    </p:anim>
+                                  </p:childTnLst>
+                                </p:cTn>
+                              </p:par>
+                            </p:childTnLst>
+                          </p:cTn>
+                        </p:par>
+                      </p:childTnLst>
+                    </p:cTn>
+                  </p:par>
+                </p:childTnLst>
+              </p:cTn>
+              <p:prevCondLst>
+                <p:cond evt="onPrev" delay="0">
+                  <p:tgtEl>
+                    <p:sldTgt/>
+                  </p:tgtEl>
+                </p:cond>
+              </p:prevCondLst>
+              <p:nextCondLst>
+                <p:cond evt="onNext" delay="0">
+                  <p:tgtEl>
+                    <p:sldTgt/>
+                  </p:tgtEl>
+                </p:cond>
+              </p:nextCondLst>
+            </p:seq>
+          </p:childTnLst>
+        </p:cTn>
+      </p:par>
+    </p:tnLst>
+  </p:timing>
 </p:sld>
 </file>
 
-<file path=ppt/slides/slide12.xml><?xml version="1.0" encoding="utf-8"?>
+<file path=ppt/slides/slide13.xml><?xml version="1.0" encoding="utf-8"?>
 <p:sld xmlns:a="http://schemas.openxmlformats.org/drawingml/2006/main" xmlns:r="http://schemas.openxmlformats.org/officeDocument/2006/relationships" xmlns:p="http://schemas.openxmlformats.org/presentationml/2006/main">
   <p:cSld>
     <p:spTree>
@@ -14435,10 +15061,222 @@
   <p:transition spd="slow">
     <p:push dir="u"/>
   </p:transition>
+  <p:timing>
+    <p:tnLst>
+      <p:par>
+        <p:cTn id="1" dur="indefinite" restart="never" nodeType="tmRoot">
+          <p:childTnLst>
+            <p:seq concurrent="1" nextAc="seek">
+              <p:cTn id="2" dur="indefinite" nodeType="mainSeq">
+                <p:childTnLst>
+                  <p:par>
+                    <p:cTn id="3" fill="hold">
+                      <p:stCondLst>
+                        <p:cond delay="indefinite"/>
+                      </p:stCondLst>
+                      <p:childTnLst>
+                        <p:par>
+                          <p:cTn id="4" fill="hold">
+                            <p:stCondLst>
+                              <p:cond delay="0"/>
+                            </p:stCondLst>
+                            <p:childTnLst>
+                              <p:par>
+                                <p:cTn id="5" presetID="2" presetClass="entr" presetSubtype="4" fill="hold" nodeType="clickEffect">
+                                  <p:stCondLst>
+                                    <p:cond delay="0"/>
+                                  </p:stCondLst>
+                                  <p:childTnLst>
+                                    <p:set>
+                                      <p:cBhvr>
+                                        <p:cTn id="6" dur="1" fill="hold">
+                                          <p:stCondLst>
+                                            <p:cond delay="0"/>
+                                          </p:stCondLst>
+                                        </p:cTn>
+                                        <p:tgtEl>
+                                          <p:spTgt spid="6"/>
+                                        </p:tgtEl>
+                                        <p:attrNameLst>
+                                          <p:attrName>style.visibility</p:attrName>
+                                        </p:attrNameLst>
+                                      </p:cBhvr>
+                                      <p:to>
+                                        <p:strVal val="visible"/>
+                                      </p:to>
+                                    </p:set>
+                                    <p:anim calcmode="lin" valueType="num">
+                                      <p:cBhvr additive="base">
+                                        <p:cTn id="7" dur="500" fill="hold"/>
+                                        <p:tgtEl>
+                                          <p:spTgt spid="6"/>
+                                        </p:tgtEl>
+                                        <p:attrNameLst>
+                                          <p:attrName>ppt_x</p:attrName>
+                                        </p:attrNameLst>
+                                      </p:cBhvr>
+                                      <p:tavLst>
+                                        <p:tav tm="0">
+                                          <p:val>
+                                            <p:strVal val="#ppt_x"/>
+                                          </p:val>
+                                        </p:tav>
+                                        <p:tav tm="100000">
+                                          <p:val>
+                                            <p:strVal val="#ppt_x"/>
+                                          </p:val>
+                                        </p:tav>
+                                      </p:tavLst>
+                                    </p:anim>
+                                    <p:anim calcmode="lin" valueType="num">
+                                      <p:cBhvr additive="base">
+                                        <p:cTn id="8" dur="500" fill="hold"/>
+                                        <p:tgtEl>
+                                          <p:spTgt spid="6"/>
+                                        </p:tgtEl>
+                                        <p:attrNameLst>
+                                          <p:attrName>ppt_y</p:attrName>
+                                        </p:attrNameLst>
+                                      </p:cBhvr>
+                                      <p:tavLst>
+                                        <p:tav tm="0">
+                                          <p:val>
+                                            <p:strVal val="1+#ppt_h/2"/>
+                                          </p:val>
+                                        </p:tav>
+                                        <p:tav tm="100000">
+                                          <p:val>
+                                            <p:strVal val="#ppt_y"/>
+                                          </p:val>
+                                        </p:tav>
+                                      </p:tavLst>
+                                    </p:anim>
+                                  </p:childTnLst>
+                                </p:cTn>
+                              </p:par>
+                            </p:childTnLst>
+                          </p:cTn>
+                        </p:par>
+                      </p:childTnLst>
+                    </p:cTn>
+                  </p:par>
+                  <p:par>
+                    <p:cTn id="9" fill="hold">
+                      <p:stCondLst>
+                        <p:cond delay="indefinite"/>
+                      </p:stCondLst>
+                      <p:childTnLst>
+                        <p:par>
+                          <p:cTn id="10" fill="hold">
+                            <p:stCondLst>
+                              <p:cond delay="0"/>
+                            </p:stCondLst>
+                            <p:childTnLst>
+                              <p:par>
+                                <p:cTn id="11" presetID="2" presetClass="entr" presetSubtype="4" fill="hold" nodeType="clickEffect">
+                                  <p:stCondLst>
+                                    <p:cond delay="0"/>
+                                  </p:stCondLst>
+                                  <p:childTnLst>
+                                    <p:set>
+                                      <p:cBhvr>
+                                        <p:cTn id="12" dur="1" fill="hold">
+                                          <p:stCondLst>
+                                            <p:cond delay="0"/>
+                                          </p:stCondLst>
+                                        </p:cTn>
+                                        <p:tgtEl>
+                                          <p:spTgt spid="7"/>
+                                        </p:tgtEl>
+                                        <p:attrNameLst>
+                                          <p:attrName>style.visibility</p:attrName>
+                                        </p:attrNameLst>
+                                      </p:cBhvr>
+                                      <p:to>
+                                        <p:strVal val="visible"/>
+                                      </p:to>
+                                    </p:set>
+                                    <p:anim calcmode="lin" valueType="num">
+                                      <p:cBhvr additive="base">
+                                        <p:cTn id="13" dur="500" fill="hold"/>
+                                        <p:tgtEl>
+                                          <p:spTgt spid="7"/>
+                                        </p:tgtEl>
+                                        <p:attrNameLst>
+                                          <p:attrName>ppt_x</p:attrName>
+                                        </p:attrNameLst>
+                                      </p:cBhvr>
+                                      <p:tavLst>
+                                        <p:tav tm="0">
+                                          <p:val>
+                                            <p:strVal val="#ppt_x"/>
+                                          </p:val>
+                                        </p:tav>
+                                        <p:tav tm="100000">
+                                          <p:val>
+                                            <p:strVal val="#ppt_x"/>
+                                          </p:val>
+                                        </p:tav>
+                                      </p:tavLst>
+                                    </p:anim>
+                                    <p:anim calcmode="lin" valueType="num">
+                                      <p:cBhvr additive="base">
+                                        <p:cTn id="14" dur="500" fill="hold"/>
+                                        <p:tgtEl>
+                                          <p:spTgt spid="7"/>
+                                        </p:tgtEl>
+                                        <p:attrNameLst>
+                                          <p:attrName>ppt_y</p:attrName>
+                                        </p:attrNameLst>
+                                      </p:cBhvr>
+                                      <p:tavLst>
+                                        <p:tav tm="0">
+                                          <p:val>
+                                            <p:strVal val="1+#ppt_h/2"/>
+                                          </p:val>
+                                        </p:tav>
+                                        <p:tav tm="100000">
+                                          <p:val>
+                                            <p:strVal val="#ppt_y"/>
+                                          </p:val>
+                                        </p:tav>
+                                      </p:tavLst>
+                                    </p:anim>
+                                  </p:childTnLst>
+                                </p:cTn>
+                              </p:par>
+                            </p:childTnLst>
+                          </p:cTn>
+                        </p:par>
+                      </p:childTnLst>
+                    </p:cTn>
+                  </p:par>
+                </p:childTnLst>
+              </p:cTn>
+              <p:prevCondLst>
+                <p:cond evt="onPrev" delay="0">
+                  <p:tgtEl>
+                    <p:sldTgt/>
+                  </p:tgtEl>
+                </p:cond>
+              </p:prevCondLst>
+              <p:nextCondLst>
+                <p:cond evt="onNext" delay="0">
+                  <p:tgtEl>
+                    <p:sldTgt/>
+                  </p:tgtEl>
+                </p:cond>
+              </p:nextCondLst>
+            </p:seq>
+          </p:childTnLst>
+        </p:cTn>
+      </p:par>
+    </p:tnLst>
+  </p:timing>
 </p:sld>
 </file>
 
-<file path=ppt/slides/slide13.xml><?xml version="1.0" encoding="utf-8"?>
+<file path=ppt/slides/slide14.xml><?xml version="1.0" encoding="utf-8"?>
 <p:sld xmlns:a="http://schemas.openxmlformats.org/drawingml/2006/main" xmlns:r="http://schemas.openxmlformats.org/officeDocument/2006/relationships" xmlns:p="http://schemas.openxmlformats.org/presentationml/2006/main">
   <p:cSld>
     <p:bg>
@@ -16225,7 +17063,7 @@
           <a:p>
             <a:r>
               <a:rPr lang="en-US" b="1" dirty="0"/>
-              <a:t>Data Collection</a:t>
+              <a:t>Hypothesis:</a:t>
             </a:r>
           </a:p>
         </p:txBody>
@@ -16253,29 +17091,126 @@
           </a:bodyPr>
           <a:lstStyle/>
           <a:p>
+            <a:pPr marL="0" indent="0">
+              <a:buNone/>
+            </a:pPr>
+            <a:r>
+              <a:rPr lang="en-US" sz="3200" b="1" i="0" dirty="0">
+                <a:solidFill>
+                  <a:schemeClr val="accent1"/>
+                </a:solidFill>
+                <a:effectLst/>
+                <a:latin typeface="-apple-system"/>
+              </a:rPr>
+              <a:t>“When the world shut down </a:t>
+            </a:r>
+            <a:r>
+              <a:rPr lang="en-US" sz="3200" b="1" dirty="0">
+                <a:solidFill>
+                  <a:schemeClr val="accent1"/>
+                </a:solidFill>
+                <a:latin typeface="-apple-system"/>
+              </a:rPr>
+              <a:t>on March 17, 2020, music consumption via the streaming platform Spotify experienced a statistically significant change.”</a:t>
+            </a:r>
+            <a:endParaRPr lang="en-US" sz="3200" b="1" i="0" dirty="0">
+              <a:solidFill>
+                <a:schemeClr val="accent1"/>
+              </a:solidFill>
+              <a:effectLst/>
+              <a:latin typeface="-apple-system"/>
+            </a:endParaRPr>
+          </a:p>
+        </p:txBody>
+      </p:sp>
+    </p:spTree>
+    <p:extLst>
+      <p:ext uri="{BB962C8B-B14F-4D97-AF65-F5344CB8AC3E}">
+        <p14:creationId xmlns:p14="http://schemas.microsoft.com/office/powerpoint/2010/main" val="4248479859"/>
+      </p:ext>
+    </p:extLst>
+  </p:cSld>
+  <p:clrMapOvr>
+    <a:masterClrMapping/>
+  </p:clrMapOvr>
+</p:sld>
+</file>
+
+<file path=ppt/slides/slide4.xml><?xml version="1.0" encoding="utf-8"?>
+<p:sld xmlns:a="http://schemas.openxmlformats.org/drawingml/2006/main" xmlns:r="http://schemas.openxmlformats.org/officeDocument/2006/relationships" xmlns:p="http://schemas.openxmlformats.org/presentationml/2006/main">
+  <p:cSld>
+    <p:spTree>
+      <p:nvGrpSpPr>
+        <p:cNvPr id="1" name=""/>
+        <p:cNvGrpSpPr/>
+        <p:nvPr/>
+      </p:nvGrpSpPr>
+      <p:grpSpPr>
+        <a:xfrm>
+          <a:off x="0" y="0"/>
+          <a:ext cx="0" cy="0"/>
+          <a:chOff x="0" y="0"/>
+          <a:chExt cx="0" cy="0"/>
+        </a:xfrm>
+      </p:grpSpPr>
+      <p:sp>
+        <p:nvSpPr>
+          <p:cNvPr id="2" name="Title 1">
+            <a:extLst>
+              <a:ext uri="{FF2B5EF4-FFF2-40B4-BE49-F238E27FC236}">
+                <a16:creationId xmlns:a16="http://schemas.microsoft.com/office/drawing/2014/main" id="{0EEB2409-D050-F465-C6F9-59D88F1B3F3D}"/>
+              </a:ext>
+            </a:extLst>
+          </p:cNvPr>
+          <p:cNvSpPr>
+            <a:spLocks noGrp="1"/>
+          </p:cNvSpPr>
+          <p:nvPr>
+            <p:ph type="title"/>
+          </p:nvPr>
+        </p:nvSpPr>
+        <p:spPr/>
+        <p:txBody>
+          <a:bodyPr/>
+          <a:lstStyle/>
+          <a:p>
+            <a:r>
+              <a:rPr lang="en-US" b="1" dirty="0"/>
+              <a:t>Data Collection</a:t>
+            </a:r>
+          </a:p>
+        </p:txBody>
+      </p:sp>
+      <p:sp>
+        <p:nvSpPr>
+          <p:cNvPr id="3" name="Content Placeholder 2">
+            <a:extLst>
+              <a:ext uri="{FF2B5EF4-FFF2-40B4-BE49-F238E27FC236}">
+                <a16:creationId xmlns:a16="http://schemas.microsoft.com/office/drawing/2014/main" id="{C0724DEB-C625-E1C3-5BFB-DD4D95847726}"/>
+              </a:ext>
+            </a:extLst>
+          </p:cNvPr>
+          <p:cNvSpPr>
+            <a:spLocks noGrp="1"/>
+          </p:cNvSpPr>
+          <p:nvPr>
+            <p:ph idx="1"/>
+          </p:nvPr>
+        </p:nvSpPr>
+        <p:spPr/>
+        <p:txBody>
+          <a:bodyPr>
+            <a:normAutofit lnSpcReduction="10000"/>
+          </a:bodyPr>
+          <a:lstStyle/>
+          <a:p>
             <a:r>
               <a:rPr lang="en-US" b="1" dirty="0">
                 <a:solidFill>
                   <a:schemeClr val="accent1"/>
                 </a:solidFill>
               </a:rPr>
-              <a:t>Music Data was collected from the </a:t>
-            </a:r>
-            <a:r>
-              <a:rPr lang="en-US" b="1" dirty="0" err="1">
-                <a:solidFill>
-                  <a:schemeClr val="accent1"/>
-                </a:solidFill>
-              </a:rPr>
-              <a:t>Spoitify</a:t>
-            </a:r>
-            <a:r>
-              <a:rPr lang="en-US" b="1" dirty="0">
-                <a:solidFill>
-                  <a:schemeClr val="accent1"/>
-                </a:solidFill>
-              </a:rPr>
-              <a:t> API </a:t>
+              <a:t>Music Data was collected from Kaggle.com (from Spotify) and the Spotify API </a:t>
             </a:r>
             <a:endParaRPr lang="en-US" dirty="0"/>
           </a:p>
@@ -16383,150 +17318,6 @@
 </p:sld>
 </file>
 
-<file path=ppt/slides/slide4.xml><?xml version="1.0" encoding="utf-8"?>
-<p:sld xmlns:a="http://schemas.openxmlformats.org/drawingml/2006/main" xmlns:r="http://schemas.openxmlformats.org/officeDocument/2006/relationships" xmlns:p="http://schemas.openxmlformats.org/presentationml/2006/main">
-  <p:cSld>
-    <p:spTree>
-      <p:nvGrpSpPr>
-        <p:cNvPr id="1" name=""/>
-        <p:cNvGrpSpPr/>
-        <p:nvPr/>
-      </p:nvGrpSpPr>
-      <p:grpSpPr>
-        <a:xfrm>
-          <a:off x="0" y="0"/>
-          <a:ext cx="0" cy="0"/>
-          <a:chOff x="0" y="0"/>
-          <a:chExt cx="0" cy="0"/>
-        </a:xfrm>
-      </p:grpSpPr>
-      <p:sp>
-        <p:nvSpPr>
-          <p:cNvPr id="2" name="Title 1">
-            <a:extLst>
-              <a:ext uri="{FF2B5EF4-FFF2-40B4-BE49-F238E27FC236}">
-                <a16:creationId xmlns:a16="http://schemas.microsoft.com/office/drawing/2014/main" id="{0EEB2409-D050-F465-C6F9-59D88F1B3F3D}"/>
-              </a:ext>
-            </a:extLst>
-          </p:cNvPr>
-          <p:cNvSpPr>
-            <a:spLocks noGrp="1"/>
-          </p:cNvSpPr>
-          <p:nvPr>
-            <p:ph type="title"/>
-          </p:nvPr>
-        </p:nvSpPr>
-        <p:spPr/>
-        <p:txBody>
-          <a:bodyPr/>
-          <a:lstStyle/>
-          <a:p>
-            <a:r>
-              <a:rPr lang="en-US" b="1" dirty="0"/>
-              <a:t>Data Collection</a:t>
-            </a:r>
-          </a:p>
-        </p:txBody>
-      </p:sp>
-      <p:sp>
-        <p:nvSpPr>
-          <p:cNvPr id="3" name="Content Placeholder 2">
-            <a:extLst>
-              <a:ext uri="{FF2B5EF4-FFF2-40B4-BE49-F238E27FC236}">
-                <a16:creationId xmlns:a16="http://schemas.microsoft.com/office/drawing/2014/main" id="{C0724DEB-C625-E1C3-5BFB-DD4D95847726}"/>
-              </a:ext>
-            </a:extLst>
-          </p:cNvPr>
-          <p:cNvSpPr>
-            <a:spLocks noGrp="1"/>
-          </p:cNvSpPr>
-          <p:nvPr>
-            <p:ph idx="1"/>
-          </p:nvPr>
-        </p:nvSpPr>
-        <p:spPr/>
-        <p:txBody>
-          <a:bodyPr>
-            <a:normAutofit/>
-          </a:bodyPr>
-          <a:lstStyle/>
-          <a:p>
-            <a:r>
-              <a:rPr lang="en-US" b="1" dirty="0">
-                <a:solidFill>
-                  <a:schemeClr val="accent1"/>
-                </a:solidFill>
-              </a:rPr>
-              <a:t>Data was retrieved from sites .</a:t>
-            </a:r>
-          </a:p>
-          <a:p>
-            <a:r>
-              <a:rPr lang="en-US" b="1" i="0" dirty="0">
-                <a:solidFill>
-                  <a:schemeClr val="accent1"/>
-                </a:solidFill>
-                <a:effectLst/>
-                <a:latin typeface="-apple-system"/>
-              </a:rPr>
-              <a:t>It was analyzed from </a:t>
-            </a:r>
-            <a:r>
-              <a:rPr lang="en-US" b="1" dirty="0">
-                <a:solidFill>
-                  <a:schemeClr val="accent1"/>
-                </a:solidFill>
-                <a:latin typeface="-apple-system"/>
-              </a:rPr>
-              <a:t>Kaggle and Spotify API</a:t>
-            </a:r>
-          </a:p>
-          <a:p>
-            <a:r>
-              <a:rPr lang="en-US" b="1" dirty="0">
-                <a:solidFill>
-                  <a:schemeClr val="accent1"/>
-                </a:solidFill>
-                <a:latin typeface="-apple-system"/>
-              </a:rPr>
-              <a:t>The data retrieved from Spotify was very huge </a:t>
-            </a:r>
-          </a:p>
-          <a:p>
-            <a:r>
-              <a:rPr lang="en-US" b="1" dirty="0">
-                <a:solidFill>
-                  <a:schemeClr val="accent1"/>
-                </a:solidFill>
-                <a:latin typeface="-apple-system"/>
-              </a:rPr>
-              <a:t>It was saved to a CSV file for further analysis </a:t>
-            </a:r>
-          </a:p>
-          <a:p>
-            <a:endParaRPr lang="en-US" b="1" i="0" dirty="0">
-              <a:solidFill>
-                <a:schemeClr val="accent1"/>
-              </a:solidFill>
-              <a:effectLst/>
-              <a:latin typeface="-apple-system"/>
-            </a:endParaRPr>
-          </a:p>
-        </p:txBody>
-      </p:sp>
-    </p:spTree>
-    <p:extLst>
-      <p:ext uri="{BB962C8B-B14F-4D97-AF65-F5344CB8AC3E}">
-        <p14:creationId xmlns:p14="http://schemas.microsoft.com/office/powerpoint/2010/main" val="4248479859"/>
-      </p:ext>
-    </p:extLst>
-  </p:cSld>
-  <p:clrMapOvr>
-    <a:masterClrMapping/>
-  </p:clrMapOvr>
-</p:sld>
-</file>
-
 <file path=ppt/slides/slide5.xml><?xml version="1.0" encoding="utf-8"?>
 <p:sld xmlns:a="http://schemas.openxmlformats.org/drawingml/2006/main" xmlns:r="http://schemas.openxmlformats.org/officeDocument/2006/relationships" xmlns:p="http://schemas.openxmlformats.org/presentationml/2006/main">
   <p:cSld>
@@ -16603,10 +17394,11 @@
                 <a:effectLst/>
                 <a:latin typeface="-apple-system"/>
               </a:rPr>
-              <a:t>Data was cleaned using excel comparison </a:t>
+              <a:t>“Genre” was defined too broadly for comparisons</a:t>
             </a:r>
           </a:p>
           <a:p>
+            <a:pPr lvl="1"/>
             <a:r>
               <a:rPr lang="en-US" b="1" dirty="0">
                 <a:solidFill>
@@ -16614,10 +17406,11 @@
                 </a:solidFill>
                 <a:latin typeface="-apple-system"/>
               </a:rPr>
-              <a:t>Merging?</a:t>
+              <a:t>Master Genre key created</a:t>
             </a:r>
           </a:p>
           <a:p>
+            <a:pPr lvl="1"/>
             <a:r>
               <a:rPr lang="en-US" b="1" dirty="0">
                 <a:solidFill>
@@ -16625,8 +17418,44 @@
                 </a:solidFill>
                 <a:latin typeface="-apple-system"/>
               </a:rPr>
-              <a:t>Duplicates?</a:t>
+              <a:t>Column added and populated from the key</a:t>
             </a:r>
+          </a:p>
+          <a:p>
+            <a:pPr indent="-285750"/>
+            <a:r>
+              <a:rPr lang="en-US" b="1" i="0" dirty="0">
+                <a:solidFill>
+                  <a:schemeClr val="accent1"/>
+                </a:solidFill>
+                <a:effectLst/>
+                <a:latin typeface="-apple-system"/>
+              </a:rPr>
+              <a:t>“Month” and “Year” columns added for cleaner data grouping</a:t>
+            </a:r>
+          </a:p>
+          <a:p>
+            <a:pPr indent="-285750"/>
+            <a:r>
+              <a:rPr lang="en-US" b="1" dirty="0">
+                <a:solidFill>
+                  <a:schemeClr val="accent1"/>
+                </a:solidFill>
+                <a:latin typeface="-apple-system"/>
+              </a:rPr>
+              <a:t>New csv output for analysis</a:t>
+            </a:r>
+          </a:p>
+          <a:p>
+            <a:pPr marL="57150" indent="0">
+              <a:buNone/>
+            </a:pPr>
+            <a:endParaRPr lang="en-US" b="1" dirty="0">
+              <a:solidFill>
+                <a:schemeClr val="accent1"/>
+              </a:solidFill>
+              <a:latin typeface="-apple-system"/>
+            </a:endParaRPr>
           </a:p>
           <a:p>
             <a:endParaRPr lang="en-US" b="1" i="0" dirty="0">
@@ -16692,7 +17521,7 @@
           <a:p>
             <a:r>
               <a:rPr lang="en-US" b="1" dirty="0"/>
-              <a:t>Data Summary</a:t>
+              <a:t>Data Visualization</a:t>
             </a:r>
           </a:p>
         </p:txBody>
@@ -16721,14 +17550,13 @@
           <a:lstStyle/>
           <a:p>
             <a:r>
-              <a:rPr lang="en-US" b="1" i="0" dirty="0">
+              <a:rPr lang="en-US" b="1" dirty="0">
                 <a:solidFill>
                   <a:schemeClr val="accent1"/>
                 </a:solidFill>
-                <a:effectLst/>
                 <a:latin typeface="-apple-system"/>
               </a:rPr>
-              <a:t>Data was summarized per year -2017-2021</a:t>
+              <a:t>Matplotlib was used to display bar charts of the following </a:t>
             </a:r>
           </a:p>
           <a:p>
@@ -16739,7 +17567,29 @@
                 </a:solidFill>
                 <a:latin typeface="-apple-system"/>
               </a:rPr>
-              <a:t>The summary data provided a statistical representation</a:t>
+              <a:t>Streams by Genre per Year</a:t>
+            </a:r>
+          </a:p>
+          <a:p>
+            <a:r>
+              <a:rPr lang="en-US" b="1" dirty="0">
+                <a:solidFill>
+                  <a:schemeClr val="accent1"/>
+                </a:solidFill>
+                <a:latin typeface="-apple-system"/>
+              </a:rPr>
+              <a:t>Streams by Genre per artist and year</a:t>
+            </a:r>
+          </a:p>
+          <a:p>
+            <a:r>
+              <a:rPr lang="en-US" b="1" dirty="0">
+                <a:solidFill>
+                  <a:schemeClr val="accent1"/>
+                </a:solidFill>
+                <a:latin typeface="-apple-system"/>
+              </a:rPr>
+              <a:t>Streams by Genre </a:t>
             </a:r>
           </a:p>
           <a:p>
@@ -16756,7 +17606,7 @@
     </p:spTree>
     <p:extLst>
       <p:ext uri="{BB962C8B-B14F-4D97-AF65-F5344CB8AC3E}">
-        <p14:creationId xmlns:p14="http://schemas.microsoft.com/office/powerpoint/2010/main" val="2229074296"/>
+        <p14:creationId xmlns:p14="http://schemas.microsoft.com/office/powerpoint/2010/main" val="3527900307"/>
       </p:ext>
     </p:extLst>
   </p:cSld>
@@ -16799,24 +17649,408 @@
             <p:ph type="title"/>
           </p:nvPr>
         </p:nvSpPr>
-        <p:spPr/>
+        <p:spPr>
+          <a:xfrm>
+            <a:off x="407059" y="-177803"/>
+            <a:ext cx="8761413" cy="773547"/>
+          </a:xfrm>
+        </p:spPr>
         <p:txBody>
           <a:bodyPr/>
           <a:lstStyle/>
           <a:p>
             <a:r>
-              <a:rPr lang="en-US" b="1" dirty="0"/>
-              <a:t>Data Visualization</a:t>
+              <a:rPr lang="en-US" sz="2000" b="1" dirty="0">
+                <a:solidFill>
+                  <a:schemeClr val="tx1"/>
+                </a:solidFill>
+              </a:rPr>
+              <a:t>Data Visualization – Change in Genre by Year(2017-2021)</a:t>
             </a:r>
           </a:p>
         </p:txBody>
       </p:sp>
+      <p:pic>
+        <p:nvPicPr>
+          <p:cNvPr id="25" name="Content Placeholder 24" descr="Chart, waterfall chart&#10;&#10;Description automatically generated">
+            <a:extLst>
+              <a:ext uri="{FF2B5EF4-FFF2-40B4-BE49-F238E27FC236}">
+                <a16:creationId xmlns:a16="http://schemas.microsoft.com/office/drawing/2014/main" id="{AF12B76A-B641-CD4C-07DB-2686D81B1167}"/>
+              </a:ext>
+            </a:extLst>
+          </p:cNvPr>
+          <p:cNvPicPr>
+            <a:picLocks noGrp="1" noChangeAspect="1"/>
+          </p:cNvPicPr>
+          <p:nvPr>
+            <p:ph idx="1"/>
+          </p:nvPr>
+        </p:nvPicPr>
+        <p:blipFill>
+          <a:blip r:embed="rId2">
+            <a:extLst>
+              <a:ext uri="{28A0092B-C50C-407E-A947-70E740481C1C}">
+                <a14:useLocalDpi xmlns:a14="http://schemas.microsoft.com/office/drawing/2010/main" val="0"/>
+              </a:ext>
+            </a:extLst>
+          </a:blip>
+          <a:stretch>
+            <a:fillRect/>
+          </a:stretch>
+        </p:blipFill>
+        <p:spPr>
+          <a:xfrm>
+            <a:off x="407059" y="458437"/>
+            <a:ext cx="4322144" cy="3116272"/>
+          </a:xfrm>
+        </p:spPr>
+      </p:pic>
+      <p:pic>
+        <p:nvPicPr>
+          <p:cNvPr id="27" name="Picture 26" descr="Chart&#10;&#10;Description automatically generated">
+            <a:extLst>
+              <a:ext uri="{FF2B5EF4-FFF2-40B4-BE49-F238E27FC236}">
+                <a16:creationId xmlns:a16="http://schemas.microsoft.com/office/drawing/2014/main" id="{C7402636-95A0-37DB-263E-22E9AF7EF96B}"/>
+              </a:ext>
+            </a:extLst>
+          </p:cNvPr>
+          <p:cNvPicPr>
+            <a:picLocks noChangeAspect="1"/>
+          </p:cNvPicPr>
+          <p:nvPr/>
+        </p:nvPicPr>
+        <p:blipFill>
+          <a:blip r:embed="rId3">
+            <a:extLst>
+              <a:ext uri="{28A0092B-C50C-407E-A947-70E740481C1C}">
+                <a14:useLocalDpi xmlns:a14="http://schemas.microsoft.com/office/drawing/2010/main" val="0"/>
+              </a:ext>
+            </a:extLst>
+          </a:blip>
+          <a:stretch>
+            <a:fillRect/>
+          </a:stretch>
+        </p:blipFill>
+        <p:spPr>
+          <a:xfrm>
+            <a:off x="4677212" y="392601"/>
+            <a:ext cx="3629095" cy="3247944"/>
+          </a:xfrm>
+          <a:prstGeom prst="rect">
+            <a:avLst/>
+          </a:prstGeom>
+        </p:spPr>
+      </p:pic>
+      <p:pic>
+        <p:nvPicPr>
+          <p:cNvPr id="33" name="Picture 32" descr="Chart, bar chart&#10;&#10;Description automatically generated">
+            <a:extLst>
+              <a:ext uri="{FF2B5EF4-FFF2-40B4-BE49-F238E27FC236}">
+                <a16:creationId xmlns:a16="http://schemas.microsoft.com/office/drawing/2014/main" id="{B202CDB7-A197-2835-E06D-DB46C47641BC}"/>
+              </a:ext>
+            </a:extLst>
+          </p:cNvPr>
+          <p:cNvPicPr>
+            <a:picLocks noChangeAspect="1"/>
+          </p:cNvPicPr>
+          <p:nvPr/>
+        </p:nvPicPr>
+        <p:blipFill>
+          <a:blip r:embed="rId4">
+            <a:extLst>
+              <a:ext uri="{28A0092B-C50C-407E-A947-70E740481C1C}">
+                <a14:useLocalDpi xmlns:a14="http://schemas.microsoft.com/office/drawing/2010/main" val="0"/>
+              </a:ext>
+            </a:extLst>
+          </a:blip>
+          <a:stretch>
+            <a:fillRect/>
+          </a:stretch>
+        </p:blipFill>
+        <p:spPr>
+          <a:xfrm>
+            <a:off x="8317481" y="561820"/>
+            <a:ext cx="3647181" cy="3012889"/>
+          </a:xfrm>
+          <a:prstGeom prst="rect">
+            <a:avLst/>
+          </a:prstGeom>
+        </p:spPr>
+      </p:pic>
+      <p:pic>
+        <p:nvPicPr>
+          <p:cNvPr id="37" name="Picture 36" descr="Chart&#10;&#10;Description automatically generated">
+            <a:extLst>
+              <a:ext uri="{FF2B5EF4-FFF2-40B4-BE49-F238E27FC236}">
+                <a16:creationId xmlns:a16="http://schemas.microsoft.com/office/drawing/2014/main" id="{EBC423D4-6460-D470-7E49-F701B8FD761A}"/>
+              </a:ext>
+            </a:extLst>
+          </p:cNvPr>
+          <p:cNvPicPr>
+            <a:picLocks noChangeAspect="1"/>
+          </p:cNvPicPr>
+          <p:nvPr/>
+        </p:nvPicPr>
+        <p:blipFill>
+          <a:blip r:embed="rId5">
+            <a:extLst>
+              <a:ext uri="{28A0092B-C50C-407E-A947-70E740481C1C}">
+                <a14:useLocalDpi xmlns:a14="http://schemas.microsoft.com/office/drawing/2010/main" val="0"/>
+              </a:ext>
+            </a:extLst>
+          </a:blip>
+          <a:stretch>
+            <a:fillRect/>
+          </a:stretch>
+        </p:blipFill>
+        <p:spPr>
+          <a:xfrm>
+            <a:off x="656910" y="3429000"/>
+            <a:ext cx="4007463" cy="3291416"/>
+          </a:xfrm>
+          <a:prstGeom prst="rect">
+            <a:avLst/>
+          </a:prstGeom>
+        </p:spPr>
+      </p:pic>
+      <p:pic>
+        <p:nvPicPr>
+          <p:cNvPr id="40" name="Picture 39" descr="Chart, bar chart&#10;&#10;Description automatically generated">
+            <a:extLst>
+              <a:ext uri="{FF2B5EF4-FFF2-40B4-BE49-F238E27FC236}">
+                <a16:creationId xmlns:a16="http://schemas.microsoft.com/office/drawing/2014/main" id="{DED76CC3-1E08-AC1A-7922-26654EBE8959}"/>
+              </a:ext>
+            </a:extLst>
+          </p:cNvPr>
+          <p:cNvPicPr>
+            <a:picLocks noChangeAspect="1"/>
+          </p:cNvPicPr>
+          <p:nvPr/>
+        </p:nvPicPr>
+        <p:blipFill>
+          <a:blip r:embed="rId6">
+            <a:extLst>
+              <a:ext uri="{28A0092B-C50C-407E-A947-70E740481C1C}">
+                <a14:useLocalDpi xmlns:a14="http://schemas.microsoft.com/office/drawing/2010/main" val="0"/>
+              </a:ext>
+            </a:extLst>
+          </a:blip>
+          <a:stretch>
+            <a:fillRect/>
+          </a:stretch>
+        </p:blipFill>
+        <p:spPr>
+          <a:xfrm>
+            <a:off x="8306307" y="3477719"/>
+            <a:ext cx="3952571" cy="3242697"/>
+          </a:xfrm>
+          <a:prstGeom prst="rect">
+            <a:avLst/>
+          </a:prstGeom>
+        </p:spPr>
+      </p:pic>
       <p:sp>
         <p:nvSpPr>
-          <p:cNvPr id="3" name="Content Placeholder 2">
+          <p:cNvPr id="43" name="TextBox 42">
             <a:extLst>
               <a:ext uri="{FF2B5EF4-FFF2-40B4-BE49-F238E27FC236}">
-                <a16:creationId xmlns:a16="http://schemas.microsoft.com/office/drawing/2014/main" id="{C0724DEB-C625-E1C3-5BFB-DD4D95847726}"/>
+                <a16:creationId xmlns:a16="http://schemas.microsoft.com/office/drawing/2014/main" id="{3C73EBE0-B5BC-2F96-60B5-C5A610FB8FB0}"/>
+              </a:ext>
+            </a:extLst>
+          </p:cNvPr>
+          <p:cNvSpPr txBox="1"/>
+          <p:nvPr/>
+        </p:nvSpPr>
+        <p:spPr>
+          <a:xfrm>
+            <a:off x="4804139" y="4007807"/>
+            <a:ext cx="3513342" cy="1477328"/>
+          </a:xfrm>
+          <a:prstGeom prst="rect">
+            <a:avLst/>
+          </a:prstGeom>
+          <a:solidFill>
+            <a:schemeClr val="accent1"/>
+          </a:solidFill>
+        </p:spPr>
+        <p:txBody>
+          <a:bodyPr wrap="square" lIns="91440" tIns="45720" rIns="91440" bIns="45720" rtlCol="0" anchor="t">
+            <a:spAutoFit/>
+          </a:bodyPr>
+          <a:lstStyle/>
+          <a:p>
+            <a:pPr marL="285750" indent="-285750">
+              <a:buFont typeface="Arial" panose="020B0604020202020204" pitchFamily="34" charset="0"/>
+              <a:buChar char="•"/>
+            </a:pPr>
+            <a:r>
+              <a:rPr lang="en-US" b="1" dirty="0">
+                <a:solidFill>
+                  <a:schemeClr val="bg1"/>
+                </a:solidFill>
+              </a:rPr>
+              <a:t>No Significant change was found in the years before , during and after covid. Pop remained the most popular Genre followed by Rap</a:t>
+            </a:r>
+          </a:p>
+        </p:txBody>
+      </p:sp>
+    </p:spTree>
+    <p:extLst>
+      <p:ext uri="{BB962C8B-B14F-4D97-AF65-F5344CB8AC3E}">
+        <p14:creationId xmlns:p14="http://schemas.microsoft.com/office/powerpoint/2010/main" val="1502154670"/>
+      </p:ext>
+    </p:extLst>
+  </p:cSld>
+  <p:clrMapOvr>
+    <a:masterClrMapping/>
+  </p:clrMapOvr>
+</p:sld>
+</file>
+
+<file path=ppt/slides/slide8.xml><?xml version="1.0" encoding="utf-8"?>
+<p:sld xmlns:a="http://schemas.openxmlformats.org/drawingml/2006/main" xmlns:r="http://schemas.openxmlformats.org/officeDocument/2006/relationships" xmlns:p="http://schemas.openxmlformats.org/presentationml/2006/main">
+  <p:cSld>
+    <p:spTree>
+      <p:nvGrpSpPr>
+        <p:cNvPr id="1" name=""/>
+        <p:cNvGrpSpPr/>
+        <p:nvPr/>
+      </p:nvGrpSpPr>
+      <p:grpSpPr>
+        <a:xfrm>
+          <a:off x="0" y="0"/>
+          <a:ext cx="0" cy="0"/>
+          <a:chOff x="0" y="0"/>
+          <a:chExt cx="0" cy="0"/>
+        </a:xfrm>
+      </p:grpSpPr>
+      <p:sp>
+        <p:nvSpPr>
+          <p:cNvPr id="2" name="Title 1">
+            <a:extLst>
+              <a:ext uri="{FF2B5EF4-FFF2-40B4-BE49-F238E27FC236}">
+                <a16:creationId xmlns:a16="http://schemas.microsoft.com/office/drawing/2014/main" id="{588A0D25-CE94-62E6-3D13-8646C7292AD3}"/>
+              </a:ext>
+            </a:extLst>
+          </p:cNvPr>
+          <p:cNvSpPr>
+            <a:spLocks noGrp="1"/>
+          </p:cNvSpPr>
+          <p:nvPr>
+            <p:ph type="title"/>
+          </p:nvPr>
+        </p:nvSpPr>
+        <p:spPr>
+          <a:xfrm>
+            <a:off x="603496" y="434355"/>
+            <a:ext cx="3602102" cy="1020232"/>
+          </a:xfrm>
+        </p:spPr>
+        <p:txBody>
+          <a:bodyPr>
+            <a:normAutofit/>
+          </a:bodyPr>
+          <a:lstStyle/>
+          <a:p>
+            <a:pPr>
+              <a:lnSpc>
+                <a:spcPct val="90000"/>
+              </a:lnSpc>
+            </a:pPr>
+            <a:r>
+              <a:rPr lang="en-US" sz="2400" b="1" dirty="0">
+                <a:solidFill>
+                  <a:srgbClr val="FFFFFE"/>
+                </a:solidFill>
+              </a:rPr>
+              <a:t>Data Visualization – Most streamed Genre</a:t>
+            </a:r>
+            <a:endParaRPr lang="en-US" sz="2400" dirty="0">
+              <a:solidFill>
+                <a:srgbClr val="FFFFFE"/>
+              </a:solidFill>
+            </a:endParaRPr>
+          </a:p>
+        </p:txBody>
+      </p:sp>
+      <p:pic>
+        <p:nvPicPr>
+          <p:cNvPr id="11" name="Picture 10" descr="Chart, bar chart&#10;&#10;Description automatically generated">
+            <a:extLst>
+              <a:ext uri="{FF2B5EF4-FFF2-40B4-BE49-F238E27FC236}">
+                <a16:creationId xmlns:a16="http://schemas.microsoft.com/office/drawing/2014/main" id="{7D6E0B2A-C731-AA2C-0564-090308F4F117}"/>
+              </a:ext>
+            </a:extLst>
+          </p:cNvPr>
+          <p:cNvPicPr>
+            <a:picLocks noChangeAspect="1"/>
+          </p:cNvPicPr>
+          <p:nvPr/>
+        </p:nvPicPr>
+        <p:blipFill>
+          <a:blip r:embed="rId2">
+            <a:extLst>
+              <a:ext uri="{28A0092B-C50C-407E-A947-70E740481C1C}">
+                <a14:useLocalDpi xmlns:a14="http://schemas.microsoft.com/office/drawing/2010/main" val="0"/>
+              </a:ext>
+            </a:extLst>
+          </a:blip>
+          <a:stretch>
+            <a:fillRect/>
+          </a:stretch>
+        </p:blipFill>
+        <p:spPr>
+          <a:xfrm>
+            <a:off x="7777815" y="3522990"/>
+            <a:ext cx="3843027" cy="3324218"/>
+          </a:xfrm>
+          <a:prstGeom prst="rect">
+            <a:avLst/>
+          </a:prstGeom>
+        </p:spPr>
+      </p:pic>
+      <p:pic>
+        <p:nvPicPr>
+          <p:cNvPr id="9" name="Content Placeholder 8" descr="Chart, bar chart&#10;&#10;Description automatically generated">
+            <a:extLst>
+              <a:ext uri="{FF2B5EF4-FFF2-40B4-BE49-F238E27FC236}">
+                <a16:creationId xmlns:a16="http://schemas.microsoft.com/office/drawing/2014/main" id="{DB2F35F7-A8E1-37F2-942E-AF56253E62FE}"/>
+              </a:ext>
+            </a:extLst>
+          </p:cNvPr>
+          <p:cNvPicPr>
+            <a:picLocks noChangeAspect="1"/>
+          </p:cNvPicPr>
+          <p:nvPr/>
+        </p:nvPicPr>
+        <p:blipFill>
+          <a:blip r:embed="rId3">
+            <a:extLst>
+              <a:ext uri="{28A0092B-C50C-407E-A947-70E740481C1C}">
+                <a14:useLocalDpi xmlns:a14="http://schemas.microsoft.com/office/drawing/2010/main" val="0"/>
+              </a:ext>
+            </a:extLst>
+          </a:blip>
+          <a:stretch>
+            <a:fillRect/>
+          </a:stretch>
+        </p:blipFill>
+        <p:spPr>
+          <a:xfrm>
+            <a:off x="7843671" y="402164"/>
+            <a:ext cx="3847606" cy="2751038"/>
+          </a:xfrm>
+          <a:prstGeom prst="rect">
+            <a:avLst/>
+          </a:prstGeom>
+        </p:spPr>
+      </p:pic>
+      <p:sp>
+        <p:nvSpPr>
+          <p:cNvPr id="17" name="Content Placeholder 16">
+            <a:extLst>
+              <a:ext uri="{FF2B5EF4-FFF2-40B4-BE49-F238E27FC236}">
+                <a16:creationId xmlns:a16="http://schemas.microsoft.com/office/drawing/2014/main" id="{0310CC84-FE29-232F-6D2D-F0611A8D43A8}"/>
               </a:ext>
             </a:extLst>
           </p:cNvPr>
@@ -16827,7 +18061,12 @@
             <p:ph idx="1"/>
           </p:nvPr>
         </p:nvSpPr>
-        <p:spPr/>
+        <p:spPr>
+          <a:xfrm>
+            <a:off x="603496" y="2671975"/>
+            <a:ext cx="3038879" cy="3347825"/>
+          </a:xfrm>
+        </p:spPr>
         <p:txBody>
           <a:bodyPr>
             <a:normAutofit/>
@@ -16837,61 +18076,64 @@
             <a:r>
               <a:rPr lang="en-US" b="1" dirty="0">
                 <a:solidFill>
-                  <a:schemeClr val="accent1"/>
+                  <a:schemeClr val="tx1"/>
                 </a:solidFill>
-                <a:latin typeface="-apple-system"/>
               </a:rPr>
-              <a:t>Matplotlib was used to display bar charts of the following </a:t>
+              <a:t>There was not much change in the type of music that was downloaded. Overall across all years Pop is the most popular. </a:t>
             </a:r>
           </a:p>
           <a:p>
             <a:r>
               <a:rPr lang="en-US" b="1" dirty="0">
                 <a:solidFill>
-                  <a:schemeClr val="accent1"/>
+                  <a:schemeClr val="tx1"/>
                 </a:solidFill>
-                <a:latin typeface="-apple-system"/>
               </a:rPr>
-              <a:t>Streams by Genre per Year</a:t>
+              <a:t>There was a slight Increase in Spotify streaming during Covid</a:t>
             </a:r>
-          </a:p>
-          <a:p>
-            <a:r>
-              <a:rPr lang="en-US" b="1" dirty="0">
-                <a:solidFill>
-                  <a:schemeClr val="accent1"/>
-                </a:solidFill>
-                <a:latin typeface="-apple-system"/>
-              </a:rPr>
-              <a:t>Streams by Genre per artist and year</a:t>
-            </a:r>
-          </a:p>
-          <a:p>
-            <a:r>
-              <a:rPr lang="en-US" b="1" dirty="0">
-                <a:solidFill>
-                  <a:schemeClr val="accent1"/>
-                </a:solidFill>
-                <a:latin typeface="-apple-system"/>
-              </a:rPr>
-              <a:t>Streams by Genre </a:t>
-            </a:r>
-          </a:p>
-          <a:p>
-            <a:endParaRPr lang="en-US" b="1" i="0" dirty="0">
-              <a:solidFill>
-                <a:schemeClr val="accent1"/>
-              </a:solidFill>
-              <a:effectLst/>
-              <a:latin typeface="-apple-system"/>
-            </a:endParaRPr>
           </a:p>
         </p:txBody>
       </p:sp>
+      <p:pic>
+        <p:nvPicPr>
+          <p:cNvPr id="13" name="Picture 12" descr="Chart, bar chart&#10;&#10;Description automatically generated">
+            <a:extLst>
+              <a:ext uri="{FF2B5EF4-FFF2-40B4-BE49-F238E27FC236}">
+                <a16:creationId xmlns:a16="http://schemas.microsoft.com/office/drawing/2014/main" id="{D9537C61-9DFD-9D48-315A-2A2F4078F7D0}"/>
+              </a:ext>
+            </a:extLst>
+          </p:cNvPr>
+          <p:cNvPicPr>
+            <a:picLocks noChangeAspect="1"/>
+          </p:cNvPicPr>
+          <p:nvPr/>
+        </p:nvPicPr>
+        <p:blipFill>
+          <a:blip r:embed="rId4">
+            <a:extLst>
+              <a:ext uri="{28A0092B-C50C-407E-A947-70E740481C1C}">
+                <a14:useLocalDpi xmlns:a14="http://schemas.microsoft.com/office/drawing/2010/main" val="0"/>
+              </a:ext>
+            </a:extLst>
+          </a:blip>
+          <a:stretch>
+            <a:fillRect/>
+          </a:stretch>
+        </p:blipFill>
+        <p:spPr>
+          <a:xfrm>
+            <a:off x="3719764" y="2671975"/>
+            <a:ext cx="4248190" cy="2814425"/>
+          </a:xfrm>
+          <a:prstGeom prst="rect">
+            <a:avLst/>
+          </a:prstGeom>
+        </p:spPr>
+      </p:pic>
     </p:spTree>
     <p:extLst>
       <p:ext uri="{BB962C8B-B14F-4D97-AF65-F5344CB8AC3E}">
-        <p14:creationId xmlns:p14="http://schemas.microsoft.com/office/powerpoint/2010/main" val="3527900307"/>
+        <p14:creationId xmlns:p14="http://schemas.microsoft.com/office/powerpoint/2010/main" val="1630736906"/>
       </p:ext>
     </p:extLst>
   </p:cSld>
@@ -16901,7 +18143,7 @@
 </p:sld>
 </file>
 
-<file path=ppt/slides/slide8.xml><?xml version="1.0" encoding="utf-8"?>
+<file path=ppt/slides/slide9.xml><?xml version="1.0" encoding="utf-8"?>
 <p:sld xmlns:a="http://schemas.openxmlformats.org/drawingml/2006/main" xmlns:r="http://schemas.openxmlformats.org/officeDocument/2006/relationships" xmlns:p="http://schemas.openxmlformats.org/presentationml/2006/main">
   <p:cSld>
     <p:spTree>
@@ -18070,297 +19312,6 @@
 </p:sld>
 </file>
 
-<file path=ppt/slides/slide9.xml><?xml version="1.0" encoding="utf-8"?>
-<p:sld xmlns:a="http://schemas.openxmlformats.org/drawingml/2006/main" xmlns:r="http://schemas.openxmlformats.org/officeDocument/2006/relationships" xmlns:p="http://schemas.openxmlformats.org/presentationml/2006/main">
-  <p:cSld>
-    <p:spTree>
-      <p:nvGrpSpPr>
-        <p:cNvPr id="1" name=""/>
-        <p:cNvGrpSpPr/>
-        <p:nvPr/>
-      </p:nvGrpSpPr>
-      <p:grpSpPr>
-        <a:xfrm>
-          <a:off x="0" y="0"/>
-          <a:ext cx="0" cy="0"/>
-          <a:chOff x="0" y="0"/>
-          <a:chExt cx="0" cy="0"/>
-        </a:xfrm>
-      </p:grpSpPr>
-      <p:sp>
-        <p:nvSpPr>
-          <p:cNvPr id="2" name="Title 1">
-            <a:extLst>
-              <a:ext uri="{FF2B5EF4-FFF2-40B4-BE49-F238E27FC236}">
-                <a16:creationId xmlns:a16="http://schemas.microsoft.com/office/drawing/2014/main" id="{588A0D25-CE94-62E6-3D13-8646C7292AD3}"/>
-              </a:ext>
-            </a:extLst>
-          </p:cNvPr>
-          <p:cNvSpPr>
-            <a:spLocks noGrp="1"/>
-          </p:cNvSpPr>
-          <p:nvPr>
-            <p:ph type="title"/>
-          </p:nvPr>
-        </p:nvSpPr>
-        <p:spPr/>
-        <p:txBody>
-          <a:bodyPr/>
-          <a:lstStyle/>
-          <a:p>
-            <a:r>
-              <a:rPr lang="en-US" b="1" dirty="0"/>
-              <a:t>Data Visualization</a:t>
-            </a:r>
-            <a:endParaRPr lang="en-US" dirty="0"/>
-          </a:p>
-        </p:txBody>
-      </p:sp>
-      <p:sp>
-        <p:nvSpPr>
-          <p:cNvPr id="3" name="Content Placeholder 2">
-            <a:extLst>
-              <a:ext uri="{FF2B5EF4-FFF2-40B4-BE49-F238E27FC236}">
-                <a16:creationId xmlns:a16="http://schemas.microsoft.com/office/drawing/2014/main" id="{DEFF6F3F-2BD2-3D76-1483-072534DC4B24}"/>
-              </a:ext>
-            </a:extLst>
-          </p:cNvPr>
-          <p:cNvSpPr>
-            <a:spLocks noGrp="1"/>
-          </p:cNvSpPr>
-          <p:nvPr>
-            <p:ph idx="1"/>
-          </p:nvPr>
-        </p:nvSpPr>
-        <p:spPr>
-          <a:xfrm>
-            <a:off x="932330" y="2286000"/>
-            <a:ext cx="8825659" cy="3598332"/>
-          </a:xfrm>
-        </p:spPr>
-        <p:txBody>
-          <a:bodyPr/>
-          <a:lstStyle/>
-          <a:p>
-            <a:r>
-              <a:rPr lang="en-US" b="1" dirty="0">
-                <a:solidFill>
-                  <a:schemeClr val="accent1"/>
-                </a:solidFill>
-              </a:rPr>
-              <a:t>Top Stream Artist Bar chart</a:t>
-            </a:r>
-          </a:p>
-        </p:txBody>
-      </p:sp>
-      <p:pic>
-        <p:nvPicPr>
-          <p:cNvPr id="5" name="Picture 4">
-            <a:extLst>
-              <a:ext uri="{FF2B5EF4-FFF2-40B4-BE49-F238E27FC236}">
-                <a16:creationId xmlns:a16="http://schemas.microsoft.com/office/drawing/2014/main" id="{940F62F0-465A-D325-EEEE-9A50B6C31765}"/>
-              </a:ext>
-            </a:extLst>
-          </p:cNvPr>
-          <p:cNvPicPr>
-            <a:picLocks noChangeAspect="1"/>
-          </p:cNvPicPr>
-          <p:nvPr/>
-        </p:nvPicPr>
-        <p:blipFill>
-          <a:blip r:embed="rId2">
-            <a:extLst>
-              <a:ext uri="{28A0092B-C50C-407E-A947-70E740481C1C}">
-                <a14:useLocalDpi xmlns:a14="http://schemas.microsoft.com/office/drawing/2010/main" val="0"/>
-              </a:ext>
-            </a:extLst>
-          </a:blip>
-          <a:stretch>
-            <a:fillRect/>
-          </a:stretch>
-        </p:blipFill>
-        <p:spPr>
-          <a:xfrm>
-            <a:off x="1154953" y="2595282"/>
-            <a:ext cx="8825659" cy="3424517"/>
-          </a:xfrm>
-          <a:prstGeom prst="rect">
-            <a:avLst/>
-          </a:prstGeom>
-        </p:spPr>
-      </p:pic>
-      <p:sp>
-        <p:nvSpPr>
-          <p:cNvPr id="6" name="TextBox 5">
-            <a:extLst>
-              <a:ext uri="{FF2B5EF4-FFF2-40B4-BE49-F238E27FC236}">
-                <a16:creationId xmlns:a16="http://schemas.microsoft.com/office/drawing/2014/main" id="{02C48F7A-2837-3385-7DA8-E0AF27262B25}"/>
-              </a:ext>
-            </a:extLst>
-          </p:cNvPr>
-          <p:cNvSpPr txBox="1"/>
-          <p:nvPr/>
-        </p:nvSpPr>
-        <p:spPr>
-          <a:xfrm>
-            <a:off x="932330" y="6019800"/>
-            <a:ext cx="10327339" cy="646331"/>
-          </a:xfrm>
-          <a:prstGeom prst="rect">
-            <a:avLst/>
-          </a:prstGeom>
-          <a:noFill/>
-        </p:spPr>
-        <p:txBody>
-          <a:bodyPr wrap="square" rtlCol="0">
-            <a:spAutoFit/>
-          </a:bodyPr>
-          <a:lstStyle/>
-          <a:p>
-            <a:r>
-              <a:rPr lang="en-US" dirty="0"/>
-              <a:t>Event though Bad bunny was not the highest Streamed Artist Through out the Years he was the most Streamed Artist in the heart of Covid Year 2020 with a 3.3 Million streamed</a:t>
-            </a:r>
-          </a:p>
-        </p:txBody>
-      </p:sp>
-    </p:spTree>
-    <p:extLst>
-      <p:ext uri="{BB962C8B-B14F-4D97-AF65-F5344CB8AC3E}">
-        <p14:creationId xmlns:p14="http://schemas.microsoft.com/office/powerpoint/2010/main" val="722714087"/>
-      </p:ext>
-    </p:extLst>
-  </p:cSld>
-  <p:clrMapOvr>
-    <a:masterClrMapping/>
-  </p:clrMapOvr>
-  <p:transition spd="slow">
-    <p:push dir="u"/>
-  </p:transition>
-  <p:timing>
-    <p:tnLst>
-      <p:par>
-        <p:cTn id="1" dur="indefinite" restart="never" nodeType="tmRoot">
-          <p:childTnLst>
-            <p:seq concurrent="1" nextAc="seek">
-              <p:cTn id="2" dur="indefinite" nodeType="mainSeq">
-                <p:childTnLst>
-                  <p:par>
-                    <p:cTn id="3" fill="hold">
-                      <p:stCondLst>
-                        <p:cond delay="indefinite"/>
-                      </p:stCondLst>
-                      <p:childTnLst>
-                        <p:par>
-                          <p:cTn id="4" fill="hold">
-                            <p:stCondLst>
-                              <p:cond delay="0"/>
-                            </p:stCondLst>
-                            <p:childTnLst>
-                              <p:par>
-                                <p:cTn id="5" presetID="2" presetClass="entr" presetSubtype="4" fill="hold" nodeType="clickEffect">
-                                  <p:stCondLst>
-                                    <p:cond delay="0"/>
-                                  </p:stCondLst>
-                                  <p:childTnLst>
-                                    <p:set>
-                                      <p:cBhvr>
-                                        <p:cTn id="6" dur="1" fill="hold">
-                                          <p:stCondLst>
-                                            <p:cond delay="0"/>
-                                          </p:stCondLst>
-                                        </p:cTn>
-                                        <p:tgtEl>
-                                          <p:spTgt spid="5"/>
-                                        </p:tgtEl>
-                                        <p:attrNameLst>
-                                          <p:attrName>style.visibility</p:attrName>
-                                        </p:attrNameLst>
-                                      </p:cBhvr>
-                                      <p:to>
-                                        <p:strVal val="visible"/>
-                                      </p:to>
-                                    </p:set>
-                                    <p:anim calcmode="lin" valueType="num">
-                                      <p:cBhvr additive="base">
-                                        <p:cTn id="7" dur="500" fill="hold"/>
-                                        <p:tgtEl>
-                                          <p:spTgt spid="5"/>
-                                        </p:tgtEl>
-                                        <p:attrNameLst>
-                                          <p:attrName>ppt_x</p:attrName>
-                                        </p:attrNameLst>
-                                      </p:cBhvr>
-                                      <p:tavLst>
-                                        <p:tav tm="0">
-                                          <p:val>
-                                            <p:strVal val="#ppt_x"/>
-                                          </p:val>
-                                        </p:tav>
-                                        <p:tav tm="100000">
-                                          <p:val>
-                                            <p:strVal val="#ppt_x"/>
-                                          </p:val>
-                                        </p:tav>
-                                      </p:tavLst>
-                                    </p:anim>
-                                    <p:anim calcmode="lin" valueType="num">
-                                      <p:cBhvr additive="base">
-                                        <p:cTn id="8" dur="500" fill="hold"/>
-                                        <p:tgtEl>
-                                          <p:spTgt spid="5"/>
-                                        </p:tgtEl>
-                                        <p:attrNameLst>
-                                          <p:attrName>ppt_y</p:attrName>
-                                        </p:attrNameLst>
-                                      </p:cBhvr>
-                                      <p:tavLst>
-                                        <p:tav tm="0">
-                                          <p:val>
-                                            <p:strVal val="1+#ppt_h/2"/>
-                                          </p:val>
-                                        </p:tav>
-                                        <p:tav tm="100000">
-                                          <p:val>
-                                            <p:strVal val="#ppt_y"/>
-                                          </p:val>
-                                        </p:tav>
-                                      </p:tavLst>
-                                    </p:anim>
-                                  </p:childTnLst>
-                                </p:cTn>
-                              </p:par>
-                            </p:childTnLst>
-                          </p:cTn>
-                        </p:par>
-                      </p:childTnLst>
-                    </p:cTn>
-                  </p:par>
-                </p:childTnLst>
-              </p:cTn>
-              <p:prevCondLst>
-                <p:cond evt="onPrev" delay="0">
-                  <p:tgtEl>
-                    <p:sldTgt/>
-                  </p:tgtEl>
-                </p:cond>
-              </p:prevCondLst>
-              <p:nextCondLst>
-                <p:cond evt="onNext" delay="0">
-                  <p:tgtEl>
-                    <p:sldTgt/>
-                  </p:tgtEl>
-                </p:cond>
-              </p:nextCondLst>
-            </p:seq>
-          </p:childTnLst>
-        </p:cTn>
-      </p:par>
-    </p:tnLst>
-  </p:timing>
-</p:sld>
-</file>
-
 <file path=ppt/theme/theme1.xml><?xml version="1.0" encoding="utf-8"?>
 <a:theme xmlns:a="http://schemas.openxmlformats.org/drawingml/2006/main" name="Ion Boardroom">
   <a:themeElements>

--- a/Music Notes 2024.pptx
+++ b/Music Notes 2024.pptx
@@ -18,7 +18,9 @@
     <p:sldId id="264" r:id="rId12"/>
     <p:sldId id="266" r:id="rId13"/>
     <p:sldId id="267" r:id="rId14"/>
-    <p:sldId id="268" r:id="rId15"/>
+    <p:sldId id="272" r:id="rId15"/>
+    <p:sldId id="273" r:id="rId16"/>
+    <p:sldId id="268" r:id="rId17"/>
   </p:sldIdLst>
   <p:sldSz cx="12192000" cy="6858000"/>
   <p:notesSz cx="6858000" cy="9144000"/>
@@ -123,6 +125,35 @@
     </p:ext>
   </p:extLst>
 </p:presentation>
+</file>
+
+<file path=ppt/revisionInfo.xml><?xml version="1.0" encoding="utf-8"?>
+<p1510:revInfo xmlns:a="http://schemas.openxmlformats.org/drawingml/2006/main" xmlns:r="http://schemas.openxmlformats.org/officeDocument/2006/relationships" xmlns:p1510="http://schemas.microsoft.com/office/powerpoint/2015/10/main">
+  <p1510:revLst>
+    <p1510:client id="{4D70EC94-27F5-44CC-B7B3-A5BF47D54890}" v="2" dt="2024-01-11T16:29:49.118"/>
+  </p1510:revLst>
+</p1510:revInfo>
+</file>
+
+<file path=ppt/changesInfos/changesInfo1.xml><?xml version="1.0" encoding="utf-8"?>
+<pc:chgInfo xmlns:a="http://schemas.openxmlformats.org/drawingml/2006/main" xmlns:r="http://schemas.openxmlformats.org/officeDocument/2006/relationships" xmlns:ac="http://schemas.microsoft.com/office/drawing/2013/main/command" xmlns:pc="http://schemas.microsoft.com/office/powerpoint/2013/main/command">
+  <pc:docChgLst>
+    <pc:chgData name="Kathleen Snider-Belinski" userId="7b7f6f444275fd56" providerId="LiveId" clId="{4D70EC94-27F5-44CC-B7B3-A5BF47D54890}"/>
+    <pc:docChg chg="addSld modSld sldOrd">
+      <pc:chgData name="Kathleen Snider-Belinski" userId="7b7f6f444275fd56" providerId="LiveId" clId="{4D70EC94-27F5-44CC-B7B3-A5BF47D54890}" dt="2024-01-11T16:29:41.550" v="2"/>
+      <pc:docMkLst>
+        <pc:docMk/>
+      </pc:docMkLst>
+      <pc:sldChg chg="add ord">
+        <pc:chgData name="Kathleen Snider-Belinski" userId="7b7f6f444275fd56" providerId="LiveId" clId="{4D70EC94-27F5-44CC-B7B3-A5BF47D54890}" dt="2024-01-11T16:29:41.550" v="2"/>
+        <pc:sldMkLst>
+          <pc:docMk/>
+          <pc:sldMk cId="3417935254" sldId="272"/>
+        </pc:sldMkLst>
+      </pc:sldChg>
+    </pc:docChg>
+  </pc:docChgLst>
+</pc:chgInfo>
 </file>
 
 <file path=ppt/slideLayouts/slideLayout1.xml><?xml version="1.0" encoding="utf-8"?>
@@ -15277,6 +15308,882 @@
 </file>
 
 <file path=ppt/slides/slide14.xml><?xml version="1.0" encoding="utf-8"?>
+<p:sld xmlns:a="http://schemas.openxmlformats.org/drawingml/2006/main" xmlns:r="http://schemas.openxmlformats.org/officeDocument/2006/relationships" xmlns:p="http://schemas.openxmlformats.org/presentationml/2006/main">
+  <p:cSld>
+    <p:spTree>
+      <p:nvGrpSpPr>
+        <p:cNvPr id="1" name=""/>
+        <p:cNvGrpSpPr/>
+        <p:nvPr/>
+      </p:nvGrpSpPr>
+      <p:grpSpPr>
+        <a:xfrm>
+          <a:off x="0" y="0"/>
+          <a:ext cx="0" cy="0"/>
+          <a:chOff x="0" y="0"/>
+          <a:chExt cx="0" cy="0"/>
+        </a:xfrm>
+      </p:grpSpPr>
+      <p:sp>
+        <p:nvSpPr>
+          <p:cNvPr id="2" name="Title 1">
+            <a:extLst>
+              <a:ext uri="{FF2B5EF4-FFF2-40B4-BE49-F238E27FC236}">
+                <a16:creationId xmlns:a16="http://schemas.microsoft.com/office/drawing/2014/main" id="{588A0D25-CE94-62E6-3D13-8646C7292AD3}"/>
+              </a:ext>
+            </a:extLst>
+          </p:cNvPr>
+          <p:cNvSpPr>
+            <a:spLocks noGrp="1"/>
+          </p:cNvSpPr>
+          <p:nvPr>
+            <p:ph type="title"/>
+          </p:nvPr>
+        </p:nvSpPr>
+        <p:spPr>
+          <a:xfrm>
+            <a:off x="492481" y="431244"/>
+            <a:ext cx="8761413" cy="706964"/>
+          </a:xfrm>
+        </p:spPr>
+        <p:txBody>
+          <a:bodyPr/>
+          <a:lstStyle/>
+          <a:p>
+            <a:r>
+              <a:rPr lang="en-US" b="1" dirty="0"/>
+              <a:t>Data Visualization</a:t>
+            </a:r>
+            <a:endParaRPr lang="en-US" dirty="0"/>
+          </a:p>
+        </p:txBody>
+      </p:sp>
+      <p:sp>
+        <p:nvSpPr>
+          <p:cNvPr id="3" name="Content Placeholder 2">
+            <a:extLst>
+              <a:ext uri="{FF2B5EF4-FFF2-40B4-BE49-F238E27FC236}">
+                <a16:creationId xmlns:a16="http://schemas.microsoft.com/office/drawing/2014/main" id="{DEFF6F3F-2BD2-3D76-1483-072534DC4B24}"/>
+              </a:ext>
+            </a:extLst>
+          </p:cNvPr>
+          <p:cNvSpPr>
+            <a:spLocks noGrp="1"/>
+          </p:cNvSpPr>
+          <p:nvPr>
+            <p:ph idx="1"/>
+          </p:nvPr>
+        </p:nvSpPr>
+        <p:spPr>
+          <a:xfrm>
+            <a:off x="252635" y="2235201"/>
+            <a:ext cx="3796852" cy="4383868"/>
+          </a:xfrm>
+        </p:spPr>
+        <p:txBody>
+          <a:bodyPr>
+            <a:normAutofit fontScale="85000" lnSpcReduction="10000"/>
+          </a:bodyPr>
+          <a:lstStyle/>
+          <a:p>
+            <a:r>
+              <a:rPr lang="en-US" b="1" dirty="0">
+                <a:solidFill>
+                  <a:schemeClr val="accent1"/>
+                </a:solidFill>
+              </a:rPr>
+              <a:t>Tempo is the overall estimated tempo of a track in beats per minute (BPM)</a:t>
+            </a:r>
+          </a:p>
+          <a:p>
+            <a:r>
+              <a:rPr lang="en-US" b="1" dirty="0">
+                <a:solidFill>
+                  <a:schemeClr val="accent1"/>
+                </a:solidFill>
+              </a:rPr>
+              <a:t>In musical terminology, tempo is the speed or pace of a given piece and derived directly from the average beat duration</a:t>
+            </a:r>
+          </a:p>
+          <a:p>
+            <a:r>
+              <a:rPr lang="en-US" b="1" dirty="0">
+                <a:solidFill>
+                  <a:schemeClr val="accent1"/>
+                </a:solidFill>
+              </a:rPr>
+              <a:t>Tempo was split into three different speeds for analysis</a:t>
+            </a:r>
+          </a:p>
+          <a:p>
+            <a:pPr lvl="1"/>
+            <a:r>
+              <a:rPr lang="en-US" b="1" dirty="0">
+                <a:solidFill>
+                  <a:schemeClr val="accent1"/>
+                </a:solidFill>
+              </a:rPr>
+              <a:t>Fast &gt; 120 BPM</a:t>
+            </a:r>
+          </a:p>
+          <a:p>
+            <a:pPr lvl="1"/>
+            <a:r>
+              <a:rPr lang="en-US" b="1" dirty="0">
+                <a:solidFill>
+                  <a:schemeClr val="accent1"/>
+                </a:solidFill>
+              </a:rPr>
+              <a:t>Medium 76-120 BPM</a:t>
+            </a:r>
+          </a:p>
+          <a:p>
+            <a:pPr lvl="1"/>
+            <a:r>
+              <a:rPr lang="en-US" b="1" dirty="0">
+                <a:solidFill>
+                  <a:schemeClr val="accent1"/>
+                </a:solidFill>
+              </a:rPr>
+              <a:t>Slow &lt; 75P BPM</a:t>
+            </a:r>
+          </a:p>
+          <a:p>
+            <a:r>
+              <a:rPr lang="en-US" b="1" dirty="0">
+                <a:solidFill>
+                  <a:schemeClr val="accent1"/>
+                </a:solidFill>
+              </a:rPr>
+              <a:t>During post COVID lockdown, the tempo of songs being streamed saw an increase of about 6% in comparison to pre COVID lockdown numbers</a:t>
+            </a:r>
+          </a:p>
+          <a:p>
+            <a:endParaRPr lang="en-US" b="1" dirty="0">
+              <a:solidFill>
+                <a:schemeClr val="accent1"/>
+              </a:solidFill>
+            </a:endParaRPr>
+          </a:p>
+          <a:p>
+            <a:endParaRPr lang="en-US" b="1" dirty="0">
+              <a:solidFill>
+                <a:schemeClr val="accent1"/>
+              </a:solidFill>
+            </a:endParaRPr>
+          </a:p>
+        </p:txBody>
+      </p:sp>
+      <p:pic>
+        <p:nvPicPr>
+          <p:cNvPr id="12" name="Picture 11" descr="Chart, scatter chart&#10;&#10;Description automatically generated">
+            <a:extLst>
+              <a:ext uri="{FF2B5EF4-FFF2-40B4-BE49-F238E27FC236}">
+                <a16:creationId xmlns:a16="http://schemas.microsoft.com/office/drawing/2014/main" id="{BB1C559C-7B07-BAC5-9BF1-019888A9AC86}"/>
+              </a:ext>
+            </a:extLst>
+          </p:cNvPr>
+          <p:cNvPicPr>
+            <a:picLocks noChangeAspect="1"/>
+          </p:cNvPicPr>
+          <p:nvPr/>
+        </p:nvPicPr>
+        <p:blipFill rotWithShape="1">
+          <a:blip r:embed="rId2">
+            <a:extLst>
+              <a:ext uri="{28A0092B-C50C-407E-A947-70E740481C1C}">
+                <a14:useLocalDpi xmlns:a14="http://schemas.microsoft.com/office/drawing/2010/main" val="0"/>
+              </a:ext>
+            </a:extLst>
+          </a:blip>
+          <a:srcRect l="8090" t="7056" r="8471"/>
+          <a:stretch/>
+        </p:blipFill>
+        <p:spPr>
+          <a:xfrm>
+            <a:off x="4186135" y="1669977"/>
+            <a:ext cx="7753231" cy="2159114"/>
+          </a:xfrm>
+          <a:prstGeom prst="rect">
+            <a:avLst/>
+          </a:prstGeom>
+          <a:ln>
+            <a:solidFill>
+              <a:srgbClr val="B31166"/>
+            </a:solidFill>
+          </a:ln>
+        </p:spPr>
+      </p:pic>
+      <p:pic>
+        <p:nvPicPr>
+          <p:cNvPr id="13" name="Picture 12" descr="Chart, pie chart&#10;&#10;Description automatically generated">
+            <a:extLst>
+              <a:ext uri="{FF2B5EF4-FFF2-40B4-BE49-F238E27FC236}">
+                <a16:creationId xmlns:a16="http://schemas.microsoft.com/office/drawing/2014/main" id="{1B642E0F-BB53-E2DF-F409-B5B443EC7DB6}"/>
+              </a:ext>
+            </a:extLst>
+          </p:cNvPr>
+          <p:cNvPicPr>
+            <a:picLocks noChangeAspect="1"/>
+          </p:cNvPicPr>
+          <p:nvPr/>
+        </p:nvPicPr>
+        <p:blipFill rotWithShape="1">
+          <a:blip r:embed="rId3">
+            <a:extLst>
+              <a:ext uri="{28A0092B-C50C-407E-A947-70E740481C1C}">
+                <a14:useLocalDpi xmlns:a14="http://schemas.microsoft.com/office/drawing/2010/main" val="0"/>
+              </a:ext>
+            </a:extLst>
+          </a:blip>
+          <a:srcRect l="7101" t="3587" r="4889" b="15706"/>
+          <a:stretch/>
+        </p:blipFill>
+        <p:spPr>
+          <a:xfrm>
+            <a:off x="7882699" y="3829091"/>
+            <a:ext cx="4056667" cy="2789978"/>
+          </a:xfrm>
+          <a:prstGeom prst="rect">
+            <a:avLst/>
+          </a:prstGeom>
+          <a:ln>
+            <a:solidFill>
+              <a:srgbClr val="B31166"/>
+            </a:solidFill>
+          </a:ln>
+        </p:spPr>
+      </p:pic>
+      <p:pic>
+        <p:nvPicPr>
+          <p:cNvPr id="17" name="Picture 16" descr="Chart, pie chart&#10;&#10;Description automatically generated">
+            <a:extLst>
+              <a:ext uri="{FF2B5EF4-FFF2-40B4-BE49-F238E27FC236}">
+                <a16:creationId xmlns:a16="http://schemas.microsoft.com/office/drawing/2014/main" id="{1A5C090F-CDAE-9362-B5AD-4818AC8EB704}"/>
+              </a:ext>
+            </a:extLst>
+          </p:cNvPr>
+          <p:cNvPicPr>
+            <a:picLocks noChangeAspect="1"/>
+          </p:cNvPicPr>
+          <p:nvPr/>
+        </p:nvPicPr>
+        <p:blipFill rotWithShape="1">
+          <a:blip r:embed="rId4">
+            <a:extLst>
+              <a:ext uri="{28A0092B-C50C-407E-A947-70E740481C1C}">
+                <a14:useLocalDpi xmlns:a14="http://schemas.microsoft.com/office/drawing/2010/main" val="0"/>
+              </a:ext>
+            </a:extLst>
+          </a:blip>
+          <a:srcRect l="11170" t="4040" r="8624" b="15246"/>
+          <a:stretch/>
+        </p:blipFill>
+        <p:spPr>
+          <a:xfrm>
+            <a:off x="4186135" y="3829091"/>
+            <a:ext cx="3696564" cy="2789978"/>
+          </a:xfrm>
+          <a:prstGeom prst="rect">
+            <a:avLst/>
+          </a:prstGeom>
+          <a:ln>
+            <a:solidFill>
+              <a:srgbClr val="B31166"/>
+            </a:solidFill>
+          </a:ln>
+        </p:spPr>
+      </p:pic>
+      <p:cxnSp>
+        <p:nvCxnSpPr>
+          <p:cNvPr id="21" name="Straight Connector 20">
+            <a:extLst>
+              <a:ext uri="{FF2B5EF4-FFF2-40B4-BE49-F238E27FC236}">
+                <a16:creationId xmlns:a16="http://schemas.microsoft.com/office/drawing/2014/main" id="{A3651520-2377-2F01-9CD8-F55DC66DFD91}"/>
+              </a:ext>
+            </a:extLst>
+          </p:cNvPr>
+          <p:cNvCxnSpPr>
+            <a:cxnSpLocks/>
+          </p:cNvCxnSpPr>
+          <p:nvPr/>
+        </p:nvCxnSpPr>
+        <p:spPr>
+          <a:xfrm flipV="1">
+            <a:off x="8062750" y="1799303"/>
+            <a:ext cx="0" cy="1563022"/>
+          </a:xfrm>
+          <a:prstGeom prst="line">
+            <a:avLst/>
+          </a:prstGeom>
+          <a:ln>
+            <a:solidFill>
+              <a:srgbClr val="FF0000"/>
+            </a:solidFill>
+          </a:ln>
+        </p:spPr>
+        <p:style>
+          <a:lnRef idx="1">
+            <a:schemeClr val="accent1"/>
+          </a:lnRef>
+          <a:fillRef idx="0">
+            <a:schemeClr val="accent1"/>
+          </a:fillRef>
+          <a:effectRef idx="0">
+            <a:schemeClr val="accent1"/>
+          </a:effectRef>
+          <a:fontRef idx="minor">
+            <a:schemeClr val="tx1"/>
+          </a:fontRef>
+        </p:style>
+      </p:cxnSp>
+    </p:spTree>
+    <p:extLst>
+      <p:ext uri="{BB962C8B-B14F-4D97-AF65-F5344CB8AC3E}">
+        <p14:creationId xmlns:p14="http://schemas.microsoft.com/office/powerpoint/2010/main" val="3417935254"/>
+      </p:ext>
+    </p:extLst>
+  </p:cSld>
+  <p:clrMapOvr>
+    <a:masterClrMapping/>
+  </p:clrMapOvr>
+</p:sld>
+</file>
+
+<file path=ppt/slides/slide15.xml><?xml version="1.0" encoding="utf-8"?>
+<p:sld xmlns:a="http://schemas.openxmlformats.org/drawingml/2006/main" xmlns:r="http://schemas.openxmlformats.org/officeDocument/2006/relationships" xmlns:p="http://schemas.openxmlformats.org/presentationml/2006/main">
+  <p:cSld>
+    <p:spTree>
+      <p:nvGrpSpPr>
+        <p:cNvPr id="1" name=""/>
+        <p:cNvGrpSpPr/>
+        <p:nvPr/>
+      </p:nvGrpSpPr>
+      <p:grpSpPr>
+        <a:xfrm>
+          <a:off x="0" y="0"/>
+          <a:ext cx="0" cy="0"/>
+          <a:chOff x="0" y="0"/>
+          <a:chExt cx="0" cy="0"/>
+        </a:xfrm>
+      </p:grpSpPr>
+      <p:sp>
+        <p:nvSpPr>
+          <p:cNvPr id="2" name="Title 1">
+            <a:extLst>
+              <a:ext uri="{FF2B5EF4-FFF2-40B4-BE49-F238E27FC236}">
+                <a16:creationId xmlns:a16="http://schemas.microsoft.com/office/drawing/2014/main" id="{588A0D25-CE94-62E6-3D13-8646C7292AD3}"/>
+              </a:ext>
+            </a:extLst>
+          </p:cNvPr>
+          <p:cNvSpPr>
+            <a:spLocks noGrp="1"/>
+          </p:cNvSpPr>
+          <p:nvPr>
+            <p:ph type="title"/>
+          </p:nvPr>
+        </p:nvSpPr>
+        <p:spPr>
+          <a:xfrm>
+            <a:off x="469154" y="448731"/>
+            <a:ext cx="8761413" cy="706964"/>
+          </a:xfrm>
+        </p:spPr>
+        <p:txBody>
+          <a:bodyPr/>
+          <a:lstStyle/>
+          <a:p>
+            <a:r>
+              <a:rPr lang="en-US" b="1" dirty="0"/>
+              <a:t>Data Visualization</a:t>
+            </a:r>
+            <a:endParaRPr lang="en-US" dirty="0"/>
+          </a:p>
+        </p:txBody>
+      </p:sp>
+      <p:pic>
+        <p:nvPicPr>
+          <p:cNvPr id="10" name="Picture 9" descr="Chart, pie chart&#10;&#10;Description automatically generated">
+            <a:extLst>
+              <a:ext uri="{FF2B5EF4-FFF2-40B4-BE49-F238E27FC236}">
+                <a16:creationId xmlns:a16="http://schemas.microsoft.com/office/drawing/2014/main" id="{301B0014-7A3C-FD2D-787B-7A051EE8C87B}"/>
+              </a:ext>
+            </a:extLst>
+          </p:cNvPr>
+          <p:cNvPicPr>
+            <a:picLocks noChangeAspect="1"/>
+          </p:cNvPicPr>
+          <p:nvPr/>
+        </p:nvPicPr>
+        <p:blipFill rotWithShape="1">
+          <a:blip r:embed="rId2">
+            <a:extLst>
+              <a:ext uri="{28A0092B-C50C-407E-A947-70E740481C1C}">
+                <a14:useLocalDpi xmlns:a14="http://schemas.microsoft.com/office/drawing/2010/main" val="0"/>
+              </a:ext>
+            </a:extLst>
+          </a:blip>
+          <a:srcRect l="11817" t="3666" r="9479" b="11458"/>
+          <a:stretch/>
+        </p:blipFill>
+        <p:spPr>
+          <a:xfrm>
+            <a:off x="7987677" y="3428758"/>
+            <a:ext cx="4067630" cy="3289995"/>
+          </a:xfrm>
+          <a:prstGeom prst="rect">
+            <a:avLst/>
+          </a:prstGeom>
+          <a:ln>
+            <a:solidFill>
+              <a:srgbClr val="B31166"/>
+            </a:solidFill>
+          </a:ln>
+        </p:spPr>
+      </p:pic>
+      <p:pic>
+        <p:nvPicPr>
+          <p:cNvPr id="12" name="Picture 11" descr="Chart, pie chart&#10;&#10;Description automatically generated">
+            <a:extLst>
+              <a:ext uri="{FF2B5EF4-FFF2-40B4-BE49-F238E27FC236}">
+                <a16:creationId xmlns:a16="http://schemas.microsoft.com/office/drawing/2014/main" id="{72E7908A-24F3-CE84-636B-DF850D662E0E}"/>
+              </a:ext>
+            </a:extLst>
+          </p:cNvPr>
+          <p:cNvPicPr>
+            <a:picLocks noChangeAspect="1"/>
+          </p:cNvPicPr>
+          <p:nvPr/>
+        </p:nvPicPr>
+        <p:blipFill rotWithShape="1">
+          <a:blip r:embed="rId3">
+            <a:extLst>
+              <a:ext uri="{28A0092B-C50C-407E-A947-70E740481C1C}">
+                <a14:useLocalDpi xmlns:a14="http://schemas.microsoft.com/office/drawing/2010/main" val="0"/>
+              </a:ext>
+            </a:extLst>
+          </a:blip>
+          <a:srcRect l="15266" t="3462" r="12685" b="11661"/>
+          <a:stretch/>
+        </p:blipFill>
+        <p:spPr>
+          <a:xfrm>
+            <a:off x="4264365" y="3428838"/>
+            <a:ext cx="3723312" cy="3289673"/>
+          </a:xfrm>
+          <a:prstGeom prst="rect">
+            <a:avLst/>
+          </a:prstGeom>
+          <a:ln>
+            <a:solidFill>
+              <a:srgbClr val="B31166"/>
+            </a:solidFill>
+          </a:ln>
+        </p:spPr>
+      </p:pic>
+      <p:pic>
+        <p:nvPicPr>
+          <p:cNvPr id="14" name="Picture 13" descr="Chart, line chart&#10;&#10;Description automatically generated">
+            <a:extLst>
+              <a:ext uri="{FF2B5EF4-FFF2-40B4-BE49-F238E27FC236}">
+                <a16:creationId xmlns:a16="http://schemas.microsoft.com/office/drawing/2014/main" id="{78B92E53-BB00-8EB1-5D48-39F9200A15D1}"/>
+              </a:ext>
+            </a:extLst>
+          </p:cNvPr>
+          <p:cNvPicPr>
+            <a:picLocks noChangeAspect="1"/>
+          </p:cNvPicPr>
+          <p:nvPr/>
+        </p:nvPicPr>
+        <p:blipFill rotWithShape="1">
+          <a:blip r:embed="rId4">
+            <a:extLst>
+              <a:ext uri="{28A0092B-C50C-407E-A947-70E740481C1C}">
+                <a14:useLocalDpi xmlns:a14="http://schemas.microsoft.com/office/drawing/2010/main" val="0"/>
+              </a:ext>
+            </a:extLst>
+          </a:blip>
+          <a:srcRect l="7550" t="9106" r="8217"/>
+          <a:stretch/>
+        </p:blipFill>
+        <p:spPr>
+          <a:xfrm>
+            <a:off x="4264365" y="1320799"/>
+            <a:ext cx="7790942" cy="2101765"/>
+          </a:xfrm>
+          <a:prstGeom prst="rect">
+            <a:avLst/>
+          </a:prstGeom>
+          <a:ln>
+            <a:solidFill>
+              <a:srgbClr val="B31166"/>
+            </a:solidFill>
+          </a:ln>
+        </p:spPr>
+      </p:pic>
+      <p:cxnSp>
+        <p:nvCxnSpPr>
+          <p:cNvPr id="22" name="Straight Connector 21">
+            <a:extLst>
+              <a:ext uri="{FF2B5EF4-FFF2-40B4-BE49-F238E27FC236}">
+                <a16:creationId xmlns:a16="http://schemas.microsoft.com/office/drawing/2014/main" id="{130D9E0F-DD3F-AFBE-4E89-BD4C0803F48E}"/>
+              </a:ext>
+            </a:extLst>
+          </p:cNvPr>
+          <p:cNvCxnSpPr>
+            <a:cxnSpLocks/>
+          </p:cNvCxnSpPr>
+          <p:nvPr/>
+        </p:nvCxnSpPr>
+        <p:spPr>
+          <a:xfrm flipV="1">
+            <a:off x="8199434" y="1392267"/>
+            <a:ext cx="0" cy="1563022"/>
+          </a:xfrm>
+          <a:prstGeom prst="line">
+            <a:avLst/>
+          </a:prstGeom>
+          <a:ln>
+            <a:solidFill>
+              <a:srgbClr val="FF0000"/>
+            </a:solidFill>
+          </a:ln>
+        </p:spPr>
+        <p:style>
+          <a:lnRef idx="1">
+            <a:schemeClr val="accent1"/>
+          </a:lnRef>
+          <a:fillRef idx="0">
+            <a:schemeClr val="accent1"/>
+          </a:fillRef>
+          <a:effectRef idx="0">
+            <a:schemeClr val="accent1"/>
+          </a:effectRef>
+          <a:fontRef idx="minor">
+            <a:schemeClr val="tx1"/>
+          </a:fontRef>
+        </p:style>
+      </p:cxnSp>
+      <p:sp>
+        <p:nvSpPr>
+          <p:cNvPr id="24" name="Content Placeholder 2">
+            <a:extLst>
+              <a:ext uri="{FF2B5EF4-FFF2-40B4-BE49-F238E27FC236}">
+                <a16:creationId xmlns:a16="http://schemas.microsoft.com/office/drawing/2014/main" id="{0A68CE63-1FBD-18D6-B7A9-5537FC3C61D4}"/>
+              </a:ext>
+            </a:extLst>
+          </p:cNvPr>
+          <p:cNvSpPr txBox="1">
+            <a:spLocks/>
+          </p:cNvSpPr>
+          <p:nvPr/>
+        </p:nvSpPr>
+        <p:spPr>
+          <a:xfrm>
+            <a:off x="334953" y="2310133"/>
+            <a:ext cx="3796852" cy="4408378"/>
+          </a:xfrm>
+          <a:prstGeom prst="rect">
+            <a:avLst/>
+          </a:prstGeom>
+        </p:spPr>
+        <p:txBody>
+          <a:bodyPr vert="horz" lIns="91440" tIns="45720" rIns="91440" bIns="45720" rtlCol="0">
+            <a:normAutofit fontScale="85000" lnSpcReduction="20000"/>
+          </a:bodyPr>
+          <a:lstStyle>
+            <a:lvl1pPr marL="342900" indent="-342900" algn="l" defTabSz="457200" rtl="0" eaLnBrk="1" latinLnBrk="0" hangingPunct="1">
+              <a:spcBef>
+                <a:spcPts val="1000"/>
+              </a:spcBef>
+              <a:spcAft>
+                <a:spcPts val="0"/>
+              </a:spcAft>
+              <a:buClr>
+                <a:schemeClr val="accent1"/>
+              </a:buClr>
+              <a:buSzPct val="80000"/>
+              <a:buFont typeface="Wingdings 3" charset="2"/>
+              <a:buChar char=""/>
+              <a:defRPr sz="1800" b="0" i="0" kern="1200">
+                <a:solidFill>
+                  <a:schemeClr val="tx1">
+                    <a:lumMod val="75000"/>
+                    <a:lumOff val="25000"/>
+                  </a:schemeClr>
+                </a:solidFill>
+                <a:latin typeface="+mn-lt"/>
+                <a:ea typeface="+mn-ea"/>
+                <a:cs typeface="+mn-cs"/>
+              </a:defRPr>
+            </a:lvl1pPr>
+            <a:lvl2pPr marL="742950" indent="-285750" algn="l" defTabSz="457200" rtl="0" eaLnBrk="1" latinLnBrk="0" hangingPunct="1">
+              <a:spcBef>
+                <a:spcPts val="1000"/>
+              </a:spcBef>
+              <a:spcAft>
+                <a:spcPts val="0"/>
+              </a:spcAft>
+              <a:buClr>
+                <a:schemeClr val="accent1"/>
+              </a:buClr>
+              <a:buSzPct val="80000"/>
+              <a:buFont typeface="Wingdings 3" charset="2"/>
+              <a:buChar char=""/>
+              <a:defRPr sz="1600" b="0" i="0" kern="1200">
+                <a:solidFill>
+                  <a:schemeClr val="tx1">
+                    <a:lumMod val="75000"/>
+                    <a:lumOff val="25000"/>
+                  </a:schemeClr>
+                </a:solidFill>
+                <a:latin typeface="+mn-lt"/>
+                <a:ea typeface="+mn-ea"/>
+                <a:cs typeface="+mn-cs"/>
+              </a:defRPr>
+            </a:lvl2pPr>
+            <a:lvl3pPr marL="1143000" indent="-228600" algn="l" defTabSz="457200" rtl="0" eaLnBrk="1" latinLnBrk="0" hangingPunct="1">
+              <a:spcBef>
+                <a:spcPts val="1000"/>
+              </a:spcBef>
+              <a:spcAft>
+                <a:spcPts val="0"/>
+              </a:spcAft>
+              <a:buClr>
+                <a:schemeClr val="accent1"/>
+              </a:buClr>
+              <a:buSzPct val="80000"/>
+              <a:buFont typeface="Wingdings 3" charset="2"/>
+              <a:buChar char=""/>
+              <a:defRPr sz="1400" b="0" i="0" kern="1200">
+                <a:solidFill>
+                  <a:schemeClr val="tx1">
+                    <a:lumMod val="75000"/>
+                    <a:lumOff val="25000"/>
+                  </a:schemeClr>
+                </a:solidFill>
+                <a:latin typeface="+mn-lt"/>
+                <a:ea typeface="+mn-ea"/>
+                <a:cs typeface="+mn-cs"/>
+              </a:defRPr>
+            </a:lvl3pPr>
+            <a:lvl4pPr marL="1600200" indent="-228600" algn="l" defTabSz="457200" rtl="0" eaLnBrk="1" latinLnBrk="0" hangingPunct="1">
+              <a:spcBef>
+                <a:spcPts val="1000"/>
+              </a:spcBef>
+              <a:spcAft>
+                <a:spcPts val="0"/>
+              </a:spcAft>
+              <a:buClr>
+                <a:schemeClr val="accent1"/>
+              </a:buClr>
+              <a:buSzPct val="80000"/>
+              <a:buFont typeface="Wingdings 3" charset="2"/>
+              <a:buChar char=""/>
+              <a:defRPr sz="1200" b="0" i="0" kern="1200">
+                <a:solidFill>
+                  <a:schemeClr val="tx1">
+                    <a:lumMod val="75000"/>
+                    <a:lumOff val="25000"/>
+                  </a:schemeClr>
+                </a:solidFill>
+                <a:latin typeface="+mn-lt"/>
+                <a:ea typeface="+mn-ea"/>
+                <a:cs typeface="+mn-cs"/>
+              </a:defRPr>
+            </a:lvl4pPr>
+            <a:lvl5pPr marL="2057400" indent="-228600" algn="l" defTabSz="457200" rtl="0" eaLnBrk="1" latinLnBrk="0" hangingPunct="1">
+              <a:spcBef>
+                <a:spcPts val="1000"/>
+              </a:spcBef>
+              <a:spcAft>
+                <a:spcPts val="0"/>
+              </a:spcAft>
+              <a:buClr>
+                <a:schemeClr val="accent1"/>
+              </a:buClr>
+              <a:buSzPct val="80000"/>
+              <a:buFont typeface="Wingdings 3" charset="2"/>
+              <a:buChar char=""/>
+              <a:defRPr sz="1200" b="0" i="0" kern="1200">
+                <a:solidFill>
+                  <a:schemeClr val="tx1">
+                    <a:lumMod val="75000"/>
+                    <a:lumOff val="25000"/>
+                  </a:schemeClr>
+                </a:solidFill>
+                <a:latin typeface="+mn-lt"/>
+                <a:ea typeface="+mn-ea"/>
+                <a:cs typeface="+mn-cs"/>
+              </a:defRPr>
+            </a:lvl5pPr>
+            <a:lvl6pPr marL="2514600" indent="-228600" algn="l" defTabSz="457200" rtl="0" eaLnBrk="1" latinLnBrk="0" hangingPunct="1">
+              <a:spcBef>
+                <a:spcPts val="1000"/>
+              </a:spcBef>
+              <a:spcAft>
+                <a:spcPts val="0"/>
+              </a:spcAft>
+              <a:buClr>
+                <a:schemeClr val="accent1"/>
+              </a:buClr>
+              <a:buSzPct val="80000"/>
+              <a:buFont typeface="Wingdings 3" charset="2"/>
+              <a:buChar char=""/>
+              <a:defRPr sz="1200" b="0" i="0" kern="1200">
+                <a:solidFill>
+                  <a:schemeClr val="tx1">
+                    <a:lumMod val="75000"/>
+                    <a:lumOff val="25000"/>
+                  </a:schemeClr>
+                </a:solidFill>
+                <a:latin typeface="+mn-lt"/>
+                <a:ea typeface="+mn-ea"/>
+                <a:cs typeface="+mn-cs"/>
+              </a:defRPr>
+            </a:lvl6pPr>
+            <a:lvl7pPr marL="2971800" indent="-228600" algn="l" defTabSz="457200" rtl="0" eaLnBrk="1" latinLnBrk="0" hangingPunct="1">
+              <a:spcBef>
+                <a:spcPts val="1000"/>
+              </a:spcBef>
+              <a:spcAft>
+                <a:spcPts val="0"/>
+              </a:spcAft>
+              <a:buClr>
+                <a:schemeClr val="accent1"/>
+              </a:buClr>
+              <a:buSzPct val="80000"/>
+              <a:buFont typeface="Wingdings 3" charset="2"/>
+              <a:buChar char=""/>
+              <a:defRPr sz="1200" b="0" i="0" kern="1200">
+                <a:solidFill>
+                  <a:schemeClr val="tx1">
+                    <a:lumMod val="75000"/>
+                    <a:lumOff val="25000"/>
+                  </a:schemeClr>
+                </a:solidFill>
+                <a:latin typeface="+mn-lt"/>
+                <a:ea typeface="+mn-ea"/>
+                <a:cs typeface="+mn-cs"/>
+              </a:defRPr>
+            </a:lvl7pPr>
+            <a:lvl8pPr marL="3429000" indent="-228600" algn="l" defTabSz="457200" rtl="0" eaLnBrk="1" latinLnBrk="0" hangingPunct="1">
+              <a:spcBef>
+                <a:spcPts val="1000"/>
+              </a:spcBef>
+              <a:spcAft>
+                <a:spcPts val="0"/>
+              </a:spcAft>
+              <a:buClr>
+                <a:schemeClr val="accent1"/>
+              </a:buClr>
+              <a:buSzPct val="80000"/>
+              <a:buFont typeface="Wingdings 3" charset="2"/>
+              <a:buChar char=""/>
+              <a:defRPr sz="1200" b="0" i="0" kern="1200">
+                <a:solidFill>
+                  <a:schemeClr val="tx1">
+                    <a:lumMod val="75000"/>
+                    <a:lumOff val="25000"/>
+                  </a:schemeClr>
+                </a:solidFill>
+                <a:latin typeface="+mn-lt"/>
+                <a:ea typeface="+mn-ea"/>
+                <a:cs typeface="+mn-cs"/>
+              </a:defRPr>
+            </a:lvl8pPr>
+            <a:lvl9pPr marL="3886200" indent="-228600" algn="l" defTabSz="457200" rtl="0" eaLnBrk="1" latinLnBrk="0" hangingPunct="1">
+              <a:spcBef>
+                <a:spcPts val="1000"/>
+              </a:spcBef>
+              <a:spcAft>
+                <a:spcPts val="0"/>
+              </a:spcAft>
+              <a:buClr>
+                <a:schemeClr val="accent1"/>
+              </a:buClr>
+              <a:buSzPct val="80000"/>
+              <a:buFont typeface="Wingdings 3" charset="2"/>
+              <a:buChar char=""/>
+              <a:defRPr sz="1200" b="0" i="0" kern="1200">
+                <a:solidFill>
+                  <a:schemeClr val="tx1">
+                    <a:lumMod val="75000"/>
+                    <a:lumOff val="25000"/>
+                  </a:schemeClr>
+                </a:solidFill>
+                <a:latin typeface="+mn-lt"/>
+                <a:ea typeface="+mn-ea"/>
+                <a:cs typeface="+mn-cs"/>
+              </a:defRPr>
+            </a:lvl9pPr>
+          </a:lstStyle>
+          <a:p>
+            <a:r>
+              <a:rPr lang="en-US" sz="1600" b="1" dirty="0">
+                <a:solidFill>
+                  <a:schemeClr val="accent1"/>
+                </a:solidFill>
+              </a:rPr>
+              <a:t>Valence describes the musical positiveness or sentiment conveyed by a track</a:t>
+            </a:r>
+          </a:p>
+          <a:p>
+            <a:r>
+              <a:rPr lang="en-US" sz="1600" b="1" dirty="0">
+                <a:solidFill>
+                  <a:schemeClr val="accent1"/>
+                </a:solidFill>
+              </a:rPr>
+              <a:t>Tracks with high valence sound more positive (e.g. happy, cheerful, euphoric), which tracks with low valence sound more negative (e.g. sad, depressed, angry</a:t>
+            </a:r>
+          </a:p>
+          <a:p>
+            <a:r>
+              <a:rPr lang="en-US" sz="1600" b="1" dirty="0">
+                <a:solidFill>
+                  <a:schemeClr val="accent1"/>
+                </a:solidFill>
+              </a:rPr>
+              <a:t>Valence was split into sentiment (happy or sad) for analysis</a:t>
+            </a:r>
+          </a:p>
+          <a:p>
+            <a:r>
+              <a:rPr lang="en-US" sz="1600" b="1" dirty="0">
+                <a:solidFill>
+                  <a:schemeClr val="accent1"/>
+                </a:solidFill>
+              </a:rPr>
+              <a:t>Tracks with a valence greater or equal to 0.5 are considered “happy” songs, whereas tracks with a valence less than 0.5 are considered “sad” songs</a:t>
+            </a:r>
+          </a:p>
+          <a:p>
+            <a:r>
+              <a:rPr lang="en-US" sz="1600" b="1" dirty="0">
+                <a:solidFill>
+                  <a:schemeClr val="accent1"/>
+                </a:solidFill>
+              </a:rPr>
+              <a:t>During post COVID lockdown, the sentiment of songs being streamed saw an increase of about 3% in comparison to pre COVID lockdown numbers</a:t>
+            </a:r>
+          </a:p>
+        </p:txBody>
+      </p:sp>
+    </p:spTree>
+    <p:extLst>
+      <p:ext uri="{BB962C8B-B14F-4D97-AF65-F5344CB8AC3E}">
+        <p14:creationId xmlns:p14="http://schemas.microsoft.com/office/powerpoint/2010/main" val="307832111"/>
+      </p:ext>
+    </p:extLst>
+  </p:cSld>
+  <p:clrMapOvr>
+    <a:masterClrMapping/>
+  </p:clrMapOvr>
+</p:sld>
+</file>
+
+<file path=ppt/slides/slide16.xml><?xml version="1.0" encoding="utf-8"?>
 <p:sld xmlns:a="http://schemas.openxmlformats.org/drawingml/2006/main" xmlns:r="http://schemas.openxmlformats.org/officeDocument/2006/relationships" xmlns:p="http://schemas.openxmlformats.org/presentationml/2006/main">
   <p:cSld>
     <p:bg>

--- a/Music Notes 2024.pptx
+++ b/Music Notes 2024.pptx
@@ -17,10 +17,10 @@
     <p:sldId id="265" r:id="rId11"/>
     <p:sldId id="263" r:id="rId12"/>
     <p:sldId id="264" r:id="rId13"/>
-    <p:sldId id="266" r:id="rId14"/>
-    <p:sldId id="267" r:id="rId15"/>
-    <p:sldId id="272" r:id="rId16"/>
-    <p:sldId id="273" r:id="rId17"/>
+    <p:sldId id="267" r:id="rId14"/>
+    <p:sldId id="272" r:id="rId15"/>
+    <p:sldId id="273" r:id="rId16"/>
+    <p:sldId id="275" r:id="rId17"/>
     <p:sldId id="268" r:id="rId18"/>
   </p:sldIdLst>
   <p:sldSz cx="12192000" cy="6858000"/>
@@ -126,6 +126,35 @@
     </p:ext>
   </p:extLst>
 </p:presentation>
+</file>
+
+<file path=ppt/revisionInfo.xml><?xml version="1.0" encoding="utf-8"?>
+<p1510:revInfo xmlns:a="http://schemas.openxmlformats.org/drawingml/2006/main" xmlns:r="http://schemas.openxmlformats.org/officeDocument/2006/relationships" xmlns:p1510="http://schemas.microsoft.com/office/powerpoint/2015/10/main">
+  <p1510:revLst>
+    <p1510:client id="{4D70EC94-27F5-44CC-B7B3-A5BF47D54890}" v="2" dt="2024-01-11T16:29:49.118"/>
+  </p1510:revLst>
+</p1510:revInfo>
+</file>
+
+<file path=ppt/changesInfos/changesInfo1.xml><?xml version="1.0" encoding="utf-8"?>
+<pc:chgInfo xmlns:a="http://schemas.openxmlformats.org/drawingml/2006/main" xmlns:r="http://schemas.openxmlformats.org/officeDocument/2006/relationships" xmlns:ac="http://schemas.microsoft.com/office/drawing/2013/main/command" xmlns:pc="http://schemas.microsoft.com/office/powerpoint/2013/main/command">
+  <pc:docChgLst>
+    <pc:chgData name="Kathleen Snider-Belinski" userId="7b7f6f444275fd56" providerId="LiveId" clId="{4D70EC94-27F5-44CC-B7B3-A5BF47D54890}"/>
+    <pc:docChg chg="addSld modSld sldOrd">
+      <pc:chgData name="Kathleen Snider-Belinski" userId="7b7f6f444275fd56" providerId="LiveId" clId="{4D70EC94-27F5-44CC-B7B3-A5BF47D54890}" dt="2024-01-11T16:29:41.550" v="2"/>
+      <pc:docMkLst>
+        <pc:docMk/>
+      </pc:docMkLst>
+      <pc:sldChg chg="add ord">
+        <pc:chgData name="Kathleen Snider-Belinski" userId="7b7f6f444275fd56" providerId="LiveId" clId="{4D70EC94-27F5-44CC-B7B3-A5BF47D54890}" dt="2024-01-11T16:29:41.550" v="2"/>
+        <pc:sldMkLst>
+          <pc:docMk/>
+          <pc:sldMk cId="3417935254" sldId="272"/>
+        </pc:sldMkLst>
+      </pc:sldChg>
+    </pc:docChg>
+  </pc:docChgLst>
+</pc:chgInfo>
 </file>
 
 <file path=ppt/slideLayouts/slideLayout1.xml><?xml version="1.0" encoding="utf-8"?>
@@ -13349,27 +13378,30 @@
               <a:rPr lang="en-US" b="1" dirty="0" err="1"/>
               <a:t>KathLeen</a:t>
             </a:r>
-            <a:endParaRPr lang="en-US" b="1" dirty="0"/>
+            <a:r>
+              <a:rPr lang="en-US" b="1" dirty="0"/>
+              <a:t> SNIDER-BELINSKI</a:t>
+            </a:r>
           </a:p>
           <a:p>
             <a:pPr algn="ctr"/>
             <a:r>
               <a:rPr lang="en-US" b="1" dirty="0"/>
-              <a:t>Carmen</a:t>
+              <a:t>Carmen WIGGINS</a:t>
             </a:r>
           </a:p>
           <a:p>
             <a:pPr algn="ctr"/>
             <a:r>
               <a:rPr lang="en-US" b="1" dirty="0"/>
-              <a:t>Michelle</a:t>
+              <a:t>Michelle PETRAS</a:t>
             </a:r>
           </a:p>
           <a:p>
             <a:pPr algn="ctr"/>
             <a:r>
               <a:rPr lang="en-US" b="1" dirty="0"/>
-              <a:t>Veethika</a:t>
+              <a:t>Veethika SINGH</a:t>
             </a:r>
           </a:p>
           <a:p>
@@ -13430,16 +13462,20 @@
             <p:ph type="title"/>
           </p:nvPr>
         </p:nvSpPr>
-        <p:spPr/>
+        <p:spPr>
+          <a:xfrm>
+            <a:off x="615121" y="582930"/>
+            <a:ext cx="8761413" cy="706964"/>
+          </a:xfrm>
+        </p:spPr>
         <p:txBody>
           <a:bodyPr/>
           <a:lstStyle/>
           <a:p>
             <a:r>
-              <a:rPr lang="en-US" b="1" dirty="0"/>
-              <a:t>Data Visualization</a:t>
+              <a:rPr lang="en-US" sz="3200" b="1" dirty="0"/>
+              <a:t>Data Visualization – Most Streamed Artists</a:t>
             </a:r>
-            <a:endParaRPr lang="en-US" dirty="0"/>
           </a:p>
         </p:txBody>
       </p:sp>
@@ -13461,8 +13497,8 @@
         </p:nvSpPr>
         <p:spPr>
           <a:xfrm>
-            <a:off x="445787" y="2252268"/>
-            <a:ext cx="8825659" cy="3416300"/>
+            <a:off x="615121" y="2824403"/>
+            <a:ext cx="3923012" cy="3416300"/>
           </a:xfrm>
         </p:spPr>
         <p:txBody>
@@ -13475,8 +13511,35 @@
                   <a:schemeClr val="accent1"/>
                 </a:solidFill>
               </a:rPr>
-              <a:t>Pie Chart of Most Streamed Artist Pre and post covid</a:t>
+              <a:t>Pie charts of most streamed artists pre and post covid</a:t>
             </a:r>
+          </a:p>
+          <a:p>
+            <a:r>
+              <a:rPr lang="en-US" b="1" dirty="0">
+                <a:solidFill>
+                  <a:schemeClr val="accent1"/>
+                </a:solidFill>
+              </a:rPr>
+              <a:t>Post Malone holds first place between the years 2018 and 2019</a:t>
+            </a:r>
+          </a:p>
+          <a:p>
+            <a:r>
+              <a:rPr lang="en-US" b="1" dirty="0">
+                <a:solidFill>
+                  <a:schemeClr val="accent1"/>
+                </a:solidFill>
+              </a:rPr>
+              <a:t>During Covid Bad Bunny streams were the highest</a:t>
+            </a:r>
+          </a:p>
+          <a:p>
+            <a:endParaRPr lang="en-US" b="1" dirty="0">
+              <a:solidFill>
+                <a:schemeClr val="accent1"/>
+              </a:solidFill>
+            </a:endParaRPr>
           </a:p>
         </p:txBody>
       </p:sp>
@@ -13494,7 +13557,7 @@
           </p:cNvPicPr>
           <p:nvPr/>
         </p:nvPicPr>
-        <p:blipFill>
+        <p:blipFill rotWithShape="1">
           <a:blip r:embed="rId2">
             <a:extLst>
               <a:ext uri="{28A0092B-C50C-407E-A947-70E740481C1C}">
@@ -13502,18 +13565,20 @@
               </a:ext>
             </a:extLst>
           </a:blip>
-          <a:stretch>
-            <a:fillRect/>
-          </a:stretch>
+          <a:srcRect l="12633" r="7404"/>
+          <a:stretch/>
         </p:blipFill>
         <p:spPr>
           <a:xfrm>
-            <a:off x="7113492" y="4532985"/>
-            <a:ext cx="3028221" cy="2271166"/>
+            <a:off x="8615579" y="3556770"/>
+            <a:ext cx="3155962" cy="2960070"/>
           </a:xfrm>
           <a:prstGeom prst="rect">
             <a:avLst/>
           </a:prstGeom>
+          <a:ln>
+            <a:noFill/>
+          </a:ln>
         </p:spPr>
       </p:pic>
       <p:pic>
@@ -13530,7 +13595,7 @@
           </p:cNvPicPr>
           <p:nvPr/>
         </p:nvPicPr>
-        <p:blipFill>
+        <p:blipFill rotWithShape="1">
           <a:blip r:embed="rId3">
             <a:extLst>
               <a:ext uri="{28A0092B-C50C-407E-A947-70E740481C1C}">
@@ -13538,18 +13603,20 @@
               </a:ext>
             </a:extLst>
           </a:blip>
-          <a:stretch>
-            <a:fillRect/>
-          </a:stretch>
+          <a:srcRect l="23576" t="11540" r="23389" b="10055"/>
+          <a:stretch/>
         </p:blipFill>
         <p:spPr>
           <a:xfrm>
-            <a:off x="6398483" y="2325015"/>
-            <a:ext cx="4170906" cy="2311134"/>
+            <a:off x="4996717" y="3556770"/>
+            <a:ext cx="3618862" cy="2963333"/>
           </a:xfrm>
           <a:prstGeom prst="rect">
             <a:avLst/>
           </a:prstGeom>
+          <a:ln>
+            <a:noFill/>
+          </a:ln>
         </p:spPr>
       </p:pic>
       <p:graphicFrame>
@@ -13567,35 +13634,35 @@
           <p:nvPr>
             <p:extLst>
               <p:ext uri="{D42A27DB-BD31-4B8C-83A1-F6EECF244321}">
-                <p14:modId xmlns:p14="http://schemas.microsoft.com/office/powerpoint/2010/main" val="1931472463"/>
+                <p14:modId xmlns:p14="http://schemas.microsoft.com/office/powerpoint/2010/main" val="2302227660"/>
               </p:ext>
             </p:extLst>
           </p:nvPr>
         </p:nvGraphicFramePr>
         <p:xfrm>
-          <a:off x="241182" y="2863587"/>
-          <a:ext cx="5393137" cy="1703070"/>
+          <a:off x="5535660" y="1409197"/>
+          <a:ext cx="5879853" cy="2028270"/>
         </p:xfrm>
         <a:graphic>
           <a:graphicData uri="http://schemas.openxmlformats.org/drawingml/2006/table">
             <a:tbl>
               <a:tblPr/>
               <a:tblGrid>
-                <a:gridCol w="980381">
+                <a:gridCol w="1068858">
                   <a:extLst>
                     <a:ext uri="{9D8B030D-6E8A-4147-A177-3AD203B41FA5}">
                       <a16:colId xmlns:a16="http://schemas.microsoft.com/office/drawing/2014/main" val="193057600"/>
                     </a:ext>
                   </a:extLst>
                 </a:gridCol>
-                <a:gridCol w="1591847">
+                <a:gridCol w="1735507">
                   <a:extLst>
                     <a:ext uri="{9D8B030D-6E8A-4147-A177-3AD203B41FA5}">
                       <a16:colId xmlns:a16="http://schemas.microsoft.com/office/drawing/2014/main" val="2376070044"/>
                     </a:ext>
                   </a:extLst>
                 </a:gridCol>
-                <a:gridCol w="2820909">
+                <a:gridCol w="3075488">
                   <a:extLst>
                     <a:ext uri="{9D8B030D-6E8A-4147-A177-3AD203B41FA5}">
                       <a16:colId xmlns:a16="http://schemas.microsoft.com/office/drawing/2014/main" val="2117664360"/>
@@ -13603,7 +13670,7 @@
                   </a:extLst>
                 </a:gridCol>
               </a:tblGrid>
-              <a:tr h="0">
+              <a:tr h="338045">
                 <a:tc>
                   <a:txBody>
                     <a:bodyPr/>
@@ -13724,7 +13791,7 @@
                   </a:ext>
                 </a:extLst>
               </a:tr>
-              <a:tr h="0">
+              <a:tr h="338045">
                 <a:tc>
                   <a:txBody>
                     <a:bodyPr/>
@@ -13839,7 +13906,7 @@
                   </a:ext>
                 </a:extLst>
               </a:tr>
-              <a:tr h="0">
+              <a:tr h="338045">
                 <a:tc>
                   <a:txBody>
                     <a:bodyPr/>
@@ -13954,7 +14021,7 @@
                   </a:ext>
                 </a:extLst>
               </a:tr>
-              <a:tr h="0">
+              <a:tr h="338045">
                 <a:tc>
                   <a:txBody>
                     <a:bodyPr/>
@@ -14034,7 +14101,7 @@
                     <a:p>
                       <a:pPr algn="r" rtl="0" fontAlgn="ctr"/>
                       <a:r>
-                        <a:rPr lang="en-US" sz="1800" b="0" i="0" u="none" strike="noStrike">
+                        <a:rPr lang="en-US" sz="1800" b="0" i="0" u="none" strike="noStrike" dirty="0">
                           <a:solidFill>
                             <a:srgbClr val="000000"/>
                           </a:solidFill>
@@ -14069,7 +14136,7 @@
                   </a:ext>
                 </a:extLst>
               </a:tr>
-              <a:tr h="0">
+              <a:tr h="338045">
                 <a:tc>
                   <a:txBody>
                     <a:bodyPr/>
@@ -14184,7 +14251,7 @@
                   </a:ext>
                 </a:extLst>
               </a:tr>
-              <a:tr h="0">
+              <a:tr h="338045">
                 <a:tc>
                   <a:txBody>
                     <a:bodyPr/>
@@ -14303,41 +14370,6 @@
           </a:graphicData>
         </a:graphic>
       </p:graphicFrame>
-      <p:sp>
-        <p:nvSpPr>
-          <p:cNvPr id="23" name="TextBox 22">
-            <a:extLst>
-              <a:ext uri="{FF2B5EF4-FFF2-40B4-BE49-F238E27FC236}">
-                <a16:creationId xmlns:a16="http://schemas.microsoft.com/office/drawing/2014/main" id="{77ABD004-8A00-9AE1-3D92-6A9C7A4CCB88}"/>
-              </a:ext>
-            </a:extLst>
-          </p:cNvPr>
-          <p:cNvSpPr txBox="1"/>
-          <p:nvPr/>
-        </p:nvSpPr>
-        <p:spPr>
-          <a:xfrm>
-            <a:off x="632012" y="5082988"/>
-            <a:ext cx="4652682" cy="1200329"/>
-          </a:xfrm>
-          <a:prstGeom prst="rect">
-            <a:avLst/>
-          </a:prstGeom>
-          <a:noFill/>
-        </p:spPr>
-        <p:txBody>
-          <a:bodyPr wrap="square" rtlCol="0">
-            <a:spAutoFit/>
-          </a:bodyPr>
-          <a:lstStyle/>
-          <a:p>
-            <a:r>
-              <a:rPr lang="en-US" dirty="0"/>
-              <a:t>Post Malone hold first place between the years 2018 and 2019.  then during covid Bad Bunny streams were the highest.</a:t>
-            </a:r>
-          </a:p>
-        </p:txBody>
-      </p:sp>
     </p:spTree>
     <p:extLst>
       <p:ext uri="{BB962C8B-B14F-4D97-AF65-F5344CB8AC3E}">
@@ -14599,16 +14631,20 @@
             <p:ph type="title"/>
           </p:nvPr>
         </p:nvSpPr>
-        <p:spPr/>
+        <p:spPr>
+          <a:xfrm>
+            <a:off x="655421" y="651934"/>
+            <a:ext cx="8761413" cy="706964"/>
+          </a:xfrm>
+        </p:spPr>
         <p:txBody>
           <a:bodyPr/>
           <a:lstStyle/>
           <a:p>
             <a:r>
-              <a:rPr lang="en-US" b="1" dirty="0"/>
-              <a:t>Data Visualization</a:t>
+              <a:rPr lang="en-US" sz="3200" b="1" dirty="0"/>
+              <a:t>Data Visualization – Top Streamed Artists</a:t>
             </a:r>
-            <a:endParaRPr lang="en-US" dirty="0"/>
           </a:p>
         </p:txBody>
       </p:sp>
@@ -14630,40 +14666,50 @@
         </p:nvSpPr>
         <p:spPr>
           <a:xfrm>
-            <a:off x="932330" y="2286000"/>
-            <a:ext cx="8825659" cy="3598332"/>
+            <a:off x="318965" y="2657866"/>
+            <a:ext cx="4005352" cy="3316635"/>
           </a:xfrm>
         </p:spPr>
         <p:txBody>
-          <a:bodyPr/>
+          <a:bodyPr>
+            <a:normAutofit/>
+          </a:bodyPr>
           <a:lstStyle/>
           <a:p>
+            <a:pPr>
+              <a:lnSpc>
+                <a:spcPct val="150000"/>
+              </a:lnSpc>
+              <a:spcBef>
+                <a:spcPts val="1200"/>
+              </a:spcBef>
+            </a:pPr>
             <a:r>
               <a:rPr lang="en-US" b="1" dirty="0">
                 <a:solidFill>
                   <a:schemeClr val="accent1"/>
                 </a:solidFill>
               </a:rPr>
-              <a:t>Top Stream Artist Bar chart</a:t>
+              <a:t>Even though Bad Bunny was not the highest streamed artist through out the years, he was the most streamed artist in the heart of Covid (2020) with 3.3 million streams</a:t>
             </a:r>
           </a:p>
         </p:txBody>
       </p:sp>
       <p:pic>
         <p:nvPicPr>
-          <p:cNvPr id="5" name="Picture 4">
+          <p:cNvPr id="2050" name="Picture 2">
             <a:extLst>
               <a:ext uri="{FF2B5EF4-FFF2-40B4-BE49-F238E27FC236}">
-                <a16:creationId xmlns:a16="http://schemas.microsoft.com/office/drawing/2014/main" id="{940F62F0-465A-D325-EEEE-9A50B6C31765}"/>
+                <a16:creationId xmlns:a16="http://schemas.microsoft.com/office/drawing/2014/main" id="{9F30CF8C-F5C8-7CB1-1A9C-C9D68D7E0AD2}"/>
               </a:ext>
             </a:extLst>
           </p:cNvPr>
           <p:cNvPicPr>
-            <a:picLocks noChangeAspect="1"/>
+            <a:picLocks noChangeAspect="1" noChangeArrowheads="1"/>
           </p:cNvPicPr>
           <p:nvPr/>
         </p:nvPicPr>
-        <p:blipFill>
+        <p:blipFill rotWithShape="1">
           <a:blip r:embed="rId2">
             <a:extLst>
               <a:ext uri="{28A0092B-C50C-407E-A947-70E740481C1C}">
@@ -14671,55 +14717,42 @@
               </a:ext>
             </a:extLst>
           </a:blip>
-          <a:stretch>
-            <a:fillRect/>
-          </a:stretch>
+          <a:srcRect l="4840" t="7643" r="8645" b="3785"/>
+          <a:stretch/>
         </p:blipFill>
-        <p:spPr>
+        <p:spPr bwMode="auto">
           <a:xfrm>
-            <a:off x="1154953" y="2595282"/>
-            <a:ext cx="8825659" cy="3424517"/>
-          </a:xfrm>
-          <a:prstGeom prst="rect">
-            <a:avLst/>
-          </a:prstGeom>
-        </p:spPr>
-      </p:pic>
-      <p:sp>
-        <p:nvSpPr>
-          <p:cNvPr id="6" name="TextBox 5">
-            <a:extLst>
-              <a:ext uri="{FF2B5EF4-FFF2-40B4-BE49-F238E27FC236}">
-                <a16:creationId xmlns:a16="http://schemas.microsoft.com/office/drawing/2014/main" id="{02C48F7A-2837-3385-7DA8-E0AF27262B25}"/>
-              </a:ext>
-            </a:extLst>
-          </p:cNvPr>
-          <p:cNvSpPr txBox="1"/>
-          <p:nvPr/>
-        </p:nvSpPr>
-        <p:spPr>
-          <a:xfrm>
-            <a:off x="932330" y="6019800"/>
-            <a:ext cx="10327339" cy="646331"/>
+            <a:off x="4638481" y="2242457"/>
+            <a:ext cx="7084842" cy="4351984"/>
           </a:xfrm>
           <a:prstGeom prst="rect">
             <a:avLst/>
           </a:prstGeom>
           <a:noFill/>
+          <a:ln>
+            <a:noFill/>
+          </a:ln>
+          <a:extLst>
+            <a:ext uri="{909E8E84-426E-40DD-AFC4-6F175D3DCCD1}">
+              <a14:hiddenFill xmlns:a14="http://schemas.microsoft.com/office/drawing/2010/main">
+                <a:solidFill>
+                  <a:srgbClr val="FFFFFF"/>
+                </a:solidFill>
+              </a14:hiddenFill>
+            </a:ext>
+            <a:ext uri="{91240B29-F687-4F45-9708-019B960494DF}">
+              <a14:hiddenLine xmlns:a14="http://schemas.microsoft.com/office/drawing/2010/main" w="9525">
+                <a:solidFill>
+                  <a:srgbClr val="000000"/>
+                </a:solidFill>
+                <a:miter lim="800000"/>
+                <a:headEnd/>
+                <a:tailEnd/>
+              </a14:hiddenLine>
+            </a:ext>
+          </a:extLst>
         </p:spPr>
-        <p:txBody>
-          <a:bodyPr wrap="square" rtlCol="0">
-            <a:spAutoFit/>
-          </a:bodyPr>
-          <a:lstStyle/>
-          <a:p>
-            <a:r>
-              <a:rPr lang="en-US" dirty="0"/>
-              <a:t>Event though Bad bunny was not the highest Streamed Artist Through out the Years he was the most Streamed Artist in the heart of Covid Year 2020 with a 3.3 Million streamed</a:t>
-            </a:r>
-          </a:p>
-        </p:txBody>
-      </p:sp>
+      </p:pic>
     </p:spTree>
     <p:extLst>
       <p:ext uri="{BB962C8B-B14F-4D97-AF65-F5344CB8AC3E}">
@@ -14733,218 +14766,6 @@
   <p:transition spd="slow">
     <p:push dir="u"/>
   </p:transition>
-  <p:timing>
-    <p:tnLst>
-      <p:par>
-        <p:cTn id="1" dur="indefinite" restart="never" nodeType="tmRoot">
-          <p:childTnLst>
-            <p:seq concurrent="1" nextAc="seek">
-              <p:cTn id="2" dur="indefinite" nodeType="mainSeq">
-                <p:childTnLst>
-                  <p:par>
-                    <p:cTn id="3" fill="hold">
-                      <p:stCondLst>
-                        <p:cond delay="indefinite"/>
-                      </p:stCondLst>
-                      <p:childTnLst>
-                        <p:par>
-                          <p:cTn id="4" fill="hold">
-                            <p:stCondLst>
-                              <p:cond delay="0"/>
-                            </p:stCondLst>
-                            <p:childTnLst>
-                              <p:par>
-                                <p:cTn id="5" presetID="2" presetClass="entr" presetSubtype="4" fill="hold" nodeType="clickEffect">
-                                  <p:stCondLst>
-                                    <p:cond delay="0"/>
-                                  </p:stCondLst>
-                                  <p:childTnLst>
-                                    <p:set>
-                                      <p:cBhvr>
-                                        <p:cTn id="6" dur="1" fill="hold">
-                                          <p:stCondLst>
-                                            <p:cond delay="0"/>
-                                          </p:stCondLst>
-                                        </p:cTn>
-                                        <p:tgtEl>
-                                          <p:spTgt spid="5"/>
-                                        </p:tgtEl>
-                                        <p:attrNameLst>
-                                          <p:attrName>style.visibility</p:attrName>
-                                        </p:attrNameLst>
-                                      </p:cBhvr>
-                                      <p:to>
-                                        <p:strVal val="visible"/>
-                                      </p:to>
-                                    </p:set>
-                                    <p:anim calcmode="lin" valueType="num">
-                                      <p:cBhvr additive="base">
-                                        <p:cTn id="7" dur="500" fill="hold"/>
-                                        <p:tgtEl>
-                                          <p:spTgt spid="5"/>
-                                        </p:tgtEl>
-                                        <p:attrNameLst>
-                                          <p:attrName>ppt_x</p:attrName>
-                                        </p:attrNameLst>
-                                      </p:cBhvr>
-                                      <p:tavLst>
-                                        <p:tav tm="0">
-                                          <p:val>
-                                            <p:strVal val="#ppt_x"/>
-                                          </p:val>
-                                        </p:tav>
-                                        <p:tav tm="100000">
-                                          <p:val>
-                                            <p:strVal val="#ppt_x"/>
-                                          </p:val>
-                                        </p:tav>
-                                      </p:tavLst>
-                                    </p:anim>
-                                    <p:anim calcmode="lin" valueType="num">
-                                      <p:cBhvr additive="base">
-                                        <p:cTn id="8" dur="500" fill="hold"/>
-                                        <p:tgtEl>
-                                          <p:spTgt spid="5"/>
-                                        </p:tgtEl>
-                                        <p:attrNameLst>
-                                          <p:attrName>ppt_y</p:attrName>
-                                        </p:attrNameLst>
-                                      </p:cBhvr>
-                                      <p:tavLst>
-                                        <p:tav tm="0">
-                                          <p:val>
-                                            <p:strVal val="1+#ppt_h/2"/>
-                                          </p:val>
-                                        </p:tav>
-                                        <p:tav tm="100000">
-                                          <p:val>
-                                            <p:strVal val="#ppt_y"/>
-                                          </p:val>
-                                        </p:tav>
-                                      </p:tavLst>
-                                    </p:anim>
-                                  </p:childTnLst>
-                                </p:cTn>
-                              </p:par>
-                            </p:childTnLst>
-                          </p:cTn>
-                        </p:par>
-                      </p:childTnLst>
-                    </p:cTn>
-                  </p:par>
-                  <p:par>
-                    <p:cTn id="9" fill="hold">
-                      <p:stCondLst>
-                        <p:cond delay="indefinite"/>
-                      </p:stCondLst>
-                      <p:childTnLst>
-                        <p:par>
-                          <p:cTn id="10" fill="hold">
-                            <p:stCondLst>
-                              <p:cond delay="0"/>
-                            </p:stCondLst>
-                            <p:childTnLst>
-                              <p:par>
-                                <p:cTn id="11" presetID="2" presetClass="entr" presetSubtype="4" fill="hold" nodeType="clickEffect">
-                                  <p:stCondLst>
-                                    <p:cond delay="0"/>
-                                  </p:stCondLst>
-                                  <p:childTnLst>
-                                    <p:set>
-                                      <p:cBhvr>
-                                        <p:cTn id="12" dur="1" fill="hold">
-                                          <p:stCondLst>
-                                            <p:cond delay="0"/>
-                                          </p:stCondLst>
-                                        </p:cTn>
-                                        <p:tgtEl>
-                                          <p:spTgt spid="5"/>
-                                        </p:tgtEl>
-                                        <p:attrNameLst>
-                                          <p:attrName>style.visibility</p:attrName>
-                                        </p:attrNameLst>
-                                      </p:cBhvr>
-                                      <p:to>
-                                        <p:strVal val="visible"/>
-                                      </p:to>
-                                    </p:set>
-                                    <p:anim calcmode="lin" valueType="num">
-                                      <p:cBhvr additive="base">
-                                        <p:cTn id="13" dur="500" fill="hold"/>
-                                        <p:tgtEl>
-                                          <p:spTgt spid="5"/>
-                                        </p:tgtEl>
-                                        <p:attrNameLst>
-                                          <p:attrName>ppt_x</p:attrName>
-                                        </p:attrNameLst>
-                                      </p:cBhvr>
-                                      <p:tavLst>
-                                        <p:tav tm="0">
-                                          <p:val>
-                                            <p:strVal val="#ppt_x"/>
-                                          </p:val>
-                                        </p:tav>
-                                        <p:tav tm="100000">
-                                          <p:val>
-                                            <p:strVal val="#ppt_x"/>
-                                          </p:val>
-                                        </p:tav>
-                                      </p:tavLst>
-                                    </p:anim>
-                                    <p:anim calcmode="lin" valueType="num">
-                                      <p:cBhvr additive="base">
-                                        <p:cTn id="14" dur="500" fill="hold"/>
-                                        <p:tgtEl>
-                                          <p:spTgt spid="5"/>
-                                        </p:tgtEl>
-                                        <p:attrNameLst>
-                                          <p:attrName>ppt_y</p:attrName>
-                                        </p:attrNameLst>
-                                      </p:cBhvr>
-                                      <p:tavLst>
-                                        <p:tav tm="0">
-                                          <p:val>
-                                            <p:strVal val="1+#ppt_h/2"/>
-                                          </p:val>
-                                        </p:tav>
-                                        <p:tav tm="100000">
-                                          <p:val>
-                                            <p:strVal val="#ppt_y"/>
-                                          </p:val>
-                                        </p:tav>
-                                      </p:tavLst>
-                                    </p:anim>
-                                  </p:childTnLst>
-                                </p:cTn>
-                              </p:par>
-                            </p:childTnLst>
-                          </p:cTn>
-                        </p:par>
-                      </p:childTnLst>
-                    </p:cTn>
-                  </p:par>
-                </p:childTnLst>
-              </p:cTn>
-              <p:prevCondLst>
-                <p:cond evt="onPrev" delay="0">
-                  <p:tgtEl>
-                    <p:sldTgt/>
-                  </p:tgtEl>
-                </p:cond>
-              </p:prevCondLst>
-              <p:nextCondLst>
-                <p:cond evt="onNext" delay="0">
-                  <p:tgtEl>
-                    <p:sldTgt/>
-                  </p:tgtEl>
-                </p:cond>
-              </p:nextCondLst>
-            </p:seq>
-          </p:childTnLst>
-        </p:cTn>
-      </p:par>
-    </p:tnLst>
-  </p:timing>
 </p:sld>
 </file>
 
@@ -14965,6 +14786,64 @@
           <a:chExt cx="0" cy="0"/>
         </a:xfrm>
       </p:grpSpPr>
+      <p:pic>
+        <p:nvPicPr>
+          <p:cNvPr id="1026" name="Picture 2">
+            <a:extLst>
+              <a:ext uri="{FF2B5EF4-FFF2-40B4-BE49-F238E27FC236}">
+                <a16:creationId xmlns:a16="http://schemas.microsoft.com/office/drawing/2014/main" id="{AC953A99-F038-2E45-2321-5152EEE882E7}"/>
+              </a:ext>
+            </a:extLst>
+          </p:cNvPr>
+          <p:cNvPicPr>
+            <a:picLocks noChangeAspect="1" noChangeArrowheads="1"/>
+          </p:cNvPicPr>
+          <p:nvPr/>
+        </p:nvPicPr>
+        <p:blipFill rotWithShape="1">
+          <a:blip r:embed="rId2">
+            <a:extLst>
+              <a:ext uri="{28A0092B-C50C-407E-A947-70E740481C1C}">
+                <a14:useLocalDpi xmlns:a14="http://schemas.microsoft.com/office/drawing/2010/main" val="0"/>
+              </a:ext>
+            </a:extLst>
+          </a:blip>
+          <a:srcRect l="4918" t="6454" r="8017" b="3051"/>
+          <a:stretch/>
+        </p:blipFill>
+        <p:spPr bwMode="auto">
+          <a:xfrm>
+            <a:off x="5721914" y="2595715"/>
+            <a:ext cx="6385294" cy="3982065"/>
+          </a:xfrm>
+          <a:prstGeom prst="rect">
+            <a:avLst/>
+          </a:prstGeom>
+          <a:noFill/>
+          <a:ln>
+            <a:noFill/>
+          </a:ln>
+          <a:extLst>
+            <a:ext uri="{909E8E84-426E-40DD-AFC4-6F175D3DCCD1}">
+              <a14:hiddenFill xmlns:a14="http://schemas.microsoft.com/office/drawing/2010/main">
+                <a:solidFill>
+                  <a:srgbClr val="FFFFFF"/>
+                </a:solidFill>
+              </a14:hiddenFill>
+            </a:ext>
+            <a:ext uri="{91240B29-F687-4F45-9708-019B960494DF}">
+              <a14:hiddenLine xmlns:a14="http://schemas.microsoft.com/office/drawing/2010/main" w="9525">
+                <a:solidFill>
+                  <a:srgbClr val="000000"/>
+                </a:solidFill>
+                <a:miter lim="800000"/>
+                <a:headEnd/>
+                <a:tailEnd/>
+              </a14:hiddenLine>
+            </a:ext>
+          </a:extLst>
+        </p:spPr>
+      </p:pic>
       <p:sp>
         <p:nvSpPr>
           <p:cNvPr id="2" name="Title 1">
@@ -14981,48 +14860,21 @@
             <p:ph type="title"/>
           </p:nvPr>
         </p:nvSpPr>
-        <p:spPr/>
+        <p:spPr>
+          <a:xfrm>
+            <a:off x="672354" y="638569"/>
+            <a:ext cx="8761413" cy="706964"/>
+          </a:xfrm>
+        </p:spPr>
         <p:txBody>
           <a:bodyPr/>
           <a:lstStyle/>
           <a:p>
             <a:r>
-              <a:rPr lang="en-US" b="1" dirty="0"/>
-              <a:t>Data Visualization</a:t>
+              <a:rPr lang="en-US" sz="3200" b="1" dirty="0"/>
+              <a:t>Data Visualization – Streams Per Year</a:t>
             </a:r>
-            <a:endParaRPr lang="en-US" dirty="0"/>
-          </a:p>
-        </p:txBody>
-      </p:sp>
-      <p:sp>
-        <p:nvSpPr>
-          <p:cNvPr id="3" name="Content Placeholder 2">
-            <a:extLst>
-              <a:ext uri="{FF2B5EF4-FFF2-40B4-BE49-F238E27FC236}">
-                <a16:creationId xmlns:a16="http://schemas.microsoft.com/office/drawing/2014/main" id="{DEFF6F3F-2BD2-3D76-1483-072534DC4B24}"/>
-              </a:ext>
-            </a:extLst>
-          </p:cNvPr>
-          <p:cNvSpPr>
-            <a:spLocks noGrp="1"/>
-          </p:cNvSpPr>
-          <p:nvPr>
-            <p:ph idx="1"/>
-          </p:nvPr>
-        </p:nvSpPr>
-        <p:spPr/>
-        <p:txBody>
-          <a:bodyPr/>
-          <a:lstStyle/>
-          <a:p>
-            <a:r>
-              <a:rPr lang="en-US" b="1" dirty="0">
-                <a:solidFill>
-                  <a:schemeClr val="accent1"/>
-                </a:solidFill>
-              </a:rPr>
-              <a:t>Stream/Downloads per Year , Pre-During and Post Covid-19</a:t>
-            </a:r>
+            <a:endParaRPr lang="en-US" sz="3200" dirty="0"/>
           </a:p>
         </p:txBody>
       </p:sp>
@@ -15041,13 +14893,13 @@
           <p:nvPr>
             <p:extLst>
               <p:ext uri="{D42A27DB-BD31-4B8C-83A1-F6EECF244321}">
-                <p14:modId xmlns:p14="http://schemas.microsoft.com/office/powerpoint/2010/main" val="315215683"/>
+                <p14:modId xmlns:p14="http://schemas.microsoft.com/office/powerpoint/2010/main" val="187760697"/>
               </p:ext>
             </p:extLst>
           </p:nvPr>
         </p:nvGraphicFramePr>
         <p:xfrm>
-          <a:off x="1154953" y="3234690"/>
+          <a:off x="1026681" y="5032797"/>
           <a:ext cx="4179966" cy="1703070"/>
         </p:xfrm>
         <a:graphic>
@@ -15070,7 +14922,7 @@
                   </a:extLst>
                 </a:gridCol>
               </a:tblGrid>
-              <a:tr h="0">
+              <a:tr h="37465">
                 <a:tc>
                   <a:txBody>
                     <a:bodyPr/>
@@ -15276,7 +15128,7 @@
                     <a:p>
                       <a:pPr algn="r" rtl="0" fontAlgn="ctr"/>
                       <a:r>
-                        <a:rPr lang="en-US" sz="1800" b="0" i="0" u="none" strike="noStrike">
+                        <a:rPr lang="en-US" sz="1800" b="0" i="0" u="none" strike="noStrike" dirty="0">
                           <a:solidFill>
                             <a:srgbClr val="000000"/>
                           </a:solidFill>
@@ -15390,7 +15242,7 @@
                   </a:ext>
                 </a:extLst>
               </a:tr>
-              <a:tr h="0">
+              <a:tr h="39159">
                 <a:tc>
                   <a:txBody>
                     <a:bodyPr/>
@@ -15552,80 +15404,78 @@
           </a:graphicData>
         </a:graphic>
       </p:graphicFrame>
-      <p:pic>
-        <p:nvPicPr>
-          <p:cNvPr id="5" name="Picture 4">
+      <p:sp>
+        <p:nvSpPr>
+          <p:cNvPr id="3" name="Content Placeholder 2">
             <a:extLst>
               <a:ext uri="{FF2B5EF4-FFF2-40B4-BE49-F238E27FC236}">
-                <a16:creationId xmlns:a16="http://schemas.microsoft.com/office/drawing/2014/main" id="{D48D8958-8D7A-2540-E1D9-F9C97CA40D12}"/>
+                <a16:creationId xmlns:a16="http://schemas.microsoft.com/office/drawing/2014/main" id="{DEFF6F3F-2BD2-3D76-1483-072534DC4B24}"/>
               </a:ext>
             </a:extLst>
           </p:cNvPr>
-          <p:cNvPicPr>
-            <a:picLocks noChangeAspect="1"/>
-          </p:cNvPicPr>
-          <p:nvPr/>
-        </p:nvPicPr>
-        <p:blipFill>
-          <a:blip r:embed="rId2">
-            <a:extLst>
-              <a:ext uri="{28A0092B-C50C-407E-A947-70E740481C1C}">
-                <a14:useLocalDpi xmlns:a14="http://schemas.microsoft.com/office/drawing/2010/main" val="0"/>
-              </a:ext>
-            </a:extLst>
-          </a:blip>
-          <a:stretch>
-            <a:fillRect/>
-          </a:stretch>
-        </p:blipFill>
-        <p:spPr>
-          <a:xfrm>
-            <a:off x="6225071" y="2980214"/>
-            <a:ext cx="5334918" cy="3200951"/>
-          </a:xfrm>
-          <a:prstGeom prst="rect">
-            <a:avLst/>
-          </a:prstGeom>
-        </p:spPr>
-      </p:pic>
-      <p:sp>
-        <p:nvSpPr>
-          <p:cNvPr id="6" name="TextBox 5">
-            <a:extLst>
-              <a:ext uri="{FF2B5EF4-FFF2-40B4-BE49-F238E27FC236}">
-                <a16:creationId xmlns:a16="http://schemas.microsoft.com/office/drawing/2014/main" id="{5D40AB45-2F5D-9FF8-F71D-7A39364174C6}"/>
-              </a:ext>
-            </a:extLst>
-          </p:cNvPr>
-          <p:cNvSpPr txBox="1"/>
-          <p:nvPr/>
+          <p:cNvSpPr>
+            <a:spLocks noGrp="1"/>
+          </p:cNvSpPr>
+          <p:nvPr>
+            <p:ph idx="1"/>
+          </p:nvPr>
         </p:nvSpPr>
         <p:spPr>
           <a:xfrm>
-            <a:off x="926353" y="5244857"/>
-            <a:ext cx="5850965" cy="1477328"/>
+            <a:off x="318665" y="2309918"/>
+            <a:ext cx="5525247" cy="3416300"/>
           </a:xfrm>
-          <a:prstGeom prst="rect">
-            <a:avLst/>
-          </a:prstGeom>
-          <a:noFill/>
         </p:spPr>
         <p:txBody>
-          <a:bodyPr wrap="square" rtlCol="0">
-            <a:spAutoFit/>
-          </a:bodyPr>
+          <a:bodyPr/>
           <a:lstStyle/>
           <a:p>
             <a:r>
-              <a:rPr lang="en-US" dirty="0"/>
-              <a:t>The bar chart clearly show the music streaming increase approximately 4.0B from 2019- 2020. Also note that 2021 streaming data is for 6 month. </a:t>
+              <a:rPr lang="en-US" b="1" dirty="0">
+                <a:solidFill>
+                  <a:schemeClr val="accent1"/>
+                </a:solidFill>
+              </a:rPr>
+              <a:t>Streams per year pre, during and post Covid</a:t>
             </a:r>
           </a:p>
           <a:p>
             <a:r>
-              <a:rPr lang="en-US" dirty="0"/>
-              <a:t>We estimate that the streaming for the year 2021 year end would  reach 78.0 B streams.</a:t>
+              <a:rPr lang="en-US" b="1" dirty="0">
+                <a:solidFill>
+                  <a:schemeClr val="accent1"/>
+                </a:solidFill>
+              </a:rPr>
+              <a:t>The bar chart clearly show the music streaming increased approximately 4.0 B from 2019- 2020</a:t>
             </a:r>
+          </a:p>
+          <a:p>
+            <a:pPr lvl="1"/>
+            <a:r>
+              <a:rPr lang="en-US" sz="1400" b="1" dirty="0">
+                <a:solidFill>
+                  <a:schemeClr val="accent1"/>
+                </a:solidFill>
+              </a:rPr>
+              <a:t>Note that 2021 streaming data is only through July 17, 2021 </a:t>
+            </a:r>
+          </a:p>
+          <a:p>
+            <a:r>
+              <a:rPr lang="en-US" b="1" dirty="0">
+                <a:solidFill>
+                  <a:schemeClr val="accent1"/>
+                </a:solidFill>
+              </a:rPr>
+              <a:t>We estimate that the streaming for the 2021 year end would reach 78.0 B streams</a:t>
+            </a:r>
+          </a:p>
+          <a:p>
+            <a:endParaRPr lang="en-US" b="1" dirty="0">
+              <a:solidFill>
+                <a:schemeClr val="accent1"/>
+              </a:solidFill>
+            </a:endParaRPr>
           </a:p>
         </p:txBody>
       </p:sp>
@@ -15642,127 +15492,6 @@
   <p:transition spd="slow">
     <p:push dir="u"/>
   </p:transition>
-  <p:timing>
-    <p:tnLst>
-      <p:par>
-        <p:cTn id="1" dur="indefinite" restart="never" nodeType="tmRoot">
-          <p:childTnLst>
-            <p:seq concurrent="1" nextAc="seek">
-              <p:cTn id="2" dur="indefinite" nodeType="mainSeq">
-                <p:childTnLst>
-                  <p:par>
-                    <p:cTn id="3" fill="hold">
-                      <p:stCondLst>
-                        <p:cond delay="indefinite"/>
-                      </p:stCondLst>
-                      <p:childTnLst>
-                        <p:par>
-                          <p:cTn id="4" fill="hold">
-                            <p:stCondLst>
-                              <p:cond delay="0"/>
-                            </p:stCondLst>
-                            <p:childTnLst>
-                              <p:par>
-                                <p:cTn id="5" presetID="2" presetClass="entr" presetSubtype="4" fill="hold" nodeType="clickEffect">
-                                  <p:stCondLst>
-                                    <p:cond delay="0"/>
-                                  </p:stCondLst>
-                                  <p:childTnLst>
-                                    <p:set>
-                                      <p:cBhvr>
-                                        <p:cTn id="6" dur="1" fill="hold">
-                                          <p:stCondLst>
-                                            <p:cond delay="0"/>
-                                          </p:stCondLst>
-                                        </p:cTn>
-                                        <p:tgtEl>
-                                          <p:spTgt spid="5"/>
-                                        </p:tgtEl>
-                                        <p:attrNameLst>
-                                          <p:attrName>style.visibility</p:attrName>
-                                        </p:attrNameLst>
-                                      </p:cBhvr>
-                                      <p:to>
-                                        <p:strVal val="visible"/>
-                                      </p:to>
-                                    </p:set>
-                                    <p:anim calcmode="lin" valueType="num">
-                                      <p:cBhvr additive="base">
-                                        <p:cTn id="7" dur="500" fill="hold"/>
-                                        <p:tgtEl>
-                                          <p:spTgt spid="5"/>
-                                        </p:tgtEl>
-                                        <p:attrNameLst>
-                                          <p:attrName>ppt_x</p:attrName>
-                                        </p:attrNameLst>
-                                      </p:cBhvr>
-                                      <p:tavLst>
-                                        <p:tav tm="0">
-                                          <p:val>
-                                            <p:strVal val="#ppt_x"/>
-                                          </p:val>
-                                        </p:tav>
-                                        <p:tav tm="100000">
-                                          <p:val>
-                                            <p:strVal val="#ppt_x"/>
-                                          </p:val>
-                                        </p:tav>
-                                      </p:tavLst>
-                                    </p:anim>
-                                    <p:anim calcmode="lin" valueType="num">
-                                      <p:cBhvr additive="base">
-                                        <p:cTn id="8" dur="500" fill="hold"/>
-                                        <p:tgtEl>
-                                          <p:spTgt spid="5"/>
-                                        </p:tgtEl>
-                                        <p:attrNameLst>
-                                          <p:attrName>ppt_y</p:attrName>
-                                        </p:attrNameLst>
-                                      </p:cBhvr>
-                                      <p:tavLst>
-                                        <p:tav tm="0">
-                                          <p:val>
-                                            <p:strVal val="1+#ppt_h/2"/>
-                                          </p:val>
-                                        </p:tav>
-                                        <p:tav tm="100000">
-                                          <p:val>
-                                            <p:strVal val="#ppt_y"/>
-                                          </p:val>
-                                        </p:tav>
-                                      </p:tavLst>
-                                    </p:anim>
-                                  </p:childTnLst>
-                                </p:cTn>
-                              </p:par>
-                            </p:childTnLst>
-                          </p:cTn>
-                        </p:par>
-                      </p:childTnLst>
-                    </p:cTn>
-                  </p:par>
-                </p:childTnLst>
-              </p:cTn>
-              <p:prevCondLst>
-                <p:cond evt="onPrev" delay="0">
-                  <p:tgtEl>
-                    <p:sldTgt/>
-                  </p:tgtEl>
-                </p:cond>
-              </p:prevCondLst>
-              <p:nextCondLst>
-                <p:cond evt="onNext" delay="0">
-                  <p:tgtEl>
-                    <p:sldTgt/>
-                  </p:tgtEl>
-                </p:cond>
-              </p:nextCondLst>
-            </p:seq>
-          </p:childTnLst>
-        </p:cTn>
-      </p:par>
-    </p:tnLst>
-  </p:timing>
 </p:sld>
 </file>
 
@@ -15799,16 +15528,20 @@
             <p:ph type="title"/>
           </p:nvPr>
         </p:nvSpPr>
-        <p:spPr/>
+        <p:spPr>
+          <a:xfrm>
+            <a:off x="697757" y="660401"/>
+            <a:ext cx="8761413" cy="706964"/>
+          </a:xfrm>
+        </p:spPr>
         <p:txBody>
           <a:bodyPr/>
           <a:lstStyle/>
           <a:p>
             <a:r>
-              <a:rPr lang="en-US" b="1" dirty="0"/>
-              <a:t>Data Visualization</a:t>
+              <a:rPr lang="en-US" sz="3200" b="1" dirty="0"/>
+              <a:t>Data Visualization - Correlation</a:t>
             </a:r>
-            <a:endParaRPr lang="en-US" dirty="0"/>
           </a:p>
         </p:txBody>
       </p:sp>
@@ -15830,12 +15563,14 @@
         </p:nvSpPr>
         <p:spPr>
           <a:xfrm>
-            <a:off x="1154954" y="2603500"/>
-            <a:ext cx="10396070" cy="3416300"/>
+            <a:off x="697757" y="3014133"/>
+            <a:ext cx="4991844" cy="3566980"/>
           </a:xfrm>
         </p:spPr>
         <p:txBody>
-          <a:bodyPr/>
+          <a:bodyPr>
+            <a:normAutofit/>
+          </a:bodyPr>
           <a:lstStyle/>
           <a:p>
             <a:r>
@@ -15844,257 +15579,9 @@
                   <a:schemeClr val="accent1"/>
                 </a:solidFill>
               </a:rPr>
-              <a:t>Stream/Downloads per Year , Pre-During and Post  Covid-19</a:t>
+              <a:t>Correlation between streaming music and Covid</a:t>
             </a:r>
           </a:p>
-          <a:p>
-            <a:endParaRPr lang="en-US" b="1" dirty="0">
-              <a:solidFill>
-                <a:schemeClr val="accent1"/>
-              </a:solidFill>
-            </a:endParaRPr>
-          </a:p>
-        </p:txBody>
-      </p:sp>
-      <p:pic>
-        <p:nvPicPr>
-          <p:cNvPr id="7" name="Picture 6">
-            <a:extLst>
-              <a:ext uri="{FF2B5EF4-FFF2-40B4-BE49-F238E27FC236}">
-                <a16:creationId xmlns:a16="http://schemas.microsoft.com/office/drawing/2014/main" id="{02B435F8-507A-321C-2D2B-BB60D33798E9}"/>
-              </a:ext>
-            </a:extLst>
-          </p:cNvPr>
-          <p:cNvPicPr>
-            <a:picLocks noChangeAspect="1"/>
-          </p:cNvPicPr>
-          <p:nvPr/>
-        </p:nvPicPr>
-        <p:blipFill>
-          <a:blip r:embed="rId2">
-            <a:extLst>
-              <a:ext uri="{28A0092B-C50C-407E-A947-70E740481C1C}">
-                <a14:useLocalDpi xmlns:a14="http://schemas.microsoft.com/office/drawing/2010/main" val="0"/>
-              </a:ext>
-            </a:extLst>
-          </a:blip>
-          <a:stretch>
-            <a:fillRect/>
-          </a:stretch>
-        </p:blipFill>
-        <p:spPr>
-          <a:xfrm>
-            <a:off x="1349188" y="3011168"/>
-            <a:ext cx="8803341" cy="3200951"/>
-          </a:xfrm>
-          <a:prstGeom prst="rect">
-            <a:avLst/>
-          </a:prstGeom>
-        </p:spPr>
-      </p:pic>
-    </p:spTree>
-    <p:extLst>
-      <p:ext uri="{BB962C8B-B14F-4D97-AF65-F5344CB8AC3E}">
-        <p14:creationId xmlns:p14="http://schemas.microsoft.com/office/powerpoint/2010/main" val="4266404959"/>
-      </p:ext>
-    </p:extLst>
-  </p:cSld>
-  <p:clrMapOvr>
-    <a:masterClrMapping/>
-  </p:clrMapOvr>
-  <p:transition spd="slow">
-    <p:push dir="u"/>
-  </p:transition>
-  <p:timing>
-    <p:tnLst>
-      <p:par>
-        <p:cTn id="1" dur="indefinite" restart="never" nodeType="tmRoot">
-          <p:childTnLst>
-            <p:seq concurrent="1" nextAc="seek">
-              <p:cTn id="2" dur="indefinite" nodeType="mainSeq">
-                <p:childTnLst>
-                  <p:par>
-                    <p:cTn id="3" fill="hold">
-                      <p:stCondLst>
-                        <p:cond delay="indefinite"/>
-                      </p:stCondLst>
-                      <p:childTnLst>
-                        <p:par>
-                          <p:cTn id="4" fill="hold">
-                            <p:stCondLst>
-                              <p:cond delay="0"/>
-                            </p:stCondLst>
-                            <p:childTnLst>
-                              <p:par>
-                                <p:cTn id="5" presetID="2" presetClass="entr" presetSubtype="4" fill="hold" nodeType="clickEffect">
-                                  <p:stCondLst>
-                                    <p:cond delay="0"/>
-                                  </p:stCondLst>
-                                  <p:childTnLst>
-                                    <p:set>
-                                      <p:cBhvr>
-                                        <p:cTn id="6" dur="1" fill="hold">
-                                          <p:stCondLst>
-                                            <p:cond delay="0"/>
-                                          </p:stCondLst>
-                                        </p:cTn>
-                                        <p:tgtEl>
-                                          <p:spTgt spid="7"/>
-                                        </p:tgtEl>
-                                        <p:attrNameLst>
-                                          <p:attrName>style.visibility</p:attrName>
-                                        </p:attrNameLst>
-                                      </p:cBhvr>
-                                      <p:to>
-                                        <p:strVal val="visible"/>
-                                      </p:to>
-                                    </p:set>
-                                    <p:anim calcmode="lin" valueType="num">
-                                      <p:cBhvr additive="base">
-                                        <p:cTn id="7" dur="500" fill="hold"/>
-                                        <p:tgtEl>
-                                          <p:spTgt spid="7"/>
-                                        </p:tgtEl>
-                                        <p:attrNameLst>
-                                          <p:attrName>ppt_x</p:attrName>
-                                        </p:attrNameLst>
-                                      </p:cBhvr>
-                                      <p:tavLst>
-                                        <p:tav tm="0">
-                                          <p:val>
-                                            <p:strVal val="#ppt_x"/>
-                                          </p:val>
-                                        </p:tav>
-                                        <p:tav tm="100000">
-                                          <p:val>
-                                            <p:strVal val="#ppt_x"/>
-                                          </p:val>
-                                        </p:tav>
-                                      </p:tavLst>
-                                    </p:anim>
-                                    <p:anim calcmode="lin" valueType="num">
-                                      <p:cBhvr additive="base">
-                                        <p:cTn id="8" dur="500" fill="hold"/>
-                                        <p:tgtEl>
-                                          <p:spTgt spid="7"/>
-                                        </p:tgtEl>
-                                        <p:attrNameLst>
-                                          <p:attrName>ppt_y</p:attrName>
-                                        </p:attrNameLst>
-                                      </p:cBhvr>
-                                      <p:tavLst>
-                                        <p:tav tm="0">
-                                          <p:val>
-                                            <p:strVal val="1+#ppt_h/2"/>
-                                          </p:val>
-                                        </p:tav>
-                                        <p:tav tm="100000">
-                                          <p:val>
-                                            <p:strVal val="#ppt_y"/>
-                                          </p:val>
-                                        </p:tav>
-                                      </p:tavLst>
-                                    </p:anim>
-                                  </p:childTnLst>
-                                </p:cTn>
-                              </p:par>
-                            </p:childTnLst>
-                          </p:cTn>
-                        </p:par>
-                      </p:childTnLst>
-                    </p:cTn>
-                  </p:par>
-                </p:childTnLst>
-              </p:cTn>
-              <p:prevCondLst>
-                <p:cond evt="onPrev" delay="0">
-                  <p:tgtEl>
-                    <p:sldTgt/>
-                  </p:tgtEl>
-                </p:cond>
-              </p:prevCondLst>
-              <p:nextCondLst>
-                <p:cond evt="onNext" delay="0">
-                  <p:tgtEl>
-                    <p:sldTgt/>
-                  </p:tgtEl>
-                </p:cond>
-              </p:nextCondLst>
-            </p:seq>
-          </p:childTnLst>
-        </p:cTn>
-      </p:par>
-    </p:tnLst>
-  </p:timing>
-</p:sld>
-</file>
-
-<file path=ppt/slides/slide14.xml><?xml version="1.0" encoding="utf-8"?>
-<p:sld xmlns:a="http://schemas.openxmlformats.org/drawingml/2006/main" xmlns:r="http://schemas.openxmlformats.org/officeDocument/2006/relationships" xmlns:p="http://schemas.openxmlformats.org/presentationml/2006/main">
-  <p:cSld>
-    <p:spTree>
-      <p:nvGrpSpPr>
-        <p:cNvPr id="1" name=""/>
-        <p:cNvGrpSpPr/>
-        <p:nvPr/>
-      </p:nvGrpSpPr>
-      <p:grpSpPr>
-        <a:xfrm>
-          <a:off x="0" y="0"/>
-          <a:ext cx="0" cy="0"/>
-          <a:chOff x="0" y="0"/>
-          <a:chExt cx="0" cy="0"/>
-        </a:xfrm>
-      </p:grpSpPr>
-      <p:sp>
-        <p:nvSpPr>
-          <p:cNvPr id="2" name="Title 1">
-            <a:extLst>
-              <a:ext uri="{FF2B5EF4-FFF2-40B4-BE49-F238E27FC236}">
-                <a16:creationId xmlns:a16="http://schemas.microsoft.com/office/drawing/2014/main" id="{588A0D25-CE94-62E6-3D13-8646C7292AD3}"/>
-              </a:ext>
-            </a:extLst>
-          </p:cNvPr>
-          <p:cNvSpPr>
-            <a:spLocks noGrp="1"/>
-          </p:cNvSpPr>
-          <p:nvPr>
-            <p:ph type="title"/>
-          </p:nvPr>
-        </p:nvSpPr>
-        <p:spPr/>
-        <p:txBody>
-          <a:bodyPr/>
-          <a:lstStyle/>
-          <a:p>
-            <a:r>
-              <a:rPr lang="en-US" b="1" dirty="0"/>
-              <a:t>Data Visualization</a:t>
-            </a:r>
-            <a:endParaRPr lang="en-US" dirty="0"/>
-          </a:p>
-        </p:txBody>
-      </p:sp>
-      <p:sp>
-        <p:nvSpPr>
-          <p:cNvPr id="3" name="Content Placeholder 2">
-            <a:extLst>
-              <a:ext uri="{FF2B5EF4-FFF2-40B4-BE49-F238E27FC236}">
-                <a16:creationId xmlns:a16="http://schemas.microsoft.com/office/drawing/2014/main" id="{DEFF6F3F-2BD2-3D76-1483-072534DC4B24}"/>
-              </a:ext>
-            </a:extLst>
-          </p:cNvPr>
-          <p:cNvSpPr>
-            <a:spLocks noGrp="1"/>
-          </p:cNvSpPr>
-          <p:nvPr>
-            <p:ph idx="1"/>
-          </p:nvPr>
-        </p:nvSpPr>
-        <p:spPr/>
-        <p:txBody>
-          <a:bodyPr/>
-          <a:lstStyle/>
           <a:p>
             <a:r>
               <a:rPr lang="en-US" b="1" dirty="0">
@@ -16102,85 +15589,57 @@
                   <a:schemeClr val="accent1"/>
                 </a:solidFill>
               </a:rPr>
-              <a:t>Correlation between streaming Music and Covid-19</a:t>
+              <a:t>This graph shows the trend music streaming took from January 1</a:t>
             </a:r>
-          </a:p>
-        </p:txBody>
-      </p:sp>
-      <p:pic>
-        <p:nvPicPr>
-          <p:cNvPr id="7" name="Picture 6">
-            <a:extLst>
-              <a:ext uri="{FF2B5EF4-FFF2-40B4-BE49-F238E27FC236}">
-                <a16:creationId xmlns:a16="http://schemas.microsoft.com/office/drawing/2014/main" id="{D2C1CE95-5A5E-4483-C967-3CFC6EC02F4C}"/>
-              </a:ext>
-            </a:extLst>
-          </p:cNvPr>
-          <p:cNvPicPr>
-            <a:picLocks noChangeAspect="1"/>
-          </p:cNvPicPr>
-          <p:nvPr/>
-        </p:nvPicPr>
-        <p:blipFill>
-          <a:blip r:embed="rId2">
-            <a:extLst>
-              <a:ext uri="{28A0092B-C50C-407E-A947-70E740481C1C}">
-                <a14:useLocalDpi xmlns:a14="http://schemas.microsoft.com/office/drawing/2010/main" val="0"/>
-              </a:ext>
-            </a:extLst>
-          </a:blip>
-          <a:stretch>
-            <a:fillRect/>
-          </a:stretch>
-        </p:blipFill>
-        <p:spPr>
-          <a:xfrm>
-            <a:off x="5023948" y="2902348"/>
-            <a:ext cx="4395474" cy="3192275"/>
-          </a:xfrm>
-          <a:prstGeom prst="rect">
-            <a:avLst/>
-          </a:prstGeom>
-        </p:spPr>
-      </p:pic>
-      <p:sp>
-        <p:nvSpPr>
-          <p:cNvPr id="8" name="TextBox 7">
-            <a:extLst>
-              <a:ext uri="{FF2B5EF4-FFF2-40B4-BE49-F238E27FC236}">
-                <a16:creationId xmlns:a16="http://schemas.microsoft.com/office/drawing/2014/main" id="{340B037A-6903-1328-9D09-A859B1318736}"/>
-              </a:ext>
-            </a:extLst>
-          </p:cNvPr>
-          <p:cNvSpPr txBox="1"/>
-          <p:nvPr/>
-        </p:nvSpPr>
-        <p:spPr>
-          <a:xfrm>
-            <a:off x="1154954" y="6019800"/>
-            <a:ext cx="8264468" cy="923330"/>
-          </a:xfrm>
-          <a:prstGeom prst="rect">
-            <a:avLst/>
-          </a:prstGeom>
-          <a:noFill/>
-        </p:spPr>
-        <p:txBody>
-          <a:bodyPr wrap="square" rtlCol="0">
-            <a:spAutoFit/>
-          </a:bodyPr>
-          <a:lstStyle/>
-          <a:p>
             <a:r>
-              <a:rPr lang="en-US" dirty="0"/>
-              <a:t>This graph shows the trend the music streaming took from 2017 – 2021</a:t>
+              <a:rPr lang="en-US" b="1" baseline="30000" dirty="0">
+                <a:solidFill>
+                  <a:schemeClr val="accent1"/>
+                </a:solidFill>
+              </a:rPr>
+              <a:t>st, </a:t>
             </a:r>
-          </a:p>
-          <a:p>
             <a:r>
-              <a:rPr lang="en-US" dirty="0"/>
+              <a:rPr lang="en-US" b="1" dirty="0">
+                <a:solidFill>
+                  <a:schemeClr val="accent1"/>
+                </a:solidFill>
+              </a:rPr>
+              <a:t>2017 to July 17</a:t>
+            </a:r>
+            <a:r>
+              <a:rPr lang="en-US" b="1" baseline="30000" dirty="0">
+                <a:solidFill>
+                  <a:schemeClr val="accent1"/>
+                </a:solidFill>
+              </a:rPr>
+              <a:t>th, </a:t>
+            </a:r>
+            <a:r>
+              <a:rPr lang="en-US" b="1" dirty="0">
+                <a:solidFill>
+                  <a:schemeClr val="accent1"/>
+                </a:solidFill>
+              </a:rPr>
+              <a:t>2021</a:t>
+            </a:r>
+          </a:p>
+          <a:p>
+            <a:r>
+              <a:rPr lang="en-US" b="1" dirty="0">
+                <a:solidFill>
+                  <a:schemeClr val="accent1"/>
+                </a:solidFill>
+              </a:rPr>
               <a:t>There is a positive correlation between music streamed and covid 19 era.</a:t>
             </a:r>
+          </a:p>
+          <a:p>
+            <a:endParaRPr lang="en-US" b="1" dirty="0">
+              <a:solidFill>
+                <a:schemeClr val="accent1"/>
+              </a:solidFill>
+            </a:endParaRPr>
           </a:p>
         </p:txBody>
       </p:sp>
@@ -16198,22 +15657,21 @@
           </p:cNvPicPr>
           <p:nvPr/>
         </p:nvPicPr>
-        <p:blipFill>
-          <a:blip r:embed="rId3">
+        <p:blipFill rotWithShape="1">
+          <a:blip r:embed="rId2">
             <a:extLst>
               <a:ext uri="{28A0092B-C50C-407E-A947-70E740481C1C}">
                 <a14:useLocalDpi xmlns:a14="http://schemas.microsoft.com/office/drawing/2010/main" val="0"/>
               </a:ext>
             </a:extLst>
           </a:blip>
-          <a:stretch>
-            <a:fillRect/>
-          </a:stretch>
+          <a:srcRect l="4416" t="5042" r="3962"/>
+          <a:stretch/>
         </p:blipFill>
         <p:spPr>
           <a:xfrm>
-            <a:off x="1028736" y="2902348"/>
-            <a:ext cx="4121431" cy="3091073"/>
+            <a:off x="6096000" y="2260110"/>
+            <a:ext cx="5558900" cy="4321003"/>
           </a:xfrm>
           <a:prstGeom prst="rect">
             <a:avLst/>
@@ -16332,97 +15790,6 @@
                       </p:childTnLst>
                     </p:cTn>
                   </p:par>
-                  <p:par>
-                    <p:cTn id="9" fill="hold">
-                      <p:stCondLst>
-                        <p:cond delay="indefinite"/>
-                      </p:stCondLst>
-                      <p:childTnLst>
-                        <p:par>
-                          <p:cTn id="10" fill="hold">
-                            <p:stCondLst>
-                              <p:cond delay="0"/>
-                            </p:stCondLst>
-                            <p:childTnLst>
-                              <p:par>
-                                <p:cTn id="11" presetID="2" presetClass="entr" presetSubtype="4" fill="hold" nodeType="clickEffect">
-                                  <p:stCondLst>
-                                    <p:cond delay="0"/>
-                                  </p:stCondLst>
-                                  <p:childTnLst>
-                                    <p:set>
-                                      <p:cBhvr>
-                                        <p:cTn id="12" dur="1" fill="hold">
-                                          <p:stCondLst>
-                                            <p:cond delay="0"/>
-                                          </p:stCondLst>
-                                        </p:cTn>
-                                        <p:tgtEl>
-                                          <p:spTgt spid="7"/>
-                                        </p:tgtEl>
-                                        <p:attrNameLst>
-                                          <p:attrName>style.visibility</p:attrName>
-                                        </p:attrNameLst>
-                                      </p:cBhvr>
-                                      <p:to>
-                                        <p:strVal val="visible"/>
-                                      </p:to>
-                                    </p:set>
-                                    <p:anim calcmode="lin" valueType="num">
-                                      <p:cBhvr additive="base">
-                                        <p:cTn id="13" dur="500" fill="hold"/>
-                                        <p:tgtEl>
-                                          <p:spTgt spid="7"/>
-                                        </p:tgtEl>
-                                        <p:attrNameLst>
-                                          <p:attrName>ppt_x</p:attrName>
-                                        </p:attrNameLst>
-                                      </p:cBhvr>
-                                      <p:tavLst>
-                                        <p:tav tm="0">
-                                          <p:val>
-                                            <p:strVal val="#ppt_x"/>
-                                          </p:val>
-                                        </p:tav>
-                                        <p:tav tm="100000">
-                                          <p:val>
-                                            <p:strVal val="#ppt_x"/>
-                                          </p:val>
-                                        </p:tav>
-                                      </p:tavLst>
-                                    </p:anim>
-                                    <p:anim calcmode="lin" valueType="num">
-                                      <p:cBhvr additive="base">
-                                        <p:cTn id="14" dur="500" fill="hold"/>
-                                        <p:tgtEl>
-                                          <p:spTgt spid="7"/>
-                                        </p:tgtEl>
-                                        <p:attrNameLst>
-                                          <p:attrName>ppt_y</p:attrName>
-                                        </p:attrNameLst>
-                                      </p:cBhvr>
-                                      <p:tavLst>
-                                        <p:tav tm="0">
-                                          <p:val>
-                                            <p:strVal val="1+#ppt_h/2"/>
-                                          </p:val>
-                                        </p:tav>
-                                        <p:tav tm="100000">
-                                          <p:val>
-                                            <p:strVal val="#ppt_y"/>
-                                          </p:val>
-                                        </p:tav>
-                                      </p:tavLst>
-                                    </p:anim>
-                                  </p:childTnLst>
-                                </p:cTn>
-                              </p:par>
-                            </p:childTnLst>
-                          </p:cTn>
-                        </p:par>
-                      </p:childTnLst>
-                    </p:cTn>
-                  </p:par>
                 </p:childTnLst>
               </p:cTn>
               <p:prevCondLst>
@@ -16448,7 +15815,7 @@
 </p:sld>
 </file>
 
-<file path=ppt/slides/slide15.xml><?xml version="1.0" encoding="utf-8"?>
+<file path=ppt/slides/slide14.xml><?xml version="1.0" encoding="utf-8"?>
 <p:sld xmlns:a="http://schemas.openxmlformats.org/drawingml/2006/main" xmlns:r="http://schemas.openxmlformats.org/officeDocument/2006/relationships" xmlns:p="http://schemas.openxmlformats.org/presentationml/2006/main">
   <p:cSld>
     <p:spTree>
@@ -16465,40 +15832,6 @@
           <a:chExt cx="0" cy="0"/>
         </a:xfrm>
       </p:grpSpPr>
-      <p:sp>
-        <p:nvSpPr>
-          <p:cNvPr id="2" name="Title 1">
-            <a:extLst>
-              <a:ext uri="{FF2B5EF4-FFF2-40B4-BE49-F238E27FC236}">
-                <a16:creationId xmlns:a16="http://schemas.microsoft.com/office/drawing/2014/main" id="{588A0D25-CE94-62E6-3D13-8646C7292AD3}"/>
-              </a:ext>
-            </a:extLst>
-          </p:cNvPr>
-          <p:cNvSpPr>
-            <a:spLocks noGrp="1"/>
-          </p:cNvSpPr>
-          <p:nvPr>
-            <p:ph type="title"/>
-          </p:nvPr>
-        </p:nvSpPr>
-        <p:spPr>
-          <a:xfrm>
-            <a:off x="492481" y="431244"/>
-            <a:ext cx="8761413" cy="706964"/>
-          </a:xfrm>
-        </p:spPr>
-        <p:txBody>
-          <a:bodyPr/>
-          <a:lstStyle/>
-          <a:p>
-            <a:r>
-              <a:rPr lang="en-US" b="1" dirty="0"/>
-              <a:t>Data Visualization</a:t>
-            </a:r>
-            <a:endParaRPr lang="en-US" dirty="0"/>
-          </a:p>
-        </p:txBody>
-      </p:sp>
       <p:sp>
         <p:nvSpPr>
           <p:cNvPr id="3" name="Content Placeholder 2">
@@ -16649,9 +15982,7 @@
             <a:avLst/>
           </a:prstGeom>
           <a:ln>
-            <a:solidFill>
-              <a:srgbClr val="B31166"/>
-            </a:solidFill>
+            <a:noFill/>
           </a:ln>
         </p:spPr>
       </p:pic>
@@ -16689,9 +16020,7 @@
             <a:avLst/>
           </a:prstGeom>
           <a:ln>
-            <a:solidFill>
-              <a:srgbClr val="B31166"/>
-            </a:solidFill>
+            <a:noFill/>
           </a:ln>
         </p:spPr>
       </p:pic>
@@ -16729,9 +16058,7 @@
             <a:avLst/>
           </a:prstGeom>
           <a:ln>
-            <a:solidFill>
-              <a:srgbClr val="B31166"/>
-            </a:solidFill>
+            <a:noFill/>
           </a:ln>
         </p:spPr>
       </p:pic>
@@ -16778,6 +16105,113 @@
           </a:fontRef>
         </p:style>
       </p:cxnSp>
+      <p:sp>
+        <p:nvSpPr>
+          <p:cNvPr id="4" name="Title 1">
+            <a:extLst>
+              <a:ext uri="{FF2B5EF4-FFF2-40B4-BE49-F238E27FC236}">
+                <a16:creationId xmlns:a16="http://schemas.microsoft.com/office/drawing/2014/main" id="{7A0A1151-4F76-572C-BC31-25A3B8AD3BF6}"/>
+              </a:ext>
+            </a:extLst>
+          </p:cNvPr>
+          <p:cNvSpPr txBox="1">
+            <a:spLocks/>
+          </p:cNvSpPr>
+          <p:nvPr/>
+        </p:nvSpPr>
+        <p:spPr bwMode="gray">
+          <a:xfrm>
+            <a:off x="697757" y="660401"/>
+            <a:ext cx="8761413" cy="706964"/>
+          </a:xfrm>
+          <a:prstGeom prst="rect">
+            <a:avLst/>
+          </a:prstGeom>
+        </p:spPr>
+        <p:txBody>
+          <a:bodyPr vert="horz" lIns="91440" tIns="45720" rIns="91440" bIns="45720" rtlCol="0" anchor="ctr">
+            <a:noAutofit/>
+          </a:bodyPr>
+          <a:lstStyle>
+            <a:lvl1pPr algn="l" defTabSz="457200" rtl="0" eaLnBrk="1" latinLnBrk="0" hangingPunct="1">
+              <a:spcBef>
+                <a:spcPct val="0"/>
+              </a:spcBef>
+              <a:buNone/>
+              <a:defRPr sz="3600" b="0" i="0" kern="1200">
+                <a:solidFill>
+                  <a:schemeClr val="bg2"/>
+                </a:solidFill>
+                <a:latin typeface="+mj-lt"/>
+                <a:ea typeface="+mj-ea"/>
+                <a:cs typeface="+mj-cs"/>
+              </a:defRPr>
+            </a:lvl1pPr>
+            <a:lvl2pPr eaLnBrk="1" hangingPunct="1">
+              <a:defRPr>
+                <a:solidFill>
+                  <a:schemeClr val="tx2"/>
+                </a:solidFill>
+              </a:defRPr>
+            </a:lvl2pPr>
+            <a:lvl3pPr eaLnBrk="1" hangingPunct="1">
+              <a:defRPr>
+                <a:solidFill>
+                  <a:schemeClr val="tx2"/>
+                </a:solidFill>
+              </a:defRPr>
+            </a:lvl3pPr>
+            <a:lvl4pPr eaLnBrk="1" hangingPunct="1">
+              <a:defRPr>
+                <a:solidFill>
+                  <a:schemeClr val="tx2"/>
+                </a:solidFill>
+              </a:defRPr>
+            </a:lvl4pPr>
+            <a:lvl5pPr eaLnBrk="1" hangingPunct="1">
+              <a:defRPr>
+                <a:solidFill>
+                  <a:schemeClr val="tx2"/>
+                </a:solidFill>
+              </a:defRPr>
+            </a:lvl5pPr>
+            <a:lvl6pPr eaLnBrk="1" hangingPunct="1">
+              <a:defRPr>
+                <a:solidFill>
+                  <a:schemeClr val="tx2"/>
+                </a:solidFill>
+              </a:defRPr>
+            </a:lvl6pPr>
+            <a:lvl7pPr eaLnBrk="1" hangingPunct="1">
+              <a:defRPr>
+                <a:solidFill>
+                  <a:schemeClr val="tx2"/>
+                </a:solidFill>
+              </a:defRPr>
+            </a:lvl7pPr>
+            <a:lvl8pPr eaLnBrk="1" hangingPunct="1">
+              <a:defRPr>
+                <a:solidFill>
+                  <a:schemeClr val="tx2"/>
+                </a:solidFill>
+              </a:defRPr>
+            </a:lvl8pPr>
+            <a:lvl9pPr eaLnBrk="1" hangingPunct="1">
+              <a:defRPr>
+                <a:solidFill>
+                  <a:schemeClr val="tx2"/>
+                </a:solidFill>
+              </a:defRPr>
+            </a:lvl9pPr>
+          </a:lstStyle>
+          <a:p>
+            <a:r>
+              <a:rPr lang="en-US" sz="3200" b="1" dirty="0"/>
+              <a:t>Data Visualization - Tempo</a:t>
+            </a:r>
+          </a:p>
+        </p:txBody>
+      </p:sp>
     </p:spTree>
     <p:extLst>
       <p:ext uri="{BB962C8B-B14F-4D97-AF65-F5344CB8AC3E}">
@@ -16791,7 +16225,7 @@
 </p:sld>
 </file>
 
-<file path=ppt/slides/slide16.xml><?xml version="1.0" encoding="utf-8"?>
+<file path=ppt/slides/slide15.xml><?xml version="1.0" encoding="utf-8"?>
 <p:sld xmlns:a="http://schemas.openxmlformats.org/drawingml/2006/main" xmlns:r="http://schemas.openxmlformats.org/officeDocument/2006/relationships" xmlns:p="http://schemas.openxmlformats.org/presentationml/2006/main">
   <p:cSld>
     <p:spTree>
@@ -16808,40 +16242,6 @@
           <a:chExt cx="0" cy="0"/>
         </a:xfrm>
       </p:grpSpPr>
-      <p:sp>
-        <p:nvSpPr>
-          <p:cNvPr id="2" name="Title 1">
-            <a:extLst>
-              <a:ext uri="{FF2B5EF4-FFF2-40B4-BE49-F238E27FC236}">
-                <a16:creationId xmlns:a16="http://schemas.microsoft.com/office/drawing/2014/main" id="{588A0D25-CE94-62E6-3D13-8646C7292AD3}"/>
-              </a:ext>
-            </a:extLst>
-          </p:cNvPr>
-          <p:cNvSpPr>
-            <a:spLocks noGrp="1"/>
-          </p:cNvSpPr>
-          <p:nvPr>
-            <p:ph type="title"/>
-          </p:nvPr>
-        </p:nvSpPr>
-        <p:spPr>
-          <a:xfrm>
-            <a:off x="469154" y="448731"/>
-            <a:ext cx="8761413" cy="706964"/>
-          </a:xfrm>
-        </p:spPr>
-        <p:txBody>
-          <a:bodyPr/>
-          <a:lstStyle/>
-          <a:p>
-            <a:r>
-              <a:rPr lang="en-US" b="1" dirty="0"/>
-              <a:t>Data Visualization</a:t>
-            </a:r>
-            <a:endParaRPr lang="en-US" dirty="0"/>
-          </a:p>
-        </p:txBody>
-      </p:sp>
       <p:pic>
         <p:nvPicPr>
           <p:cNvPr id="10" name="Picture 9" descr="Chart, pie chart&#10;&#10;Description automatically generated">
@@ -16869,16 +16269,14 @@
         </p:blipFill>
         <p:spPr>
           <a:xfrm>
-            <a:off x="7987677" y="3428758"/>
+            <a:off x="7987677" y="3429000"/>
             <a:ext cx="4067630" cy="3289995"/>
           </a:xfrm>
           <a:prstGeom prst="rect">
             <a:avLst/>
           </a:prstGeom>
           <a:ln>
-            <a:solidFill>
-              <a:srgbClr val="B31166"/>
-            </a:solidFill>
+            <a:noFill/>
           </a:ln>
         </p:spPr>
       </p:pic>
@@ -16909,16 +16307,14 @@
         </p:blipFill>
         <p:spPr>
           <a:xfrm>
-            <a:off x="4264365" y="3428838"/>
+            <a:off x="4264365" y="3435437"/>
             <a:ext cx="3723312" cy="3289673"/>
           </a:xfrm>
           <a:prstGeom prst="rect">
             <a:avLst/>
           </a:prstGeom>
           <a:ln>
-            <a:solidFill>
-              <a:srgbClr val="B31166"/>
-            </a:solidFill>
+            <a:noFill/>
           </a:ln>
         </p:spPr>
       </p:pic>
@@ -16956,9 +16352,7 @@
             <a:avLst/>
           </a:prstGeom>
           <a:ln>
-            <a:solidFill>
-              <a:srgbClr val="B31166"/>
-            </a:solidFill>
+            <a:noFill/>
           </a:ln>
         </p:spPr>
       </p:pic>
@@ -17276,7 +16670,7 @@
                   <a:schemeClr val="accent1"/>
                 </a:solidFill>
               </a:rPr>
-              <a:t>Tracks with high valence sound more positive (e.g. happy, cheerful, euphoric), which tracks with low valence sound more negative (e.g. sad, depressed, angry</a:t>
+              <a:t>Tracks with high valence sound more positive (e.g., happy, cheerful, euphoric), which tracks with low valence sound more negative (e.g., sad, depressed, angry</a:t>
             </a:r>
           </a:p>
           <a:p>
@@ -17311,10 +16705,235 @@
           </a:p>
         </p:txBody>
       </p:sp>
+      <p:sp>
+        <p:nvSpPr>
+          <p:cNvPr id="3" name="Title 1">
+            <a:extLst>
+              <a:ext uri="{FF2B5EF4-FFF2-40B4-BE49-F238E27FC236}">
+                <a16:creationId xmlns:a16="http://schemas.microsoft.com/office/drawing/2014/main" id="{DDEE95AE-1D4C-B742-7EF5-494814B9AF69}"/>
+              </a:ext>
+            </a:extLst>
+          </p:cNvPr>
+          <p:cNvSpPr txBox="1">
+            <a:spLocks/>
+          </p:cNvSpPr>
+          <p:nvPr/>
+        </p:nvSpPr>
+        <p:spPr bwMode="gray">
+          <a:xfrm>
+            <a:off x="697757" y="660401"/>
+            <a:ext cx="8761413" cy="706964"/>
+          </a:xfrm>
+          <a:prstGeom prst="rect">
+            <a:avLst/>
+          </a:prstGeom>
+        </p:spPr>
+        <p:txBody>
+          <a:bodyPr vert="horz" lIns="91440" tIns="45720" rIns="91440" bIns="45720" rtlCol="0" anchor="ctr">
+            <a:noAutofit/>
+          </a:bodyPr>
+          <a:lstStyle>
+            <a:lvl1pPr algn="l" defTabSz="457200" rtl="0" eaLnBrk="1" latinLnBrk="0" hangingPunct="1">
+              <a:spcBef>
+                <a:spcPct val="0"/>
+              </a:spcBef>
+              <a:buNone/>
+              <a:defRPr sz="3600" b="0" i="0" kern="1200">
+                <a:solidFill>
+                  <a:schemeClr val="bg2"/>
+                </a:solidFill>
+                <a:latin typeface="+mj-lt"/>
+                <a:ea typeface="+mj-ea"/>
+                <a:cs typeface="+mj-cs"/>
+              </a:defRPr>
+            </a:lvl1pPr>
+            <a:lvl2pPr eaLnBrk="1" hangingPunct="1">
+              <a:defRPr>
+                <a:solidFill>
+                  <a:schemeClr val="tx2"/>
+                </a:solidFill>
+              </a:defRPr>
+            </a:lvl2pPr>
+            <a:lvl3pPr eaLnBrk="1" hangingPunct="1">
+              <a:defRPr>
+                <a:solidFill>
+                  <a:schemeClr val="tx2"/>
+                </a:solidFill>
+              </a:defRPr>
+            </a:lvl3pPr>
+            <a:lvl4pPr eaLnBrk="1" hangingPunct="1">
+              <a:defRPr>
+                <a:solidFill>
+                  <a:schemeClr val="tx2"/>
+                </a:solidFill>
+              </a:defRPr>
+            </a:lvl4pPr>
+            <a:lvl5pPr eaLnBrk="1" hangingPunct="1">
+              <a:defRPr>
+                <a:solidFill>
+                  <a:schemeClr val="tx2"/>
+                </a:solidFill>
+              </a:defRPr>
+            </a:lvl5pPr>
+            <a:lvl6pPr eaLnBrk="1" hangingPunct="1">
+              <a:defRPr>
+                <a:solidFill>
+                  <a:schemeClr val="tx2"/>
+                </a:solidFill>
+              </a:defRPr>
+            </a:lvl6pPr>
+            <a:lvl7pPr eaLnBrk="1" hangingPunct="1">
+              <a:defRPr>
+                <a:solidFill>
+                  <a:schemeClr val="tx2"/>
+                </a:solidFill>
+              </a:defRPr>
+            </a:lvl7pPr>
+            <a:lvl8pPr eaLnBrk="1" hangingPunct="1">
+              <a:defRPr>
+                <a:solidFill>
+                  <a:schemeClr val="tx2"/>
+                </a:solidFill>
+              </a:defRPr>
+            </a:lvl8pPr>
+            <a:lvl9pPr eaLnBrk="1" hangingPunct="1">
+              <a:defRPr>
+                <a:solidFill>
+                  <a:schemeClr val="tx2"/>
+                </a:solidFill>
+              </a:defRPr>
+            </a:lvl9pPr>
+          </a:lstStyle>
+          <a:p>
+            <a:r>
+              <a:rPr lang="en-US" sz="3200" b="1" dirty="0"/>
+              <a:t>Data Visualization - Valence</a:t>
+            </a:r>
+          </a:p>
+        </p:txBody>
+      </p:sp>
     </p:spTree>
     <p:extLst>
       <p:ext uri="{BB962C8B-B14F-4D97-AF65-F5344CB8AC3E}">
         <p14:creationId xmlns:p14="http://schemas.microsoft.com/office/powerpoint/2010/main" val="307832111"/>
+      </p:ext>
+    </p:extLst>
+  </p:cSld>
+  <p:clrMapOvr>
+    <a:masterClrMapping/>
+  </p:clrMapOvr>
+</p:sld>
+</file>
+
+<file path=ppt/slides/slide16.xml><?xml version="1.0" encoding="utf-8"?>
+<p:sld xmlns:a="http://schemas.openxmlformats.org/drawingml/2006/main" xmlns:r="http://schemas.openxmlformats.org/officeDocument/2006/relationships" xmlns:p="http://schemas.openxmlformats.org/presentationml/2006/main">
+  <p:cSld>
+    <p:spTree>
+      <p:nvGrpSpPr>
+        <p:cNvPr id="1" name=""/>
+        <p:cNvGrpSpPr/>
+        <p:nvPr/>
+      </p:nvGrpSpPr>
+      <p:grpSpPr>
+        <a:xfrm>
+          <a:off x="0" y="0"/>
+          <a:ext cx="0" cy="0"/>
+          <a:chOff x="0" y="0"/>
+          <a:chExt cx="0" cy="0"/>
+        </a:xfrm>
+      </p:grpSpPr>
+      <p:sp>
+        <p:nvSpPr>
+          <p:cNvPr id="2" name="Title 1">
+            <a:extLst>
+              <a:ext uri="{FF2B5EF4-FFF2-40B4-BE49-F238E27FC236}">
+                <a16:creationId xmlns:a16="http://schemas.microsoft.com/office/drawing/2014/main" id="{0EEB2409-D050-F465-C6F9-59D88F1B3F3D}"/>
+              </a:ext>
+            </a:extLst>
+          </p:cNvPr>
+          <p:cNvSpPr>
+            <a:spLocks noGrp="1"/>
+          </p:cNvSpPr>
+          <p:nvPr>
+            <p:ph type="title"/>
+          </p:nvPr>
+        </p:nvSpPr>
+        <p:spPr/>
+        <p:txBody>
+          <a:bodyPr/>
+          <a:lstStyle/>
+          <a:p>
+            <a:r>
+              <a:rPr lang="en-US" b="1" dirty="0"/>
+              <a:t>Conclusion:</a:t>
+            </a:r>
+          </a:p>
+        </p:txBody>
+      </p:sp>
+      <p:sp>
+        <p:nvSpPr>
+          <p:cNvPr id="3" name="Content Placeholder 2">
+            <a:extLst>
+              <a:ext uri="{FF2B5EF4-FFF2-40B4-BE49-F238E27FC236}">
+                <a16:creationId xmlns:a16="http://schemas.microsoft.com/office/drawing/2014/main" id="{C0724DEB-C625-E1C3-5BFB-DD4D95847726}"/>
+              </a:ext>
+            </a:extLst>
+          </p:cNvPr>
+          <p:cNvSpPr>
+            <a:spLocks noGrp="1"/>
+          </p:cNvSpPr>
+          <p:nvPr>
+            <p:ph idx="1"/>
+          </p:nvPr>
+        </p:nvSpPr>
+        <p:spPr>
+          <a:xfrm>
+            <a:off x="994087" y="2755900"/>
+            <a:ext cx="10359713" cy="2484967"/>
+          </a:xfrm>
+        </p:spPr>
+        <p:txBody>
+          <a:bodyPr>
+            <a:normAutofit/>
+          </a:bodyPr>
+          <a:lstStyle/>
+          <a:p>
+            <a:pPr marL="0" indent="0" algn="ctr">
+              <a:buNone/>
+            </a:pPr>
+            <a:r>
+              <a:rPr lang="en-US" sz="3600" b="1" i="0" dirty="0">
+                <a:solidFill>
+                  <a:schemeClr val="accent1"/>
+                </a:solidFill>
+                <a:effectLst/>
+                <a:latin typeface="-apple-system"/>
+              </a:rPr>
+              <a:t>“After the review of the statistical data, we conclude that there was no significant change in music streaming via Spotify during and after the Covid lockdown</a:t>
+            </a:r>
+            <a:r>
+              <a:rPr lang="en-US" sz="3600" b="1" dirty="0">
+                <a:solidFill>
+                  <a:schemeClr val="accent1"/>
+                </a:solidFill>
+                <a:latin typeface="-apple-system"/>
+              </a:rPr>
+              <a:t>.”</a:t>
+            </a:r>
+            <a:endParaRPr lang="en-US" sz="3600" b="1" i="0" dirty="0">
+              <a:solidFill>
+                <a:schemeClr val="accent1"/>
+              </a:solidFill>
+              <a:effectLst/>
+              <a:latin typeface="-apple-system"/>
+            </a:endParaRPr>
+          </a:p>
+        </p:txBody>
+      </p:sp>
+    </p:spTree>
+    <p:extLst>
+      <p:ext uri="{BB962C8B-B14F-4D97-AF65-F5344CB8AC3E}">
+        <p14:creationId xmlns:p14="http://schemas.microsoft.com/office/powerpoint/2010/main" val="375227820"/>
       </p:ext>
     </p:extLst>
   </p:cSld>
@@ -18819,41 +18438,6 @@
           </a:p>
         </p:txBody>
       </p:sp>
-      <p:sp>
-        <p:nvSpPr>
-          <p:cNvPr id="3" name="Content Placeholder 2">
-            <a:extLst>
-              <a:ext uri="{FF2B5EF4-FFF2-40B4-BE49-F238E27FC236}">
-                <a16:creationId xmlns:a16="http://schemas.microsoft.com/office/drawing/2014/main" id="{59E952C0-5DA8-84D2-F864-61A068C7F53F}"/>
-              </a:ext>
-            </a:extLst>
-          </p:cNvPr>
-          <p:cNvSpPr>
-            <a:spLocks noGrp="1"/>
-          </p:cNvSpPr>
-          <p:nvPr>
-            <p:ph idx="1"/>
-          </p:nvPr>
-        </p:nvSpPr>
-        <p:spPr>
-          <a:xfrm>
-            <a:off x="4719483" y="1063416"/>
-            <a:ext cx="6813755" cy="3204715"/>
-          </a:xfrm>
-        </p:spPr>
-        <p:txBody>
-          <a:bodyPr anchor="ctr">
-            <a:normAutofit/>
-          </a:bodyPr>
-          <a:lstStyle/>
-          <a:p>
-            <a:pPr marL="0" indent="0">
-              <a:buNone/>
-            </a:pPr>
-            <a:endParaRPr lang="en-US" dirty="0"/>
-          </a:p>
-        </p:txBody>
-      </p:sp>
       <p:pic>
         <p:nvPicPr>
           <p:cNvPr id="11" name="Graphic 10" descr="Headphones with solid fill">
@@ -19132,18 +18716,23 @@
             <p:ph idx="1"/>
           </p:nvPr>
         </p:nvSpPr>
-        <p:spPr/>
+        <p:spPr>
+          <a:xfrm>
+            <a:off x="994087" y="2755900"/>
+            <a:ext cx="10359713" cy="2484967"/>
+          </a:xfrm>
+        </p:spPr>
         <p:txBody>
           <a:bodyPr>
             <a:normAutofit/>
           </a:bodyPr>
           <a:lstStyle/>
           <a:p>
-            <a:pPr marL="0" indent="0">
+            <a:pPr marL="0" indent="0" algn="ctr">
               <a:buNone/>
             </a:pPr>
             <a:r>
-              <a:rPr lang="en-US" sz="3200" b="1" i="0" dirty="0">
+              <a:rPr lang="en-US" sz="3600" b="1" i="0" dirty="0">
                 <a:solidFill>
                   <a:schemeClr val="accent1"/>
                 </a:solidFill>
@@ -19153,7 +18742,7 @@
               <a:t>“When the world shut down </a:t>
             </a:r>
             <a:r>
-              <a:rPr lang="en-US" sz="3200" b="1" dirty="0">
+              <a:rPr lang="en-US" sz="3600" b="1" dirty="0">
                 <a:solidFill>
                   <a:schemeClr val="accent1"/>
                 </a:solidFill>
@@ -19161,7 +18750,7 @@
               </a:rPr>
               <a:t>on March 17, 2020, music consumption via the streaming platform Spotify experienced a statistically significant change.”</a:t>
             </a:r>
-            <a:endParaRPr lang="en-US" sz="3200" b="1" i="0" dirty="0">
+            <a:endParaRPr lang="en-US" sz="3600" b="1" i="0" dirty="0">
               <a:solidFill>
                 <a:schemeClr val="accent1"/>
               </a:solidFill>
@@ -19245,26 +18834,31 @@
             <p:ph idx="1"/>
           </p:nvPr>
         </p:nvSpPr>
-        <p:spPr/>
+        <p:spPr>
+          <a:xfrm>
+            <a:off x="1077010" y="2741568"/>
+            <a:ext cx="10037979" cy="3416300"/>
+          </a:xfrm>
+        </p:spPr>
         <p:txBody>
           <a:bodyPr>
-            <a:normAutofit lnSpcReduction="10000"/>
+            <a:normAutofit fontScale="92500"/>
           </a:bodyPr>
           <a:lstStyle/>
           <a:p>
             <a:r>
-              <a:rPr lang="en-US" b="1" dirty="0">
+              <a:rPr lang="en-US" sz="2000" b="1" dirty="0">
                 <a:solidFill>
                   <a:schemeClr val="accent1"/>
                 </a:solidFill>
               </a:rPr>
               <a:t>Music Data was collected from Kaggle.com (from Spotify) and the Spotify API </a:t>
             </a:r>
-            <a:endParaRPr lang="en-US" dirty="0"/>
+            <a:endParaRPr lang="en-US" sz="2000" dirty="0"/>
           </a:p>
           <a:p>
             <a:r>
-              <a:rPr lang="en-US" b="1" i="0" dirty="0">
+              <a:rPr lang="en-US" sz="2000" b="1" i="0" dirty="0">
                 <a:solidFill>
                   <a:schemeClr val="accent1"/>
                 </a:solidFill>
@@ -19276,44 +18870,34 @@
           </a:p>
           <a:p>
             <a:r>
-              <a:rPr lang="en-US" b="1" i="0" dirty="0">
+              <a:rPr lang="en-US" sz="2000" b="1" i="0" dirty="0">
                 <a:solidFill>
                   <a:schemeClr val="accent1"/>
                 </a:solidFill>
                 <a:effectLst/>
               </a:rPr>
-              <a:t>Data analysis - Exploring the relationship between the audio features of a song and how positive or negative its impact is on streaming, involving sentiment analysis and many more.</a:t>
+              <a:t>Data analysis - exploring the relationship between the audio features of a song and how positive or negative its impact is on streaming, involving sentiment analysis and many more</a:t>
             </a:r>
           </a:p>
           <a:p>
             <a:r>
-              <a:rPr lang="en-US" b="1" i="0" dirty="0">
+              <a:rPr lang="en-US" sz="2000" b="1" dirty="0">
                 <a:solidFill>
                   <a:schemeClr val="accent1"/>
                 </a:solidFill>
-                <a:effectLst/>
-                <a:latin typeface="-apple-system"/>
               </a:rPr>
-              <a:t>Use data to identify patterns and relationships between different characteristics. The activity will support in developing ability to review and interpret a dataset.</a:t>
+              <a:t>Use data to identify patterns and relationships between different characteristics. The activity will support in developing ability to review and interpret a dataset</a:t>
             </a:r>
           </a:p>
           <a:p>
             <a:r>
-              <a:rPr lang="en-US" b="1" dirty="0">
+              <a:rPr lang="en-US" sz="2000" b="1" dirty="0">
                 <a:solidFill>
                   <a:schemeClr val="accent1"/>
                 </a:solidFill>
-                <a:latin typeface="-apple-system"/>
               </a:rPr>
               <a:t>Explore if there was any impact to streaming before and after Covid</a:t>
             </a:r>
-            <a:endParaRPr lang="en-US" b="1" i="0" dirty="0">
-              <a:solidFill>
-                <a:schemeClr val="accent1"/>
-              </a:solidFill>
-              <a:effectLst/>
-              <a:latin typeface="-apple-system"/>
-            </a:endParaRPr>
           </a:p>
         </p:txBody>
       </p:sp>
@@ -19435,12 +19019,11 @@
           <a:lstStyle/>
           <a:p>
             <a:r>
-              <a:rPr lang="en-US" b="1" i="0" dirty="0">
+              <a:rPr lang="en-US" sz="1900" b="1" dirty="0">
                 <a:solidFill>
                   <a:schemeClr val="accent1"/>
                 </a:solidFill>
-                <a:effectLst/>
-                <a:latin typeface="-apple-system"/>
+                <a:latin typeface="+mj-lt"/>
               </a:rPr>
               <a:t>“Genre” was defined too broadly for comparisons</a:t>
             </a:r>
@@ -19448,11 +19031,11 @@
           <a:p>
             <a:pPr lvl="1"/>
             <a:r>
-              <a:rPr lang="en-US" b="1" dirty="0">
+              <a:rPr lang="en-US" sz="1900" b="1" dirty="0">
                 <a:solidFill>
                   <a:schemeClr val="accent1"/>
                 </a:solidFill>
-                <a:latin typeface="-apple-system"/>
+                <a:latin typeface="+mj-lt"/>
               </a:rPr>
               <a:t>Master Genre key created</a:t>
             </a:r>
@@ -19460,11 +19043,11 @@
           <a:p>
             <a:pPr lvl="1"/>
             <a:r>
-              <a:rPr lang="en-US" b="1" dirty="0">
+              <a:rPr lang="en-US" sz="1900" b="1" dirty="0">
                 <a:solidFill>
                   <a:schemeClr val="accent1"/>
                 </a:solidFill>
-                <a:latin typeface="-apple-system"/>
+                <a:latin typeface="+mj-lt"/>
               </a:rPr>
               <a:t>Column added and populated from the key</a:t>
             </a:r>
@@ -19472,12 +19055,11 @@
           <a:p>
             <a:pPr indent="-285750"/>
             <a:r>
-              <a:rPr lang="en-US" b="1" i="0" dirty="0">
+              <a:rPr lang="en-US" sz="1900" b="1" dirty="0">
                 <a:solidFill>
                   <a:schemeClr val="accent1"/>
                 </a:solidFill>
-                <a:effectLst/>
-                <a:latin typeface="-apple-system"/>
+                <a:latin typeface="+mj-lt"/>
               </a:rPr>
               <a:t>“Month” and “Year” columns added for cleaner data grouping</a:t>
             </a:r>
@@ -19485,11 +19067,11 @@
           <a:p>
             <a:pPr indent="-285750"/>
             <a:r>
-              <a:rPr lang="en-US" b="1" dirty="0">
+              <a:rPr lang="en-US" sz="1900" b="1" dirty="0">
                 <a:solidFill>
                   <a:schemeClr val="accent1"/>
                 </a:solidFill>
-                <a:latin typeface="-apple-system"/>
+                <a:latin typeface="+mj-lt"/>
               </a:rPr>
               <a:t>New csv output for analysis</a:t>
             </a:r>
@@ -19598,50 +19180,65 @@
           <a:lstStyle/>
           <a:p>
             <a:r>
-              <a:rPr lang="en-US" b="1" dirty="0">
+              <a:rPr lang="en-US" sz="2000" b="1" dirty="0">
                 <a:solidFill>
                   <a:schemeClr val="accent1"/>
                 </a:solidFill>
-                <a:latin typeface="-apple-system"/>
+                <a:latin typeface="+mj-lt"/>
               </a:rPr>
               <a:t>Matplotlib was used to display bar charts of the following </a:t>
             </a:r>
           </a:p>
           <a:p>
+            <a:pPr lvl="1"/>
             <a:r>
-              <a:rPr lang="en-US" b="1" dirty="0">
+              <a:rPr lang="en-US" sz="1800" b="1" dirty="0">
                 <a:solidFill>
                   <a:schemeClr val="accent1"/>
                 </a:solidFill>
-                <a:latin typeface="-apple-system"/>
+                <a:latin typeface="+mj-lt"/>
               </a:rPr>
-              <a:t>Streams by Genre per Year</a:t>
+              <a:t>Total Streams</a:t>
             </a:r>
           </a:p>
           <a:p>
+            <a:pPr lvl="1"/>
             <a:r>
-              <a:rPr lang="en-US" b="1" dirty="0">
+              <a:rPr lang="en-US" sz="1800" b="1" dirty="0">
                 <a:solidFill>
                   <a:schemeClr val="accent1"/>
                 </a:solidFill>
-                <a:latin typeface="-apple-system"/>
+                <a:latin typeface="+mj-lt"/>
               </a:rPr>
-              <a:t>Streams by Genre per artist and year</a:t>
+              <a:t>Streams by Genre</a:t>
             </a:r>
           </a:p>
           <a:p>
+            <a:pPr lvl="1"/>
             <a:r>
-              <a:rPr lang="en-US" b="1" dirty="0">
+              <a:rPr lang="en-US" sz="1800" b="1" dirty="0">
                 <a:solidFill>
                   <a:schemeClr val="accent1"/>
                 </a:solidFill>
-                <a:latin typeface="-apple-system"/>
+                <a:latin typeface="+mj-lt"/>
               </a:rPr>
-              <a:t>Streams by Genre </a:t>
+              <a:t>Streams by Artist</a:t>
             </a:r>
           </a:p>
           <a:p>
-            <a:endParaRPr lang="en-US" b="1" i="0" dirty="0">
+            <a:pPr lvl="1"/>
+            <a:r>
+              <a:rPr lang="en-US" sz="1800" b="1" dirty="0">
+                <a:solidFill>
+                  <a:schemeClr val="accent1"/>
+                </a:solidFill>
+                <a:latin typeface="+mj-lt"/>
+              </a:rPr>
+              <a:t>Analysis of Spotify Audio Features</a:t>
+            </a:r>
+          </a:p>
+          <a:p>
+            <a:endParaRPr lang="en-US" sz="2000" b="1" i="0" dirty="0">
               <a:solidFill>
                 <a:schemeClr val="accent1"/>
               </a:solidFill>
@@ -19710,8 +19307,11 @@
             <a:r>
               <a:rPr lang="en-US" sz="2000" b="1" dirty="0">
                 <a:solidFill>
-                  <a:schemeClr val="tx1"/>
+                  <a:schemeClr val="accent1"/>
                 </a:solidFill>
+                <a:latin typeface="+mn-lt"/>
+                <a:ea typeface="+mn-ea"/>
+                <a:cs typeface="+mn-cs"/>
               </a:rPr>
               <a:t>Data Visualization – Change in Genre by Year(2017-2021)</a:t>
             </a:r>
@@ -19748,7 +19348,7 @@
         </p:blipFill>
         <p:spPr>
           <a:xfrm>
-            <a:off x="407059" y="458437"/>
+            <a:off x="160487" y="437432"/>
             <a:ext cx="4322144" cy="3116272"/>
           </a:xfrm>
         </p:spPr>
@@ -19781,7 +19381,7 @@
         </p:blipFill>
         <p:spPr>
           <a:xfrm>
-            <a:off x="4677212" y="392601"/>
+            <a:off x="4482631" y="390843"/>
             <a:ext cx="3629095" cy="3247944"/>
           </a:xfrm>
           <a:prstGeom prst="rect">
@@ -19817,7 +19417,7 @@
         </p:blipFill>
         <p:spPr>
           <a:xfrm>
-            <a:off x="8317481" y="561820"/>
+            <a:off x="8111726" y="416111"/>
             <a:ext cx="3647181" cy="3012889"/>
           </a:xfrm>
           <a:prstGeom prst="rect">
@@ -19853,7 +19453,7 @@
         </p:blipFill>
         <p:spPr>
           <a:xfrm>
-            <a:off x="656910" y="3429000"/>
+            <a:off x="227911" y="3429000"/>
             <a:ext cx="4007463" cy="3291416"/>
           </a:xfrm>
           <a:prstGeom prst="rect">
@@ -19889,7 +19489,7 @@
         </p:blipFill>
         <p:spPr>
           <a:xfrm>
-            <a:off x="8306307" y="3477719"/>
+            <a:off x="7989567" y="3553704"/>
             <a:ext cx="3952571" cy="3242697"/>
           </a:xfrm>
           <a:prstGeom prst="rect">
@@ -19911,7 +19511,7 @@
         </p:nvSpPr>
         <p:spPr>
           <a:xfrm>
-            <a:off x="4804139" y="4007807"/>
+            <a:off x="4387842" y="3973940"/>
             <a:ext cx="3513342" cy="1477328"/>
           </a:xfrm>
           <a:prstGeom prst="rect">
@@ -19990,8 +19590,8 @@
         </p:nvSpPr>
         <p:spPr>
           <a:xfrm>
-            <a:off x="603496" y="434355"/>
-            <a:ext cx="3602102" cy="1020232"/>
+            <a:off x="603495" y="434355"/>
+            <a:ext cx="9585533" cy="1020232"/>
           </a:xfrm>
         </p:spPr>
         <p:txBody>
@@ -20006,18 +19606,9 @@
               </a:lnSpc>
             </a:pPr>
             <a:r>
-              <a:rPr lang="en-US" sz="2400" b="1" dirty="0">
-                <a:solidFill>
-                  <a:srgbClr val="FFFFFE"/>
-                </a:solidFill>
-              </a:rPr>
-              <a:t>Data Visualization – Most streamed Genre</a:t>
+              <a:rPr lang="en-US" sz="3200" b="1" dirty="0"/>
+              <a:t>Data Visualization – Most Streamed / Top Genre</a:t>
             </a:r>
-            <a:endParaRPr lang="en-US" sz="2400" dirty="0">
-              <a:solidFill>
-                <a:srgbClr val="FFFFFE"/>
-              </a:solidFill>
-            </a:endParaRPr>
           </a:p>
         </p:txBody>
       </p:sp>
@@ -20049,8 +19640,8 @@
         </p:blipFill>
         <p:spPr>
           <a:xfrm>
-            <a:off x="7777815" y="3522990"/>
-            <a:ext cx="3843027" cy="3324218"/>
+            <a:off x="6544733" y="1699124"/>
+            <a:ext cx="4276438" cy="3699118"/>
           </a:xfrm>
           <a:prstGeom prst="rect">
             <a:avLst/>
@@ -20085,8 +19676,8 @@
         </p:blipFill>
         <p:spPr>
           <a:xfrm>
-            <a:off x="7843671" y="402164"/>
-            <a:ext cx="3847606" cy="2751038"/>
+            <a:off x="1157728" y="1705913"/>
+            <a:ext cx="5115949" cy="3657903"/>
           </a:xfrm>
           <a:prstGeom prst="rect">
             <a:avLst/>
@@ -20111,83 +19702,47 @@
         </p:nvSpPr>
         <p:spPr>
           <a:xfrm>
-            <a:off x="603496" y="2671975"/>
-            <a:ext cx="3038879" cy="3347825"/>
+            <a:off x="711199" y="5398242"/>
+            <a:ext cx="10918109" cy="1459758"/>
           </a:xfrm>
         </p:spPr>
         <p:txBody>
           <a:bodyPr>
-            <a:normAutofit fontScale="92500" lnSpcReduction="20000"/>
+            <a:normAutofit/>
           </a:bodyPr>
           <a:lstStyle/>
           <a:p>
             <a:r>
               <a:rPr lang="en-US" b="1" dirty="0">
                 <a:solidFill>
-                  <a:schemeClr val="tx1"/>
+                  <a:schemeClr val="accent1"/>
                 </a:solidFill>
               </a:rPr>
-              <a:t>There was not much change in the type of music that was downloaded. Overall, across all years Pop genre is the most popular. </a:t>
+              <a:t>There was not much change in the type of music that was streamed</a:t>
             </a:r>
           </a:p>
           <a:p>
             <a:r>
               <a:rPr lang="en-US" b="1" dirty="0">
                 <a:solidFill>
-                  <a:schemeClr val="tx1"/>
+                  <a:schemeClr val="accent1"/>
                 </a:solidFill>
               </a:rPr>
-              <a:t>There was a slight Increase in Spotify streaming during Covid for all genres</a:t>
+              <a:t>Overall, across all years Pop was the most popular. </a:t>
             </a:r>
           </a:p>
           <a:p>
             <a:r>
               <a:rPr lang="en-US" b="1" dirty="0">
                 <a:solidFill>
-                  <a:schemeClr val="tx1"/>
+                  <a:schemeClr val="accent1"/>
                 </a:solidFill>
               </a:rPr>
-              <a:t>R&amp;B was the most streamed with repetitions</a:t>
+              <a:t>There was a slight increase in Spotify streaming during Covid</a:t>
             </a:r>
           </a:p>
         </p:txBody>
       </p:sp>
-      <p:pic>
-        <p:nvPicPr>
-          <p:cNvPr id="13" name="Picture 12" descr="Chart, bar chart&#10;&#10;Description automatically generated">
-            <a:extLst>
-              <a:ext uri="{FF2B5EF4-FFF2-40B4-BE49-F238E27FC236}">
-                <a16:creationId xmlns:a16="http://schemas.microsoft.com/office/drawing/2014/main" id="{D9537C61-9DFD-9D48-315A-2A2F4078F7D0}"/>
-              </a:ext>
-            </a:extLst>
-          </p:cNvPr>
-          <p:cNvPicPr>
-            <a:picLocks noChangeAspect="1"/>
-          </p:cNvPicPr>
-          <p:nvPr/>
-        </p:nvPicPr>
-        <p:blipFill>
-          <a:blip r:embed="rId4">
-            <a:extLst>
-              <a:ext uri="{28A0092B-C50C-407E-A947-70E740481C1C}">
-                <a14:useLocalDpi xmlns:a14="http://schemas.microsoft.com/office/drawing/2010/main" val="0"/>
-              </a:ext>
-            </a:extLst>
-          </a:blip>
-          <a:stretch>
-            <a:fillRect/>
-          </a:stretch>
-        </p:blipFill>
-        <p:spPr>
-          <a:xfrm>
-            <a:off x="3719764" y="2671975"/>
-            <a:ext cx="4248190" cy="2814425"/>
-          </a:xfrm>
-          <a:prstGeom prst="rect">
-            <a:avLst/>
-          </a:prstGeom>
-        </p:spPr>
-      </p:pic>
     </p:spTree>
     <p:extLst>
       <p:ext uri="{BB962C8B-B14F-4D97-AF65-F5344CB8AC3E}">
@@ -20236,13 +19791,13 @@
         </p:nvSpPr>
         <p:spPr>
           <a:xfrm>
-            <a:off x="603496" y="434355"/>
-            <a:ext cx="3602102" cy="1020232"/>
+            <a:off x="603495" y="434355"/>
+            <a:ext cx="10487292" cy="1020232"/>
           </a:xfrm>
         </p:spPr>
         <p:txBody>
           <a:bodyPr>
-            <a:normAutofit fontScale="90000"/>
+            <a:normAutofit/>
           </a:bodyPr>
           <a:lstStyle/>
           <a:p>
@@ -20252,18 +19807,9 @@
               </a:lnSpc>
             </a:pPr>
             <a:r>
-              <a:rPr lang="en-US" sz="2400" b="1" dirty="0">
-                <a:solidFill>
-                  <a:srgbClr val="FFFFFE"/>
-                </a:solidFill>
-              </a:rPr>
-              <a:t>Data Visualization – Most streamed Artist for all Genres</a:t>
+              <a:rPr lang="en-US" sz="3150" b="1" dirty="0"/>
+              <a:t>Data Visualization – Top Streamed Artists By Genre</a:t>
             </a:r>
-            <a:endParaRPr lang="en-US" sz="2400" dirty="0">
-              <a:solidFill>
-                <a:srgbClr val="FFFFFE"/>
-              </a:solidFill>
-            </a:endParaRPr>
           </a:p>
         </p:txBody>
       </p:sp>
@@ -20285,8 +19831,8 @@
         </p:nvSpPr>
         <p:spPr>
           <a:xfrm>
-            <a:off x="603496" y="2671975"/>
-            <a:ext cx="3038879" cy="3347825"/>
+            <a:off x="603495" y="5150154"/>
+            <a:ext cx="11326037" cy="1273491"/>
           </a:xfrm>
         </p:spPr>
         <p:txBody>
@@ -20296,36 +19842,37 @@
           <a:lstStyle/>
           <a:p>
             <a:r>
-              <a:rPr lang="en-US" b="1" dirty="0">
+              <a:rPr lang="en-US" sz="1900" b="1" dirty="0">
                 <a:solidFill>
-                  <a:schemeClr val="tx1"/>
+                  <a:schemeClr val="accent1"/>
                 </a:solidFill>
+                <a:latin typeface="+mj-lt"/>
               </a:rPr>
-              <a:t>Some Artists’ popularity continued into covid. One Artist Taylor Swift was Sampled.</a:t>
+              <a:t>Some artists’ popularity continued into covid</a:t>
             </a:r>
           </a:p>
           <a:p>
+            <a:pPr lvl="1"/>
             <a:r>
-              <a:rPr lang="en-US" b="1" dirty="0">
+              <a:rPr lang="en-US" sz="1700" b="1" dirty="0">
                 <a:solidFill>
-                  <a:schemeClr val="tx1"/>
+                  <a:schemeClr val="accent1"/>
                 </a:solidFill>
+                <a:latin typeface="+mj-lt"/>
               </a:rPr>
-              <a:t>Ed Sheeran was the most popular artist across all years </a:t>
+              <a:t>One artist Taylor Swift was sampled.</a:t>
             </a:r>
+          </a:p>
+          <a:p>
             <a:r>
-              <a:rPr lang="en-US" b="1">
+              <a:rPr lang="en-US" sz="1900" b="1" dirty="0">
                 <a:solidFill>
-                  <a:schemeClr val="tx1"/>
+                  <a:schemeClr val="accent1"/>
                 </a:solidFill>
+                <a:latin typeface="+mj-lt"/>
               </a:rPr>
-              <a:t>and genres</a:t>
+              <a:t>Ed Sheeran was the most popular artist across all years and genres</a:t>
             </a:r>
-            <a:endParaRPr lang="en-US" b="1" dirty="0">
-              <a:solidFill>
-                <a:schemeClr val="tx1"/>
-              </a:solidFill>
-            </a:endParaRPr>
           </a:p>
         </p:txBody>
       </p:sp>
@@ -20357,8 +19904,8 @@
         </p:blipFill>
         <p:spPr>
           <a:xfrm>
-            <a:off x="8162199" y="105171"/>
-            <a:ext cx="3426305" cy="3632551"/>
+            <a:off x="4379586" y="1454585"/>
+            <a:ext cx="3447176" cy="3654678"/>
           </a:xfrm>
           <a:prstGeom prst="rect">
             <a:avLst/>
@@ -20393,8 +19940,8 @@
         </p:blipFill>
         <p:spPr>
           <a:xfrm>
-            <a:off x="3387352" y="2969411"/>
-            <a:ext cx="4290851" cy="3260041"/>
+            <a:off x="454760" y="1454585"/>
+            <a:ext cx="3924826" cy="2981948"/>
           </a:xfrm>
           <a:prstGeom prst="rect">
             <a:avLst/>
@@ -20429,8 +19976,8 @@
         </p:blipFill>
         <p:spPr>
           <a:xfrm>
-            <a:off x="8052791" y="3521992"/>
-            <a:ext cx="3645119" cy="3632550"/>
+            <a:off x="7812415" y="1454585"/>
+            <a:ext cx="3894520" cy="3881091"/>
           </a:xfrm>
           <a:prstGeom prst="rect">
             <a:avLst/>

--- a/Music Notes 2024.pptx
+++ b/Music Notes 2024.pptx
@@ -7,21 +7,17 @@
   <p:sldIdLst>
     <p:sldId id="256" r:id="rId2"/>
     <p:sldId id="257" r:id="rId3"/>
-    <p:sldId id="262" r:id="rId4"/>
-    <p:sldId id="258" r:id="rId5"/>
+    <p:sldId id="258" r:id="rId4"/>
+    <p:sldId id="262" r:id="rId5"/>
     <p:sldId id="259" r:id="rId6"/>
-    <p:sldId id="261" r:id="rId7"/>
-    <p:sldId id="269" r:id="rId8"/>
-    <p:sldId id="271" r:id="rId9"/>
-    <p:sldId id="274" r:id="rId10"/>
-    <p:sldId id="265" r:id="rId11"/>
-    <p:sldId id="263" r:id="rId12"/>
-    <p:sldId id="264" r:id="rId13"/>
-    <p:sldId id="267" r:id="rId14"/>
-    <p:sldId id="272" r:id="rId15"/>
-    <p:sldId id="273" r:id="rId16"/>
-    <p:sldId id="275" r:id="rId17"/>
-    <p:sldId id="268" r:id="rId18"/>
+    <p:sldId id="260" r:id="rId7"/>
+    <p:sldId id="261" r:id="rId8"/>
+    <p:sldId id="265" r:id="rId9"/>
+    <p:sldId id="263" r:id="rId10"/>
+    <p:sldId id="264" r:id="rId11"/>
+    <p:sldId id="266" r:id="rId12"/>
+    <p:sldId id="267" r:id="rId13"/>
+    <p:sldId id="268" r:id="rId14"/>
   </p:sldIdLst>
   <p:sldSz cx="12192000" cy="6858000"/>
   <p:notesSz cx="6858000" cy="9144000"/>
@@ -128,35 +124,6 @@
 </p:presentation>
 </file>
 
-<file path=ppt/revisionInfo.xml><?xml version="1.0" encoding="utf-8"?>
-<p1510:revInfo xmlns:a="http://schemas.openxmlformats.org/drawingml/2006/main" xmlns:r="http://schemas.openxmlformats.org/officeDocument/2006/relationships" xmlns:p1510="http://schemas.microsoft.com/office/powerpoint/2015/10/main">
-  <p1510:revLst>
-    <p1510:client id="{4D70EC94-27F5-44CC-B7B3-A5BF47D54890}" v="2" dt="2024-01-11T16:29:49.118"/>
-  </p1510:revLst>
-</p1510:revInfo>
-</file>
-
-<file path=ppt/changesInfos/changesInfo1.xml><?xml version="1.0" encoding="utf-8"?>
-<pc:chgInfo xmlns:a="http://schemas.openxmlformats.org/drawingml/2006/main" xmlns:r="http://schemas.openxmlformats.org/officeDocument/2006/relationships" xmlns:ac="http://schemas.microsoft.com/office/drawing/2013/main/command" xmlns:pc="http://schemas.microsoft.com/office/powerpoint/2013/main/command">
-  <pc:docChgLst>
-    <pc:chgData name="Kathleen Snider-Belinski" userId="7b7f6f444275fd56" providerId="LiveId" clId="{4D70EC94-27F5-44CC-B7B3-A5BF47D54890}"/>
-    <pc:docChg chg="addSld modSld sldOrd">
-      <pc:chgData name="Kathleen Snider-Belinski" userId="7b7f6f444275fd56" providerId="LiveId" clId="{4D70EC94-27F5-44CC-B7B3-A5BF47D54890}" dt="2024-01-11T16:29:41.550" v="2"/>
-      <pc:docMkLst>
-        <pc:docMk/>
-      </pc:docMkLst>
-      <pc:sldChg chg="add ord">
-        <pc:chgData name="Kathleen Snider-Belinski" userId="7b7f6f444275fd56" providerId="LiveId" clId="{4D70EC94-27F5-44CC-B7B3-A5BF47D54890}" dt="2024-01-11T16:29:41.550" v="2"/>
-        <pc:sldMkLst>
-          <pc:docMk/>
-          <pc:sldMk cId="3417935254" sldId="272"/>
-        </pc:sldMkLst>
-      </pc:sldChg>
-    </pc:docChg>
-  </pc:docChgLst>
-</pc:chgInfo>
-</file>
-
 <file path=ppt/slideLayouts/slideLayout1.xml><?xml version="1.0" encoding="utf-8"?>
 <p:sldLayout xmlns:a="http://schemas.openxmlformats.org/drawingml/2006/main" xmlns:r="http://schemas.openxmlformats.org/officeDocument/2006/relationships" xmlns:p="http://schemas.openxmlformats.org/presentationml/2006/main" showMasterSp="0" type="title" preserve="1">
   <p:cSld name="Title Slide">
@@ -492,7 +459,7 @@
           <a:p>
             <a:fld id="{46BF4387-4A99-4F27-AD1F-80E6CBF2FC4E}" type="datetimeFigureOut">
               <a:rPr lang="en-US" smtClean="0"/>
-              <a:t>1/11/2024</a:t>
+              <a:t>1/10/24</a:t>
             </a:fld>
             <a:endParaRPr lang="en-US"/>
           </a:p>
@@ -1580,7 +1547,7 @@
           <a:p>
             <a:fld id="{46BF4387-4A99-4F27-AD1F-80E6CBF2FC4E}" type="datetimeFigureOut">
               <a:rPr lang="en-US" smtClean="0"/>
-              <a:t>1/11/2024</a:t>
+              <a:t>1/10/24</a:t>
             </a:fld>
             <a:endParaRPr lang="en-US"/>
           </a:p>
@@ -2560,7 +2527,7 @@
           <a:p>
             <a:fld id="{46BF4387-4A99-4F27-AD1F-80E6CBF2FC4E}" type="datetimeFigureOut">
               <a:rPr lang="en-US" smtClean="0"/>
-              <a:t>1/11/2024</a:t>
+              <a:t>1/10/24</a:t>
             </a:fld>
             <a:endParaRPr lang="en-US"/>
           </a:p>
@@ -3694,7 +3661,7 @@
           <a:p>
             <a:fld id="{46BF4387-4A99-4F27-AD1F-80E6CBF2FC4E}" type="datetimeFigureOut">
               <a:rPr lang="en-US" smtClean="0"/>
-              <a:t>1/11/2024</a:t>
+              <a:t>1/10/24</a:t>
             </a:fld>
             <a:endParaRPr lang="en-US"/>
           </a:p>
@@ -4727,7 +4694,7 @@
           <a:p>
             <a:fld id="{46BF4387-4A99-4F27-AD1F-80E6CBF2FC4E}" type="datetimeFigureOut">
               <a:rPr lang="en-US" smtClean="0"/>
-              <a:t>1/11/2024</a:t>
+              <a:t>1/10/24</a:t>
             </a:fld>
             <a:endParaRPr lang="en-US"/>
           </a:p>
@@ -5387,7 +5354,7 @@
           <a:p>
             <a:fld id="{46BF4387-4A99-4F27-AD1F-80E6CBF2FC4E}" type="datetimeFigureOut">
               <a:rPr lang="en-US" smtClean="0"/>
-              <a:t>1/11/2024</a:t>
+              <a:t>1/10/24</a:t>
             </a:fld>
             <a:endParaRPr lang="en-US"/>
           </a:p>
@@ -6248,7 +6215,7 @@
           <a:p>
             <a:fld id="{46BF4387-4A99-4F27-AD1F-80E6CBF2FC4E}" type="datetimeFigureOut">
               <a:rPr lang="en-US" smtClean="0"/>
-              <a:t>1/11/2024</a:t>
+              <a:t>1/10/24</a:t>
             </a:fld>
             <a:endParaRPr lang="en-US"/>
           </a:p>
@@ -6438,7 +6405,7 @@
           <a:p>
             <a:fld id="{46BF4387-4A99-4F27-AD1F-80E6CBF2FC4E}" type="datetimeFigureOut">
               <a:rPr lang="en-US" smtClean="0"/>
-              <a:t>1/11/2024</a:t>
+              <a:t>1/10/24</a:t>
             </a:fld>
             <a:endParaRPr lang="en-US"/>
           </a:p>
@@ -7410,7 +7377,7 @@
           <a:p>
             <a:fld id="{46BF4387-4A99-4F27-AD1F-80E6CBF2FC4E}" type="datetimeFigureOut">
               <a:rPr lang="en-US" smtClean="0"/>
-              <a:t>1/11/2024</a:t>
+              <a:t>1/10/24</a:t>
             </a:fld>
             <a:endParaRPr lang="en-US"/>
           </a:p>
@@ -7621,7 +7588,7 @@
           <a:p>
             <a:fld id="{46BF4387-4A99-4F27-AD1F-80E6CBF2FC4E}" type="datetimeFigureOut">
               <a:rPr lang="en-US" smtClean="0"/>
-              <a:t>1/11/2024</a:t>
+              <a:t>1/10/24</a:t>
             </a:fld>
             <a:endParaRPr lang="en-US"/>
           </a:p>
@@ -8655,7 +8622,7 @@
           <a:p>
             <a:fld id="{46BF4387-4A99-4F27-AD1F-80E6CBF2FC4E}" type="datetimeFigureOut">
               <a:rPr lang="en-US" smtClean="0"/>
-              <a:t>1/11/2024</a:t>
+              <a:t>1/10/24</a:t>
             </a:fld>
             <a:endParaRPr lang="en-US"/>
           </a:p>
@@ -8927,7 +8894,7 @@
           <a:p>
             <a:fld id="{46BF4387-4A99-4F27-AD1F-80E6CBF2FC4E}" type="datetimeFigureOut">
               <a:rPr lang="en-US" smtClean="0"/>
-              <a:t>1/11/2024</a:t>
+              <a:t>1/10/24</a:t>
             </a:fld>
             <a:endParaRPr lang="en-US"/>
           </a:p>
@@ -9337,7 +9304,7 @@
           <a:p>
             <a:fld id="{46BF4387-4A99-4F27-AD1F-80E6CBF2FC4E}" type="datetimeFigureOut">
               <a:rPr lang="en-US" smtClean="0"/>
-              <a:t>1/11/2024</a:t>
+              <a:t>1/10/24</a:t>
             </a:fld>
             <a:endParaRPr lang="en-US"/>
           </a:p>
@@ -9464,7 +9431,7 @@
           <a:p>
             <a:fld id="{46BF4387-4A99-4F27-AD1F-80E6CBF2FC4E}" type="datetimeFigureOut">
               <a:rPr lang="en-US" smtClean="0"/>
-              <a:t>1/11/2024</a:t>
+              <a:t>1/10/24</a:t>
             </a:fld>
             <a:endParaRPr lang="en-US"/>
           </a:p>
@@ -9559,7 +9526,7 @@
           <a:p>
             <a:fld id="{46BF4387-4A99-4F27-AD1F-80E6CBF2FC4E}" type="datetimeFigureOut">
               <a:rPr lang="en-US" smtClean="0"/>
-              <a:t>1/11/2024</a:t>
+              <a:t>1/10/24</a:t>
             </a:fld>
             <a:endParaRPr lang="en-US"/>
           </a:p>
@@ -10640,7 +10607,7 @@
           <a:p>
             <a:fld id="{46BF4387-4A99-4F27-AD1F-80E6CBF2FC4E}" type="datetimeFigureOut">
               <a:rPr lang="en-US" smtClean="0"/>
-              <a:t>1/11/2024</a:t>
+              <a:t>1/10/24</a:t>
             </a:fld>
             <a:endParaRPr lang="en-US"/>
           </a:p>
@@ -11748,7 +11715,7 @@
           <a:p>
             <a:fld id="{46BF4387-4A99-4F27-AD1F-80E6CBF2FC4E}" type="datetimeFigureOut">
               <a:rPr lang="en-US" smtClean="0"/>
-              <a:t>1/11/2024</a:t>
+              <a:t>1/10/24</a:t>
             </a:fld>
             <a:endParaRPr lang="en-US"/>
           </a:p>
@@ -12745,7 +12712,7 @@
           <a:p>
             <a:fld id="{46BF4387-4A99-4F27-AD1F-80E6CBF2FC4E}" type="datetimeFigureOut">
               <a:rPr lang="en-US" smtClean="0"/>
-              <a:t>1/11/2024</a:t>
+              <a:t>1/10/24</a:t>
             </a:fld>
             <a:endParaRPr lang="en-US"/>
           </a:p>
@@ -13375,33 +13342,29 @@
           <a:p>
             <a:pPr algn="ctr"/>
             <a:r>
-              <a:rPr lang="en-US" b="1" dirty="0" err="1"/>
-              <a:t>KathLeen</a:t>
-            </a:r>
-            <a:r>
               <a:rPr lang="en-US" b="1" dirty="0"/>
-              <a:t> SNIDER-BELINSKI</a:t>
+              <a:t>Katherine </a:t>
             </a:r>
           </a:p>
           <a:p>
             <a:pPr algn="ctr"/>
             <a:r>
               <a:rPr lang="en-US" b="1" dirty="0"/>
-              <a:t>Carmen WIGGINS</a:t>
+              <a:t>Carmen</a:t>
             </a:r>
           </a:p>
           <a:p>
             <a:pPr algn="ctr"/>
             <a:r>
               <a:rPr lang="en-US" b="1" dirty="0"/>
-              <a:t>Michelle PETRAS</a:t>
+              <a:t>Michelle</a:t>
             </a:r>
           </a:p>
           <a:p>
             <a:pPr algn="ctr"/>
             <a:r>
               <a:rPr lang="en-US" b="1" dirty="0"/>
-              <a:t>Veethika SINGH</a:t>
+              <a:t>Veethika</a:t>
             </a:r>
           </a:p>
           <a:p>
@@ -13462,20 +13425,16 @@
             <p:ph type="title"/>
           </p:nvPr>
         </p:nvSpPr>
-        <p:spPr>
-          <a:xfrm>
-            <a:off x="615121" y="582930"/>
-            <a:ext cx="8761413" cy="706964"/>
-          </a:xfrm>
-        </p:spPr>
+        <p:spPr/>
         <p:txBody>
           <a:bodyPr/>
           <a:lstStyle/>
           <a:p>
             <a:r>
-              <a:rPr lang="en-US" sz="3200" b="1" dirty="0"/>
-              <a:t>Data Visualization – Most Streamed Artists</a:t>
+              <a:rPr lang="en-US" b="1" dirty="0"/>
+              <a:t>Data Visualization</a:t>
             </a:r>
+            <a:endParaRPr lang="en-US" dirty="0"/>
           </a:p>
         </p:txBody>
       </p:sp>
@@ -13495,12 +13454,7 @@
             <p:ph idx="1"/>
           </p:nvPr>
         </p:nvSpPr>
-        <p:spPr>
-          <a:xfrm>
-            <a:off x="615121" y="2824403"/>
-            <a:ext cx="3923012" cy="3416300"/>
-          </a:xfrm>
-        </p:spPr>
+        <p:spPr/>
         <p:txBody>
           <a:bodyPr/>
           <a:lstStyle/>
@@ -13511,1370 +13465,8 @@
                   <a:schemeClr val="accent1"/>
                 </a:solidFill>
               </a:rPr>
-              <a:t>Pie charts of most streamed artists pre and post covid</a:t>
+              <a:t>Stream/Downloads per Year , Pre-During and Post Covid-19</a:t>
             </a:r>
-          </a:p>
-          <a:p>
-            <a:r>
-              <a:rPr lang="en-US" b="1" dirty="0">
-                <a:solidFill>
-                  <a:schemeClr val="accent1"/>
-                </a:solidFill>
-              </a:rPr>
-              <a:t>Post Malone holds first place between the years 2018 and 2019</a:t>
-            </a:r>
-          </a:p>
-          <a:p>
-            <a:r>
-              <a:rPr lang="en-US" b="1" dirty="0">
-                <a:solidFill>
-                  <a:schemeClr val="accent1"/>
-                </a:solidFill>
-              </a:rPr>
-              <a:t>During Covid Bad Bunny streams were the highest</a:t>
-            </a:r>
-          </a:p>
-          <a:p>
-            <a:endParaRPr lang="en-US" b="1" dirty="0">
-              <a:solidFill>
-                <a:schemeClr val="accent1"/>
-              </a:solidFill>
-            </a:endParaRPr>
-          </a:p>
-        </p:txBody>
-      </p:sp>
-      <p:pic>
-        <p:nvPicPr>
-          <p:cNvPr id="7" name="Picture 6">
-            <a:extLst>
-              <a:ext uri="{FF2B5EF4-FFF2-40B4-BE49-F238E27FC236}">
-                <a16:creationId xmlns:a16="http://schemas.microsoft.com/office/drawing/2014/main" id="{30887898-16D3-DF1A-9077-F295D1800B11}"/>
-              </a:ext>
-            </a:extLst>
-          </p:cNvPr>
-          <p:cNvPicPr>
-            <a:picLocks noChangeAspect="1"/>
-          </p:cNvPicPr>
-          <p:nvPr/>
-        </p:nvPicPr>
-        <p:blipFill rotWithShape="1">
-          <a:blip r:embed="rId2">
-            <a:extLst>
-              <a:ext uri="{28A0092B-C50C-407E-A947-70E740481C1C}">
-                <a14:useLocalDpi xmlns:a14="http://schemas.microsoft.com/office/drawing/2010/main" val="0"/>
-              </a:ext>
-            </a:extLst>
-          </a:blip>
-          <a:srcRect l="12633" r="7404"/>
-          <a:stretch/>
-        </p:blipFill>
-        <p:spPr>
-          <a:xfrm>
-            <a:off x="8615579" y="3556770"/>
-            <a:ext cx="3155962" cy="2960070"/>
-          </a:xfrm>
-          <a:prstGeom prst="rect">
-            <a:avLst/>
-          </a:prstGeom>
-          <a:ln>
-            <a:noFill/>
-          </a:ln>
-        </p:spPr>
-      </p:pic>
-      <p:pic>
-        <p:nvPicPr>
-          <p:cNvPr id="17" name="Picture 16">
-            <a:extLst>
-              <a:ext uri="{FF2B5EF4-FFF2-40B4-BE49-F238E27FC236}">
-                <a16:creationId xmlns:a16="http://schemas.microsoft.com/office/drawing/2014/main" id="{EF187972-D71C-5189-637A-7AA717FAFEB7}"/>
-              </a:ext>
-            </a:extLst>
-          </p:cNvPr>
-          <p:cNvPicPr>
-            <a:picLocks noChangeAspect="1"/>
-          </p:cNvPicPr>
-          <p:nvPr/>
-        </p:nvPicPr>
-        <p:blipFill rotWithShape="1">
-          <a:blip r:embed="rId3">
-            <a:extLst>
-              <a:ext uri="{28A0092B-C50C-407E-A947-70E740481C1C}">
-                <a14:useLocalDpi xmlns:a14="http://schemas.microsoft.com/office/drawing/2010/main" val="0"/>
-              </a:ext>
-            </a:extLst>
-          </a:blip>
-          <a:srcRect l="23576" t="11540" r="23389" b="10055"/>
-          <a:stretch/>
-        </p:blipFill>
-        <p:spPr>
-          <a:xfrm>
-            <a:off x="4996717" y="3556770"/>
-            <a:ext cx="3618862" cy="2963333"/>
-          </a:xfrm>
-          <a:prstGeom prst="rect">
-            <a:avLst/>
-          </a:prstGeom>
-          <a:ln>
-            <a:noFill/>
-          </a:ln>
-        </p:spPr>
-      </p:pic>
-      <p:graphicFrame>
-        <p:nvGraphicFramePr>
-          <p:cNvPr id="22" name="Table 21">
-            <a:extLst>
-              <a:ext uri="{FF2B5EF4-FFF2-40B4-BE49-F238E27FC236}">
-                <a16:creationId xmlns:a16="http://schemas.microsoft.com/office/drawing/2014/main" id="{D249448E-8112-775E-6E76-8E96D807DC08}"/>
-              </a:ext>
-            </a:extLst>
-          </p:cNvPr>
-          <p:cNvGraphicFramePr>
-            <a:graphicFrameLocks noGrp="1"/>
-          </p:cNvGraphicFramePr>
-          <p:nvPr>
-            <p:extLst>
-              <p:ext uri="{D42A27DB-BD31-4B8C-83A1-F6EECF244321}">
-                <p14:modId xmlns:p14="http://schemas.microsoft.com/office/powerpoint/2010/main" val="2302227660"/>
-              </p:ext>
-            </p:extLst>
-          </p:nvPr>
-        </p:nvGraphicFramePr>
-        <p:xfrm>
-          <a:off x="5535660" y="1409197"/>
-          <a:ext cx="5879853" cy="2028270"/>
-        </p:xfrm>
-        <a:graphic>
-          <a:graphicData uri="http://schemas.openxmlformats.org/drawingml/2006/table">
-            <a:tbl>
-              <a:tblPr/>
-              <a:tblGrid>
-                <a:gridCol w="1068858">
-                  <a:extLst>
-                    <a:ext uri="{9D8B030D-6E8A-4147-A177-3AD203B41FA5}">
-                      <a16:colId xmlns:a16="http://schemas.microsoft.com/office/drawing/2014/main" val="193057600"/>
-                    </a:ext>
-                  </a:extLst>
-                </a:gridCol>
-                <a:gridCol w="1735507">
-                  <a:extLst>
-                    <a:ext uri="{9D8B030D-6E8A-4147-A177-3AD203B41FA5}">
-                      <a16:colId xmlns:a16="http://schemas.microsoft.com/office/drawing/2014/main" val="2376070044"/>
-                    </a:ext>
-                  </a:extLst>
-                </a:gridCol>
-                <a:gridCol w="3075488">
-                  <a:extLst>
-                    <a:ext uri="{9D8B030D-6E8A-4147-A177-3AD203B41FA5}">
-                      <a16:colId xmlns:a16="http://schemas.microsoft.com/office/drawing/2014/main" val="2117664360"/>
-                    </a:ext>
-                  </a:extLst>
-                </a:gridCol>
-              </a:tblGrid>
-              <a:tr h="338045">
-                <a:tc>
-                  <a:txBody>
-                    <a:bodyPr/>
-                    <a:lstStyle/>
-                    <a:p>
-                      <a:pPr algn="r" rtl="0" fontAlgn="ctr"/>
-                      <a:r>
-                        <a:rPr lang="en-US" sz="1800" b="1" i="0" u="none" strike="noStrike" dirty="0">
-                          <a:solidFill>
-                            <a:srgbClr val="000000"/>
-                          </a:solidFill>
-                          <a:effectLst/>
-                          <a:latin typeface="Century Gothic" panose="020B0502020202020204" pitchFamily="34" charset="0"/>
-                        </a:rPr>
-                        <a:t>Year</a:t>
-                      </a:r>
-                    </a:p>
-                  </a:txBody>
-                  <a:tcPr marL="9525" marR="9525" marT="9525" marB="0" anchor="ctr" anchorCtr="1">
-                    <a:lnL>
-                      <a:noFill/>
-                    </a:lnL>
-                    <a:lnR>
-                      <a:noFill/>
-                    </a:lnR>
-                    <a:lnT>
-                      <a:noFill/>
-                    </a:lnT>
-                    <a:lnB>
-                      <a:noFill/>
-                    </a:lnB>
-                    <a:solidFill>
-                      <a:schemeClr val="bg1">
-                        <a:lumMod val="75000"/>
-                      </a:schemeClr>
-                    </a:solidFill>
-                  </a:tcPr>
-                </a:tc>
-                <a:tc>
-                  <a:txBody>
-                    <a:bodyPr/>
-                    <a:lstStyle/>
-                    <a:p>
-                      <a:pPr algn="r" rtl="0" fontAlgn="ctr"/>
-                      <a:r>
-                        <a:rPr lang="en-US" sz="1800" b="1" i="0" u="none" strike="noStrike">
-                          <a:solidFill>
-                            <a:srgbClr val="000000"/>
-                          </a:solidFill>
-                          <a:effectLst/>
-                          <a:latin typeface="Century Gothic" panose="020B0502020202020204" pitchFamily="34" charset="0"/>
-                        </a:rPr>
-                        <a:t>Artist</a:t>
-                      </a:r>
-                    </a:p>
-                  </a:txBody>
-                  <a:tcPr marL="9525" marR="9525" marT="9525" marB="0" anchor="ctr" anchorCtr="1">
-                    <a:lnL>
-                      <a:noFill/>
-                    </a:lnL>
-                    <a:lnR>
-                      <a:noFill/>
-                    </a:lnR>
-                    <a:lnT>
-                      <a:noFill/>
-                    </a:lnT>
-                    <a:lnB>
-                      <a:noFill/>
-                    </a:lnB>
-                    <a:solidFill>
-                      <a:schemeClr val="bg1">
-                        <a:lumMod val="75000"/>
-                      </a:schemeClr>
-                    </a:solidFill>
-                  </a:tcPr>
-                </a:tc>
-                <a:tc>
-                  <a:txBody>
-                    <a:bodyPr/>
-                    <a:lstStyle/>
-                    <a:p>
-                      <a:pPr algn="r" rtl="0" fontAlgn="ctr"/>
-                      <a:r>
-                        <a:rPr lang="en-US" sz="1800" b="1" i="0" u="none" strike="noStrike">
-                          <a:solidFill>
-                            <a:srgbClr val="000000"/>
-                          </a:solidFill>
-                          <a:effectLst/>
-                          <a:latin typeface="Century Gothic" panose="020B0502020202020204" pitchFamily="34" charset="0"/>
-                        </a:rPr>
-                        <a:t>Streams</a:t>
-                      </a:r>
-                    </a:p>
-                  </a:txBody>
-                  <a:tcPr marL="9525" marR="9525" marT="9525" marB="0" anchor="ctr" anchorCtr="1">
-                    <a:lnL>
-                      <a:noFill/>
-                    </a:lnL>
-                    <a:lnR>
-                      <a:noFill/>
-                    </a:lnR>
-                    <a:lnT>
-                      <a:noFill/>
-                    </a:lnT>
-                    <a:lnB>
-                      <a:noFill/>
-                    </a:lnB>
-                    <a:solidFill>
-                      <a:schemeClr val="bg1">
-                        <a:lumMod val="75000"/>
-                      </a:schemeClr>
-                    </a:solidFill>
-                  </a:tcPr>
-                </a:tc>
-                <a:extLst>
-                  <a:ext uri="{0D108BD9-81ED-4DB2-BD59-A6C34878D82A}">
-                    <a16:rowId xmlns:a16="http://schemas.microsoft.com/office/drawing/2014/main" val="2682202562"/>
-                  </a:ext>
-                </a:extLst>
-              </a:tr>
-              <a:tr h="338045">
-                <a:tc>
-                  <a:txBody>
-                    <a:bodyPr/>
-                    <a:lstStyle/>
-                    <a:p>
-                      <a:pPr algn="r" rtl="0" fontAlgn="ctr"/>
-                      <a:r>
-                        <a:rPr lang="en-US" sz="1800" b="0" i="0" u="none" strike="noStrike" dirty="0">
-                          <a:solidFill>
-                            <a:srgbClr val="000000"/>
-                          </a:solidFill>
-                          <a:effectLst/>
-                          <a:latin typeface="Century Gothic" panose="020B0502020202020204" pitchFamily="34" charset="0"/>
-                        </a:rPr>
-                        <a:t>2017</a:t>
-                      </a:r>
-                    </a:p>
-                  </a:txBody>
-                  <a:tcPr marL="9525" marR="9525" marT="9525" marB="0" anchor="ctr" anchorCtr="1">
-                    <a:lnL>
-                      <a:noFill/>
-                    </a:lnL>
-                    <a:lnR>
-                      <a:noFill/>
-                    </a:lnR>
-                    <a:lnT>
-                      <a:noFill/>
-                    </a:lnT>
-                    <a:lnB>
-                      <a:noFill/>
-                    </a:lnB>
-                    <a:solidFill>
-                      <a:srgbClr val="F5F5F5"/>
-                    </a:solidFill>
-                  </a:tcPr>
-                </a:tc>
-                <a:tc>
-                  <a:txBody>
-                    <a:bodyPr/>
-                    <a:lstStyle/>
-                    <a:p>
-                      <a:pPr algn="r" rtl="0" fontAlgn="ctr"/>
-                      <a:r>
-                        <a:rPr lang="en-US" sz="1800" b="0" i="0" u="none" strike="noStrike">
-                          <a:solidFill>
-                            <a:srgbClr val="000000"/>
-                          </a:solidFill>
-                          <a:effectLst/>
-                          <a:latin typeface="Century Gothic" panose="020B0502020202020204" pitchFamily="34" charset="0"/>
-                        </a:rPr>
-                        <a:t>Ed Sheeran</a:t>
-                      </a:r>
-                    </a:p>
-                  </a:txBody>
-                  <a:tcPr marL="9525" marR="9525" marT="9525" marB="0" anchor="ctr" anchorCtr="1">
-                    <a:lnL>
-                      <a:noFill/>
-                    </a:lnL>
-                    <a:lnR>
-                      <a:noFill/>
-                    </a:lnR>
-                    <a:lnT>
-                      <a:noFill/>
-                    </a:lnT>
-                    <a:lnB>
-                      <a:noFill/>
-                    </a:lnB>
-                    <a:solidFill>
-                      <a:srgbClr val="F5F5F5"/>
-                    </a:solidFill>
-                  </a:tcPr>
-                </a:tc>
-                <a:tc>
-                  <a:txBody>
-                    <a:bodyPr/>
-                    <a:lstStyle/>
-                    <a:p>
-                      <a:pPr algn="r" rtl="0" fontAlgn="ctr"/>
-                      <a:r>
-                        <a:rPr lang="en-US" sz="1800" b="0" i="0" u="none" strike="noStrike" dirty="0">
-                          <a:solidFill>
-                            <a:srgbClr val="000000"/>
-                          </a:solidFill>
-                          <a:effectLst/>
-                          <a:latin typeface="Century Gothic" panose="020B0502020202020204" pitchFamily="34" charset="0"/>
-                        </a:rPr>
-                        <a:t>       4,526,988,042 </a:t>
-                      </a:r>
-                    </a:p>
-                  </a:txBody>
-                  <a:tcPr marL="9525" marR="9525" marT="9525" marB="0" anchor="ctr" anchorCtr="1">
-                    <a:lnL>
-                      <a:noFill/>
-                    </a:lnL>
-                    <a:lnR>
-                      <a:noFill/>
-                    </a:lnR>
-                    <a:lnT>
-                      <a:noFill/>
-                    </a:lnT>
-                    <a:lnB>
-                      <a:noFill/>
-                    </a:lnB>
-                    <a:solidFill>
-                      <a:srgbClr val="F5F5F5"/>
-                    </a:solidFill>
-                  </a:tcPr>
-                </a:tc>
-                <a:extLst>
-                  <a:ext uri="{0D108BD9-81ED-4DB2-BD59-A6C34878D82A}">
-                    <a16:rowId xmlns:a16="http://schemas.microsoft.com/office/drawing/2014/main" val="1386762444"/>
-                  </a:ext>
-                </a:extLst>
-              </a:tr>
-              <a:tr h="338045">
-                <a:tc>
-                  <a:txBody>
-                    <a:bodyPr/>
-                    <a:lstStyle/>
-                    <a:p>
-                      <a:pPr algn="r" rtl="0" fontAlgn="ctr"/>
-                      <a:r>
-                        <a:rPr lang="en-US" sz="1800" b="0" i="0" u="none" strike="noStrike" dirty="0">
-                          <a:solidFill>
-                            <a:srgbClr val="000000"/>
-                          </a:solidFill>
-                          <a:effectLst/>
-                          <a:latin typeface="Century Gothic" panose="020B0502020202020204" pitchFamily="34" charset="0"/>
-                        </a:rPr>
-                        <a:t>2018</a:t>
-                      </a:r>
-                    </a:p>
-                  </a:txBody>
-                  <a:tcPr marL="9525" marR="9525" marT="9525" marB="0" anchor="ctr" anchorCtr="1">
-                    <a:lnL>
-                      <a:noFill/>
-                    </a:lnL>
-                    <a:lnR>
-                      <a:noFill/>
-                    </a:lnR>
-                    <a:lnT>
-                      <a:noFill/>
-                    </a:lnT>
-                    <a:lnB>
-                      <a:noFill/>
-                    </a:lnB>
-                    <a:solidFill>
-                      <a:srgbClr val="FFFFFF"/>
-                    </a:solidFill>
-                  </a:tcPr>
-                </a:tc>
-                <a:tc>
-                  <a:txBody>
-                    <a:bodyPr/>
-                    <a:lstStyle/>
-                    <a:p>
-                      <a:pPr algn="r" rtl="0" fontAlgn="ctr"/>
-                      <a:r>
-                        <a:rPr lang="en-US" sz="1800" b="0" i="0" u="none" strike="noStrike" dirty="0">
-                          <a:solidFill>
-                            <a:srgbClr val="000000"/>
-                          </a:solidFill>
-                          <a:effectLst/>
-                          <a:latin typeface="Century Gothic" panose="020B0502020202020204" pitchFamily="34" charset="0"/>
-                        </a:rPr>
-                        <a:t>Post Malone</a:t>
-                      </a:r>
-                    </a:p>
-                  </a:txBody>
-                  <a:tcPr marL="9525" marR="9525" marT="9525" marB="0" anchor="ctr" anchorCtr="1">
-                    <a:lnL>
-                      <a:noFill/>
-                    </a:lnL>
-                    <a:lnR>
-                      <a:noFill/>
-                    </a:lnR>
-                    <a:lnT>
-                      <a:noFill/>
-                    </a:lnT>
-                    <a:lnB>
-                      <a:noFill/>
-                    </a:lnB>
-                    <a:solidFill>
-                      <a:srgbClr val="FFFFFF"/>
-                    </a:solidFill>
-                  </a:tcPr>
-                </a:tc>
-                <a:tc>
-                  <a:txBody>
-                    <a:bodyPr/>
-                    <a:lstStyle/>
-                    <a:p>
-                      <a:pPr algn="r" rtl="0" fontAlgn="ctr"/>
-                      <a:r>
-                        <a:rPr lang="en-US" sz="1800" b="0" i="0" u="none" strike="noStrike">
-                          <a:solidFill>
-                            <a:srgbClr val="000000"/>
-                          </a:solidFill>
-                          <a:effectLst/>
-                          <a:latin typeface="Century Gothic" panose="020B0502020202020204" pitchFamily="34" charset="0"/>
-                        </a:rPr>
-                        <a:t>       4,474,074,823 </a:t>
-                      </a:r>
-                    </a:p>
-                  </a:txBody>
-                  <a:tcPr marL="9525" marR="9525" marT="9525" marB="0" anchor="ctr" anchorCtr="1">
-                    <a:lnL>
-                      <a:noFill/>
-                    </a:lnL>
-                    <a:lnR>
-                      <a:noFill/>
-                    </a:lnR>
-                    <a:lnT>
-                      <a:noFill/>
-                    </a:lnT>
-                    <a:lnB>
-                      <a:noFill/>
-                    </a:lnB>
-                    <a:solidFill>
-                      <a:srgbClr val="FFFFFF"/>
-                    </a:solidFill>
-                  </a:tcPr>
-                </a:tc>
-                <a:extLst>
-                  <a:ext uri="{0D108BD9-81ED-4DB2-BD59-A6C34878D82A}">
-                    <a16:rowId xmlns:a16="http://schemas.microsoft.com/office/drawing/2014/main" val="1683236646"/>
-                  </a:ext>
-                </a:extLst>
-              </a:tr>
-              <a:tr h="338045">
-                <a:tc>
-                  <a:txBody>
-                    <a:bodyPr/>
-                    <a:lstStyle/>
-                    <a:p>
-                      <a:pPr algn="r" rtl="0" fontAlgn="ctr"/>
-                      <a:r>
-                        <a:rPr lang="en-US" sz="1800" b="0" i="0" u="none" strike="noStrike" dirty="0">
-                          <a:solidFill>
-                            <a:srgbClr val="000000"/>
-                          </a:solidFill>
-                          <a:effectLst/>
-                          <a:latin typeface="Century Gothic" panose="020B0502020202020204" pitchFamily="34" charset="0"/>
-                        </a:rPr>
-                        <a:t>2019</a:t>
-                      </a:r>
-                    </a:p>
-                  </a:txBody>
-                  <a:tcPr marL="9525" marR="9525" marT="9525" marB="0" anchor="ctr" anchorCtr="1">
-                    <a:lnL>
-                      <a:noFill/>
-                    </a:lnL>
-                    <a:lnR>
-                      <a:noFill/>
-                    </a:lnR>
-                    <a:lnT>
-                      <a:noFill/>
-                    </a:lnT>
-                    <a:lnB>
-                      <a:noFill/>
-                    </a:lnB>
-                    <a:solidFill>
-                      <a:srgbClr val="F5F5F5"/>
-                    </a:solidFill>
-                  </a:tcPr>
-                </a:tc>
-                <a:tc>
-                  <a:txBody>
-                    <a:bodyPr/>
-                    <a:lstStyle/>
-                    <a:p>
-                      <a:pPr algn="r" rtl="0" fontAlgn="ctr"/>
-                      <a:r>
-                        <a:rPr lang="en-US" sz="1800" b="0" i="0" u="none" strike="noStrike">
-                          <a:solidFill>
-                            <a:srgbClr val="000000"/>
-                          </a:solidFill>
-                          <a:effectLst/>
-                          <a:latin typeface="Century Gothic" panose="020B0502020202020204" pitchFamily="34" charset="0"/>
-                        </a:rPr>
-                        <a:t>Post Malone</a:t>
-                      </a:r>
-                    </a:p>
-                  </a:txBody>
-                  <a:tcPr marL="9525" marR="9525" marT="9525" marB="0" anchor="ctr" anchorCtr="1">
-                    <a:lnL>
-                      <a:noFill/>
-                    </a:lnL>
-                    <a:lnR>
-                      <a:noFill/>
-                    </a:lnR>
-                    <a:lnT>
-                      <a:noFill/>
-                    </a:lnT>
-                    <a:lnB>
-                      <a:noFill/>
-                    </a:lnB>
-                    <a:solidFill>
-                      <a:srgbClr val="F5F5F5"/>
-                    </a:solidFill>
-                  </a:tcPr>
-                </a:tc>
-                <a:tc>
-                  <a:txBody>
-                    <a:bodyPr/>
-                    <a:lstStyle/>
-                    <a:p>
-                      <a:pPr algn="r" rtl="0" fontAlgn="ctr"/>
-                      <a:r>
-                        <a:rPr lang="en-US" sz="1800" b="0" i="0" u="none" strike="noStrike" dirty="0">
-                          <a:solidFill>
-                            <a:srgbClr val="000000"/>
-                          </a:solidFill>
-                          <a:effectLst/>
-                          <a:latin typeface="Century Gothic" panose="020B0502020202020204" pitchFamily="34" charset="0"/>
-                        </a:rPr>
-                        <a:t>       4,989,227,763 </a:t>
-                      </a:r>
-                    </a:p>
-                  </a:txBody>
-                  <a:tcPr marL="9525" marR="9525" marT="9525" marB="0" anchor="ctr" anchorCtr="1">
-                    <a:lnL>
-                      <a:noFill/>
-                    </a:lnL>
-                    <a:lnR>
-                      <a:noFill/>
-                    </a:lnR>
-                    <a:lnT>
-                      <a:noFill/>
-                    </a:lnT>
-                    <a:lnB>
-                      <a:noFill/>
-                    </a:lnB>
-                    <a:solidFill>
-                      <a:srgbClr val="F5F5F5"/>
-                    </a:solidFill>
-                  </a:tcPr>
-                </a:tc>
-                <a:extLst>
-                  <a:ext uri="{0D108BD9-81ED-4DB2-BD59-A6C34878D82A}">
-                    <a16:rowId xmlns:a16="http://schemas.microsoft.com/office/drawing/2014/main" val="2793297269"/>
-                  </a:ext>
-                </a:extLst>
-              </a:tr>
-              <a:tr h="338045">
-                <a:tc>
-                  <a:txBody>
-                    <a:bodyPr/>
-                    <a:lstStyle/>
-                    <a:p>
-                      <a:pPr algn="r" rtl="0" fontAlgn="ctr"/>
-                      <a:r>
-                        <a:rPr lang="en-US" sz="1800" b="0" i="0" u="none" strike="noStrike" dirty="0">
-                          <a:solidFill>
-                            <a:srgbClr val="000000"/>
-                          </a:solidFill>
-                          <a:effectLst/>
-                          <a:latin typeface="Century Gothic" panose="020B0502020202020204" pitchFamily="34" charset="0"/>
-                        </a:rPr>
-                        <a:t>2020</a:t>
-                      </a:r>
-                    </a:p>
-                  </a:txBody>
-                  <a:tcPr marL="9525" marR="9525" marT="9525" marB="0" anchor="ctr" anchorCtr="1">
-                    <a:lnL>
-                      <a:noFill/>
-                    </a:lnL>
-                    <a:lnR>
-                      <a:noFill/>
-                    </a:lnR>
-                    <a:lnT>
-                      <a:noFill/>
-                    </a:lnT>
-                    <a:lnB>
-                      <a:noFill/>
-                    </a:lnB>
-                    <a:solidFill>
-                      <a:srgbClr val="FFFFFF"/>
-                    </a:solidFill>
-                  </a:tcPr>
-                </a:tc>
-                <a:tc>
-                  <a:txBody>
-                    <a:bodyPr/>
-                    <a:lstStyle/>
-                    <a:p>
-                      <a:pPr algn="r" rtl="0" fontAlgn="ctr"/>
-                      <a:r>
-                        <a:rPr lang="en-US" sz="1800" b="0" i="0" u="none" strike="noStrike" dirty="0">
-                          <a:solidFill>
-                            <a:srgbClr val="000000"/>
-                          </a:solidFill>
-                          <a:effectLst/>
-                          <a:latin typeface="Century Gothic" panose="020B0502020202020204" pitchFamily="34" charset="0"/>
-                        </a:rPr>
-                        <a:t>Bad Bunny</a:t>
-                      </a:r>
-                    </a:p>
-                  </a:txBody>
-                  <a:tcPr marL="9525" marR="9525" marT="9525" marB="0" anchor="ctr" anchorCtr="1">
-                    <a:lnL>
-                      <a:noFill/>
-                    </a:lnL>
-                    <a:lnR>
-                      <a:noFill/>
-                    </a:lnR>
-                    <a:lnT>
-                      <a:noFill/>
-                    </a:lnT>
-                    <a:lnB>
-                      <a:noFill/>
-                    </a:lnB>
-                    <a:solidFill>
-                      <a:srgbClr val="FFFFFF"/>
-                    </a:solidFill>
-                  </a:tcPr>
-                </a:tc>
-                <a:tc>
-                  <a:txBody>
-                    <a:bodyPr/>
-                    <a:lstStyle/>
-                    <a:p>
-                      <a:pPr algn="r" rtl="0" fontAlgn="ctr"/>
-                      <a:r>
-                        <a:rPr lang="en-US" sz="1800" b="0" i="0" u="none" strike="noStrike" dirty="0">
-                          <a:solidFill>
-                            <a:srgbClr val="000000"/>
-                          </a:solidFill>
-                          <a:effectLst/>
-                          <a:latin typeface="Century Gothic" panose="020B0502020202020204" pitchFamily="34" charset="0"/>
-                        </a:rPr>
-                        <a:t>       3,322,524,063 </a:t>
-                      </a:r>
-                    </a:p>
-                  </a:txBody>
-                  <a:tcPr marL="9525" marR="9525" marT="9525" marB="0" anchor="ctr" anchorCtr="1">
-                    <a:lnL>
-                      <a:noFill/>
-                    </a:lnL>
-                    <a:lnR>
-                      <a:noFill/>
-                    </a:lnR>
-                    <a:lnT>
-                      <a:noFill/>
-                    </a:lnT>
-                    <a:lnB>
-                      <a:noFill/>
-                    </a:lnB>
-                    <a:solidFill>
-                      <a:srgbClr val="FFFFFF"/>
-                    </a:solidFill>
-                  </a:tcPr>
-                </a:tc>
-                <a:extLst>
-                  <a:ext uri="{0D108BD9-81ED-4DB2-BD59-A6C34878D82A}">
-                    <a16:rowId xmlns:a16="http://schemas.microsoft.com/office/drawing/2014/main" val="407000815"/>
-                  </a:ext>
-                </a:extLst>
-              </a:tr>
-              <a:tr h="338045">
-                <a:tc>
-                  <a:txBody>
-                    <a:bodyPr/>
-                    <a:lstStyle/>
-                    <a:p>
-                      <a:pPr algn="r" rtl="0" fontAlgn="ctr"/>
-                      <a:r>
-                        <a:rPr lang="en-US" sz="1800" b="0" i="0" u="none" strike="noStrike">
-                          <a:solidFill>
-                            <a:srgbClr val="000000"/>
-                          </a:solidFill>
-                          <a:effectLst/>
-                          <a:latin typeface="Century Gothic" panose="020B0502020202020204" pitchFamily="34" charset="0"/>
-                        </a:rPr>
-                        <a:t>2021</a:t>
-                      </a:r>
-                    </a:p>
-                  </a:txBody>
-                  <a:tcPr marL="9525" marR="9525" marT="9525" marB="0" anchor="ctr" anchorCtr="1">
-                    <a:lnL>
-                      <a:noFill/>
-                    </a:lnL>
-                    <a:lnR>
-                      <a:noFill/>
-                    </a:lnR>
-                    <a:lnT>
-                      <a:noFill/>
-                    </a:lnT>
-                    <a:lnB>
-                      <a:noFill/>
-                    </a:lnB>
-                    <a:solidFill>
-                      <a:srgbClr val="FFFFFF"/>
-                    </a:solidFill>
-                  </a:tcPr>
-                </a:tc>
-                <a:tc>
-                  <a:txBody>
-                    <a:bodyPr/>
-                    <a:lstStyle/>
-                    <a:p>
-                      <a:pPr algn="r" rtl="0" fontAlgn="ctr"/>
-                      <a:r>
-                        <a:rPr lang="en-US" sz="1800" b="0" i="0" u="none" strike="noStrike" dirty="0">
-                          <a:solidFill>
-                            <a:srgbClr val="000000"/>
-                          </a:solidFill>
-                          <a:effectLst/>
-                          <a:latin typeface="Century Gothic" panose="020B0502020202020204" pitchFamily="34" charset="0"/>
-                        </a:rPr>
-                        <a:t>Justin Bieber</a:t>
-                      </a:r>
-                    </a:p>
-                  </a:txBody>
-                  <a:tcPr marL="9525" marR="9525" marT="9525" marB="0" anchor="ctr" anchorCtr="1">
-                    <a:lnL>
-                      <a:noFill/>
-                    </a:lnL>
-                    <a:lnR>
-                      <a:noFill/>
-                    </a:lnR>
-                    <a:lnT>
-                      <a:noFill/>
-                    </a:lnT>
-                    <a:lnB>
-                      <a:noFill/>
-                    </a:lnB>
-                    <a:solidFill>
-                      <a:srgbClr val="FFFFFF"/>
-                    </a:solidFill>
-                  </a:tcPr>
-                </a:tc>
-                <a:tc>
-                  <a:txBody>
-                    <a:bodyPr/>
-                    <a:lstStyle/>
-                    <a:p>
-                      <a:pPr algn="r" rtl="0" fontAlgn="ctr"/>
-                      <a:r>
-                        <a:rPr lang="en-US" sz="1800" b="0" i="0" u="none" strike="noStrike" dirty="0">
-                          <a:solidFill>
-                            <a:srgbClr val="000000"/>
-                          </a:solidFill>
-                          <a:effectLst/>
-                          <a:latin typeface="Century Gothic" panose="020B0502020202020204" pitchFamily="34" charset="0"/>
-                        </a:rPr>
-                        <a:t>       1,560,451,296 </a:t>
-                      </a:r>
-                    </a:p>
-                  </a:txBody>
-                  <a:tcPr marL="9525" marR="9525" marT="9525" marB="0" anchor="ctr" anchorCtr="1">
-                    <a:lnL>
-                      <a:noFill/>
-                    </a:lnL>
-                    <a:lnR>
-                      <a:noFill/>
-                    </a:lnR>
-                    <a:lnT>
-                      <a:noFill/>
-                    </a:lnT>
-                    <a:lnB>
-                      <a:noFill/>
-                    </a:lnB>
-                    <a:solidFill>
-                      <a:srgbClr val="FFFFFF"/>
-                    </a:solidFill>
-                  </a:tcPr>
-                </a:tc>
-                <a:extLst>
-                  <a:ext uri="{0D108BD9-81ED-4DB2-BD59-A6C34878D82A}">
-                    <a16:rowId xmlns:a16="http://schemas.microsoft.com/office/drawing/2014/main" val="638935452"/>
-                  </a:ext>
-                </a:extLst>
-              </a:tr>
-            </a:tbl>
-          </a:graphicData>
-        </a:graphic>
-      </p:graphicFrame>
-    </p:spTree>
-    <p:extLst>
-      <p:ext uri="{BB962C8B-B14F-4D97-AF65-F5344CB8AC3E}">
-        <p14:creationId xmlns:p14="http://schemas.microsoft.com/office/powerpoint/2010/main" val="612460994"/>
-      </p:ext>
-    </p:extLst>
-  </p:cSld>
-  <p:clrMapOvr>
-    <a:masterClrMapping/>
-  </p:clrMapOvr>
-  <p:transition spd="slow">
-    <p:push dir="u"/>
-  </p:transition>
-  <p:timing>
-    <p:tnLst>
-      <p:par>
-        <p:cTn id="1" dur="indefinite" restart="never" nodeType="tmRoot">
-          <p:childTnLst>
-            <p:seq concurrent="1" nextAc="seek">
-              <p:cTn id="2" dur="indefinite" nodeType="mainSeq">
-                <p:childTnLst>
-                  <p:par>
-                    <p:cTn id="3" fill="hold">
-                      <p:stCondLst>
-                        <p:cond delay="indefinite"/>
-                      </p:stCondLst>
-                      <p:childTnLst>
-                        <p:par>
-                          <p:cTn id="4" fill="hold">
-                            <p:stCondLst>
-                              <p:cond delay="0"/>
-                            </p:stCondLst>
-                            <p:childTnLst>
-                              <p:par>
-                                <p:cTn id="5" presetID="2" presetClass="entr" presetSubtype="4" fill="hold" nodeType="clickEffect">
-                                  <p:stCondLst>
-                                    <p:cond delay="0"/>
-                                  </p:stCondLst>
-                                  <p:childTnLst>
-                                    <p:set>
-                                      <p:cBhvr>
-                                        <p:cTn id="6" dur="1" fill="hold">
-                                          <p:stCondLst>
-                                            <p:cond delay="0"/>
-                                          </p:stCondLst>
-                                        </p:cTn>
-                                        <p:tgtEl>
-                                          <p:spTgt spid="17"/>
-                                        </p:tgtEl>
-                                        <p:attrNameLst>
-                                          <p:attrName>style.visibility</p:attrName>
-                                        </p:attrNameLst>
-                                      </p:cBhvr>
-                                      <p:to>
-                                        <p:strVal val="visible"/>
-                                      </p:to>
-                                    </p:set>
-                                    <p:anim calcmode="lin" valueType="num">
-                                      <p:cBhvr additive="base">
-                                        <p:cTn id="7" dur="500" fill="hold"/>
-                                        <p:tgtEl>
-                                          <p:spTgt spid="17"/>
-                                        </p:tgtEl>
-                                        <p:attrNameLst>
-                                          <p:attrName>ppt_x</p:attrName>
-                                        </p:attrNameLst>
-                                      </p:cBhvr>
-                                      <p:tavLst>
-                                        <p:tav tm="0">
-                                          <p:val>
-                                            <p:strVal val="#ppt_x"/>
-                                          </p:val>
-                                        </p:tav>
-                                        <p:tav tm="100000">
-                                          <p:val>
-                                            <p:strVal val="#ppt_x"/>
-                                          </p:val>
-                                        </p:tav>
-                                      </p:tavLst>
-                                    </p:anim>
-                                    <p:anim calcmode="lin" valueType="num">
-                                      <p:cBhvr additive="base">
-                                        <p:cTn id="8" dur="500" fill="hold"/>
-                                        <p:tgtEl>
-                                          <p:spTgt spid="17"/>
-                                        </p:tgtEl>
-                                        <p:attrNameLst>
-                                          <p:attrName>ppt_y</p:attrName>
-                                        </p:attrNameLst>
-                                      </p:cBhvr>
-                                      <p:tavLst>
-                                        <p:tav tm="0">
-                                          <p:val>
-                                            <p:strVal val="1+#ppt_h/2"/>
-                                          </p:val>
-                                        </p:tav>
-                                        <p:tav tm="100000">
-                                          <p:val>
-                                            <p:strVal val="#ppt_y"/>
-                                          </p:val>
-                                        </p:tav>
-                                      </p:tavLst>
-                                    </p:anim>
-                                  </p:childTnLst>
-                                </p:cTn>
-                              </p:par>
-                            </p:childTnLst>
-                          </p:cTn>
-                        </p:par>
-                      </p:childTnLst>
-                    </p:cTn>
-                  </p:par>
-                  <p:par>
-                    <p:cTn id="9" fill="hold">
-                      <p:stCondLst>
-                        <p:cond delay="indefinite"/>
-                      </p:stCondLst>
-                      <p:childTnLst>
-                        <p:par>
-                          <p:cTn id="10" fill="hold">
-                            <p:stCondLst>
-                              <p:cond delay="0"/>
-                            </p:stCondLst>
-                            <p:childTnLst>
-                              <p:par>
-                                <p:cTn id="11" presetID="2" presetClass="entr" presetSubtype="4" fill="hold" nodeType="clickEffect">
-                                  <p:stCondLst>
-                                    <p:cond delay="0"/>
-                                  </p:stCondLst>
-                                  <p:childTnLst>
-                                    <p:set>
-                                      <p:cBhvr>
-                                        <p:cTn id="12" dur="1" fill="hold">
-                                          <p:stCondLst>
-                                            <p:cond delay="0"/>
-                                          </p:stCondLst>
-                                        </p:cTn>
-                                        <p:tgtEl>
-                                          <p:spTgt spid="7"/>
-                                        </p:tgtEl>
-                                        <p:attrNameLst>
-                                          <p:attrName>style.visibility</p:attrName>
-                                        </p:attrNameLst>
-                                      </p:cBhvr>
-                                      <p:to>
-                                        <p:strVal val="visible"/>
-                                      </p:to>
-                                    </p:set>
-                                    <p:anim calcmode="lin" valueType="num">
-                                      <p:cBhvr additive="base">
-                                        <p:cTn id="13" dur="500" fill="hold"/>
-                                        <p:tgtEl>
-                                          <p:spTgt spid="7"/>
-                                        </p:tgtEl>
-                                        <p:attrNameLst>
-                                          <p:attrName>ppt_x</p:attrName>
-                                        </p:attrNameLst>
-                                      </p:cBhvr>
-                                      <p:tavLst>
-                                        <p:tav tm="0">
-                                          <p:val>
-                                            <p:strVal val="#ppt_x"/>
-                                          </p:val>
-                                        </p:tav>
-                                        <p:tav tm="100000">
-                                          <p:val>
-                                            <p:strVal val="#ppt_x"/>
-                                          </p:val>
-                                        </p:tav>
-                                      </p:tavLst>
-                                    </p:anim>
-                                    <p:anim calcmode="lin" valueType="num">
-                                      <p:cBhvr additive="base">
-                                        <p:cTn id="14" dur="500" fill="hold"/>
-                                        <p:tgtEl>
-                                          <p:spTgt spid="7"/>
-                                        </p:tgtEl>
-                                        <p:attrNameLst>
-                                          <p:attrName>ppt_y</p:attrName>
-                                        </p:attrNameLst>
-                                      </p:cBhvr>
-                                      <p:tavLst>
-                                        <p:tav tm="0">
-                                          <p:val>
-                                            <p:strVal val="1+#ppt_h/2"/>
-                                          </p:val>
-                                        </p:tav>
-                                        <p:tav tm="100000">
-                                          <p:val>
-                                            <p:strVal val="#ppt_y"/>
-                                          </p:val>
-                                        </p:tav>
-                                      </p:tavLst>
-                                    </p:anim>
-                                  </p:childTnLst>
-                                </p:cTn>
-                              </p:par>
-                            </p:childTnLst>
-                          </p:cTn>
-                        </p:par>
-                      </p:childTnLst>
-                    </p:cTn>
-                  </p:par>
-                </p:childTnLst>
-              </p:cTn>
-              <p:prevCondLst>
-                <p:cond evt="onPrev" delay="0">
-                  <p:tgtEl>
-                    <p:sldTgt/>
-                  </p:tgtEl>
-                </p:cond>
-              </p:prevCondLst>
-              <p:nextCondLst>
-                <p:cond evt="onNext" delay="0">
-                  <p:tgtEl>
-                    <p:sldTgt/>
-                  </p:tgtEl>
-                </p:cond>
-              </p:nextCondLst>
-            </p:seq>
-          </p:childTnLst>
-        </p:cTn>
-      </p:par>
-    </p:tnLst>
-  </p:timing>
-</p:sld>
-</file>
-
-<file path=ppt/slides/slide11.xml><?xml version="1.0" encoding="utf-8"?>
-<p:sld xmlns:a="http://schemas.openxmlformats.org/drawingml/2006/main" xmlns:r="http://schemas.openxmlformats.org/officeDocument/2006/relationships" xmlns:p="http://schemas.openxmlformats.org/presentationml/2006/main">
-  <p:cSld>
-    <p:spTree>
-      <p:nvGrpSpPr>
-        <p:cNvPr id="1" name=""/>
-        <p:cNvGrpSpPr/>
-        <p:nvPr/>
-      </p:nvGrpSpPr>
-      <p:grpSpPr>
-        <a:xfrm>
-          <a:off x="0" y="0"/>
-          <a:ext cx="0" cy="0"/>
-          <a:chOff x="0" y="0"/>
-          <a:chExt cx="0" cy="0"/>
-        </a:xfrm>
-      </p:grpSpPr>
-      <p:sp>
-        <p:nvSpPr>
-          <p:cNvPr id="2" name="Title 1">
-            <a:extLst>
-              <a:ext uri="{FF2B5EF4-FFF2-40B4-BE49-F238E27FC236}">
-                <a16:creationId xmlns:a16="http://schemas.microsoft.com/office/drawing/2014/main" id="{588A0D25-CE94-62E6-3D13-8646C7292AD3}"/>
-              </a:ext>
-            </a:extLst>
-          </p:cNvPr>
-          <p:cNvSpPr>
-            <a:spLocks noGrp="1"/>
-          </p:cNvSpPr>
-          <p:nvPr>
-            <p:ph type="title"/>
-          </p:nvPr>
-        </p:nvSpPr>
-        <p:spPr>
-          <a:xfrm>
-            <a:off x="655421" y="651934"/>
-            <a:ext cx="8761413" cy="706964"/>
-          </a:xfrm>
-        </p:spPr>
-        <p:txBody>
-          <a:bodyPr/>
-          <a:lstStyle/>
-          <a:p>
-            <a:r>
-              <a:rPr lang="en-US" sz="3200" b="1" dirty="0"/>
-              <a:t>Data Visualization – Top Streamed Artists</a:t>
-            </a:r>
-          </a:p>
-        </p:txBody>
-      </p:sp>
-      <p:sp>
-        <p:nvSpPr>
-          <p:cNvPr id="3" name="Content Placeholder 2">
-            <a:extLst>
-              <a:ext uri="{FF2B5EF4-FFF2-40B4-BE49-F238E27FC236}">
-                <a16:creationId xmlns:a16="http://schemas.microsoft.com/office/drawing/2014/main" id="{DEFF6F3F-2BD2-3D76-1483-072534DC4B24}"/>
-              </a:ext>
-            </a:extLst>
-          </p:cNvPr>
-          <p:cNvSpPr>
-            <a:spLocks noGrp="1"/>
-          </p:cNvSpPr>
-          <p:nvPr>
-            <p:ph idx="1"/>
-          </p:nvPr>
-        </p:nvSpPr>
-        <p:spPr>
-          <a:xfrm>
-            <a:off x="318965" y="2657866"/>
-            <a:ext cx="4005352" cy="3316635"/>
-          </a:xfrm>
-        </p:spPr>
-        <p:txBody>
-          <a:bodyPr>
-            <a:normAutofit/>
-          </a:bodyPr>
-          <a:lstStyle/>
-          <a:p>
-            <a:pPr>
-              <a:lnSpc>
-                <a:spcPct val="150000"/>
-              </a:lnSpc>
-              <a:spcBef>
-                <a:spcPts val="1200"/>
-              </a:spcBef>
-            </a:pPr>
-            <a:r>
-              <a:rPr lang="en-US" b="1" dirty="0">
-                <a:solidFill>
-                  <a:schemeClr val="accent1"/>
-                </a:solidFill>
-              </a:rPr>
-              <a:t>Even though Bad Bunny was not the highest streamed artist through out the years, he was the most streamed artist in the heart of Covid (2020) with 3.3 million streams</a:t>
-            </a:r>
-          </a:p>
-        </p:txBody>
-      </p:sp>
-      <p:pic>
-        <p:nvPicPr>
-          <p:cNvPr id="2050" name="Picture 2">
-            <a:extLst>
-              <a:ext uri="{FF2B5EF4-FFF2-40B4-BE49-F238E27FC236}">
-                <a16:creationId xmlns:a16="http://schemas.microsoft.com/office/drawing/2014/main" id="{9F30CF8C-F5C8-7CB1-1A9C-C9D68D7E0AD2}"/>
-              </a:ext>
-            </a:extLst>
-          </p:cNvPr>
-          <p:cNvPicPr>
-            <a:picLocks noChangeAspect="1" noChangeArrowheads="1"/>
-          </p:cNvPicPr>
-          <p:nvPr/>
-        </p:nvPicPr>
-        <p:blipFill rotWithShape="1">
-          <a:blip r:embed="rId2">
-            <a:extLst>
-              <a:ext uri="{28A0092B-C50C-407E-A947-70E740481C1C}">
-                <a14:useLocalDpi xmlns:a14="http://schemas.microsoft.com/office/drawing/2010/main" val="0"/>
-              </a:ext>
-            </a:extLst>
-          </a:blip>
-          <a:srcRect l="4840" t="7643" r="8645" b="3785"/>
-          <a:stretch/>
-        </p:blipFill>
-        <p:spPr bwMode="auto">
-          <a:xfrm>
-            <a:off x="4638481" y="2242457"/>
-            <a:ext cx="7084842" cy="4351984"/>
-          </a:xfrm>
-          <a:prstGeom prst="rect">
-            <a:avLst/>
-          </a:prstGeom>
-          <a:noFill/>
-          <a:ln>
-            <a:noFill/>
-          </a:ln>
-          <a:extLst>
-            <a:ext uri="{909E8E84-426E-40DD-AFC4-6F175D3DCCD1}">
-              <a14:hiddenFill xmlns:a14="http://schemas.microsoft.com/office/drawing/2010/main">
-                <a:solidFill>
-                  <a:srgbClr val="FFFFFF"/>
-                </a:solidFill>
-              </a14:hiddenFill>
-            </a:ext>
-            <a:ext uri="{91240B29-F687-4F45-9708-019B960494DF}">
-              <a14:hiddenLine xmlns:a14="http://schemas.microsoft.com/office/drawing/2010/main" w="9525">
-                <a:solidFill>
-                  <a:srgbClr val="000000"/>
-                </a:solidFill>
-                <a:miter lim="800000"/>
-                <a:headEnd/>
-                <a:tailEnd/>
-              </a14:hiddenLine>
-            </a:ext>
-          </a:extLst>
-        </p:spPr>
-      </p:pic>
-    </p:spTree>
-    <p:extLst>
-      <p:ext uri="{BB962C8B-B14F-4D97-AF65-F5344CB8AC3E}">
-        <p14:creationId xmlns:p14="http://schemas.microsoft.com/office/powerpoint/2010/main" val="722714087"/>
-      </p:ext>
-    </p:extLst>
-  </p:cSld>
-  <p:clrMapOvr>
-    <a:masterClrMapping/>
-  </p:clrMapOvr>
-  <p:transition spd="slow">
-    <p:push dir="u"/>
-  </p:transition>
-</p:sld>
-</file>
-
-<file path=ppt/slides/slide12.xml><?xml version="1.0" encoding="utf-8"?>
-<p:sld xmlns:a="http://schemas.openxmlformats.org/drawingml/2006/main" xmlns:r="http://schemas.openxmlformats.org/officeDocument/2006/relationships" xmlns:p="http://schemas.openxmlformats.org/presentationml/2006/main">
-  <p:cSld>
-    <p:spTree>
-      <p:nvGrpSpPr>
-        <p:cNvPr id="1" name=""/>
-        <p:cNvGrpSpPr/>
-        <p:nvPr/>
-      </p:nvGrpSpPr>
-      <p:grpSpPr>
-        <a:xfrm>
-          <a:off x="0" y="0"/>
-          <a:ext cx="0" cy="0"/>
-          <a:chOff x="0" y="0"/>
-          <a:chExt cx="0" cy="0"/>
-        </a:xfrm>
-      </p:grpSpPr>
-      <p:pic>
-        <p:nvPicPr>
-          <p:cNvPr id="1026" name="Picture 2">
-            <a:extLst>
-              <a:ext uri="{FF2B5EF4-FFF2-40B4-BE49-F238E27FC236}">
-                <a16:creationId xmlns:a16="http://schemas.microsoft.com/office/drawing/2014/main" id="{AC953A99-F038-2E45-2321-5152EEE882E7}"/>
-              </a:ext>
-            </a:extLst>
-          </p:cNvPr>
-          <p:cNvPicPr>
-            <a:picLocks noChangeAspect="1" noChangeArrowheads="1"/>
-          </p:cNvPicPr>
-          <p:nvPr/>
-        </p:nvPicPr>
-        <p:blipFill rotWithShape="1">
-          <a:blip r:embed="rId2">
-            <a:extLst>
-              <a:ext uri="{28A0092B-C50C-407E-A947-70E740481C1C}">
-                <a14:useLocalDpi xmlns:a14="http://schemas.microsoft.com/office/drawing/2010/main" val="0"/>
-              </a:ext>
-            </a:extLst>
-          </a:blip>
-          <a:srcRect l="4918" t="6454" r="8017" b="3051"/>
-          <a:stretch/>
-        </p:blipFill>
-        <p:spPr bwMode="auto">
-          <a:xfrm>
-            <a:off x="5721914" y="2595715"/>
-            <a:ext cx="6385294" cy="3982065"/>
-          </a:xfrm>
-          <a:prstGeom prst="rect">
-            <a:avLst/>
-          </a:prstGeom>
-          <a:noFill/>
-          <a:ln>
-            <a:noFill/>
-          </a:ln>
-          <a:extLst>
-            <a:ext uri="{909E8E84-426E-40DD-AFC4-6F175D3DCCD1}">
-              <a14:hiddenFill xmlns:a14="http://schemas.microsoft.com/office/drawing/2010/main">
-                <a:solidFill>
-                  <a:srgbClr val="FFFFFF"/>
-                </a:solidFill>
-              </a14:hiddenFill>
-            </a:ext>
-            <a:ext uri="{91240B29-F687-4F45-9708-019B960494DF}">
-              <a14:hiddenLine xmlns:a14="http://schemas.microsoft.com/office/drawing/2010/main" w="9525">
-                <a:solidFill>
-                  <a:srgbClr val="000000"/>
-                </a:solidFill>
-                <a:miter lim="800000"/>
-                <a:headEnd/>
-                <a:tailEnd/>
-              </a14:hiddenLine>
-            </a:ext>
-          </a:extLst>
-        </p:spPr>
-      </p:pic>
-      <p:sp>
-        <p:nvSpPr>
-          <p:cNvPr id="2" name="Title 1">
-            <a:extLst>
-              <a:ext uri="{FF2B5EF4-FFF2-40B4-BE49-F238E27FC236}">
-                <a16:creationId xmlns:a16="http://schemas.microsoft.com/office/drawing/2014/main" id="{588A0D25-CE94-62E6-3D13-8646C7292AD3}"/>
-              </a:ext>
-            </a:extLst>
-          </p:cNvPr>
-          <p:cNvSpPr>
-            <a:spLocks noGrp="1"/>
-          </p:cNvSpPr>
-          <p:nvPr>
-            <p:ph type="title"/>
-          </p:nvPr>
-        </p:nvSpPr>
-        <p:spPr>
-          <a:xfrm>
-            <a:off x="672354" y="638569"/>
-            <a:ext cx="8761413" cy="706964"/>
-          </a:xfrm>
-        </p:spPr>
-        <p:txBody>
-          <a:bodyPr/>
-          <a:lstStyle/>
-          <a:p>
-            <a:r>
-              <a:rPr lang="en-US" sz="3200" b="1" dirty="0"/>
-              <a:t>Data Visualization – Streams Per Year</a:t>
-            </a:r>
-            <a:endParaRPr lang="en-US" sz="3200" dirty="0"/>
           </a:p>
         </p:txBody>
       </p:sp>
@@ -14893,13 +13485,13 @@
           <p:nvPr>
             <p:extLst>
               <p:ext uri="{D42A27DB-BD31-4B8C-83A1-F6EECF244321}">
-                <p14:modId xmlns:p14="http://schemas.microsoft.com/office/powerpoint/2010/main" val="187760697"/>
+                <p14:modId xmlns:p14="http://schemas.microsoft.com/office/powerpoint/2010/main" val="315215683"/>
               </p:ext>
             </p:extLst>
           </p:nvPr>
         </p:nvGraphicFramePr>
         <p:xfrm>
-          <a:off x="1026681" y="5032797"/>
+          <a:off x="1154953" y="3234690"/>
           <a:ext cx="4179966" cy="1703070"/>
         </p:xfrm>
         <a:graphic>
@@ -14922,7 +13514,7 @@
                   </a:extLst>
                 </a:gridCol>
               </a:tblGrid>
-              <a:tr h="37465">
+              <a:tr h="0">
                 <a:tc>
                   <a:txBody>
                     <a:bodyPr/>
@@ -15128,7 +13720,7 @@
                     <a:p>
                       <a:pPr algn="r" rtl="0" fontAlgn="ctr"/>
                       <a:r>
-                        <a:rPr lang="en-US" sz="1800" b="0" i="0" u="none" strike="noStrike" dirty="0">
+                        <a:rPr lang="en-US" sz="1800" b="0" i="0" u="none" strike="noStrike">
                           <a:solidFill>
                             <a:srgbClr val="000000"/>
                           </a:solidFill>
@@ -15242,7 +13834,7 @@
                   </a:ext>
                 </a:extLst>
               </a:tr>
-              <a:tr h="39159">
+              <a:tr h="0">
                 <a:tc>
                   <a:txBody>
                     <a:bodyPr/>
@@ -15404,78 +13996,80 @@
           </a:graphicData>
         </a:graphic>
       </p:graphicFrame>
-      <p:sp>
-        <p:nvSpPr>
-          <p:cNvPr id="3" name="Content Placeholder 2">
+      <p:pic>
+        <p:nvPicPr>
+          <p:cNvPr id="5" name="Picture 4">
             <a:extLst>
               <a:ext uri="{FF2B5EF4-FFF2-40B4-BE49-F238E27FC236}">
-                <a16:creationId xmlns:a16="http://schemas.microsoft.com/office/drawing/2014/main" id="{DEFF6F3F-2BD2-3D76-1483-072534DC4B24}"/>
+                <a16:creationId xmlns:a16="http://schemas.microsoft.com/office/drawing/2014/main" id="{D48D8958-8D7A-2540-E1D9-F9C97CA40D12}"/>
               </a:ext>
             </a:extLst>
           </p:cNvPr>
-          <p:cNvSpPr>
-            <a:spLocks noGrp="1"/>
-          </p:cNvSpPr>
-          <p:nvPr>
-            <p:ph idx="1"/>
-          </p:nvPr>
+          <p:cNvPicPr>
+            <a:picLocks noChangeAspect="1"/>
+          </p:cNvPicPr>
+          <p:nvPr/>
+        </p:nvPicPr>
+        <p:blipFill>
+          <a:blip r:embed="rId2">
+            <a:extLst>
+              <a:ext uri="{28A0092B-C50C-407E-A947-70E740481C1C}">
+                <a14:useLocalDpi xmlns:a14="http://schemas.microsoft.com/office/drawing/2010/main" val="0"/>
+              </a:ext>
+            </a:extLst>
+          </a:blip>
+          <a:stretch>
+            <a:fillRect/>
+          </a:stretch>
+        </p:blipFill>
+        <p:spPr>
+          <a:xfrm>
+            <a:off x="6225071" y="2980214"/>
+            <a:ext cx="5334918" cy="3200951"/>
+          </a:xfrm>
+          <a:prstGeom prst="rect">
+            <a:avLst/>
+          </a:prstGeom>
+        </p:spPr>
+      </p:pic>
+      <p:sp>
+        <p:nvSpPr>
+          <p:cNvPr id="6" name="TextBox 5">
+            <a:extLst>
+              <a:ext uri="{FF2B5EF4-FFF2-40B4-BE49-F238E27FC236}">
+                <a16:creationId xmlns:a16="http://schemas.microsoft.com/office/drawing/2014/main" id="{5D40AB45-2F5D-9FF8-F71D-7A39364174C6}"/>
+              </a:ext>
+            </a:extLst>
+          </p:cNvPr>
+          <p:cNvSpPr txBox="1"/>
+          <p:nvPr/>
         </p:nvSpPr>
         <p:spPr>
           <a:xfrm>
-            <a:off x="318665" y="2309918"/>
-            <a:ext cx="5525247" cy="3416300"/>
+            <a:off x="926353" y="5244857"/>
+            <a:ext cx="5850965" cy="1477328"/>
           </a:xfrm>
+          <a:prstGeom prst="rect">
+            <a:avLst/>
+          </a:prstGeom>
+          <a:noFill/>
         </p:spPr>
         <p:txBody>
-          <a:bodyPr/>
+          <a:bodyPr wrap="square" rtlCol="0">
+            <a:spAutoFit/>
+          </a:bodyPr>
           <a:lstStyle/>
           <a:p>
             <a:r>
-              <a:rPr lang="en-US" b="1" dirty="0">
-                <a:solidFill>
-                  <a:schemeClr val="accent1"/>
-                </a:solidFill>
-              </a:rPr>
-              <a:t>Streams per year pre, during and post Covid</a:t>
+              <a:rPr lang="en-US" dirty="0"/>
+              <a:t>The bar chart clearly show the music streaming increase approximately 4.0B from 2019- 2020. Also note that 2021 streaming data is for 6 month. </a:t>
             </a:r>
           </a:p>
           <a:p>
             <a:r>
-              <a:rPr lang="en-US" b="1" dirty="0">
-                <a:solidFill>
-                  <a:schemeClr val="accent1"/>
-                </a:solidFill>
-              </a:rPr>
-              <a:t>The bar chart clearly show the music streaming increased approximately 4.0 B from 2019- 2020</a:t>
+              <a:rPr lang="en-US" dirty="0"/>
+              <a:t>We estimate that the streaming for the year 2021 year end would  reach 78.0 B streams.</a:t>
             </a:r>
-          </a:p>
-          <a:p>
-            <a:pPr lvl="1"/>
-            <a:r>
-              <a:rPr lang="en-US" sz="1400" b="1" dirty="0">
-                <a:solidFill>
-                  <a:schemeClr val="accent1"/>
-                </a:solidFill>
-              </a:rPr>
-              <a:t>Note that 2021 streaming data is only through July 17, 2021 </a:t>
-            </a:r>
-          </a:p>
-          <a:p>
-            <a:r>
-              <a:rPr lang="en-US" b="1" dirty="0">
-                <a:solidFill>
-                  <a:schemeClr val="accent1"/>
-                </a:solidFill>
-              </a:rPr>
-              <a:t>We estimate that the streaming for the 2021 year end would reach 78.0 B streams</a:t>
-            </a:r>
-          </a:p>
-          <a:p>
-            <a:endParaRPr lang="en-US" b="1" dirty="0">
-              <a:solidFill>
-                <a:schemeClr val="accent1"/>
-              </a:solidFill>
-            </a:endParaRPr>
           </a:p>
         </p:txBody>
       </p:sp>
@@ -15492,10 +14086,131 @@
   <p:transition spd="slow">
     <p:push dir="u"/>
   </p:transition>
+  <p:timing>
+    <p:tnLst>
+      <p:par>
+        <p:cTn id="1" dur="indefinite" restart="never" nodeType="tmRoot">
+          <p:childTnLst>
+            <p:seq concurrent="1" nextAc="seek">
+              <p:cTn id="2" dur="indefinite" nodeType="mainSeq">
+                <p:childTnLst>
+                  <p:par>
+                    <p:cTn id="3" fill="hold">
+                      <p:stCondLst>
+                        <p:cond delay="indefinite"/>
+                      </p:stCondLst>
+                      <p:childTnLst>
+                        <p:par>
+                          <p:cTn id="4" fill="hold">
+                            <p:stCondLst>
+                              <p:cond delay="0"/>
+                            </p:stCondLst>
+                            <p:childTnLst>
+                              <p:par>
+                                <p:cTn id="5" presetID="2" presetClass="entr" presetSubtype="4" fill="hold" nodeType="clickEffect">
+                                  <p:stCondLst>
+                                    <p:cond delay="0"/>
+                                  </p:stCondLst>
+                                  <p:childTnLst>
+                                    <p:set>
+                                      <p:cBhvr>
+                                        <p:cTn id="6" dur="1" fill="hold">
+                                          <p:stCondLst>
+                                            <p:cond delay="0"/>
+                                          </p:stCondLst>
+                                        </p:cTn>
+                                        <p:tgtEl>
+                                          <p:spTgt spid="5"/>
+                                        </p:tgtEl>
+                                        <p:attrNameLst>
+                                          <p:attrName>style.visibility</p:attrName>
+                                        </p:attrNameLst>
+                                      </p:cBhvr>
+                                      <p:to>
+                                        <p:strVal val="visible"/>
+                                      </p:to>
+                                    </p:set>
+                                    <p:anim calcmode="lin" valueType="num">
+                                      <p:cBhvr additive="base">
+                                        <p:cTn id="7" dur="500" fill="hold"/>
+                                        <p:tgtEl>
+                                          <p:spTgt spid="5"/>
+                                        </p:tgtEl>
+                                        <p:attrNameLst>
+                                          <p:attrName>ppt_x</p:attrName>
+                                        </p:attrNameLst>
+                                      </p:cBhvr>
+                                      <p:tavLst>
+                                        <p:tav tm="0">
+                                          <p:val>
+                                            <p:strVal val="#ppt_x"/>
+                                          </p:val>
+                                        </p:tav>
+                                        <p:tav tm="100000">
+                                          <p:val>
+                                            <p:strVal val="#ppt_x"/>
+                                          </p:val>
+                                        </p:tav>
+                                      </p:tavLst>
+                                    </p:anim>
+                                    <p:anim calcmode="lin" valueType="num">
+                                      <p:cBhvr additive="base">
+                                        <p:cTn id="8" dur="500" fill="hold"/>
+                                        <p:tgtEl>
+                                          <p:spTgt spid="5"/>
+                                        </p:tgtEl>
+                                        <p:attrNameLst>
+                                          <p:attrName>ppt_y</p:attrName>
+                                        </p:attrNameLst>
+                                      </p:cBhvr>
+                                      <p:tavLst>
+                                        <p:tav tm="0">
+                                          <p:val>
+                                            <p:strVal val="1+#ppt_h/2"/>
+                                          </p:val>
+                                        </p:tav>
+                                        <p:tav tm="100000">
+                                          <p:val>
+                                            <p:strVal val="#ppt_y"/>
+                                          </p:val>
+                                        </p:tav>
+                                      </p:tavLst>
+                                    </p:anim>
+                                  </p:childTnLst>
+                                </p:cTn>
+                              </p:par>
+                            </p:childTnLst>
+                          </p:cTn>
+                        </p:par>
+                      </p:childTnLst>
+                    </p:cTn>
+                  </p:par>
+                </p:childTnLst>
+              </p:cTn>
+              <p:prevCondLst>
+                <p:cond evt="onPrev" delay="0">
+                  <p:tgtEl>
+                    <p:sldTgt/>
+                  </p:tgtEl>
+                </p:cond>
+              </p:prevCondLst>
+              <p:nextCondLst>
+                <p:cond evt="onNext" delay="0">
+                  <p:tgtEl>
+                    <p:sldTgt/>
+                  </p:tgtEl>
+                </p:cond>
+              </p:nextCondLst>
+            </p:seq>
+          </p:childTnLst>
+        </p:cTn>
+      </p:par>
+    </p:tnLst>
+  </p:timing>
 </p:sld>
 </file>
 
-<file path=ppt/slides/slide13.xml><?xml version="1.0" encoding="utf-8"?>
+<file path=ppt/slides/slide11.xml><?xml version="1.0" encoding="utf-8"?>
 <p:sld xmlns:a="http://schemas.openxmlformats.org/drawingml/2006/main" xmlns:r="http://schemas.openxmlformats.org/officeDocument/2006/relationships" xmlns:p="http://schemas.openxmlformats.org/presentationml/2006/main">
   <p:cSld>
     <p:spTree>
@@ -15528,20 +14243,16 @@
             <p:ph type="title"/>
           </p:nvPr>
         </p:nvSpPr>
-        <p:spPr>
-          <a:xfrm>
-            <a:off x="697757" y="660401"/>
-            <a:ext cx="8761413" cy="706964"/>
-          </a:xfrm>
-        </p:spPr>
+        <p:spPr/>
         <p:txBody>
           <a:bodyPr/>
           <a:lstStyle/>
           <a:p>
             <a:r>
-              <a:rPr lang="en-US" sz="3200" b="1" dirty="0"/>
-              <a:t>Data Visualization - Correlation</a:t>
+              <a:rPr lang="en-US" b="1" dirty="0"/>
+              <a:t>Data Visualization</a:t>
             </a:r>
+            <a:endParaRPr lang="en-US" dirty="0"/>
           </a:p>
         </p:txBody>
       </p:sp>
@@ -15563,14 +14274,12 @@
         </p:nvSpPr>
         <p:spPr>
           <a:xfrm>
-            <a:off x="697757" y="3014133"/>
-            <a:ext cx="4991844" cy="3566980"/>
+            <a:off x="1154954" y="2603500"/>
+            <a:ext cx="10396070" cy="3416300"/>
           </a:xfrm>
         </p:spPr>
         <p:txBody>
-          <a:bodyPr>
-            <a:normAutofit/>
-          </a:bodyPr>
+          <a:bodyPr/>
           <a:lstStyle/>
           <a:p>
             <a:r>
@@ -15579,9 +14288,257 @@
                   <a:schemeClr val="accent1"/>
                 </a:solidFill>
               </a:rPr>
-              <a:t>Correlation between streaming music and Covid</a:t>
+              <a:t>Stream/Downloads per Year , Pre-During and Post  Covid-19</a:t>
             </a:r>
           </a:p>
+          <a:p>
+            <a:endParaRPr lang="en-US" b="1" dirty="0">
+              <a:solidFill>
+                <a:schemeClr val="accent1"/>
+              </a:solidFill>
+            </a:endParaRPr>
+          </a:p>
+        </p:txBody>
+      </p:sp>
+      <p:pic>
+        <p:nvPicPr>
+          <p:cNvPr id="7" name="Picture 6">
+            <a:extLst>
+              <a:ext uri="{FF2B5EF4-FFF2-40B4-BE49-F238E27FC236}">
+                <a16:creationId xmlns:a16="http://schemas.microsoft.com/office/drawing/2014/main" id="{02B435F8-507A-321C-2D2B-BB60D33798E9}"/>
+              </a:ext>
+            </a:extLst>
+          </p:cNvPr>
+          <p:cNvPicPr>
+            <a:picLocks noChangeAspect="1"/>
+          </p:cNvPicPr>
+          <p:nvPr/>
+        </p:nvPicPr>
+        <p:blipFill>
+          <a:blip r:embed="rId2">
+            <a:extLst>
+              <a:ext uri="{28A0092B-C50C-407E-A947-70E740481C1C}">
+                <a14:useLocalDpi xmlns:a14="http://schemas.microsoft.com/office/drawing/2010/main" val="0"/>
+              </a:ext>
+            </a:extLst>
+          </a:blip>
+          <a:stretch>
+            <a:fillRect/>
+          </a:stretch>
+        </p:blipFill>
+        <p:spPr>
+          <a:xfrm>
+            <a:off x="1349188" y="3011168"/>
+            <a:ext cx="8803341" cy="3200951"/>
+          </a:xfrm>
+          <a:prstGeom prst="rect">
+            <a:avLst/>
+          </a:prstGeom>
+        </p:spPr>
+      </p:pic>
+    </p:spTree>
+    <p:extLst>
+      <p:ext uri="{BB962C8B-B14F-4D97-AF65-F5344CB8AC3E}">
+        <p14:creationId xmlns:p14="http://schemas.microsoft.com/office/powerpoint/2010/main" val="4266404959"/>
+      </p:ext>
+    </p:extLst>
+  </p:cSld>
+  <p:clrMapOvr>
+    <a:masterClrMapping/>
+  </p:clrMapOvr>
+  <p:transition spd="slow">
+    <p:push dir="u"/>
+  </p:transition>
+  <p:timing>
+    <p:tnLst>
+      <p:par>
+        <p:cTn id="1" dur="indefinite" restart="never" nodeType="tmRoot">
+          <p:childTnLst>
+            <p:seq concurrent="1" nextAc="seek">
+              <p:cTn id="2" dur="indefinite" nodeType="mainSeq">
+                <p:childTnLst>
+                  <p:par>
+                    <p:cTn id="3" fill="hold">
+                      <p:stCondLst>
+                        <p:cond delay="indefinite"/>
+                      </p:stCondLst>
+                      <p:childTnLst>
+                        <p:par>
+                          <p:cTn id="4" fill="hold">
+                            <p:stCondLst>
+                              <p:cond delay="0"/>
+                            </p:stCondLst>
+                            <p:childTnLst>
+                              <p:par>
+                                <p:cTn id="5" presetID="2" presetClass="entr" presetSubtype="4" fill="hold" nodeType="clickEffect">
+                                  <p:stCondLst>
+                                    <p:cond delay="0"/>
+                                  </p:stCondLst>
+                                  <p:childTnLst>
+                                    <p:set>
+                                      <p:cBhvr>
+                                        <p:cTn id="6" dur="1" fill="hold">
+                                          <p:stCondLst>
+                                            <p:cond delay="0"/>
+                                          </p:stCondLst>
+                                        </p:cTn>
+                                        <p:tgtEl>
+                                          <p:spTgt spid="7"/>
+                                        </p:tgtEl>
+                                        <p:attrNameLst>
+                                          <p:attrName>style.visibility</p:attrName>
+                                        </p:attrNameLst>
+                                      </p:cBhvr>
+                                      <p:to>
+                                        <p:strVal val="visible"/>
+                                      </p:to>
+                                    </p:set>
+                                    <p:anim calcmode="lin" valueType="num">
+                                      <p:cBhvr additive="base">
+                                        <p:cTn id="7" dur="500" fill="hold"/>
+                                        <p:tgtEl>
+                                          <p:spTgt spid="7"/>
+                                        </p:tgtEl>
+                                        <p:attrNameLst>
+                                          <p:attrName>ppt_x</p:attrName>
+                                        </p:attrNameLst>
+                                      </p:cBhvr>
+                                      <p:tavLst>
+                                        <p:tav tm="0">
+                                          <p:val>
+                                            <p:strVal val="#ppt_x"/>
+                                          </p:val>
+                                        </p:tav>
+                                        <p:tav tm="100000">
+                                          <p:val>
+                                            <p:strVal val="#ppt_x"/>
+                                          </p:val>
+                                        </p:tav>
+                                      </p:tavLst>
+                                    </p:anim>
+                                    <p:anim calcmode="lin" valueType="num">
+                                      <p:cBhvr additive="base">
+                                        <p:cTn id="8" dur="500" fill="hold"/>
+                                        <p:tgtEl>
+                                          <p:spTgt spid="7"/>
+                                        </p:tgtEl>
+                                        <p:attrNameLst>
+                                          <p:attrName>ppt_y</p:attrName>
+                                        </p:attrNameLst>
+                                      </p:cBhvr>
+                                      <p:tavLst>
+                                        <p:tav tm="0">
+                                          <p:val>
+                                            <p:strVal val="1+#ppt_h/2"/>
+                                          </p:val>
+                                        </p:tav>
+                                        <p:tav tm="100000">
+                                          <p:val>
+                                            <p:strVal val="#ppt_y"/>
+                                          </p:val>
+                                        </p:tav>
+                                      </p:tavLst>
+                                    </p:anim>
+                                  </p:childTnLst>
+                                </p:cTn>
+                              </p:par>
+                            </p:childTnLst>
+                          </p:cTn>
+                        </p:par>
+                      </p:childTnLst>
+                    </p:cTn>
+                  </p:par>
+                </p:childTnLst>
+              </p:cTn>
+              <p:prevCondLst>
+                <p:cond evt="onPrev" delay="0">
+                  <p:tgtEl>
+                    <p:sldTgt/>
+                  </p:tgtEl>
+                </p:cond>
+              </p:prevCondLst>
+              <p:nextCondLst>
+                <p:cond evt="onNext" delay="0">
+                  <p:tgtEl>
+                    <p:sldTgt/>
+                  </p:tgtEl>
+                </p:cond>
+              </p:nextCondLst>
+            </p:seq>
+          </p:childTnLst>
+        </p:cTn>
+      </p:par>
+    </p:tnLst>
+  </p:timing>
+</p:sld>
+</file>
+
+<file path=ppt/slides/slide12.xml><?xml version="1.0" encoding="utf-8"?>
+<p:sld xmlns:a="http://schemas.openxmlformats.org/drawingml/2006/main" xmlns:r="http://schemas.openxmlformats.org/officeDocument/2006/relationships" xmlns:p="http://schemas.openxmlformats.org/presentationml/2006/main">
+  <p:cSld>
+    <p:spTree>
+      <p:nvGrpSpPr>
+        <p:cNvPr id="1" name=""/>
+        <p:cNvGrpSpPr/>
+        <p:nvPr/>
+      </p:nvGrpSpPr>
+      <p:grpSpPr>
+        <a:xfrm>
+          <a:off x="0" y="0"/>
+          <a:ext cx="0" cy="0"/>
+          <a:chOff x="0" y="0"/>
+          <a:chExt cx="0" cy="0"/>
+        </a:xfrm>
+      </p:grpSpPr>
+      <p:sp>
+        <p:nvSpPr>
+          <p:cNvPr id="2" name="Title 1">
+            <a:extLst>
+              <a:ext uri="{FF2B5EF4-FFF2-40B4-BE49-F238E27FC236}">
+                <a16:creationId xmlns:a16="http://schemas.microsoft.com/office/drawing/2014/main" id="{588A0D25-CE94-62E6-3D13-8646C7292AD3}"/>
+              </a:ext>
+            </a:extLst>
+          </p:cNvPr>
+          <p:cNvSpPr>
+            <a:spLocks noGrp="1"/>
+          </p:cNvSpPr>
+          <p:nvPr>
+            <p:ph type="title"/>
+          </p:nvPr>
+        </p:nvSpPr>
+        <p:spPr/>
+        <p:txBody>
+          <a:bodyPr/>
+          <a:lstStyle/>
+          <a:p>
+            <a:r>
+              <a:rPr lang="en-US" b="1" dirty="0"/>
+              <a:t>Data Visualization</a:t>
+            </a:r>
+            <a:endParaRPr lang="en-US" dirty="0"/>
+          </a:p>
+        </p:txBody>
+      </p:sp>
+      <p:sp>
+        <p:nvSpPr>
+          <p:cNvPr id="3" name="Content Placeholder 2">
+            <a:extLst>
+              <a:ext uri="{FF2B5EF4-FFF2-40B4-BE49-F238E27FC236}">
+                <a16:creationId xmlns:a16="http://schemas.microsoft.com/office/drawing/2014/main" id="{DEFF6F3F-2BD2-3D76-1483-072534DC4B24}"/>
+              </a:ext>
+            </a:extLst>
+          </p:cNvPr>
+          <p:cNvSpPr>
+            <a:spLocks noGrp="1"/>
+          </p:cNvSpPr>
+          <p:nvPr>
+            <p:ph idx="1"/>
+          </p:nvPr>
+        </p:nvSpPr>
+        <p:spPr/>
+        <p:txBody>
+          <a:bodyPr/>
+          <a:lstStyle/>
           <a:p>
             <a:r>
               <a:rPr lang="en-US" b="1" dirty="0">
@@ -15589,57 +14546,85 @@
                   <a:schemeClr val="accent1"/>
                 </a:solidFill>
               </a:rPr>
-              <a:t>This graph shows the trend music streaming took from January 1</a:t>
+              <a:t>Correlation between streaming Music and Covid-19</a:t>
             </a:r>
+          </a:p>
+        </p:txBody>
+      </p:sp>
+      <p:pic>
+        <p:nvPicPr>
+          <p:cNvPr id="7" name="Picture 6">
+            <a:extLst>
+              <a:ext uri="{FF2B5EF4-FFF2-40B4-BE49-F238E27FC236}">
+                <a16:creationId xmlns:a16="http://schemas.microsoft.com/office/drawing/2014/main" id="{D2C1CE95-5A5E-4483-C967-3CFC6EC02F4C}"/>
+              </a:ext>
+            </a:extLst>
+          </p:cNvPr>
+          <p:cNvPicPr>
+            <a:picLocks noChangeAspect="1"/>
+          </p:cNvPicPr>
+          <p:nvPr/>
+        </p:nvPicPr>
+        <p:blipFill>
+          <a:blip r:embed="rId2">
+            <a:extLst>
+              <a:ext uri="{28A0092B-C50C-407E-A947-70E740481C1C}">
+                <a14:useLocalDpi xmlns:a14="http://schemas.microsoft.com/office/drawing/2010/main" val="0"/>
+              </a:ext>
+            </a:extLst>
+          </a:blip>
+          <a:stretch>
+            <a:fillRect/>
+          </a:stretch>
+        </p:blipFill>
+        <p:spPr>
+          <a:xfrm>
+            <a:off x="5023948" y="2902348"/>
+            <a:ext cx="4395474" cy="3192275"/>
+          </a:xfrm>
+          <a:prstGeom prst="rect">
+            <a:avLst/>
+          </a:prstGeom>
+        </p:spPr>
+      </p:pic>
+      <p:sp>
+        <p:nvSpPr>
+          <p:cNvPr id="8" name="TextBox 7">
+            <a:extLst>
+              <a:ext uri="{FF2B5EF4-FFF2-40B4-BE49-F238E27FC236}">
+                <a16:creationId xmlns:a16="http://schemas.microsoft.com/office/drawing/2014/main" id="{340B037A-6903-1328-9D09-A859B1318736}"/>
+              </a:ext>
+            </a:extLst>
+          </p:cNvPr>
+          <p:cNvSpPr txBox="1"/>
+          <p:nvPr/>
+        </p:nvSpPr>
+        <p:spPr>
+          <a:xfrm>
+            <a:off x="1154954" y="6019800"/>
+            <a:ext cx="8264468" cy="923330"/>
+          </a:xfrm>
+          <a:prstGeom prst="rect">
+            <a:avLst/>
+          </a:prstGeom>
+          <a:noFill/>
+        </p:spPr>
+        <p:txBody>
+          <a:bodyPr wrap="square" rtlCol="0">
+            <a:spAutoFit/>
+          </a:bodyPr>
+          <a:lstStyle/>
+          <a:p>
             <a:r>
-              <a:rPr lang="en-US" b="1" baseline="30000" dirty="0">
-                <a:solidFill>
-                  <a:schemeClr val="accent1"/>
-                </a:solidFill>
-              </a:rPr>
-              <a:t>st, </a:t>
+              <a:rPr lang="en-US" dirty="0"/>
+              <a:t>This graph shows the trend the music streaming took from 2017 – 2021</a:t>
             </a:r>
+          </a:p>
+          <a:p>
             <a:r>
-              <a:rPr lang="en-US" b="1" dirty="0">
-                <a:solidFill>
-                  <a:schemeClr val="accent1"/>
-                </a:solidFill>
-              </a:rPr>
-              <a:t>2017 to July 17</a:t>
-            </a:r>
-            <a:r>
-              <a:rPr lang="en-US" b="1" baseline="30000" dirty="0">
-                <a:solidFill>
-                  <a:schemeClr val="accent1"/>
-                </a:solidFill>
-              </a:rPr>
-              <a:t>th, </a:t>
-            </a:r>
-            <a:r>
-              <a:rPr lang="en-US" b="1" dirty="0">
-                <a:solidFill>
-                  <a:schemeClr val="accent1"/>
-                </a:solidFill>
-              </a:rPr>
-              <a:t>2021</a:t>
-            </a:r>
-          </a:p>
-          <a:p>
-            <a:r>
-              <a:rPr lang="en-US" b="1" dirty="0">
-                <a:solidFill>
-                  <a:schemeClr val="accent1"/>
-                </a:solidFill>
-              </a:rPr>
+              <a:rPr lang="en-US" dirty="0"/>
               <a:t>There is a positive correlation between music streamed and covid 19 era.</a:t>
             </a:r>
-          </a:p>
-          <a:p>
-            <a:endParaRPr lang="en-US" b="1" dirty="0">
-              <a:solidFill>
-                <a:schemeClr val="accent1"/>
-              </a:solidFill>
-            </a:endParaRPr>
           </a:p>
         </p:txBody>
       </p:sp>
@@ -15657,21 +14642,22 @@
           </p:cNvPicPr>
           <p:nvPr/>
         </p:nvPicPr>
-        <p:blipFill rotWithShape="1">
-          <a:blip r:embed="rId2">
+        <p:blipFill>
+          <a:blip r:embed="rId3">
             <a:extLst>
               <a:ext uri="{28A0092B-C50C-407E-A947-70E740481C1C}">
                 <a14:useLocalDpi xmlns:a14="http://schemas.microsoft.com/office/drawing/2010/main" val="0"/>
               </a:ext>
             </a:extLst>
           </a:blip>
-          <a:srcRect l="4416" t="5042" r="3962"/>
-          <a:stretch/>
+          <a:stretch>
+            <a:fillRect/>
+          </a:stretch>
         </p:blipFill>
         <p:spPr>
           <a:xfrm>
-            <a:off x="6096000" y="2260110"/>
-            <a:ext cx="5558900" cy="4321003"/>
+            <a:off x="1028736" y="2902348"/>
+            <a:ext cx="4121431" cy="3091073"/>
           </a:xfrm>
           <a:prstGeom prst="rect">
             <a:avLst/>
@@ -15790,6 +14776,97 @@
                       </p:childTnLst>
                     </p:cTn>
                   </p:par>
+                  <p:par>
+                    <p:cTn id="9" fill="hold">
+                      <p:stCondLst>
+                        <p:cond delay="indefinite"/>
+                      </p:stCondLst>
+                      <p:childTnLst>
+                        <p:par>
+                          <p:cTn id="10" fill="hold">
+                            <p:stCondLst>
+                              <p:cond delay="0"/>
+                            </p:stCondLst>
+                            <p:childTnLst>
+                              <p:par>
+                                <p:cTn id="11" presetID="2" presetClass="entr" presetSubtype="4" fill="hold" nodeType="clickEffect">
+                                  <p:stCondLst>
+                                    <p:cond delay="0"/>
+                                  </p:stCondLst>
+                                  <p:childTnLst>
+                                    <p:set>
+                                      <p:cBhvr>
+                                        <p:cTn id="12" dur="1" fill="hold">
+                                          <p:stCondLst>
+                                            <p:cond delay="0"/>
+                                          </p:stCondLst>
+                                        </p:cTn>
+                                        <p:tgtEl>
+                                          <p:spTgt spid="7"/>
+                                        </p:tgtEl>
+                                        <p:attrNameLst>
+                                          <p:attrName>style.visibility</p:attrName>
+                                        </p:attrNameLst>
+                                      </p:cBhvr>
+                                      <p:to>
+                                        <p:strVal val="visible"/>
+                                      </p:to>
+                                    </p:set>
+                                    <p:anim calcmode="lin" valueType="num">
+                                      <p:cBhvr additive="base">
+                                        <p:cTn id="13" dur="500" fill="hold"/>
+                                        <p:tgtEl>
+                                          <p:spTgt spid="7"/>
+                                        </p:tgtEl>
+                                        <p:attrNameLst>
+                                          <p:attrName>ppt_x</p:attrName>
+                                        </p:attrNameLst>
+                                      </p:cBhvr>
+                                      <p:tavLst>
+                                        <p:tav tm="0">
+                                          <p:val>
+                                            <p:strVal val="#ppt_x"/>
+                                          </p:val>
+                                        </p:tav>
+                                        <p:tav tm="100000">
+                                          <p:val>
+                                            <p:strVal val="#ppt_x"/>
+                                          </p:val>
+                                        </p:tav>
+                                      </p:tavLst>
+                                    </p:anim>
+                                    <p:anim calcmode="lin" valueType="num">
+                                      <p:cBhvr additive="base">
+                                        <p:cTn id="14" dur="500" fill="hold"/>
+                                        <p:tgtEl>
+                                          <p:spTgt spid="7"/>
+                                        </p:tgtEl>
+                                        <p:attrNameLst>
+                                          <p:attrName>ppt_y</p:attrName>
+                                        </p:attrNameLst>
+                                      </p:cBhvr>
+                                      <p:tavLst>
+                                        <p:tav tm="0">
+                                          <p:val>
+                                            <p:strVal val="1+#ppt_h/2"/>
+                                          </p:val>
+                                        </p:tav>
+                                        <p:tav tm="100000">
+                                          <p:val>
+                                            <p:strVal val="#ppt_y"/>
+                                          </p:val>
+                                        </p:tav>
+                                      </p:tavLst>
+                                    </p:anim>
+                                  </p:childTnLst>
+                                </p:cTn>
+                              </p:par>
+                            </p:childTnLst>
+                          </p:cTn>
+                        </p:par>
+                      </p:childTnLst>
+                    </p:cTn>
+                  </p:par>
                 </p:childTnLst>
               </p:cTn>
               <p:prevCondLst>
@@ -15815,1135 +14892,7 @@
 </p:sld>
 </file>
 
-<file path=ppt/slides/slide14.xml><?xml version="1.0" encoding="utf-8"?>
-<p:sld xmlns:a="http://schemas.openxmlformats.org/drawingml/2006/main" xmlns:r="http://schemas.openxmlformats.org/officeDocument/2006/relationships" xmlns:p="http://schemas.openxmlformats.org/presentationml/2006/main">
-  <p:cSld>
-    <p:spTree>
-      <p:nvGrpSpPr>
-        <p:cNvPr id="1" name=""/>
-        <p:cNvGrpSpPr/>
-        <p:nvPr/>
-      </p:nvGrpSpPr>
-      <p:grpSpPr>
-        <a:xfrm>
-          <a:off x="0" y="0"/>
-          <a:ext cx="0" cy="0"/>
-          <a:chOff x="0" y="0"/>
-          <a:chExt cx="0" cy="0"/>
-        </a:xfrm>
-      </p:grpSpPr>
-      <p:sp>
-        <p:nvSpPr>
-          <p:cNvPr id="3" name="Content Placeholder 2">
-            <a:extLst>
-              <a:ext uri="{FF2B5EF4-FFF2-40B4-BE49-F238E27FC236}">
-                <a16:creationId xmlns:a16="http://schemas.microsoft.com/office/drawing/2014/main" id="{DEFF6F3F-2BD2-3D76-1483-072534DC4B24}"/>
-              </a:ext>
-            </a:extLst>
-          </p:cNvPr>
-          <p:cNvSpPr>
-            <a:spLocks noGrp="1"/>
-          </p:cNvSpPr>
-          <p:nvPr>
-            <p:ph idx="1"/>
-          </p:nvPr>
-        </p:nvSpPr>
-        <p:spPr>
-          <a:xfrm>
-            <a:off x="252635" y="2235201"/>
-            <a:ext cx="3796852" cy="4383868"/>
-          </a:xfrm>
-        </p:spPr>
-        <p:txBody>
-          <a:bodyPr>
-            <a:normAutofit fontScale="85000" lnSpcReduction="10000"/>
-          </a:bodyPr>
-          <a:lstStyle/>
-          <a:p>
-            <a:r>
-              <a:rPr lang="en-US" b="1" dirty="0">
-                <a:solidFill>
-                  <a:schemeClr val="accent1"/>
-                </a:solidFill>
-              </a:rPr>
-              <a:t>Tempo is the overall estimated tempo of a track in beats per minute (BPM)</a:t>
-            </a:r>
-          </a:p>
-          <a:p>
-            <a:r>
-              <a:rPr lang="en-US" b="1" dirty="0">
-                <a:solidFill>
-                  <a:schemeClr val="accent1"/>
-                </a:solidFill>
-              </a:rPr>
-              <a:t>In musical terminology, tempo is the speed or pace of a given piece and derived directly from the average beat duration</a:t>
-            </a:r>
-          </a:p>
-          <a:p>
-            <a:r>
-              <a:rPr lang="en-US" b="1" dirty="0">
-                <a:solidFill>
-                  <a:schemeClr val="accent1"/>
-                </a:solidFill>
-              </a:rPr>
-              <a:t>Tempo was split into three different speeds for analysis</a:t>
-            </a:r>
-          </a:p>
-          <a:p>
-            <a:pPr lvl="1"/>
-            <a:r>
-              <a:rPr lang="en-US" b="1" dirty="0">
-                <a:solidFill>
-                  <a:schemeClr val="accent1"/>
-                </a:solidFill>
-              </a:rPr>
-              <a:t>Fast &gt; 120 BPM</a:t>
-            </a:r>
-          </a:p>
-          <a:p>
-            <a:pPr lvl="1"/>
-            <a:r>
-              <a:rPr lang="en-US" b="1" dirty="0">
-                <a:solidFill>
-                  <a:schemeClr val="accent1"/>
-                </a:solidFill>
-              </a:rPr>
-              <a:t>Medium 76-120 BPM</a:t>
-            </a:r>
-          </a:p>
-          <a:p>
-            <a:pPr lvl="1"/>
-            <a:r>
-              <a:rPr lang="en-US" b="1" dirty="0">
-                <a:solidFill>
-                  <a:schemeClr val="accent1"/>
-                </a:solidFill>
-              </a:rPr>
-              <a:t>Slow &lt; 75P BPM</a:t>
-            </a:r>
-          </a:p>
-          <a:p>
-            <a:r>
-              <a:rPr lang="en-US" b="1" dirty="0">
-                <a:solidFill>
-                  <a:schemeClr val="accent1"/>
-                </a:solidFill>
-              </a:rPr>
-              <a:t>During post COVID lockdown, the tempo of songs being streamed saw an increase of about 6% in comparison to pre COVID lockdown numbers</a:t>
-            </a:r>
-          </a:p>
-          <a:p>
-            <a:endParaRPr lang="en-US" b="1" dirty="0">
-              <a:solidFill>
-                <a:schemeClr val="accent1"/>
-              </a:solidFill>
-            </a:endParaRPr>
-          </a:p>
-          <a:p>
-            <a:endParaRPr lang="en-US" b="1" dirty="0">
-              <a:solidFill>
-                <a:schemeClr val="accent1"/>
-              </a:solidFill>
-            </a:endParaRPr>
-          </a:p>
-        </p:txBody>
-      </p:sp>
-      <p:pic>
-        <p:nvPicPr>
-          <p:cNvPr id="12" name="Picture 11" descr="Chart, scatter chart&#10;&#10;Description automatically generated">
-            <a:extLst>
-              <a:ext uri="{FF2B5EF4-FFF2-40B4-BE49-F238E27FC236}">
-                <a16:creationId xmlns:a16="http://schemas.microsoft.com/office/drawing/2014/main" id="{BB1C559C-7B07-BAC5-9BF1-019888A9AC86}"/>
-              </a:ext>
-            </a:extLst>
-          </p:cNvPr>
-          <p:cNvPicPr>
-            <a:picLocks noChangeAspect="1"/>
-          </p:cNvPicPr>
-          <p:nvPr/>
-        </p:nvPicPr>
-        <p:blipFill rotWithShape="1">
-          <a:blip r:embed="rId2">
-            <a:extLst>
-              <a:ext uri="{28A0092B-C50C-407E-A947-70E740481C1C}">
-                <a14:useLocalDpi xmlns:a14="http://schemas.microsoft.com/office/drawing/2010/main" val="0"/>
-              </a:ext>
-            </a:extLst>
-          </a:blip>
-          <a:srcRect l="8090" t="7056" r="8471"/>
-          <a:stretch/>
-        </p:blipFill>
-        <p:spPr>
-          <a:xfrm>
-            <a:off x="4186135" y="1669977"/>
-            <a:ext cx="7753231" cy="2159114"/>
-          </a:xfrm>
-          <a:prstGeom prst="rect">
-            <a:avLst/>
-          </a:prstGeom>
-          <a:ln>
-            <a:noFill/>
-          </a:ln>
-        </p:spPr>
-      </p:pic>
-      <p:pic>
-        <p:nvPicPr>
-          <p:cNvPr id="13" name="Picture 12" descr="Chart, pie chart&#10;&#10;Description automatically generated">
-            <a:extLst>
-              <a:ext uri="{FF2B5EF4-FFF2-40B4-BE49-F238E27FC236}">
-                <a16:creationId xmlns:a16="http://schemas.microsoft.com/office/drawing/2014/main" id="{1B642E0F-BB53-E2DF-F409-B5B443EC7DB6}"/>
-              </a:ext>
-            </a:extLst>
-          </p:cNvPr>
-          <p:cNvPicPr>
-            <a:picLocks noChangeAspect="1"/>
-          </p:cNvPicPr>
-          <p:nvPr/>
-        </p:nvPicPr>
-        <p:blipFill rotWithShape="1">
-          <a:blip r:embed="rId3">
-            <a:extLst>
-              <a:ext uri="{28A0092B-C50C-407E-A947-70E740481C1C}">
-                <a14:useLocalDpi xmlns:a14="http://schemas.microsoft.com/office/drawing/2010/main" val="0"/>
-              </a:ext>
-            </a:extLst>
-          </a:blip>
-          <a:srcRect l="7101" t="3587" r="4889" b="15706"/>
-          <a:stretch/>
-        </p:blipFill>
-        <p:spPr>
-          <a:xfrm>
-            <a:off x="7882699" y="3829091"/>
-            <a:ext cx="4056667" cy="2789978"/>
-          </a:xfrm>
-          <a:prstGeom prst="rect">
-            <a:avLst/>
-          </a:prstGeom>
-          <a:ln>
-            <a:noFill/>
-          </a:ln>
-        </p:spPr>
-      </p:pic>
-      <p:pic>
-        <p:nvPicPr>
-          <p:cNvPr id="17" name="Picture 16" descr="Chart, pie chart&#10;&#10;Description automatically generated">
-            <a:extLst>
-              <a:ext uri="{FF2B5EF4-FFF2-40B4-BE49-F238E27FC236}">
-                <a16:creationId xmlns:a16="http://schemas.microsoft.com/office/drawing/2014/main" id="{1A5C090F-CDAE-9362-B5AD-4818AC8EB704}"/>
-              </a:ext>
-            </a:extLst>
-          </p:cNvPr>
-          <p:cNvPicPr>
-            <a:picLocks noChangeAspect="1"/>
-          </p:cNvPicPr>
-          <p:nvPr/>
-        </p:nvPicPr>
-        <p:blipFill rotWithShape="1">
-          <a:blip r:embed="rId4">
-            <a:extLst>
-              <a:ext uri="{28A0092B-C50C-407E-A947-70E740481C1C}">
-                <a14:useLocalDpi xmlns:a14="http://schemas.microsoft.com/office/drawing/2010/main" val="0"/>
-              </a:ext>
-            </a:extLst>
-          </a:blip>
-          <a:srcRect l="11170" t="4040" r="8624" b="15246"/>
-          <a:stretch/>
-        </p:blipFill>
-        <p:spPr>
-          <a:xfrm>
-            <a:off x="4186135" y="3829091"/>
-            <a:ext cx="3696564" cy="2789978"/>
-          </a:xfrm>
-          <a:prstGeom prst="rect">
-            <a:avLst/>
-          </a:prstGeom>
-          <a:ln>
-            <a:noFill/>
-          </a:ln>
-        </p:spPr>
-      </p:pic>
-      <p:cxnSp>
-        <p:nvCxnSpPr>
-          <p:cNvPr id="21" name="Straight Connector 20">
-            <a:extLst>
-              <a:ext uri="{FF2B5EF4-FFF2-40B4-BE49-F238E27FC236}">
-                <a16:creationId xmlns:a16="http://schemas.microsoft.com/office/drawing/2014/main" id="{A3651520-2377-2F01-9CD8-F55DC66DFD91}"/>
-              </a:ext>
-            </a:extLst>
-          </p:cNvPr>
-          <p:cNvCxnSpPr>
-            <a:cxnSpLocks/>
-          </p:cNvCxnSpPr>
-          <p:nvPr/>
-        </p:nvCxnSpPr>
-        <p:spPr>
-          <a:xfrm flipV="1">
-            <a:off x="8062750" y="1799303"/>
-            <a:ext cx="0" cy="1563022"/>
-          </a:xfrm>
-          <a:prstGeom prst="line">
-            <a:avLst/>
-          </a:prstGeom>
-          <a:ln>
-            <a:solidFill>
-              <a:srgbClr val="FF0000"/>
-            </a:solidFill>
-          </a:ln>
-        </p:spPr>
-        <p:style>
-          <a:lnRef idx="1">
-            <a:schemeClr val="accent1"/>
-          </a:lnRef>
-          <a:fillRef idx="0">
-            <a:schemeClr val="accent1"/>
-          </a:fillRef>
-          <a:effectRef idx="0">
-            <a:schemeClr val="accent1"/>
-          </a:effectRef>
-          <a:fontRef idx="minor">
-            <a:schemeClr val="tx1"/>
-          </a:fontRef>
-        </p:style>
-      </p:cxnSp>
-      <p:sp>
-        <p:nvSpPr>
-          <p:cNvPr id="4" name="Title 1">
-            <a:extLst>
-              <a:ext uri="{FF2B5EF4-FFF2-40B4-BE49-F238E27FC236}">
-                <a16:creationId xmlns:a16="http://schemas.microsoft.com/office/drawing/2014/main" id="{7A0A1151-4F76-572C-BC31-25A3B8AD3BF6}"/>
-              </a:ext>
-            </a:extLst>
-          </p:cNvPr>
-          <p:cNvSpPr txBox="1">
-            <a:spLocks/>
-          </p:cNvSpPr>
-          <p:nvPr/>
-        </p:nvSpPr>
-        <p:spPr bwMode="gray">
-          <a:xfrm>
-            <a:off x="697757" y="660401"/>
-            <a:ext cx="8761413" cy="706964"/>
-          </a:xfrm>
-          <a:prstGeom prst="rect">
-            <a:avLst/>
-          </a:prstGeom>
-        </p:spPr>
-        <p:txBody>
-          <a:bodyPr vert="horz" lIns="91440" tIns="45720" rIns="91440" bIns="45720" rtlCol="0" anchor="ctr">
-            <a:noAutofit/>
-          </a:bodyPr>
-          <a:lstStyle>
-            <a:lvl1pPr algn="l" defTabSz="457200" rtl="0" eaLnBrk="1" latinLnBrk="0" hangingPunct="1">
-              <a:spcBef>
-                <a:spcPct val="0"/>
-              </a:spcBef>
-              <a:buNone/>
-              <a:defRPr sz="3600" b="0" i="0" kern="1200">
-                <a:solidFill>
-                  <a:schemeClr val="bg2"/>
-                </a:solidFill>
-                <a:latin typeface="+mj-lt"/>
-                <a:ea typeface="+mj-ea"/>
-                <a:cs typeface="+mj-cs"/>
-              </a:defRPr>
-            </a:lvl1pPr>
-            <a:lvl2pPr eaLnBrk="1" hangingPunct="1">
-              <a:defRPr>
-                <a:solidFill>
-                  <a:schemeClr val="tx2"/>
-                </a:solidFill>
-              </a:defRPr>
-            </a:lvl2pPr>
-            <a:lvl3pPr eaLnBrk="1" hangingPunct="1">
-              <a:defRPr>
-                <a:solidFill>
-                  <a:schemeClr val="tx2"/>
-                </a:solidFill>
-              </a:defRPr>
-            </a:lvl3pPr>
-            <a:lvl4pPr eaLnBrk="1" hangingPunct="1">
-              <a:defRPr>
-                <a:solidFill>
-                  <a:schemeClr val="tx2"/>
-                </a:solidFill>
-              </a:defRPr>
-            </a:lvl4pPr>
-            <a:lvl5pPr eaLnBrk="1" hangingPunct="1">
-              <a:defRPr>
-                <a:solidFill>
-                  <a:schemeClr val="tx2"/>
-                </a:solidFill>
-              </a:defRPr>
-            </a:lvl5pPr>
-            <a:lvl6pPr eaLnBrk="1" hangingPunct="1">
-              <a:defRPr>
-                <a:solidFill>
-                  <a:schemeClr val="tx2"/>
-                </a:solidFill>
-              </a:defRPr>
-            </a:lvl6pPr>
-            <a:lvl7pPr eaLnBrk="1" hangingPunct="1">
-              <a:defRPr>
-                <a:solidFill>
-                  <a:schemeClr val="tx2"/>
-                </a:solidFill>
-              </a:defRPr>
-            </a:lvl7pPr>
-            <a:lvl8pPr eaLnBrk="1" hangingPunct="1">
-              <a:defRPr>
-                <a:solidFill>
-                  <a:schemeClr val="tx2"/>
-                </a:solidFill>
-              </a:defRPr>
-            </a:lvl8pPr>
-            <a:lvl9pPr eaLnBrk="1" hangingPunct="1">
-              <a:defRPr>
-                <a:solidFill>
-                  <a:schemeClr val="tx2"/>
-                </a:solidFill>
-              </a:defRPr>
-            </a:lvl9pPr>
-          </a:lstStyle>
-          <a:p>
-            <a:r>
-              <a:rPr lang="en-US" sz="3200" b="1" dirty="0"/>
-              <a:t>Data Visualization - Tempo</a:t>
-            </a:r>
-          </a:p>
-        </p:txBody>
-      </p:sp>
-    </p:spTree>
-    <p:extLst>
-      <p:ext uri="{BB962C8B-B14F-4D97-AF65-F5344CB8AC3E}">
-        <p14:creationId xmlns:p14="http://schemas.microsoft.com/office/powerpoint/2010/main" val="3417935254"/>
-      </p:ext>
-    </p:extLst>
-  </p:cSld>
-  <p:clrMapOvr>
-    <a:masterClrMapping/>
-  </p:clrMapOvr>
-</p:sld>
-</file>
-
-<file path=ppt/slides/slide15.xml><?xml version="1.0" encoding="utf-8"?>
-<p:sld xmlns:a="http://schemas.openxmlformats.org/drawingml/2006/main" xmlns:r="http://schemas.openxmlformats.org/officeDocument/2006/relationships" xmlns:p="http://schemas.openxmlformats.org/presentationml/2006/main">
-  <p:cSld>
-    <p:spTree>
-      <p:nvGrpSpPr>
-        <p:cNvPr id="1" name=""/>
-        <p:cNvGrpSpPr/>
-        <p:nvPr/>
-      </p:nvGrpSpPr>
-      <p:grpSpPr>
-        <a:xfrm>
-          <a:off x="0" y="0"/>
-          <a:ext cx="0" cy="0"/>
-          <a:chOff x="0" y="0"/>
-          <a:chExt cx="0" cy="0"/>
-        </a:xfrm>
-      </p:grpSpPr>
-      <p:pic>
-        <p:nvPicPr>
-          <p:cNvPr id="10" name="Picture 9" descr="Chart, pie chart&#10;&#10;Description automatically generated">
-            <a:extLst>
-              <a:ext uri="{FF2B5EF4-FFF2-40B4-BE49-F238E27FC236}">
-                <a16:creationId xmlns:a16="http://schemas.microsoft.com/office/drawing/2014/main" id="{301B0014-7A3C-FD2D-787B-7A051EE8C87B}"/>
-              </a:ext>
-            </a:extLst>
-          </p:cNvPr>
-          <p:cNvPicPr>
-            <a:picLocks noChangeAspect="1"/>
-          </p:cNvPicPr>
-          <p:nvPr/>
-        </p:nvPicPr>
-        <p:blipFill rotWithShape="1">
-          <a:blip r:embed="rId2">
-            <a:extLst>
-              <a:ext uri="{28A0092B-C50C-407E-A947-70E740481C1C}">
-                <a14:useLocalDpi xmlns:a14="http://schemas.microsoft.com/office/drawing/2010/main" val="0"/>
-              </a:ext>
-            </a:extLst>
-          </a:blip>
-          <a:srcRect l="11817" t="3666" r="9479" b="11458"/>
-          <a:stretch/>
-        </p:blipFill>
-        <p:spPr>
-          <a:xfrm>
-            <a:off x="7987677" y="3429000"/>
-            <a:ext cx="4067630" cy="3289995"/>
-          </a:xfrm>
-          <a:prstGeom prst="rect">
-            <a:avLst/>
-          </a:prstGeom>
-          <a:ln>
-            <a:noFill/>
-          </a:ln>
-        </p:spPr>
-      </p:pic>
-      <p:pic>
-        <p:nvPicPr>
-          <p:cNvPr id="12" name="Picture 11" descr="Chart, pie chart&#10;&#10;Description automatically generated">
-            <a:extLst>
-              <a:ext uri="{FF2B5EF4-FFF2-40B4-BE49-F238E27FC236}">
-                <a16:creationId xmlns:a16="http://schemas.microsoft.com/office/drawing/2014/main" id="{72E7908A-24F3-CE84-636B-DF850D662E0E}"/>
-              </a:ext>
-            </a:extLst>
-          </p:cNvPr>
-          <p:cNvPicPr>
-            <a:picLocks noChangeAspect="1"/>
-          </p:cNvPicPr>
-          <p:nvPr/>
-        </p:nvPicPr>
-        <p:blipFill rotWithShape="1">
-          <a:blip r:embed="rId3">
-            <a:extLst>
-              <a:ext uri="{28A0092B-C50C-407E-A947-70E740481C1C}">
-                <a14:useLocalDpi xmlns:a14="http://schemas.microsoft.com/office/drawing/2010/main" val="0"/>
-              </a:ext>
-            </a:extLst>
-          </a:blip>
-          <a:srcRect l="15266" t="3462" r="12685" b="11661"/>
-          <a:stretch/>
-        </p:blipFill>
-        <p:spPr>
-          <a:xfrm>
-            <a:off x="4264365" y="3435437"/>
-            <a:ext cx="3723312" cy="3289673"/>
-          </a:xfrm>
-          <a:prstGeom prst="rect">
-            <a:avLst/>
-          </a:prstGeom>
-          <a:ln>
-            <a:noFill/>
-          </a:ln>
-        </p:spPr>
-      </p:pic>
-      <p:pic>
-        <p:nvPicPr>
-          <p:cNvPr id="14" name="Picture 13" descr="Chart, line chart&#10;&#10;Description automatically generated">
-            <a:extLst>
-              <a:ext uri="{FF2B5EF4-FFF2-40B4-BE49-F238E27FC236}">
-                <a16:creationId xmlns:a16="http://schemas.microsoft.com/office/drawing/2014/main" id="{78B92E53-BB00-8EB1-5D48-39F9200A15D1}"/>
-              </a:ext>
-            </a:extLst>
-          </p:cNvPr>
-          <p:cNvPicPr>
-            <a:picLocks noChangeAspect="1"/>
-          </p:cNvPicPr>
-          <p:nvPr/>
-        </p:nvPicPr>
-        <p:blipFill rotWithShape="1">
-          <a:blip r:embed="rId4">
-            <a:extLst>
-              <a:ext uri="{28A0092B-C50C-407E-A947-70E740481C1C}">
-                <a14:useLocalDpi xmlns:a14="http://schemas.microsoft.com/office/drawing/2010/main" val="0"/>
-              </a:ext>
-            </a:extLst>
-          </a:blip>
-          <a:srcRect l="7550" t="9106" r="8217"/>
-          <a:stretch/>
-        </p:blipFill>
-        <p:spPr>
-          <a:xfrm>
-            <a:off x="4264365" y="1320799"/>
-            <a:ext cx="7790942" cy="2101765"/>
-          </a:xfrm>
-          <a:prstGeom prst="rect">
-            <a:avLst/>
-          </a:prstGeom>
-          <a:ln>
-            <a:noFill/>
-          </a:ln>
-        </p:spPr>
-      </p:pic>
-      <p:cxnSp>
-        <p:nvCxnSpPr>
-          <p:cNvPr id="22" name="Straight Connector 21">
-            <a:extLst>
-              <a:ext uri="{FF2B5EF4-FFF2-40B4-BE49-F238E27FC236}">
-                <a16:creationId xmlns:a16="http://schemas.microsoft.com/office/drawing/2014/main" id="{130D9E0F-DD3F-AFBE-4E89-BD4C0803F48E}"/>
-              </a:ext>
-            </a:extLst>
-          </p:cNvPr>
-          <p:cNvCxnSpPr>
-            <a:cxnSpLocks/>
-          </p:cNvCxnSpPr>
-          <p:nvPr/>
-        </p:nvCxnSpPr>
-        <p:spPr>
-          <a:xfrm flipV="1">
-            <a:off x="8199434" y="1392267"/>
-            <a:ext cx="0" cy="1563022"/>
-          </a:xfrm>
-          <a:prstGeom prst="line">
-            <a:avLst/>
-          </a:prstGeom>
-          <a:ln>
-            <a:solidFill>
-              <a:srgbClr val="FF0000"/>
-            </a:solidFill>
-          </a:ln>
-        </p:spPr>
-        <p:style>
-          <a:lnRef idx="1">
-            <a:schemeClr val="accent1"/>
-          </a:lnRef>
-          <a:fillRef idx="0">
-            <a:schemeClr val="accent1"/>
-          </a:fillRef>
-          <a:effectRef idx="0">
-            <a:schemeClr val="accent1"/>
-          </a:effectRef>
-          <a:fontRef idx="minor">
-            <a:schemeClr val="tx1"/>
-          </a:fontRef>
-        </p:style>
-      </p:cxnSp>
-      <p:sp>
-        <p:nvSpPr>
-          <p:cNvPr id="24" name="Content Placeholder 2">
-            <a:extLst>
-              <a:ext uri="{FF2B5EF4-FFF2-40B4-BE49-F238E27FC236}">
-                <a16:creationId xmlns:a16="http://schemas.microsoft.com/office/drawing/2014/main" id="{0A68CE63-1FBD-18D6-B7A9-5537FC3C61D4}"/>
-              </a:ext>
-            </a:extLst>
-          </p:cNvPr>
-          <p:cNvSpPr txBox="1">
-            <a:spLocks/>
-          </p:cNvSpPr>
-          <p:nvPr/>
-        </p:nvSpPr>
-        <p:spPr>
-          <a:xfrm>
-            <a:off x="334953" y="2310133"/>
-            <a:ext cx="3796852" cy="4408378"/>
-          </a:xfrm>
-          <a:prstGeom prst="rect">
-            <a:avLst/>
-          </a:prstGeom>
-        </p:spPr>
-        <p:txBody>
-          <a:bodyPr vert="horz" lIns="91440" tIns="45720" rIns="91440" bIns="45720" rtlCol="0">
-            <a:normAutofit fontScale="85000" lnSpcReduction="20000"/>
-          </a:bodyPr>
-          <a:lstStyle>
-            <a:lvl1pPr marL="342900" indent="-342900" algn="l" defTabSz="457200" rtl="0" eaLnBrk="1" latinLnBrk="0" hangingPunct="1">
-              <a:spcBef>
-                <a:spcPts val="1000"/>
-              </a:spcBef>
-              <a:spcAft>
-                <a:spcPts val="0"/>
-              </a:spcAft>
-              <a:buClr>
-                <a:schemeClr val="accent1"/>
-              </a:buClr>
-              <a:buSzPct val="80000"/>
-              <a:buFont typeface="Wingdings 3" charset="2"/>
-              <a:buChar char=""/>
-              <a:defRPr sz="1800" b="0" i="0" kern="1200">
-                <a:solidFill>
-                  <a:schemeClr val="tx1">
-                    <a:lumMod val="75000"/>
-                    <a:lumOff val="25000"/>
-                  </a:schemeClr>
-                </a:solidFill>
-                <a:latin typeface="+mn-lt"/>
-                <a:ea typeface="+mn-ea"/>
-                <a:cs typeface="+mn-cs"/>
-              </a:defRPr>
-            </a:lvl1pPr>
-            <a:lvl2pPr marL="742950" indent="-285750" algn="l" defTabSz="457200" rtl="0" eaLnBrk="1" latinLnBrk="0" hangingPunct="1">
-              <a:spcBef>
-                <a:spcPts val="1000"/>
-              </a:spcBef>
-              <a:spcAft>
-                <a:spcPts val="0"/>
-              </a:spcAft>
-              <a:buClr>
-                <a:schemeClr val="accent1"/>
-              </a:buClr>
-              <a:buSzPct val="80000"/>
-              <a:buFont typeface="Wingdings 3" charset="2"/>
-              <a:buChar char=""/>
-              <a:defRPr sz="1600" b="0" i="0" kern="1200">
-                <a:solidFill>
-                  <a:schemeClr val="tx1">
-                    <a:lumMod val="75000"/>
-                    <a:lumOff val="25000"/>
-                  </a:schemeClr>
-                </a:solidFill>
-                <a:latin typeface="+mn-lt"/>
-                <a:ea typeface="+mn-ea"/>
-                <a:cs typeface="+mn-cs"/>
-              </a:defRPr>
-            </a:lvl2pPr>
-            <a:lvl3pPr marL="1143000" indent="-228600" algn="l" defTabSz="457200" rtl="0" eaLnBrk="1" latinLnBrk="0" hangingPunct="1">
-              <a:spcBef>
-                <a:spcPts val="1000"/>
-              </a:spcBef>
-              <a:spcAft>
-                <a:spcPts val="0"/>
-              </a:spcAft>
-              <a:buClr>
-                <a:schemeClr val="accent1"/>
-              </a:buClr>
-              <a:buSzPct val="80000"/>
-              <a:buFont typeface="Wingdings 3" charset="2"/>
-              <a:buChar char=""/>
-              <a:defRPr sz="1400" b="0" i="0" kern="1200">
-                <a:solidFill>
-                  <a:schemeClr val="tx1">
-                    <a:lumMod val="75000"/>
-                    <a:lumOff val="25000"/>
-                  </a:schemeClr>
-                </a:solidFill>
-                <a:latin typeface="+mn-lt"/>
-                <a:ea typeface="+mn-ea"/>
-                <a:cs typeface="+mn-cs"/>
-              </a:defRPr>
-            </a:lvl3pPr>
-            <a:lvl4pPr marL="1600200" indent="-228600" algn="l" defTabSz="457200" rtl="0" eaLnBrk="1" latinLnBrk="0" hangingPunct="1">
-              <a:spcBef>
-                <a:spcPts val="1000"/>
-              </a:spcBef>
-              <a:spcAft>
-                <a:spcPts val="0"/>
-              </a:spcAft>
-              <a:buClr>
-                <a:schemeClr val="accent1"/>
-              </a:buClr>
-              <a:buSzPct val="80000"/>
-              <a:buFont typeface="Wingdings 3" charset="2"/>
-              <a:buChar char=""/>
-              <a:defRPr sz="1200" b="0" i="0" kern="1200">
-                <a:solidFill>
-                  <a:schemeClr val="tx1">
-                    <a:lumMod val="75000"/>
-                    <a:lumOff val="25000"/>
-                  </a:schemeClr>
-                </a:solidFill>
-                <a:latin typeface="+mn-lt"/>
-                <a:ea typeface="+mn-ea"/>
-                <a:cs typeface="+mn-cs"/>
-              </a:defRPr>
-            </a:lvl4pPr>
-            <a:lvl5pPr marL="2057400" indent="-228600" algn="l" defTabSz="457200" rtl="0" eaLnBrk="1" latinLnBrk="0" hangingPunct="1">
-              <a:spcBef>
-                <a:spcPts val="1000"/>
-              </a:spcBef>
-              <a:spcAft>
-                <a:spcPts val="0"/>
-              </a:spcAft>
-              <a:buClr>
-                <a:schemeClr val="accent1"/>
-              </a:buClr>
-              <a:buSzPct val="80000"/>
-              <a:buFont typeface="Wingdings 3" charset="2"/>
-              <a:buChar char=""/>
-              <a:defRPr sz="1200" b="0" i="0" kern="1200">
-                <a:solidFill>
-                  <a:schemeClr val="tx1">
-                    <a:lumMod val="75000"/>
-                    <a:lumOff val="25000"/>
-                  </a:schemeClr>
-                </a:solidFill>
-                <a:latin typeface="+mn-lt"/>
-                <a:ea typeface="+mn-ea"/>
-                <a:cs typeface="+mn-cs"/>
-              </a:defRPr>
-            </a:lvl5pPr>
-            <a:lvl6pPr marL="2514600" indent="-228600" algn="l" defTabSz="457200" rtl="0" eaLnBrk="1" latinLnBrk="0" hangingPunct="1">
-              <a:spcBef>
-                <a:spcPts val="1000"/>
-              </a:spcBef>
-              <a:spcAft>
-                <a:spcPts val="0"/>
-              </a:spcAft>
-              <a:buClr>
-                <a:schemeClr val="accent1"/>
-              </a:buClr>
-              <a:buSzPct val="80000"/>
-              <a:buFont typeface="Wingdings 3" charset="2"/>
-              <a:buChar char=""/>
-              <a:defRPr sz="1200" b="0" i="0" kern="1200">
-                <a:solidFill>
-                  <a:schemeClr val="tx1">
-                    <a:lumMod val="75000"/>
-                    <a:lumOff val="25000"/>
-                  </a:schemeClr>
-                </a:solidFill>
-                <a:latin typeface="+mn-lt"/>
-                <a:ea typeface="+mn-ea"/>
-                <a:cs typeface="+mn-cs"/>
-              </a:defRPr>
-            </a:lvl6pPr>
-            <a:lvl7pPr marL="2971800" indent="-228600" algn="l" defTabSz="457200" rtl="0" eaLnBrk="1" latinLnBrk="0" hangingPunct="1">
-              <a:spcBef>
-                <a:spcPts val="1000"/>
-              </a:spcBef>
-              <a:spcAft>
-                <a:spcPts val="0"/>
-              </a:spcAft>
-              <a:buClr>
-                <a:schemeClr val="accent1"/>
-              </a:buClr>
-              <a:buSzPct val="80000"/>
-              <a:buFont typeface="Wingdings 3" charset="2"/>
-              <a:buChar char=""/>
-              <a:defRPr sz="1200" b="0" i="0" kern="1200">
-                <a:solidFill>
-                  <a:schemeClr val="tx1">
-                    <a:lumMod val="75000"/>
-                    <a:lumOff val="25000"/>
-                  </a:schemeClr>
-                </a:solidFill>
-                <a:latin typeface="+mn-lt"/>
-                <a:ea typeface="+mn-ea"/>
-                <a:cs typeface="+mn-cs"/>
-              </a:defRPr>
-            </a:lvl7pPr>
-            <a:lvl8pPr marL="3429000" indent="-228600" algn="l" defTabSz="457200" rtl="0" eaLnBrk="1" latinLnBrk="0" hangingPunct="1">
-              <a:spcBef>
-                <a:spcPts val="1000"/>
-              </a:spcBef>
-              <a:spcAft>
-                <a:spcPts val="0"/>
-              </a:spcAft>
-              <a:buClr>
-                <a:schemeClr val="accent1"/>
-              </a:buClr>
-              <a:buSzPct val="80000"/>
-              <a:buFont typeface="Wingdings 3" charset="2"/>
-              <a:buChar char=""/>
-              <a:defRPr sz="1200" b="0" i="0" kern="1200">
-                <a:solidFill>
-                  <a:schemeClr val="tx1">
-                    <a:lumMod val="75000"/>
-                    <a:lumOff val="25000"/>
-                  </a:schemeClr>
-                </a:solidFill>
-                <a:latin typeface="+mn-lt"/>
-                <a:ea typeface="+mn-ea"/>
-                <a:cs typeface="+mn-cs"/>
-              </a:defRPr>
-            </a:lvl8pPr>
-            <a:lvl9pPr marL="3886200" indent="-228600" algn="l" defTabSz="457200" rtl="0" eaLnBrk="1" latinLnBrk="0" hangingPunct="1">
-              <a:spcBef>
-                <a:spcPts val="1000"/>
-              </a:spcBef>
-              <a:spcAft>
-                <a:spcPts val="0"/>
-              </a:spcAft>
-              <a:buClr>
-                <a:schemeClr val="accent1"/>
-              </a:buClr>
-              <a:buSzPct val="80000"/>
-              <a:buFont typeface="Wingdings 3" charset="2"/>
-              <a:buChar char=""/>
-              <a:defRPr sz="1200" b="0" i="0" kern="1200">
-                <a:solidFill>
-                  <a:schemeClr val="tx1">
-                    <a:lumMod val="75000"/>
-                    <a:lumOff val="25000"/>
-                  </a:schemeClr>
-                </a:solidFill>
-                <a:latin typeface="+mn-lt"/>
-                <a:ea typeface="+mn-ea"/>
-                <a:cs typeface="+mn-cs"/>
-              </a:defRPr>
-            </a:lvl9pPr>
-          </a:lstStyle>
-          <a:p>
-            <a:r>
-              <a:rPr lang="en-US" sz="1600" b="1" dirty="0">
-                <a:solidFill>
-                  <a:schemeClr val="accent1"/>
-                </a:solidFill>
-              </a:rPr>
-              <a:t>Valence describes the musical positiveness or sentiment conveyed by a track</a:t>
-            </a:r>
-          </a:p>
-          <a:p>
-            <a:r>
-              <a:rPr lang="en-US" sz="1600" b="1" dirty="0">
-                <a:solidFill>
-                  <a:schemeClr val="accent1"/>
-                </a:solidFill>
-              </a:rPr>
-              <a:t>Tracks with high valence sound more positive (e.g., happy, cheerful, euphoric), which tracks with low valence sound more negative (e.g., sad, depressed, angry</a:t>
-            </a:r>
-          </a:p>
-          <a:p>
-            <a:r>
-              <a:rPr lang="en-US" sz="1600" b="1" dirty="0">
-                <a:solidFill>
-                  <a:schemeClr val="accent1"/>
-                </a:solidFill>
-              </a:rPr>
-              <a:t>Valence was split into sentiment (happy or sad) for analysis</a:t>
-            </a:r>
-          </a:p>
-          <a:p>
-            <a:r>
-              <a:rPr lang="en-US" sz="1600" b="1" dirty="0">
-                <a:solidFill>
-                  <a:schemeClr val="accent1"/>
-                </a:solidFill>
-              </a:rPr>
-              <a:t>Tracks with a valence greater or equal to 0.5 are considered “happy” songs, whereas tracks with a valence less than 0.5 are considered “sad” songs</a:t>
-            </a:r>
-          </a:p>
-          <a:p>
-            <a:r>
-              <a:rPr lang="en-US" sz="1600" b="1" dirty="0">
-                <a:solidFill>
-                  <a:schemeClr val="accent1"/>
-                </a:solidFill>
-              </a:rPr>
-              <a:t>During post COVID lockdown, the sentiment of songs being streamed saw an increase of about 3% in comparison to pre COVID lockdown numbers</a:t>
-            </a:r>
-          </a:p>
-        </p:txBody>
-      </p:sp>
-      <p:sp>
-        <p:nvSpPr>
-          <p:cNvPr id="3" name="Title 1">
-            <a:extLst>
-              <a:ext uri="{FF2B5EF4-FFF2-40B4-BE49-F238E27FC236}">
-                <a16:creationId xmlns:a16="http://schemas.microsoft.com/office/drawing/2014/main" id="{DDEE95AE-1D4C-B742-7EF5-494814B9AF69}"/>
-              </a:ext>
-            </a:extLst>
-          </p:cNvPr>
-          <p:cNvSpPr txBox="1">
-            <a:spLocks/>
-          </p:cNvSpPr>
-          <p:nvPr/>
-        </p:nvSpPr>
-        <p:spPr bwMode="gray">
-          <a:xfrm>
-            <a:off x="697757" y="660401"/>
-            <a:ext cx="8761413" cy="706964"/>
-          </a:xfrm>
-          <a:prstGeom prst="rect">
-            <a:avLst/>
-          </a:prstGeom>
-        </p:spPr>
-        <p:txBody>
-          <a:bodyPr vert="horz" lIns="91440" tIns="45720" rIns="91440" bIns="45720" rtlCol="0" anchor="ctr">
-            <a:noAutofit/>
-          </a:bodyPr>
-          <a:lstStyle>
-            <a:lvl1pPr algn="l" defTabSz="457200" rtl="0" eaLnBrk="1" latinLnBrk="0" hangingPunct="1">
-              <a:spcBef>
-                <a:spcPct val="0"/>
-              </a:spcBef>
-              <a:buNone/>
-              <a:defRPr sz="3600" b="0" i="0" kern="1200">
-                <a:solidFill>
-                  <a:schemeClr val="bg2"/>
-                </a:solidFill>
-                <a:latin typeface="+mj-lt"/>
-                <a:ea typeface="+mj-ea"/>
-                <a:cs typeface="+mj-cs"/>
-              </a:defRPr>
-            </a:lvl1pPr>
-            <a:lvl2pPr eaLnBrk="1" hangingPunct="1">
-              <a:defRPr>
-                <a:solidFill>
-                  <a:schemeClr val="tx2"/>
-                </a:solidFill>
-              </a:defRPr>
-            </a:lvl2pPr>
-            <a:lvl3pPr eaLnBrk="1" hangingPunct="1">
-              <a:defRPr>
-                <a:solidFill>
-                  <a:schemeClr val="tx2"/>
-                </a:solidFill>
-              </a:defRPr>
-            </a:lvl3pPr>
-            <a:lvl4pPr eaLnBrk="1" hangingPunct="1">
-              <a:defRPr>
-                <a:solidFill>
-                  <a:schemeClr val="tx2"/>
-                </a:solidFill>
-              </a:defRPr>
-            </a:lvl4pPr>
-            <a:lvl5pPr eaLnBrk="1" hangingPunct="1">
-              <a:defRPr>
-                <a:solidFill>
-                  <a:schemeClr val="tx2"/>
-                </a:solidFill>
-              </a:defRPr>
-            </a:lvl5pPr>
-            <a:lvl6pPr eaLnBrk="1" hangingPunct="1">
-              <a:defRPr>
-                <a:solidFill>
-                  <a:schemeClr val="tx2"/>
-                </a:solidFill>
-              </a:defRPr>
-            </a:lvl6pPr>
-            <a:lvl7pPr eaLnBrk="1" hangingPunct="1">
-              <a:defRPr>
-                <a:solidFill>
-                  <a:schemeClr val="tx2"/>
-                </a:solidFill>
-              </a:defRPr>
-            </a:lvl7pPr>
-            <a:lvl8pPr eaLnBrk="1" hangingPunct="1">
-              <a:defRPr>
-                <a:solidFill>
-                  <a:schemeClr val="tx2"/>
-                </a:solidFill>
-              </a:defRPr>
-            </a:lvl8pPr>
-            <a:lvl9pPr eaLnBrk="1" hangingPunct="1">
-              <a:defRPr>
-                <a:solidFill>
-                  <a:schemeClr val="tx2"/>
-                </a:solidFill>
-              </a:defRPr>
-            </a:lvl9pPr>
-          </a:lstStyle>
-          <a:p>
-            <a:r>
-              <a:rPr lang="en-US" sz="3200" b="1" dirty="0"/>
-              <a:t>Data Visualization - Valence</a:t>
-            </a:r>
-          </a:p>
-        </p:txBody>
-      </p:sp>
-    </p:spTree>
-    <p:extLst>
-      <p:ext uri="{BB962C8B-B14F-4D97-AF65-F5344CB8AC3E}">
-        <p14:creationId xmlns:p14="http://schemas.microsoft.com/office/powerpoint/2010/main" val="307832111"/>
-      </p:ext>
-    </p:extLst>
-  </p:cSld>
-  <p:clrMapOvr>
-    <a:masterClrMapping/>
-  </p:clrMapOvr>
-</p:sld>
-</file>
-
-<file path=ppt/slides/slide16.xml><?xml version="1.0" encoding="utf-8"?>
-<p:sld xmlns:a="http://schemas.openxmlformats.org/drawingml/2006/main" xmlns:r="http://schemas.openxmlformats.org/officeDocument/2006/relationships" xmlns:p="http://schemas.openxmlformats.org/presentationml/2006/main">
-  <p:cSld>
-    <p:spTree>
-      <p:nvGrpSpPr>
-        <p:cNvPr id="1" name=""/>
-        <p:cNvGrpSpPr/>
-        <p:nvPr/>
-      </p:nvGrpSpPr>
-      <p:grpSpPr>
-        <a:xfrm>
-          <a:off x="0" y="0"/>
-          <a:ext cx="0" cy="0"/>
-          <a:chOff x="0" y="0"/>
-          <a:chExt cx="0" cy="0"/>
-        </a:xfrm>
-      </p:grpSpPr>
-      <p:sp>
-        <p:nvSpPr>
-          <p:cNvPr id="2" name="Title 1">
-            <a:extLst>
-              <a:ext uri="{FF2B5EF4-FFF2-40B4-BE49-F238E27FC236}">
-                <a16:creationId xmlns:a16="http://schemas.microsoft.com/office/drawing/2014/main" id="{0EEB2409-D050-F465-C6F9-59D88F1B3F3D}"/>
-              </a:ext>
-            </a:extLst>
-          </p:cNvPr>
-          <p:cNvSpPr>
-            <a:spLocks noGrp="1"/>
-          </p:cNvSpPr>
-          <p:nvPr>
-            <p:ph type="title"/>
-          </p:nvPr>
-        </p:nvSpPr>
-        <p:spPr/>
-        <p:txBody>
-          <a:bodyPr/>
-          <a:lstStyle/>
-          <a:p>
-            <a:r>
-              <a:rPr lang="en-US" b="1" dirty="0"/>
-              <a:t>Conclusion:</a:t>
-            </a:r>
-          </a:p>
-        </p:txBody>
-      </p:sp>
-      <p:sp>
-        <p:nvSpPr>
-          <p:cNvPr id="3" name="Content Placeholder 2">
-            <a:extLst>
-              <a:ext uri="{FF2B5EF4-FFF2-40B4-BE49-F238E27FC236}">
-                <a16:creationId xmlns:a16="http://schemas.microsoft.com/office/drawing/2014/main" id="{C0724DEB-C625-E1C3-5BFB-DD4D95847726}"/>
-              </a:ext>
-            </a:extLst>
-          </p:cNvPr>
-          <p:cNvSpPr>
-            <a:spLocks noGrp="1"/>
-          </p:cNvSpPr>
-          <p:nvPr>
-            <p:ph idx="1"/>
-          </p:nvPr>
-        </p:nvSpPr>
-        <p:spPr>
-          <a:xfrm>
-            <a:off x="994087" y="2755900"/>
-            <a:ext cx="10359713" cy="2484967"/>
-          </a:xfrm>
-        </p:spPr>
-        <p:txBody>
-          <a:bodyPr>
-            <a:normAutofit/>
-          </a:bodyPr>
-          <a:lstStyle/>
-          <a:p>
-            <a:pPr marL="0" indent="0" algn="ctr">
-              <a:buNone/>
-            </a:pPr>
-            <a:r>
-              <a:rPr lang="en-US" sz="3600" b="1" i="0" dirty="0">
-                <a:solidFill>
-                  <a:schemeClr val="accent1"/>
-                </a:solidFill>
-                <a:effectLst/>
-                <a:latin typeface="-apple-system"/>
-              </a:rPr>
-              <a:t>“After the review of the statistical data, we conclude that there was no significant change in music streaming via Spotify during and after the Covid lockdown</a:t>
-            </a:r>
-            <a:r>
-              <a:rPr lang="en-US" sz="3600" b="1" dirty="0">
-                <a:solidFill>
-                  <a:schemeClr val="accent1"/>
-                </a:solidFill>
-                <a:latin typeface="-apple-system"/>
-              </a:rPr>
-              <a:t>.”</a:t>
-            </a:r>
-            <a:endParaRPr lang="en-US" sz="3600" b="1" i="0" dirty="0">
-              <a:solidFill>
-                <a:schemeClr val="accent1"/>
-              </a:solidFill>
-              <a:effectLst/>
-              <a:latin typeface="-apple-system"/>
-            </a:endParaRPr>
-          </a:p>
-        </p:txBody>
-      </p:sp>
-    </p:spTree>
-    <p:extLst>
-      <p:ext uri="{BB962C8B-B14F-4D97-AF65-F5344CB8AC3E}">
-        <p14:creationId xmlns:p14="http://schemas.microsoft.com/office/powerpoint/2010/main" val="375227820"/>
-      </p:ext>
-    </p:extLst>
-  </p:cSld>
-  <p:clrMapOvr>
-    <a:masterClrMapping/>
-  </p:clrMapOvr>
-</p:sld>
-</file>
-
-<file path=ppt/slides/slide17.xml><?xml version="1.0" encoding="utf-8"?>
+<file path=ppt/slides/slide13.xml><?xml version="1.0" encoding="utf-8"?>
 <p:sld xmlns:a="http://schemas.openxmlformats.org/drawingml/2006/main" xmlns:r="http://schemas.openxmlformats.org/officeDocument/2006/relationships" xmlns:p="http://schemas.openxmlformats.org/presentationml/2006/main">
   <p:cSld>
     <p:bg>
@@ -18438,6 +16387,41 @@
           </a:p>
         </p:txBody>
       </p:sp>
+      <p:sp>
+        <p:nvSpPr>
+          <p:cNvPr id="3" name="Content Placeholder 2">
+            <a:extLst>
+              <a:ext uri="{FF2B5EF4-FFF2-40B4-BE49-F238E27FC236}">
+                <a16:creationId xmlns:a16="http://schemas.microsoft.com/office/drawing/2014/main" id="{59E952C0-5DA8-84D2-F864-61A068C7F53F}"/>
+              </a:ext>
+            </a:extLst>
+          </p:cNvPr>
+          <p:cNvSpPr>
+            <a:spLocks noGrp="1"/>
+          </p:cNvSpPr>
+          <p:nvPr>
+            <p:ph idx="1"/>
+          </p:nvPr>
+        </p:nvSpPr>
+        <p:spPr>
+          <a:xfrm>
+            <a:off x="4719483" y="1063416"/>
+            <a:ext cx="6813755" cy="3204715"/>
+          </a:xfrm>
+        </p:spPr>
+        <p:txBody>
+          <a:bodyPr anchor="ctr">
+            <a:normAutofit/>
+          </a:bodyPr>
+          <a:lstStyle/>
+          <a:p>
+            <a:pPr marL="0" indent="0">
+              <a:buNone/>
+            </a:pPr>
+            <a:endParaRPr lang="en-US" dirty="0"/>
+          </a:p>
+        </p:txBody>
+      </p:sp>
       <p:pic>
         <p:nvPicPr>
           <p:cNvPr id="11" name="Graphic 10" descr="Headphones with solid fill">
@@ -18695,7 +16679,7 @@
           <a:p>
             <a:r>
               <a:rPr lang="en-US" b="1" dirty="0"/>
-              <a:t>Hypothesis:</a:t>
+              <a:t>Data Collection</a:t>
             </a:r>
           </a:p>
         </p:txBody>
@@ -18716,149 +16700,42 @@
             <p:ph idx="1"/>
           </p:nvPr>
         </p:nvSpPr>
-        <p:spPr>
-          <a:xfrm>
-            <a:off x="994087" y="2755900"/>
-            <a:ext cx="10359713" cy="2484967"/>
-          </a:xfrm>
-        </p:spPr>
+        <p:spPr/>
         <p:txBody>
           <a:bodyPr>
             <a:normAutofit/>
           </a:bodyPr>
           <a:lstStyle/>
           <a:p>
-            <a:pPr marL="0" indent="0" algn="ctr">
-              <a:buNone/>
-            </a:pPr>
             <a:r>
-              <a:rPr lang="en-US" sz="3600" b="1" i="0" dirty="0">
-                <a:solidFill>
-                  <a:schemeClr val="accent1"/>
-                </a:solidFill>
-                <a:effectLst/>
-                <a:latin typeface="-apple-system"/>
-              </a:rPr>
-              <a:t>“When the world shut down </a:t>
-            </a:r>
-            <a:r>
-              <a:rPr lang="en-US" sz="3600" b="1" dirty="0">
-                <a:solidFill>
-                  <a:schemeClr val="accent1"/>
-                </a:solidFill>
-                <a:latin typeface="-apple-system"/>
-              </a:rPr>
-              <a:t>on March 17, 2020, music consumption via the streaming platform Spotify experienced a statistically significant change.”</a:t>
-            </a:r>
-            <a:endParaRPr lang="en-US" sz="3600" b="1" i="0" dirty="0">
-              <a:solidFill>
-                <a:schemeClr val="accent1"/>
-              </a:solidFill>
-              <a:effectLst/>
-              <a:latin typeface="-apple-system"/>
-            </a:endParaRPr>
-          </a:p>
-        </p:txBody>
-      </p:sp>
-    </p:spTree>
-    <p:extLst>
-      <p:ext uri="{BB962C8B-B14F-4D97-AF65-F5344CB8AC3E}">
-        <p14:creationId xmlns:p14="http://schemas.microsoft.com/office/powerpoint/2010/main" val="4248479859"/>
-      </p:ext>
-    </p:extLst>
-  </p:cSld>
-  <p:clrMapOvr>
-    <a:masterClrMapping/>
-  </p:clrMapOvr>
-</p:sld>
-</file>
-
-<file path=ppt/slides/slide4.xml><?xml version="1.0" encoding="utf-8"?>
-<p:sld xmlns:a="http://schemas.openxmlformats.org/drawingml/2006/main" xmlns:r="http://schemas.openxmlformats.org/officeDocument/2006/relationships" xmlns:p="http://schemas.openxmlformats.org/presentationml/2006/main">
-  <p:cSld>
-    <p:spTree>
-      <p:nvGrpSpPr>
-        <p:cNvPr id="1" name=""/>
-        <p:cNvGrpSpPr/>
-        <p:nvPr/>
-      </p:nvGrpSpPr>
-      <p:grpSpPr>
-        <a:xfrm>
-          <a:off x="0" y="0"/>
-          <a:ext cx="0" cy="0"/>
-          <a:chOff x="0" y="0"/>
-          <a:chExt cx="0" cy="0"/>
-        </a:xfrm>
-      </p:grpSpPr>
-      <p:sp>
-        <p:nvSpPr>
-          <p:cNvPr id="2" name="Title 1">
-            <a:extLst>
-              <a:ext uri="{FF2B5EF4-FFF2-40B4-BE49-F238E27FC236}">
-                <a16:creationId xmlns:a16="http://schemas.microsoft.com/office/drawing/2014/main" id="{0EEB2409-D050-F465-C6F9-59D88F1B3F3D}"/>
-              </a:ext>
-            </a:extLst>
-          </p:cNvPr>
-          <p:cNvSpPr>
-            <a:spLocks noGrp="1"/>
-          </p:cNvSpPr>
-          <p:nvPr>
-            <p:ph type="title"/>
-          </p:nvPr>
-        </p:nvSpPr>
-        <p:spPr/>
-        <p:txBody>
-          <a:bodyPr/>
-          <a:lstStyle/>
-          <a:p>
-            <a:r>
-              <a:rPr lang="en-US" b="1" dirty="0"/>
-              <a:t>Data Collection</a:t>
-            </a:r>
-          </a:p>
-        </p:txBody>
-      </p:sp>
-      <p:sp>
-        <p:nvSpPr>
-          <p:cNvPr id="3" name="Content Placeholder 2">
-            <a:extLst>
-              <a:ext uri="{FF2B5EF4-FFF2-40B4-BE49-F238E27FC236}">
-                <a16:creationId xmlns:a16="http://schemas.microsoft.com/office/drawing/2014/main" id="{C0724DEB-C625-E1C3-5BFB-DD4D95847726}"/>
-              </a:ext>
-            </a:extLst>
-          </p:cNvPr>
-          <p:cNvSpPr>
-            <a:spLocks noGrp="1"/>
-          </p:cNvSpPr>
-          <p:nvPr>
-            <p:ph idx="1"/>
-          </p:nvPr>
-        </p:nvSpPr>
-        <p:spPr>
-          <a:xfrm>
-            <a:off x="1077010" y="2741568"/>
-            <a:ext cx="10037979" cy="3416300"/>
-          </a:xfrm>
-        </p:spPr>
-        <p:txBody>
-          <a:bodyPr>
-            <a:normAutofit fontScale="92500"/>
-          </a:bodyPr>
-          <a:lstStyle/>
-          <a:p>
-            <a:r>
-              <a:rPr lang="en-US" sz="2000" b="1" dirty="0">
+              <a:rPr lang="en-US" b="1" dirty="0">
                 <a:solidFill>
                   <a:schemeClr val="accent1"/>
                 </a:solidFill>
               </a:rPr>
-              <a:t>Music Data was collected from Kaggle.com (from Spotify) and the Spotify API </a:t>
+              <a:t>Music Data was collected from the </a:t>
             </a:r>
-            <a:endParaRPr lang="en-US" sz="2000" dirty="0"/>
-          </a:p>
-          <a:p>
             <a:r>
-              <a:rPr lang="en-US" sz="2000" b="1" i="0" dirty="0">
+              <a:rPr lang="en-US" b="1" dirty="0" err="1">
+                <a:solidFill>
+                  <a:schemeClr val="accent1"/>
+                </a:solidFill>
+              </a:rPr>
+              <a:t>Spoitify</a:t>
+            </a:r>
+            <a:r>
+              <a:rPr lang="en-US" b="1" dirty="0">
+                <a:solidFill>
+                  <a:schemeClr val="accent1"/>
+                </a:solidFill>
+              </a:rPr>
+              <a:t> API </a:t>
+            </a:r>
+            <a:endParaRPr lang="en-US" dirty="0"/>
+          </a:p>
+          <a:p>
+            <a:r>
+              <a:rPr lang="en-US" b="1" i="0" dirty="0">
                 <a:solidFill>
                   <a:schemeClr val="accent1"/>
                 </a:solidFill>
@@ -18870,34 +16747,44 @@
           </a:p>
           <a:p>
             <a:r>
-              <a:rPr lang="en-US" sz="2000" b="1" i="0" dirty="0">
+              <a:rPr lang="en-US" b="1" i="0" dirty="0">
                 <a:solidFill>
                   <a:schemeClr val="accent1"/>
                 </a:solidFill>
                 <a:effectLst/>
               </a:rPr>
-              <a:t>Data analysis - exploring the relationship between the audio features of a song and how positive or negative its impact is on streaming, involving sentiment analysis and many more</a:t>
+              <a:t>Data analysis - Exploring the relationship between the audio features of a song and how positive or negative its impact is on streaming, involving sentiment analysis and many more.</a:t>
             </a:r>
           </a:p>
           <a:p>
             <a:r>
-              <a:rPr lang="en-US" sz="2000" b="1" dirty="0">
+              <a:rPr lang="en-US" b="1" i="0" dirty="0">
                 <a:solidFill>
                   <a:schemeClr val="accent1"/>
                 </a:solidFill>
+                <a:effectLst/>
+                <a:latin typeface="-apple-system"/>
               </a:rPr>
-              <a:t>Use data to identify patterns and relationships between different characteristics. The activity will support in developing ability to review and interpret a dataset</a:t>
+              <a:t>Use data to identify patterns and relationships between different characteristics. The activity will support in developing ability to review and interpret a dataset.</a:t>
             </a:r>
           </a:p>
           <a:p>
             <a:r>
-              <a:rPr lang="en-US" sz="2000" b="1" dirty="0">
+              <a:rPr lang="en-US" b="1" dirty="0">
                 <a:solidFill>
                   <a:schemeClr val="accent1"/>
                 </a:solidFill>
+                <a:latin typeface="-apple-system"/>
               </a:rPr>
               <a:t>Explore if there was any impact to streaming before and after Covid</a:t>
             </a:r>
+            <a:endParaRPr lang="en-US" b="1" i="0" dirty="0">
+              <a:solidFill>
+                <a:schemeClr val="accent1"/>
+              </a:solidFill>
+              <a:effectLst/>
+              <a:latin typeface="-apple-system"/>
+            </a:endParaRPr>
           </a:p>
         </p:txBody>
       </p:sp>
@@ -18950,6 +16837,150 @@
 </p:sld>
 </file>
 
+<file path=ppt/slides/slide4.xml><?xml version="1.0" encoding="utf-8"?>
+<p:sld xmlns:a="http://schemas.openxmlformats.org/drawingml/2006/main" xmlns:r="http://schemas.openxmlformats.org/officeDocument/2006/relationships" xmlns:p="http://schemas.openxmlformats.org/presentationml/2006/main">
+  <p:cSld>
+    <p:spTree>
+      <p:nvGrpSpPr>
+        <p:cNvPr id="1" name=""/>
+        <p:cNvGrpSpPr/>
+        <p:nvPr/>
+      </p:nvGrpSpPr>
+      <p:grpSpPr>
+        <a:xfrm>
+          <a:off x="0" y="0"/>
+          <a:ext cx="0" cy="0"/>
+          <a:chOff x="0" y="0"/>
+          <a:chExt cx="0" cy="0"/>
+        </a:xfrm>
+      </p:grpSpPr>
+      <p:sp>
+        <p:nvSpPr>
+          <p:cNvPr id="2" name="Title 1">
+            <a:extLst>
+              <a:ext uri="{FF2B5EF4-FFF2-40B4-BE49-F238E27FC236}">
+                <a16:creationId xmlns:a16="http://schemas.microsoft.com/office/drawing/2014/main" id="{0EEB2409-D050-F465-C6F9-59D88F1B3F3D}"/>
+              </a:ext>
+            </a:extLst>
+          </p:cNvPr>
+          <p:cNvSpPr>
+            <a:spLocks noGrp="1"/>
+          </p:cNvSpPr>
+          <p:nvPr>
+            <p:ph type="title"/>
+          </p:nvPr>
+        </p:nvSpPr>
+        <p:spPr/>
+        <p:txBody>
+          <a:bodyPr/>
+          <a:lstStyle/>
+          <a:p>
+            <a:r>
+              <a:rPr lang="en-US" b="1" dirty="0"/>
+              <a:t>Data Collection</a:t>
+            </a:r>
+          </a:p>
+        </p:txBody>
+      </p:sp>
+      <p:sp>
+        <p:nvSpPr>
+          <p:cNvPr id="3" name="Content Placeholder 2">
+            <a:extLst>
+              <a:ext uri="{FF2B5EF4-FFF2-40B4-BE49-F238E27FC236}">
+                <a16:creationId xmlns:a16="http://schemas.microsoft.com/office/drawing/2014/main" id="{C0724DEB-C625-E1C3-5BFB-DD4D95847726}"/>
+              </a:ext>
+            </a:extLst>
+          </p:cNvPr>
+          <p:cNvSpPr>
+            <a:spLocks noGrp="1"/>
+          </p:cNvSpPr>
+          <p:nvPr>
+            <p:ph idx="1"/>
+          </p:nvPr>
+        </p:nvSpPr>
+        <p:spPr/>
+        <p:txBody>
+          <a:bodyPr>
+            <a:normAutofit/>
+          </a:bodyPr>
+          <a:lstStyle/>
+          <a:p>
+            <a:r>
+              <a:rPr lang="en-US" b="1" dirty="0">
+                <a:solidFill>
+                  <a:schemeClr val="accent1"/>
+                </a:solidFill>
+              </a:rPr>
+              <a:t>Data was retrieved from sites .</a:t>
+            </a:r>
+          </a:p>
+          <a:p>
+            <a:r>
+              <a:rPr lang="en-US" b="1" i="0" dirty="0">
+                <a:solidFill>
+                  <a:schemeClr val="accent1"/>
+                </a:solidFill>
+                <a:effectLst/>
+                <a:latin typeface="-apple-system"/>
+              </a:rPr>
+              <a:t>It was analyzed from </a:t>
+            </a:r>
+            <a:r>
+              <a:rPr lang="en-US" b="1" dirty="0">
+                <a:solidFill>
+                  <a:schemeClr val="accent1"/>
+                </a:solidFill>
+                <a:latin typeface="-apple-system"/>
+              </a:rPr>
+              <a:t>Kaggle and Spotify API</a:t>
+            </a:r>
+          </a:p>
+          <a:p>
+            <a:r>
+              <a:rPr lang="en-US" b="1" dirty="0">
+                <a:solidFill>
+                  <a:schemeClr val="accent1"/>
+                </a:solidFill>
+                <a:latin typeface="-apple-system"/>
+              </a:rPr>
+              <a:t>The data retrieved from Spotify was very huge </a:t>
+            </a:r>
+          </a:p>
+          <a:p>
+            <a:r>
+              <a:rPr lang="en-US" b="1" dirty="0">
+                <a:solidFill>
+                  <a:schemeClr val="accent1"/>
+                </a:solidFill>
+                <a:latin typeface="-apple-system"/>
+              </a:rPr>
+              <a:t>It was saved to a CSV file for further analysis </a:t>
+            </a:r>
+          </a:p>
+          <a:p>
+            <a:endParaRPr lang="en-US" b="1" i="0" dirty="0">
+              <a:solidFill>
+                <a:schemeClr val="accent1"/>
+              </a:solidFill>
+              <a:effectLst/>
+              <a:latin typeface="-apple-system"/>
+            </a:endParaRPr>
+          </a:p>
+        </p:txBody>
+      </p:sp>
+    </p:spTree>
+    <p:extLst>
+      <p:ext uri="{BB962C8B-B14F-4D97-AF65-F5344CB8AC3E}">
+        <p14:creationId xmlns:p14="http://schemas.microsoft.com/office/powerpoint/2010/main" val="4248479859"/>
+      </p:ext>
+    </p:extLst>
+  </p:cSld>
+  <p:clrMapOvr>
+    <a:masterClrMapping/>
+  </p:clrMapOvr>
+</p:sld>
+</file>
+
 <file path=ppt/slides/slide5.xml><?xml version="1.0" encoding="utf-8"?>
 <p:sld xmlns:a="http://schemas.openxmlformats.org/drawingml/2006/main" xmlns:r="http://schemas.openxmlformats.org/officeDocument/2006/relationships" xmlns:p="http://schemas.openxmlformats.org/presentationml/2006/main">
   <p:cSld>
@@ -19019,73 +17050,37 @@
           <a:lstStyle/>
           <a:p>
             <a:r>
-              <a:rPr lang="en-US" sz="1900" b="1" dirty="0">
+              <a:rPr lang="en-US" b="1" i="0" dirty="0">
                 <a:solidFill>
                   <a:schemeClr val="accent1"/>
                 </a:solidFill>
-                <a:latin typeface="+mj-lt"/>
+                <a:effectLst/>
+                <a:latin typeface="-apple-system"/>
               </a:rPr>
-              <a:t>“Genre” was defined too broadly for comparisons</a:t>
+              <a:t>Data was cleaned using excel comparison </a:t>
             </a:r>
           </a:p>
           <a:p>
-            <a:pPr lvl="1"/>
             <a:r>
-              <a:rPr lang="en-US" sz="1900" b="1" dirty="0">
+              <a:rPr lang="en-US" b="1" dirty="0">
                 <a:solidFill>
                   <a:schemeClr val="accent1"/>
                 </a:solidFill>
-                <a:latin typeface="+mj-lt"/>
+                <a:latin typeface="-apple-system"/>
               </a:rPr>
-              <a:t>Master Genre key created</a:t>
+              <a:t>Merging?</a:t>
             </a:r>
           </a:p>
           <a:p>
-            <a:pPr lvl="1"/>
             <a:r>
-              <a:rPr lang="en-US" sz="1900" b="1" dirty="0">
+              <a:rPr lang="en-US" b="1" dirty="0">
                 <a:solidFill>
                   <a:schemeClr val="accent1"/>
                 </a:solidFill>
-                <a:latin typeface="+mj-lt"/>
+                <a:latin typeface="-apple-system"/>
               </a:rPr>
-              <a:t>Column added and populated from the key</a:t>
+              <a:t>Duplicates?</a:t>
             </a:r>
-          </a:p>
-          <a:p>
-            <a:pPr indent="-285750"/>
-            <a:r>
-              <a:rPr lang="en-US" sz="1900" b="1" dirty="0">
-                <a:solidFill>
-                  <a:schemeClr val="accent1"/>
-                </a:solidFill>
-                <a:latin typeface="+mj-lt"/>
-              </a:rPr>
-              <a:t>“Month” and “Year” columns added for cleaner data grouping</a:t>
-            </a:r>
-          </a:p>
-          <a:p>
-            <a:pPr indent="-285750"/>
-            <a:r>
-              <a:rPr lang="en-US" sz="1900" b="1" dirty="0">
-                <a:solidFill>
-                  <a:schemeClr val="accent1"/>
-                </a:solidFill>
-                <a:latin typeface="+mj-lt"/>
-              </a:rPr>
-              <a:t>New csv output for analysis</a:t>
-            </a:r>
-          </a:p>
-          <a:p>
-            <a:pPr marL="57150" indent="0">
-              <a:buNone/>
-            </a:pPr>
-            <a:endParaRPr lang="en-US" b="1" dirty="0">
-              <a:solidFill>
-                <a:schemeClr val="accent1"/>
-              </a:solidFill>
-              <a:latin typeface="-apple-system"/>
-            </a:endParaRPr>
           </a:p>
           <a:p>
             <a:endParaRPr lang="en-US" b="1" i="0" dirty="0">
@@ -19151,7 +17146,7 @@
           <a:p>
             <a:r>
               <a:rPr lang="en-US" b="1" dirty="0"/>
-              <a:t>Data Visualization</a:t>
+              <a:t>Data Summary</a:t>
             </a:r>
           </a:p>
         </p:txBody>
@@ -19180,65 +17175,29 @@
           <a:lstStyle/>
           <a:p>
             <a:r>
-              <a:rPr lang="en-US" sz="2000" b="1" dirty="0">
+              <a:rPr lang="en-US" b="1" i="0" dirty="0">
                 <a:solidFill>
                   <a:schemeClr val="accent1"/>
                 </a:solidFill>
-                <a:latin typeface="+mj-lt"/>
+                <a:effectLst/>
+                <a:latin typeface="-apple-system"/>
               </a:rPr>
-              <a:t>Matplotlib was used to display bar charts of the following </a:t>
+              <a:t>Data was summarized per year -2017-2021</a:t>
             </a:r>
           </a:p>
           <a:p>
-            <a:pPr lvl="1"/>
             <a:r>
-              <a:rPr lang="en-US" sz="1800" b="1" dirty="0">
+              <a:rPr lang="en-US" b="1" dirty="0">
                 <a:solidFill>
                   <a:schemeClr val="accent1"/>
                 </a:solidFill>
-                <a:latin typeface="+mj-lt"/>
+                <a:latin typeface="-apple-system"/>
               </a:rPr>
-              <a:t>Total Streams</a:t>
+              <a:t>The summary data provided a statistical representation</a:t>
             </a:r>
           </a:p>
           <a:p>
-            <a:pPr lvl="1"/>
-            <a:r>
-              <a:rPr lang="en-US" sz="1800" b="1" dirty="0">
-                <a:solidFill>
-                  <a:schemeClr val="accent1"/>
-                </a:solidFill>
-                <a:latin typeface="+mj-lt"/>
-              </a:rPr>
-              <a:t>Streams by Genre</a:t>
-            </a:r>
-          </a:p>
-          <a:p>
-            <a:pPr lvl="1"/>
-            <a:r>
-              <a:rPr lang="en-US" sz="1800" b="1" dirty="0">
-                <a:solidFill>
-                  <a:schemeClr val="accent1"/>
-                </a:solidFill>
-                <a:latin typeface="+mj-lt"/>
-              </a:rPr>
-              <a:t>Streams by Artist</a:t>
-            </a:r>
-          </a:p>
-          <a:p>
-            <a:pPr lvl="1"/>
-            <a:r>
-              <a:rPr lang="en-US" sz="1800" b="1" dirty="0">
-                <a:solidFill>
-                  <a:schemeClr val="accent1"/>
-                </a:solidFill>
-                <a:latin typeface="+mj-lt"/>
-              </a:rPr>
-              <a:t>Analysis of Spotify Audio Features</a:t>
-            </a:r>
-          </a:p>
-          <a:p>
-            <a:endParaRPr lang="en-US" sz="2000" b="1" i="0" dirty="0">
+            <a:endParaRPr lang="en-US" b="1" i="0" dirty="0">
               <a:solidFill>
                 <a:schemeClr val="accent1"/>
               </a:solidFill>
@@ -19251,7 +17210,7 @@
     </p:spTree>
     <p:extLst>
       <p:ext uri="{BB962C8B-B14F-4D97-AF65-F5344CB8AC3E}">
-        <p14:creationId xmlns:p14="http://schemas.microsoft.com/office/powerpoint/2010/main" val="3527900307"/>
+        <p14:creationId xmlns:p14="http://schemas.microsoft.com/office/powerpoint/2010/main" val="2229074296"/>
       </p:ext>
     </p:extLst>
   </p:cSld>
@@ -19294,258 +17253,99 @@
             <p:ph type="title"/>
           </p:nvPr>
         </p:nvSpPr>
-        <p:spPr>
-          <a:xfrm>
-            <a:off x="407059" y="-177803"/>
-            <a:ext cx="8761413" cy="773547"/>
-          </a:xfrm>
-        </p:spPr>
+        <p:spPr/>
         <p:txBody>
           <a:bodyPr/>
           <a:lstStyle/>
           <a:p>
             <a:r>
-              <a:rPr lang="en-US" sz="2000" b="1" dirty="0">
+              <a:rPr lang="en-US" b="1" dirty="0"/>
+              <a:t>Data Visualization</a:t>
+            </a:r>
+          </a:p>
+        </p:txBody>
+      </p:sp>
+      <p:sp>
+        <p:nvSpPr>
+          <p:cNvPr id="3" name="Content Placeholder 2">
+            <a:extLst>
+              <a:ext uri="{FF2B5EF4-FFF2-40B4-BE49-F238E27FC236}">
+                <a16:creationId xmlns:a16="http://schemas.microsoft.com/office/drawing/2014/main" id="{C0724DEB-C625-E1C3-5BFB-DD4D95847726}"/>
+              </a:ext>
+            </a:extLst>
+          </p:cNvPr>
+          <p:cNvSpPr>
+            <a:spLocks noGrp="1"/>
+          </p:cNvSpPr>
+          <p:nvPr>
+            <p:ph idx="1"/>
+          </p:nvPr>
+        </p:nvSpPr>
+        <p:spPr/>
+        <p:txBody>
+          <a:bodyPr>
+            <a:normAutofit/>
+          </a:bodyPr>
+          <a:lstStyle/>
+          <a:p>
+            <a:r>
+              <a:rPr lang="en-US" b="1" dirty="0">
                 <a:solidFill>
                   <a:schemeClr val="accent1"/>
                 </a:solidFill>
-                <a:latin typeface="+mn-lt"/>
-                <a:ea typeface="+mn-ea"/>
-                <a:cs typeface="+mn-cs"/>
+                <a:latin typeface="-apple-system"/>
               </a:rPr>
-              <a:t>Data Visualization – Change in Genre by Year(2017-2021)</a:t>
+              <a:t>Matplotlib was used to display bar charts of the following </a:t>
             </a:r>
           </a:p>
-        </p:txBody>
-      </p:sp>
-      <p:pic>
-        <p:nvPicPr>
-          <p:cNvPr id="25" name="Content Placeholder 24" descr="Chart, waterfall chart&#10;&#10;Description automatically generated">
-            <a:extLst>
-              <a:ext uri="{FF2B5EF4-FFF2-40B4-BE49-F238E27FC236}">
-                <a16:creationId xmlns:a16="http://schemas.microsoft.com/office/drawing/2014/main" id="{AF12B76A-B641-CD4C-07DB-2686D81B1167}"/>
-              </a:ext>
-            </a:extLst>
-          </p:cNvPr>
-          <p:cNvPicPr>
-            <a:picLocks noGrp="1" noChangeAspect="1"/>
-          </p:cNvPicPr>
-          <p:nvPr>
-            <p:ph idx="1"/>
-          </p:nvPr>
-        </p:nvPicPr>
-        <p:blipFill>
-          <a:blip r:embed="rId2">
-            <a:extLst>
-              <a:ext uri="{28A0092B-C50C-407E-A947-70E740481C1C}">
-                <a14:useLocalDpi xmlns:a14="http://schemas.microsoft.com/office/drawing/2010/main" val="0"/>
-              </a:ext>
-            </a:extLst>
-          </a:blip>
-          <a:stretch>
-            <a:fillRect/>
-          </a:stretch>
-        </p:blipFill>
-        <p:spPr>
-          <a:xfrm>
-            <a:off x="160487" y="437432"/>
-            <a:ext cx="4322144" cy="3116272"/>
-          </a:xfrm>
-        </p:spPr>
-      </p:pic>
-      <p:pic>
-        <p:nvPicPr>
-          <p:cNvPr id="27" name="Picture 26" descr="Chart&#10;&#10;Description automatically generated">
-            <a:extLst>
-              <a:ext uri="{FF2B5EF4-FFF2-40B4-BE49-F238E27FC236}">
-                <a16:creationId xmlns:a16="http://schemas.microsoft.com/office/drawing/2014/main" id="{C7402636-95A0-37DB-263E-22E9AF7EF96B}"/>
-              </a:ext>
-            </a:extLst>
-          </p:cNvPr>
-          <p:cNvPicPr>
-            <a:picLocks noChangeAspect="1"/>
-          </p:cNvPicPr>
-          <p:nvPr/>
-        </p:nvPicPr>
-        <p:blipFill>
-          <a:blip r:embed="rId3">
-            <a:extLst>
-              <a:ext uri="{28A0092B-C50C-407E-A947-70E740481C1C}">
-                <a14:useLocalDpi xmlns:a14="http://schemas.microsoft.com/office/drawing/2010/main" val="0"/>
-              </a:ext>
-            </a:extLst>
-          </a:blip>
-          <a:stretch>
-            <a:fillRect/>
-          </a:stretch>
-        </p:blipFill>
-        <p:spPr>
-          <a:xfrm>
-            <a:off x="4482631" y="390843"/>
-            <a:ext cx="3629095" cy="3247944"/>
-          </a:xfrm>
-          <a:prstGeom prst="rect">
-            <a:avLst/>
-          </a:prstGeom>
-        </p:spPr>
-      </p:pic>
-      <p:pic>
-        <p:nvPicPr>
-          <p:cNvPr id="33" name="Picture 32" descr="Chart, bar chart&#10;&#10;Description automatically generated">
-            <a:extLst>
-              <a:ext uri="{FF2B5EF4-FFF2-40B4-BE49-F238E27FC236}">
-                <a16:creationId xmlns:a16="http://schemas.microsoft.com/office/drawing/2014/main" id="{B202CDB7-A197-2835-E06D-DB46C47641BC}"/>
-              </a:ext>
-            </a:extLst>
-          </p:cNvPr>
-          <p:cNvPicPr>
-            <a:picLocks noChangeAspect="1"/>
-          </p:cNvPicPr>
-          <p:nvPr/>
-        </p:nvPicPr>
-        <p:blipFill>
-          <a:blip r:embed="rId4">
-            <a:extLst>
-              <a:ext uri="{28A0092B-C50C-407E-A947-70E740481C1C}">
-                <a14:useLocalDpi xmlns:a14="http://schemas.microsoft.com/office/drawing/2010/main" val="0"/>
-              </a:ext>
-            </a:extLst>
-          </a:blip>
-          <a:stretch>
-            <a:fillRect/>
-          </a:stretch>
-        </p:blipFill>
-        <p:spPr>
-          <a:xfrm>
-            <a:off x="8111726" y="416111"/>
-            <a:ext cx="3647181" cy="3012889"/>
-          </a:xfrm>
-          <a:prstGeom prst="rect">
-            <a:avLst/>
-          </a:prstGeom>
-        </p:spPr>
-      </p:pic>
-      <p:pic>
-        <p:nvPicPr>
-          <p:cNvPr id="37" name="Picture 36" descr="Chart&#10;&#10;Description automatically generated">
-            <a:extLst>
-              <a:ext uri="{FF2B5EF4-FFF2-40B4-BE49-F238E27FC236}">
-                <a16:creationId xmlns:a16="http://schemas.microsoft.com/office/drawing/2014/main" id="{EBC423D4-6460-D470-7E49-F701B8FD761A}"/>
-              </a:ext>
-            </a:extLst>
-          </p:cNvPr>
-          <p:cNvPicPr>
-            <a:picLocks noChangeAspect="1"/>
-          </p:cNvPicPr>
-          <p:nvPr/>
-        </p:nvPicPr>
-        <p:blipFill>
-          <a:blip r:embed="rId5">
-            <a:extLst>
-              <a:ext uri="{28A0092B-C50C-407E-A947-70E740481C1C}">
-                <a14:useLocalDpi xmlns:a14="http://schemas.microsoft.com/office/drawing/2010/main" val="0"/>
-              </a:ext>
-            </a:extLst>
-          </a:blip>
-          <a:stretch>
-            <a:fillRect/>
-          </a:stretch>
-        </p:blipFill>
-        <p:spPr>
-          <a:xfrm>
-            <a:off x="227911" y="3429000"/>
-            <a:ext cx="4007463" cy="3291416"/>
-          </a:xfrm>
-          <a:prstGeom prst="rect">
-            <a:avLst/>
-          </a:prstGeom>
-        </p:spPr>
-      </p:pic>
-      <p:pic>
-        <p:nvPicPr>
-          <p:cNvPr id="40" name="Picture 39" descr="Chart, bar chart&#10;&#10;Description automatically generated">
-            <a:extLst>
-              <a:ext uri="{FF2B5EF4-FFF2-40B4-BE49-F238E27FC236}">
-                <a16:creationId xmlns:a16="http://schemas.microsoft.com/office/drawing/2014/main" id="{DED76CC3-1E08-AC1A-7922-26654EBE8959}"/>
-              </a:ext>
-            </a:extLst>
-          </p:cNvPr>
-          <p:cNvPicPr>
-            <a:picLocks noChangeAspect="1"/>
-          </p:cNvPicPr>
-          <p:nvPr/>
-        </p:nvPicPr>
-        <p:blipFill>
-          <a:blip r:embed="rId6">
-            <a:extLst>
-              <a:ext uri="{28A0092B-C50C-407E-A947-70E740481C1C}">
-                <a14:useLocalDpi xmlns:a14="http://schemas.microsoft.com/office/drawing/2010/main" val="0"/>
-              </a:ext>
-            </a:extLst>
-          </a:blip>
-          <a:stretch>
-            <a:fillRect/>
-          </a:stretch>
-        </p:blipFill>
-        <p:spPr>
-          <a:xfrm>
-            <a:off x="7989567" y="3553704"/>
-            <a:ext cx="3952571" cy="3242697"/>
-          </a:xfrm>
-          <a:prstGeom prst="rect">
-            <a:avLst/>
-          </a:prstGeom>
-        </p:spPr>
-      </p:pic>
-      <p:sp>
-        <p:nvSpPr>
-          <p:cNvPr id="43" name="TextBox 42">
-            <a:extLst>
-              <a:ext uri="{FF2B5EF4-FFF2-40B4-BE49-F238E27FC236}">
-                <a16:creationId xmlns:a16="http://schemas.microsoft.com/office/drawing/2014/main" id="{3C73EBE0-B5BC-2F96-60B5-C5A610FB8FB0}"/>
-              </a:ext>
-            </a:extLst>
-          </p:cNvPr>
-          <p:cNvSpPr txBox="1"/>
-          <p:nvPr/>
-        </p:nvSpPr>
-        <p:spPr>
-          <a:xfrm>
-            <a:off x="4387842" y="3973940"/>
-            <a:ext cx="3513342" cy="1477328"/>
-          </a:xfrm>
-          <a:prstGeom prst="rect">
-            <a:avLst/>
-          </a:prstGeom>
-          <a:solidFill>
-            <a:schemeClr val="accent1"/>
-          </a:solidFill>
-        </p:spPr>
-        <p:txBody>
-          <a:bodyPr wrap="square" lIns="91440" tIns="45720" rIns="91440" bIns="45720" rtlCol="0" anchor="t">
-            <a:spAutoFit/>
-          </a:bodyPr>
-          <a:lstStyle/>
-          <a:p>
-            <a:pPr marL="285750" indent="-285750">
-              <a:buFont typeface="Arial" panose="020B0604020202020204" pitchFamily="34" charset="0"/>
-              <a:buChar char="•"/>
-            </a:pPr>
+          <a:p>
             <a:r>
               <a:rPr lang="en-US" b="1" dirty="0">
                 <a:solidFill>
-                  <a:schemeClr val="bg1"/>
+                  <a:schemeClr val="accent1"/>
                 </a:solidFill>
+                <a:latin typeface="-apple-system"/>
               </a:rPr>
-              <a:t>No Significant change was found in the years before , during and after covid. Pop remained the most popular Genre followed by Rap</a:t>
+              <a:t>Streams by Genre per Year</a:t>
             </a:r>
+          </a:p>
+          <a:p>
+            <a:r>
+              <a:rPr lang="en-US" b="1" dirty="0">
+                <a:solidFill>
+                  <a:schemeClr val="accent1"/>
+                </a:solidFill>
+                <a:latin typeface="-apple-system"/>
+              </a:rPr>
+              <a:t>Streams by Genre per artist and year</a:t>
+            </a:r>
+          </a:p>
+          <a:p>
+            <a:r>
+              <a:rPr lang="en-US" b="1" dirty="0">
+                <a:solidFill>
+                  <a:schemeClr val="accent1"/>
+                </a:solidFill>
+                <a:latin typeface="-apple-system"/>
+              </a:rPr>
+              <a:t>Streams by Genre </a:t>
+            </a:r>
+          </a:p>
+          <a:p>
+            <a:endParaRPr lang="en-US" b="1" i="0" dirty="0">
+              <a:solidFill>
+                <a:schemeClr val="accent1"/>
+              </a:solidFill>
+              <a:effectLst/>
+              <a:latin typeface="-apple-system"/>
+            </a:endParaRPr>
           </a:p>
         </p:txBody>
       </p:sp>
     </p:spTree>
     <p:extLst>
       <p:ext uri="{BB962C8B-B14F-4D97-AF65-F5344CB8AC3E}">
-        <p14:creationId xmlns:p14="http://schemas.microsoft.com/office/powerpoint/2010/main" val="1502154670"/>
+        <p14:creationId xmlns:p14="http://schemas.microsoft.com/office/powerpoint/2010/main" val="3527900307"/>
       </p:ext>
     </p:extLst>
   </p:cSld>
@@ -19588,36 +17388,62 @@
             <p:ph type="title"/>
           </p:nvPr>
         </p:nvSpPr>
+        <p:spPr/>
+        <p:txBody>
+          <a:bodyPr/>
+          <a:lstStyle/>
+          <a:p>
+            <a:r>
+              <a:rPr lang="en-US" b="1" dirty="0"/>
+              <a:t>Data Visualization</a:t>
+            </a:r>
+            <a:endParaRPr lang="en-US" dirty="0"/>
+          </a:p>
+        </p:txBody>
+      </p:sp>
+      <p:sp>
+        <p:nvSpPr>
+          <p:cNvPr id="3" name="Content Placeholder 2">
+            <a:extLst>
+              <a:ext uri="{FF2B5EF4-FFF2-40B4-BE49-F238E27FC236}">
+                <a16:creationId xmlns:a16="http://schemas.microsoft.com/office/drawing/2014/main" id="{DEFF6F3F-2BD2-3D76-1483-072534DC4B24}"/>
+              </a:ext>
+            </a:extLst>
+          </p:cNvPr>
+          <p:cNvSpPr>
+            <a:spLocks noGrp="1"/>
+          </p:cNvSpPr>
+          <p:nvPr>
+            <p:ph idx="1"/>
+          </p:nvPr>
+        </p:nvSpPr>
         <p:spPr>
           <a:xfrm>
-            <a:off x="603495" y="434355"/>
-            <a:ext cx="9585533" cy="1020232"/>
+            <a:off x="445787" y="2252268"/>
+            <a:ext cx="8825659" cy="3416300"/>
           </a:xfrm>
         </p:spPr>
         <p:txBody>
-          <a:bodyPr>
-            <a:normAutofit/>
-          </a:bodyPr>
+          <a:bodyPr/>
           <a:lstStyle/>
           <a:p>
-            <a:pPr>
-              <a:lnSpc>
-                <a:spcPct val="90000"/>
-              </a:lnSpc>
-            </a:pPr>
             <a:r>
-              <a:rPr lang="en-US" sz="3200" b="1" dirty="0"/>
-              <a:t>Data Visualization – Most Streamed / Top Genre</a:t>
+              <a:rPr lang="en-US" b="1" dirty="0">
+                <a:solidFill>
+                  <a:schemeClr val="accent1"/>
+                </a:solidFill>
+              </a:rPr>
+              <a:t>Pie Chart of Most Streamed Artist Pre and post covid</a:t>
             </a:r>
           </a:p>
         </p:txBody>
       </p:sp>
       <p:pic>
         <p:nvPicPr>
-          <p:cNvPr id="11" name="Picture 10" descr="Chart, bar chart&#10;&#10;Description automatically generated">
+          <p:cNvPr id="7" name="Picture 6">
             <a:extLst>
               <a:ext uri="{FF2B5EF4-FFF2-40B4-BE49-F238E27FC236}">
-                <a16:creationId xmlns:a16="http://schemas.microsoft.com/office/drawing/2014/main" id="{7D6E0B2A-C731-AA2C-0564-090308F4F117}"/>
+                <a16:creationId xmlns:a16="http://schemas.microsoft.com/office/drawing/2014/main" id="{30887898-16D3-DF1A-9077-F295D1800B11}"/>
               </a:ext>
             </a:extLst>
           </p:cNvPr>
@@ -19640,8 +17466,8 @@
         </p:blipFill>
         <p:spPr>
           <a:xfrm>
-            <a:off x="6544733" y="1699124"/>
-            <a:ext cx="4276438" cy="3699118"/>
+            <a:off x="7113492" y="4532985"/>
+            <a:ext cx="3028221" cy="2271166"/>
           </a:xfrm>
           <a:prstGeom prst="rect">
             <a:avLst/>
@@ -19650,10 +17476,10 @@
       </p:pic>
       <p:pic>
         <p:nvPicPr>
-          <p:cNvPr id="9" name="Content Placeholder 8" descr="Chart, bar chart&#10;&#10;Description automatically generated">
+          <p:cNvPr id="17" name="Picture 16">
             <a:extLst>
               <a:ext uri="{FF2B5EF4-FFF2-40B4-BE49-F238E27FC236}">
-                <a16:creationId xmlns:a16="http://schemas.microsoft.com/office/drawing/2014/main" id="{DB2F35F7-A8E1-37F2-942E-AF56253E62FE}"/>
+                <a16:creationId xmlns:a16="http://schemas.microsoft.com/office/drawing/2014/main" id="{EF187972-D71C-5189-637A-7AA717FAFEB7}"/>
               </a:ext>
             </a:extLst>
           </p:cNvPr>
@@ -19676,69 +17502,796 @@
         </p:blipFill>
         <p:spPr>
           <a:xfrm>
-            <a:off x="1157728" y="1705913"/>
-            <a:ext cx="5115949" cy="3657903"/>
+            <a:off x="6398483" y="2325015"/>
+            <a:ext cx="4170906" cy="2311134"/>
           </a:xfrm>
           <a:prstGeom prst="rect">
             <a:avLst/>
           </a:prstGeom>
         </p:spPr>
       </p:pic>
-      <p:sp>
-        <p:nvSpPr>
-          <p:cNvPr id="17" name="Content Placeholder 16">
+      <p:graphicFrame>
+        <p:nvGraphicFramePr>
+          <p:cNvPr id="22" name="Table 21">
             <a:extLst>
               <a:ext uri="{FF2B5EF4-FFF2-40B4-BE49-F238E27FC236}">
-                <a16:creationId xmlns:a16="http://schemas.microsoft.com/office/drawing/2014/main" id="{0310CC84-FE29-232F-6D2D-F0611A8D43A8}"/>
+                <a16:creationId xmlns:a16="http://schemas.microsoft.com/office/drawing/2014/main" id="{D249448E-8112-775E-6E76-8E96D807DC08}"/>
               </a:ext>
             </a:extLst>
           </p:cNvPr>
-          <p:cNvSpPr>
-            <a:spLocks noGrp="1"/>
-          </p:cNvSpPr>
+          <p:cNvGraphicFramePr>
+            <a:graphicFrameLocks noGrp="1"/>
+          </p:cNvGraphicFramePr>
           <p:nvPr>
-            <p:ph idx="1"/>
+            <p:extLst>
+              <p:ext uri="{D42A27DB-BD31-4B8C-83A1-F6EECF244321}">
+                <p14:modId xmlns:p14="http://schemas.microsoft.com/office/powerpoint/2010/main" val="1931472463"/>
+              </p:ext>
+            </p:extLst>
           </p:nvPr>
+        </p:nvGraphicFramePr>
+        <p:xfrm>
+          <a:off x="241182" y="2863587"/>
+          <a:ext cx="5393137" cy="1703070"/>
+        </p:xfrm>
+        <a:graphic>
+          <a:graphicData uri="http://schemas.openxmlformats.org/drawingml/2006/table">
+            <a:tbl>
+              <a:tblPr/>
+              <a:tblGrid>
+                <a:gridCol w="980381">
+                  <a:extLst>
+                    <a:ext uri="{9D8B030D-6E8A-4147-A177-3AD203B41FA5}">
+                      <a16:colId xmlns:a16="http://schemas.microsoft.com/office/drawing/2014/main" val="193057600"/>
+                    </a:ext>
+                  </a:extLst>
+                </a:gridCol>
+                <a:gridCol w="1591847">
+                  <a:extLst>
+                    <a:ext uri="{9D8B030D-6E8A-4147-A177-3AD203B41FA5}">
+                      <a16:colId xmlns:a16="http://schemas.microsoft.com/office/drawing/2014/main" val="2376070044"/>
+                    </a:ext>
+                  </a:extLst>
+                </a:gridCol>
+                <a:gridCol w="2820909">
+                  <a:extLst>
+                    <a:ext uri="{9D8B030D-6E8A-4147-A177-3AD203B41FA5}">
+                      <a16:colId xmlns:a16="http://schemas.microsoft.com/office/drawing/2014/main" val="2117664360"/>
+                    </a:ext>
+                  </a:extLst>
+                </a:gridCol>
+              </a:tblGrid>
+              <a:tr h="0">
+                <a:tc>
+                  <a:txBody>
+                    <a:bodyPr/>
+                    <a:lstStyle/>
+                    <a:p>
+                      <a:pPr algn="r" rtl="0" fontAlgn="ctr"/>
+                      <a:r>
+                        <a:rPr lang="en-US" sz="1800" b="1" i="0" u="none" strike="noStrike" dirty="0">
+                          <a:solidFill>
+                            <a:srgbClr val="000000"/>
+                          </a:solidFill>
+                          <a:effectLst/>
+                          <a:latin typeface="Century Gothic" panose="020B0502020202020204" pitchFamily="34" charset="0"/>
+                        </a:rPr>
+                        <a:t>Year</a:t>
+                      </a:r>
+                    </a:p>
+                  </a:txBody>
+                  <a:tcPr marL="9525" marR="9525" marT="9525" marB="0" anchor="ctr" anchorCtr="1">
+                    <a:lnL>
+                      <a:noFill/>
+                    </a:lnL>
+                    <a:lnR>
+                      <a:noFill/>
+                    </a:lnR>
+                    <a:lnT>
+                      <a:noFill/>
+                    </a:lnT>
+                    <a:lnB>
+                      <a:noFill/>
+                    </a:lnB>
+                    <a:solidFill>
+                      <a:schemeClr val="bg1">
+                        <a:lumMod val="75000"/>
+                      </a:schemeClr>
+                    </a:solidFill>
+                  </a:tcPr>
+                </a:tc>
+                <a:tc>
+                  <a:txBody>
+                    <a:bodyPr/>
+                    <a:lstStyle/>
+                    <a:p>
+                      <a:pPr algn="r" rtl="0" fontAlgn="ctr"/>
+                      <a:r>
+                        <a:rPr lang="en-US" sz="1800" b="1" i="0" u="none" strike="noStrike">
+                          <a:solidFill>
+                            <a:srgbClr val="000000"/>
+                          </a:solidFill>
+                          <a:effectLst/>
+                          <a:latin typeface="Century Gothic" panose="020B0502020202020204" pitchFamily="34" charset="0"/>
+                        </a:rPr>
+                        <a:t>Artist</a:t>
+                      </a:r>
+                    </a:p>
+                  </a:txBody>
+                  <a:tcPr marL="9525" marR="9525" marT="9525" marB="0" anchor="ctr" anchorCtr="1">
+                    <a:lnL>
+                      <a:noFill/>
+                    </a:lnL>
+                    <a:lnR>
+                      <a:noFill/>
+                    </a:lnR>
+                    <a:lnT>
+                      <a:noFill/>
+                    </a:lnT>
+                    <a:lnB>
+                      <a:noFill/>
+                    </a:lnB>
+                    <a:solidFill>
+                      <a:schemeClr val="bg1">
+                        <a:lumMod val="75000"/>
+                      </a:schemeClr>
+                    </a:solidFill>
+                  </a:tcPr>
+                </a:tc>
+                <a:tc>
+                  <a:txBody>
+                    <a:bodyPr/>
+                    <a:lstStyle/>
+                    <a:p>
+                      <a:pPr algn="r" rtl="0" fontAlgn="ctr"/>
+                      <a:r>
+                        <a:rPr lang="en-US" sz="1800" b="1" i="0" u="none" strike="noStrike">
+                          <a:solidFill>
+                            <a:srgbClr val="000000"/>
+                          </a:solidFill>
+                          <a:effectLst/>
+                          <a:latin typeface="Century Gothic" panose="020B0502020202020204" pitchFamily="34" charset="0"/>
+                        </a:rPr>
+                        <a:t>Streams</a:t>
+                      </a:r>
+                    </a:p>
+                  </a:txBody>
+                  <a:tcPr marL="9525" marR="9525" marT="9525" marB="0" anchor="ctr" anchorCtr="1">
+                    <a:lnL>
+                      <a:noFill/>
+                    </a:lnL>
+                    <a:lnR>
+                      <a:noFill/>
+                    </a:lnR>
+                    <a:lnT>
+                      <a:noFill/>
+                    </a:lnT>
+                    <a:lnB>
+                      <a:noFill/>
+                    </a:lnB>
+                    <a:solidFill>
+                      <a:schemeClr val="bg1">
+                        <a:lumMod val="75000"/>
+                      </a:schemeClr>
+                    </a:solidFill>
+                  </a:tcPr>
+                </a:tc>
+                <a:extLst>
+                  <a:ext uri="{0D108BD9-81ED-4DB2-BD59-A6C34878D82A}">
+                    <a16:rowId xmlns:a16="http://schemas.microsoft.com/office/drawing/2014/main" val="2682202562"/>
+                  </a:ext>
+                </a:extLst>
+              </a:tr>
+              <a:tr h="0">
+                <a:tc>
+                  <a:txBody>
+                    <a:bodyPr/>
+                    <a:lstStyle/>
+                    <a:p>
+                      <a:pPr algn="r" rtl="0" fontAlgn="ctr"/>
+                      <a:r>
+                        <a:rPr lang="en-US" sz="1800" b="0" i="0" u="none" strike="noStrike" dirty="0">
+                          <a:solidFill>
+                            <a:srgbClr val="000000"/>
+                          </a:solidFill>
+                          <a:effectLst/>
+                          <a:latin typeface="Century Gothic" panose="020B0502020202020204" pitchFamily="34" charset="0"/>
+                        </a:rPr>
+                        <a:t>2017</a:t>
+                      </a:r>
+                    </a:p>
+                  </a:txBody>
+                  <a:tcPr marL="9525" marR="9525" marT="9525" marB="0" anchor="ctr" anchorCtr="1">
+                    <a:lnL>
+                      <a:noFill/>
+                    </a:lnL>
+                    <a:lnR>
+                      <a:noFill/>
+                    </a:lnR>
+                    <a:lnT>
+                      <a:noFill/>
+                    </a:lnT>
+                    <a:lnB>
+                      <a:noFill/>
+                    </a:lnB>
+                    <a:solidFill>
+                      <a:srgbClr val="F5F5F5"/>
+                    </a:solidFill>
+                  </a:tcPr>
+                </a:tc>
+                <a:tc>
+                  <a:txBody>
+                    <a:bodyPr/>
+                    <a:lstStyle/>
+                    <a:p>
+                      <a:pPr algn="r" rtl="0" fontAlgn="ctr"/>
+                      <a:r>
+                        <a:rPr lang="en-US" sz="1800" b="0" i="0" u="none" strike="noStrike">
+                          <a:solidFill>
+                            <a:srgbClr val="000000"/>
+                          </a:solidFill>
+                          <a:effectLst/>
+                          <a:latin typeface="Century Gothic" panose="020B0502020202020204" pitchFamily="34" charset="0"/>
+                        </a:rPr>
+                        <a:t>Ed Sheeran</a:t>
+                      </a:r>
+                    </a:p>
+                  </a:txBody>
+                  <a:tcPr marL="9525" marR="9525" marT="9525" marB="0" anchor="ctr" anchorCtr="1">
+                    <a:lnL>
+                      <a:noFill/>
+                    </a:lnL>
+                    <a:lnR>
+                      <a:noFill/>
+                    </a:lnR>
+                    <a:lnT>
+                      <a:noFill/>
+                    </a:lnT>
+                    <a:lnB>
+                      <a:noFill/>
+                    </a:lnB>
+                    <a:solidFill>
+                      <a:srgbClr val="F5F5F5"/>
+                    </a:solidFill>
+                  </a:tcPr>
+                </a:tc>
+                <a:tc>
+                  <a:txBody>
+                    <a:bodyPr/>
+                    <a:lstStyle/>
+                    <a:p>
+                      <a:pPr algn="r" rtl="0" fontAlgn="ctr"/>
+                      <a:r>
+                        <a:rPr lang="en-US" sz="1800" b="0" i="0" u="none" strike="noStrike" dirty="0">
+                          <a:solidFill>
+                            <a:srgbClr val="000000"/>
+                          </a:solidFill>
+                          <a:effectLst/>
+                          <a:latin typeface="Century Gothic" panose="020B0502020202020204" pitchFamily="34" charset="0"/>
+                        </a:rPr>
+                        <a:t>       4,526,988,042 </a:t>
+                      </a:r>
+                    </a:p>
+                  </a:txBody>
+                  <a:tcPr marL="9525" marR="9525" marT="9525" marB="0" anchor="ctr" anchorCtr="1">
+                    <a:lnL>
+                      <a:noFill/>
+                    </a:lnL>
+                    <a:lnR>
+                      <a:noFill/>
+                    </a:lnR>
+                    <a:lnT>
+                      <a:noFill/>
+                    </a:lnT>
+                    <a:lnB>
+                      <a:noFill/>
+                    </a:lnB>
+                    <a:solidFill>
+                      <a:srgbClr val="F5F5F5"/>
+                    </a:solidFill>
+                  </a:tcPr>
+                </a:tc>
+                <a:extLst>
+                  <a:ext uri="{0D108BD9-81ED-4DB2-BD59-A6C34878D82A}">
+                    <a16:rowId xmlns:a16="http://schemas.microsoft.com/office/drawing/2014/main" val="1386762444"/>
+                  </a:ext>
+                </a:extLst>
+              </a:tr>
+              <a:tr h="0">
+                <a:tc>
+                  <a:txBody>
+                    <a:bodyPr/>
+                    <a:lstStyle/>
+                    <a:p>
+                      <a:pPr algn="r" rtl="0" fontAlgn="ctr"/>
+                      <a:r>
+                        <a:rPr lang="en-US" sz="1800" b="0" i="0" u="none" strike="noStrike" dirty="0">
+                          <a:solidFill>
+                            <a:srgbClr val="000000"/>
+                          </a:solidFill>
+                          <a:effectLst/>
+                          <a:latin typeface="Century Gothic" panose="020B0502020202020204" pitchFamily="34" charset="0"/>
+                        </a:rPr>
+                        <a:t>2018</a:t>
+                      </a:r>
+                    </a:p>
+                  </a:txBody>
+                  <a:tcPr marL="9525" marR="9525" marT="9525" marB="0" anchor="ctr" anchorCtr="1">
+                    <a:lnL>
+                      <a:noFill/>
+                    </a:lnL>
+                    <a:lnR>
+                      <a:noFill/>
+                    </a:lnR>
+                    <a:lnT>
+                      <a:noFill/>
+                    </a:lnT>
+                    <a:lnB>
+                      <a:noFill/>
+                    </a:lnB>
+                    <a:solidFill>
+                      <a:srgbClr val="FFFFFF"/>
+                    </a:solidFill>
+                  </a:tcPr>
+                </a:tc>
+                <a:tc>
+                  <a:txBody>
+                    <a:bodyPr/>
+                    <a:lstStyle/>
+                    <a:p>
+                      <a:pPr algn="r" rtl="0" fontAlgn="ctr"/>
+                      <a:r>
+                        <a:rPr lang="en-US" sz="1800" b="0" i="0" u="none" strike="noStrike" dirty="0">
+                          <a:solidFill>
+                            <a:srgbClr val="000000"/>
+                          </a:solidFill>
+                          <a:effectLst/>
+                          <a:latin typeface="Century Gothic" panose="020B0502020202020204" pitchFamily="34" charset="0"/>
+                        </a:rPr>
+                        <a:t>Post Malone</a:t>
+                      </a:r>
+                    </a:p>
+                  </a:txBody>
+                  <a:tcPr marL="9525" marR="9525" marT="9525" marB="0" anchor="ctr" anchorCtr="1">
+                    <a:lnL>
+                      <a:noFill/>
+                    </a:lnL>
+                    <a:lnR>
+                      <a:noFill/>
+                    </a:lnR>
+                    <a:lnT>
+                      <a:noFill/>
+                    </a:lnT>
+                    <a:lnB>
+                      <a:noFill/>
+                    </a:lnB>
+                    <a:solidFill>
+                      <a:srgbClr val="FFFFFF"/>
+                    </a:solidFill>
+                  </a:tcPr>
+                </a:tc>
+                <a:tc>
+                  <a:txBody>
+                    <a:bodyPr/>
+                    <a:lstStyle/>
+                    <a:p>
+                      <a:pPr algn="r" rtl="0" fontAlgn="ctr"/>
+                      <a:r>
+                        <a:rPr lang="en-US" sz="1800" b="0" i="0" u="none" strike="noStrike">
+                          <a:solidFill>
+                            <a:srgbClr val="000000"/>
+                          </a:solidFill>
+                          <a:effectLst/>
+                          <a:latin typeface="Century Gothic" panose="020B0502020202020204" pitchFamily="34" charset="0"/>
+                        </a:rPr>
+                        <a:t>       4,474,074,823 </a:t>
+                      </a:r>
+                    </a:p>
+                  </a:txBody>
+                  <a:tcPr marL="9525" marR="9525" marT="9525" marB="0" anchor="ctr" anchorCtr="1">
+                    <a:lnL>
+                      <a:noFill/>
+                    </a:lnL>
+                    <a:lnR>
+                      <a:noFill/>
+                    </a:lnR>
+                    <a:lnT>
+                      <a:noFill/>
+                    </a:lnT>
+                    <a:lnB>
+                      <a:noFill/>
+                    </a:lnB>
+                    <a:solidFill>
+                      <a:srgbClr val="FFFFFF"/>
+                    </a:solidFill>
+                  </a:tcPr>
+                </a:tc>
+                <a:extLst>
+                  <a:ext uri="{0D108BD9-81ED-4DB2-BD59-A6C34878D82A}">
+                    <a16:rowId xmlns:a16="http://schemas.microsoft.com/office/drawing/2014/main" val="1683236646"/>
+                  </a:ext>
+                </a:extLst>
+              </a:tr>
+              <a:tr h="0">
+                <a:tc>
+                  <a:txBody>
+                    <a:bodyPr/>
+                    <a:lstStyle/>
+                    <a:p>
+                      <a:pPr algn="r" rtl="0" fontAlgn="ctr"/>
+                      <a:r>
+                        <a:rPr lang="en-US" sz="1800" b="0" i="0" u="none" strike="noStrike" dirty="0">
+                          <a:solidFill>
+                            <a:srgbClr val="000000"/>
+                          </a:solidFill>
+                          <a:effectLst/>
+                          <a:latin typeface="Century Gothic" panose="020B0502020202020204" pitchFamily="34" charset="0"/>
+                        </a:rPr>
+                        <a:t>2019</a:t>
+                      </a:r>
+                    </a:p>
+                  </a:txBody>
+                  <a:tcPr marL="9525" marR="9525" marT="9525" marB="0" anchor="ctr" anchorCtr="1">
+                    <a:lnL>
+                      <a:noFill/>
+                    </a:lnL>
+                    <a:lnR>
+                      <a:noFill/>
+                    </a:lnR>
+                    <a:lnT>
+                      <a:noFill/>
+                    </a:lnT>
+                    <a:lnB>
+                      <a:noFill/>
+                    </a:lnB>
+                    <a:solidFill>
+                      <a:srgbClr val="F5F5F5"/>
+                    </a:solidFill>
+                  </a:tcPr>
+                </a:tc>
+                <a:tc>
+                  <a:txBody>
+                    <a:bodyPr/>
+                    <a:lstStyle/>
+                    <a:p>
+                      <a:pPr algn="r" rtl="0" fontAlgn="ctr"/>
+                      <a:r>
+                        <a:rPr lang="en-US" sz="1800" b="0" i="0" u="none" strike="noStrike">
+                          <a:solidFill>
+                            <a:srgbClr val="000000"/>
+                          </a:solidFill>
+                          <a:effectLst/>
+                          <a:latin typeface="Century Gothic" panose="020B0502020202020204" pitchFamily="34" charset="0"/>
+                        </a:rPr>
+                        <a:t>Post Malone</a:t>
+                      </a:r>
+                    </a:p>
+                  </a:txBody>
+                  <a:tcPr marL="9525" marR="9525" marT="9525" marB="0" anchor="ctr" anchorCtr="1">
+                    <a:lnL>
+                      <a:noFill/>
+                    </a:lnL>
+                    <a:lnR>
+                      <a:noFill/>
+                    </a:lnR>
+                    <a:lnT>
+                      <a:noFill/>
+                    </a:lnT>
+                    <a:lnB>
+                      <a:noFill/>
+                    </a:lnB>
+                    <a:solidFill>
+                      <a:srgbClr val="F5F5F5"/>
+                    </a:solidFill>
+                  </a:tcPr>
+                </a:tc>
+                <a:tc>
+                  <a:txBody>
+                    <a:bodyPr/>
+                    <a:lstStyle/>
+                    <a:p>
+                      <a:pPr algn="r" rtl="0" fontAlgn="ctr"/>
+                      <a:r>
+                        <a:rPr lang="en-US" sz="1800" b="0" i="0" u="none" strike="noStrike">
+                          <a:solidFill>
+                            <a:srgbClr val="000000"/>
+                          </a:solidFill>
+                          <a:effectLst/>
+                          <a:latin typeface="Century Gothic" panose="020B0502020202020204" pitchFamily="34" charset="0"/>
+                        </a:rPr>
+                        <a:t>       4,989,227,763 </a:t>
+                      </a:r>
+                    </a:p>
+                  </a:txBody>
+                  <a:tcPr marL="9525" marR="9525" marT="9525" marB="0" anchor="ctr" anchorCtr="1">
+                    <a:lnL>
+                      <a:noFill/>
+                    </a:lnL>
+                    <a:lnR>
+                      <a:noFill/>
+                    </a:lnR>
+                    <a:lnT>
+                      <a:noFill/>
+                    </a:lnT>
+                    <a:lnB>
+                      <a:noFill/>
+                    </a:lnB>
+                    <a:solidFill>
+                      <a:srgbClr val="F5F5F5"/>
+                    </a:solidFill>
+                  </a:tcPr>
+                </a:tc>
+                <a:extLst>
+                  <a:ext uri="{0D108BD9-81ED-4DB2-BD59-A6C34878D82A}">
+                    <a16:rowId xmlns:a16="http://schemas.microsoft.com/office/drawing/2014/main" val="2793297269"/>
+                  </a:ext>
+                </a:extLst>
+              </a:tr>
+              <a:tr h="0">
+                <a:tc>
+                  <a:txBody>
+                    <a:bodyPr/>
+                    <a:lstStyle/>
+                    <a:p>
+                      <a:pPr algn="r" rtl="0" fontAlgn="ctr"/>
+                      <a:r>
+                        <a:rPr lang="en-US" sz="1800" b="0" i="0" u="none" strike="noStrike" dirty="0">
+                          <a:solidFill>
+                            <a:srgbClr val="000000"/>
+                          </a:solidFill>
+                          <a:effectLst/>
+                          <a:latin typeface="Century Gothic" panose="020B0502020202020204" pitchFamily="34" charset="0"/>
+                        </a:rPr>
+                        <a:t>2020</a:t>
+                      </a:r>
+                    </a:p>
+                  </a:txBody>
+                  <a:tcPr marL="9525" marR="9525" marT="9525" marB="0" anchor="ctr" anchorCtr="1">
+                    <a:lnL>
+                      <a:noFill/>
+                    </a:lnL>
+                    <a:lnR>
+                      <a:noFill/>
+                    </a:lnR>
+                    <a:lnT>
+                      <a:noFill/>
+                    </a:lnT>
+                    <a:lnB>
+                      <a:noFill/>
+                    </a:lnB>
+                    <a:solidFill>
+                      <a:srgbClr val="FFFFFF"/>
+                    </a:solidFill>
+                  </a:tcPr>
+                </a:tc>
+                <a:tc>
+                  <a:txBody>
+                    <a:bodyPr/>
+                    <a:lstStyle/>
+                    <a:p>
+                      <a:pPr algn="r" rtl="0" fontAlgn="ctr"/>
+                      <a:r>
+                        <a:rPr lang="en-US" sz="1800" b="0" i="0" u="none" strike="noStrike" dirty="0">
+                          <a:solidFill>
+                            <a:srgbClr val="000000"/>
+                          </a:solidFill>
+                          <a:effectLst/>
+                          <a:latin typeface="Century Gothic" panose="020B0502020202020204" pitchFamily="34" charset="0"/>
+                        </a:rPr>
+                        <a:t>Bad Bunny</a:t>
+                      </a:r>
+                    </a:p>
+                  </a:txBody>
+                  <a:tcPr marL="9525" marR="9525" marT="9525" marB="0" anchor="ctr" anchorCtr="1">
+                    <a:lnL>
+                      <a:noFill/>
+                    </a:lnL>
+                    <a:lnR>
+                      <a:noFill/>
+                    </a:lnR>
+                    <a:lnT>
+                      <a:noFill/>
+                    </a:lnT>
+                    <a:lnB>
+                      <a:noFill/>
+                    </a:lnB>
+                    <a:solidFill>
+                      <a:srgbClr val="FFFFFF"/>
+                    </a:solidFill>
+                  </a:tcPr>
+                </a:tc>
+                <a:tc>
+                  <a:txBody>
+                    <a:bodyPr/>
+                    <a:lstStyle/>
+                    <a:p>
+                      <a:pPr algn="r" rtl="0" fontAlgn="ctr"/>
+                      <a:r>
+                        <a:rPr lang="en-US" sz="1800" b="0" i="0" u="none" strike="noStrike" dirty="0">
+                          <a:solidFill>
+                            <a:srgbClr val="000000"/>
+                          </a:solidFill>
+                          <a:effectLst/>
+                          <a:latin typeface="Century Gothic" panose="020B0502020202020204" pitchFamily="34" charset="0"/>
+                        </a:rPr>
+                        <a:t>       3,322,524,063 </a:t>
+                      </a:r>
+                    </a:p>
+                  </a:txBody>
+                  <a:tcPr marL="9525" marR="9525" marT="9525" marB="0" anchor="ctr" anchorCtr="1">
+                    <a:lnL>
+                      <a:noFill/>
+                    </a:lnL>
+                    <a:lnR>
+                      <a:noFill/>
+                    </a:lnR>
+                    <a:lnT>
+                      <a:noFill/>
+                    </a:lnT>
+                    <a:lnB>
+                      <a:noFill/>
+                    </a:lnB>
+                    <a:solidFill>
+                      <a:srgbClr val="FFFFFF"/>
+                    </a:solidFill>
+                  </a:tcPr>
+                </a:tc>
+                <a:extLst>
+                  <a:ext uri="{0D108BD9-81ED-4DB2-BD59-A6C34878D82A}">
+                    <a16:rowId xmlns:a16="http://schemas.microsoft.com/office/drawing/2014/main" val="407000815"/>
+                  </a:ext>
+                </a:extLst>
+              </a:tr>
+              <a:tr h="0">
+                <a:tc>
+                  <a:txBody>
+                    <a:bodyPr/>
+                    <a:lstStyle/>
+                    <a:p>
+                      <a:pPr algn="r" rtl="0" fontAlgn="ctr"/>
+                      <a:r>
+                        <a:rPr lang="en-US" sz="1800" b="0" i="0" u="none" strike="noStrike">
+                          <a:solidFill>
+                            <a:srgbClr val="000000"/>
+                          </a:solidFill>
+                          <a:effectLst/>
+                          <a:latin typeface="Century Gothic" panose="020B0502020202020204" pitchFamily="34" charset="0"/>
+                        </a:rPr>
+                        <a:t>2021</a:t>
+                      </a:r>
+                    </a:p>
+                  </a:txBody>
+                  <a:tcPr marL="9525" marR="9525" marT="9525" marB="0" anchor="ctr" anchorCtr="1">
+                    <a:lnL>
+                      <a:noFill/>
+                    </a:lnL>
+                    <a:lnR>
+                      <a:noFill/>
+                    </a:lnR>
+                    <a:lnT>
+                      <a:noFill/>
+                    </a:lnT>
+                    <a:lnB>
+                      <a:noFill/>
+                    </a:lnB>
+                    <a:solidFill>
+                      <a:srgbClr val="FFFFFF"/>
+                    </a:solidFill>
+                  </a:tcPr>
+                </a:tc>
+                <a:tc>
+                  <a:txBody>
+                    <a:bodyPr/>
+                    <a:lstStyle/>
+                    <a:p>
+                      <a:pPr algn="r" rtl="0" fontAlgn="ctr"/>
+                      <a:r>
+                        <a:rPr lang="en-US" sz="1800" b="0" i="0" u="none" strike="noStrike" dirty="0">
+                          <a:solidFill>
+                            <a:srgbClr val="000000"/>
+                          </a:solidFill>
+                          <a:effectLst/>
+                          <a:latin typeface="Century Gothic" panose="020B0502020202020204" pitchFamily="34" charset="0"/>
+                        </a:rPr>
+                        <a:t>Justin Bieber</a:t>
+                      </a:r>
+                    </a:p>
+                  </a:txBody>
+                  <a:tcPr marL="9525" marR="9525" marT="9525" marB="0" anchor="ctr" anchorCtr="1">
+                    <a:lnL>
+                      <a:noFill/>
+                    </a:lnL>
+                    <a:lnR>
+                      <a:noFill/>
+                    </a:lnR>
+                    <a:lnT>
+                      <a:noFill/>
+                    </a:lnT>
+                    <a:lnB>
+                      <a:noFill/>
+                    </a:lnB>
+                    <a:solidFill>
+                      <a:srgbClr val="FFFFFF"/>
+                    </a:solidFill>
+                  </a:tcPr>
+                </a:tc>
+                <a:tc>
+                  <a:txBody>
+                    <a:bodyPr/>
+                    <a:lstStyle/>
+                    <a:p>
+                      <a:pPr algn="r" rtl="0" fontAlgn="ctr"/>
+                      <a:r>
+                        <a:rPr lang="en-US" sz="1800" b="0" i="0" u="none" strike="noStrike" dirty="0">
+                          <a:solidFill>
+                            <a:srgbClr val="000000"/>
+                          </a:solidFill>
+                          <a:effectLst/>
+                          <a:latin typeface="Century Gothic" panose="020B0502020202020204" pitchFamily="34" charset="0"/>
+                        </a:rPr>
+                        <a:t>       1,560,451,296 </a:t>
+                      </a:r>
+                    </a:p>
+                  </a:txBody>
+                  <a:tcPr marL="9525" marR="9525" marT="9525" marB="0" anchor="ctr" anchorCtr="1">
+                    <a:lnL>
+                      <a:noFill/>
+                    </a:lnL>
+                    <a:lnR>
+                      <a:noFill/>
+                    </a:lnR>
+                    <a:lnT>
+                      <a:noFill/>
+                    </a:lnT>
+                    <a:lnB>
+                      <a:noFill/>
+                    </a:lnB>
+                    <a:solidFill>
+                      <a:srgbClr val="FFFFFF"/>
+                    </a:solidFill>
+                  </a:tcPr>
+                </a:tc>
+                <a:extLst>
+                  <a:ext uri="{0D108BD9-81ED-4DB2-BD59-A6C34878D82A}">
+                    <a16:rowId xmlns:a16="http://schemas.microsoft.com/office/drawing/2014/main" val="638935452"/>
+                  </a:ext>
+                </a:extLst>
+              </a:tr>
+            </a:tbl>
+          </a:graphicData>
+        </a:graphic>
+      </p:graphicFrame>
+      <p:sp>
+        <p:nvSpPr>
+          <p:cNvPr id="23" name="TextBox 22">
+            <a:extLst>
+              <a:ext uri="{FF2B5EF4-FFF2-40B4-BE49-F238E27FC236}">
+                <a16:creationId xmlns:a16="http://schemas.microsoft.com/office/drawing/2014/main" id="{77ABD004-8A00-9AE1-3D92-6A9C7A4CCB88}"/>
+              </a:ext>
+            </a:extLst>
+          </p:cNvPr>
+          <p:cNvSpPr txBox="1"/>
+          <p:nvPr/>
         </p:nvSpPr>
         <p:spPr>
           <a:xfrm>
-            <a:off x="711199" y="5398242"/>
-            <a:ext cx="10918109" cy="1459758"/>
+            <a:off x="632012" y="5082988"/>
+            <a:ext cx="4652682" cy="1200329"/>
           </a:xfrm>
+          <a:prstGeom prst="rect">
+            <a:avLst/>
+          </a:prstGeom>
+          <a:noFill/>
         </p:spPr>
         <p:txBody>
-          <a:bodyPr>
-            <a:normAutofit/>
+          <a:bodyPr wrap="square" rtlCol="0">
+            <a:spAutoFit/>
           </a:bodyPr>
           <a:lstStyle/>
           <a:p>
             <a:r>
-              <a:rPr lang="en-US" b="1" dirty="0">
-                <a:solidFill>
-                  <a:schemeClr val="accent1"/>
-                </a:solidFill>
-              </a:rPr>
-              <a:t>There was not much change in the type of music that was streamed</a:t>
-            </a:r>
-          </a:p>
-          <a:p>
-            <a:r>
-              <a:rPr lang="en-US" b="1" dirty="0">
-                <a:solidFill>
-                  <a:schemeClr val="accent1"/>
-                </a:solidFill>
-              </a:rPr>
-              <a:t>Overall, across all years Pop was the most popular. </a:t>
-            </a:r>
-          </a:p>
-          <a:p>
-            <a:r>
-              <a:rPr lang="en-US" b="1" dirty="0">
-                <a:solidFill>
-                  <a:schemeClr val="accent1"/>
-                </a:solidFill>
-              </a:rPr>
-              <a:t>There was a slight increase in Spotify streaming during Covid</a:t>
+              <a:rPr lang="en-US" dirty="0"/>
+              <a:t>Post Malone hold first place between the years 2018 and 2019.  then during covid Bad Bunny streams were the highest.</a:t>
             </a:r>
           </a:p>
         </p:txBody>
@@ -19746,13 +18299,228 @@
     </p:spTree>
     <p:extLst>
       <p:ext uri="{BB962C8B-B14F-4D97-AF65-F5344CB8AC3E}">
-        <p14:creationId xmlns:p14="http://schemas.microsoft.com/office/powerpoint/2010/main" val="1630736906"/>
+        <p14:creationId xmlns:p14="http://schemas.microsoft.com/office/powerpoint/2010/main" val="612460994"/>
       </p:ext>
     </p:extLst>
   </p:cSld>
   <p:clrMapOvr>
     <a:masterClrMapping/>
   </p:clrMapOvr>
+  <p:transition spd="slow">
+    <p:push dir="u"/>
+  </p:transition>
+  <p:timing>
+    <p:tnLst>
+      <p:par>
+        <p:cTn id="1" dur="indefinite" restart="never" nodeType="tmRoot">
+          <p:childTnLst>
+            <p:seq concurrent="1" nextAc="seek">
+              <p:cTn id="2" dur="indefinite" nodeType="mainSeq">
+                <p:childTnLst>
+                  <p:par>
+                    <p:cTn id="3" fill="hold">
+                      <p:stCondLst>
+                        <p:cond delay="indefinite"/>
+                      </p:stCondLst>
+                      <p:childTnLst>
+                        <p:par>
+                          <p:cTn id="4" fill="hold">
+                            <p:stCondLst>
+                              <p:cond delay="0"/>
+                            </p:stCondLst>
+                            <p:childTnLst>
+                              <p:par>
+                                <p:cTn id="5" presetID="2" presetClass="entr" presetSubtype="4" fill="hold" nodeType="clickEffect">
+                                  <p:stCondLst>
+                                    <p:cond delay="0"/>
+                                  </p:stCondLst>
+                                  <p:childTnLst>
+                                    <p:set>
+                                      <p:cBhvr>
+                                        <p:cTn id="6" dur="1" fill="hold">
+                                          <p:stCondLst>
+                                            <p:cond delay="0"/>
+                                          </p:stCondLst>
+                                        </p:cTn>
+                                        <p:tgtEl>
+                                          <p:spTgt spid="17"/>
+                                        </p:tgtEl>
+                                        <p:attrNameLst>
+                                          <p:attrName>style.visibility</p:attrName>
+                                        </p:attrNameLst>
+                                      </p:cBhvr>
+                                      <p:to>
+                                        <p:strVal val="visible"/>
+                                      </p:to>
+                                    </p:set>
+                                    <p:anim calcmode="lin" valueType="num">
+                                      <p:cBhvr additive="base">
+                                        <p:cTn id="7" dur="500" fill="hold"/>
+                                        <p:tgtEl>
+                                          <p:spTgt spid="17"/>
+                                        </p:tgtEl>
+                                        <p:attrNameLst>
+                                          <p:attrName>ppt_x</p:attrName>
+                                        </p:attrNameLst>
+                                      </p:cBhvr>
+                                      <p:tavLst>
+                                        <p:tav tm="0">
+                                          <p:val>
+                                            <p:strVal val="#ppt_x"/>
+                                          </p:val>
+                                        </p:tav>
+                                        <p:tav tm="100000">
+                                          <p:val>
+                                            <p:strVal val="#ppt_x"/>
+                                          </p:val>
+                                        </p:tav>
+                                      </p:tavLst>
+                                    </p:anim>
+                                    <p:anim calcmode="lin" valueType="num">
+                                      <p:cBhvr additive="base">
+                                        <p:cTn id="8" dur="500" fill="hold"/>
+                                        <p:tgtEl>
+                                          <p:spTgt spid="17"/>
+                                        </p:tgtEl>
+                                        <p:attrNameLst>
+                                          <p:attrName>ppt_y</p:attrName>
+                                        </p:attrNameLst>
+                                      </p:cBhvr>
+                                      <p:tavLst>
+                                        <p:tav tm="0">
+                                          <p:val>
+                                            <p:strVal val="1+#ppt_h/2"/>
+                                          </p:val>
+                                        </p:tav>
+                                        <p:tav tm="100000">
+                                          <p:val>
+                                            <p:strVal val="#ppt_y"/>
+                                          </p:val>
+                                        </p:tav>
+                                      </p:tavLst>
+                                    </p:anim>
+                                  </p:childTnLst>
+                                </p:cTn>
+                              </p:par>
+                            </p:childTnLst>
+                          </p:cTn>
+                        </p:par>
+                      </p:childTnLst>
+                    </p:cTn>
+                  </p:par>
+                  <p:par>
+                    <p:cTn id="9" fill="hold">
+                      <p:stCondLst>
+                        <p:cond delay="indefinite"/>
+                      </p:stCondLst>
+                      <p:childTnLst>
+                        <p:par>
+                          <p:cTn id="10" fill="hold">
+                            <p:stCondLst>
+                              <p:cond delay="0"/>
+                            </p:stCondLst>
+                            <p:childTnLst>
+                              <p:par>
+                                <p:cTn id="11" presetID="2" presetClass="entr" presetSubtype="4" fill="hold" nodeType="clickEffect">
+                                  <p:stCondLst>
+                                    <p:cond delay="0"/>
+                                  </p:stCondLst>
+                                  <p:childTnLst>
+                                    <p:set>
+                                      <p:cBhvr>
+                                        <p:cTn id="12" dur="1" fill="hold">
+                                          <p:stCondLst>
+                                            <p:cond delay="0"/>
+                                          </p:stCondLst>
+                                        </p:cTn>
+                                        <p:tgtEl>
+                                          <p:spTgt spid="7"/>
+                                        </p:tgtEl>
+                                        <p:attrNameLst>
+                                          <p:attrName>style.visibility</p:attrName>
+                                        </p:attrNameLst>
+                                      </p:cBhvr>
+                                      <p:to>
+                                        <p:strVal val="visible"/>
+                                      </p:to>
+                                    </p:set>
+                                    <p:anim calcmode="lin" valueType="num">
+                                      <p:cBhvr additive="base">
+                                        <p:cTn id="13" dur="500" fill="hold"/>
+                                        <p:tgtEl>
+                                          <p:spTgt spid="7"/>
+                                        </p:tgtEl>
+                                        <p:attrNameLst>
+                                          <p:attrName>ppt_x</p:attrName>
+                                        </p:attrNameLst>
+                                      </p:cBhvr>
+                                      <p:tavLst>
+                                        <p:tav tm="0">
+                                          <p:val>
+                                            <p:strVal val="#ppt_x"/>
+                                          </p:val>
+                                        </p:tav>
+                                        <p:tav tm="100000">
+                                          <p:val>
+                                            <p:strVal val="#ppt_x"/>
+                                          </p:val>
+                                        </p:tav>
+                                      </p:tavLst>
+                                    </p:anim>
+                                    <p:anim calcmode="lin" valueType="num">
+                                      <p:cBhvr additive="base">
+                                        <p:cTn id="14" dur="500" fill="hold"/>
+                                        <p:tgtEl>
+                                          <p:spTgt spid="7"/>
+                                        </p:tgtEl>
+                                        <p:attrNameLst>
+                                          <p:attrName>ppt_y</p:attrName>
+                                        </p:attrNameLst>
+                                      </p:cBhvr>
+                                      <p:tavLst>
+                                        <p:tav tm="0">
+                                          <p:val>
+                                            <p:strVal val="1+#ppt_h/2"/>
+                                          </p:val>
+                                        </p:tav>
+                                        <p:tav tm="100000">
+                                          <p:val>
+                                            <p:strVal val="#ppt_y"/>
+                                          </p:val>
+                                        </p:tav>
+                                      </p:tavLst>
+                                    </p:anim>
+                                  </p:childTnLst>
+                                </p:cTn>
+                              </p:par>
+                            </p:childTnLst>
+                          </p:cTn>
+                        </p:par>
+                      </p:childTnLst>
+                    </p:cTn>
+                  </p:par>
+                </p:childTnLst>
+              </p:cTn>
+              <p:prevCondLst>
+                <p:cond evt="onPrev" delay="0">
+                  <p:tgtEl>
+                    <p:sldTgt/>
+                  </p:tgtEl>
+                </p:cond>
+              </p:prevCondLst>
+              <p:nextCondLst>
+                <p:cond evt="onNext" delay="0">
+                  <p:tgtEl>
+                    <p:sldTgt/>
+                  </p:tgtEl>
+                </p:cond>
+              </p:nextCondLst>
+            </p:seq>
+          </p:childTnLst>
+        </p:cTn>
+      </p:par>
+    </p:tnLst>
+  </p:timing>
 </p:sld>
 </file>
 
@@ -19789,36 +18557,25 @@
             <p:ph type="title"/>
           </p:nvPr>
         </p:nvSpPr>
-        <p:spPr>
-          <a:xfrm>
-            <a:off x="603495" y="434355"/>
-            <a:ext cx="10487292" cy="1020232"/>
-          </a:xfrm>
-        </p:spPr>
+        <p:spPr/>
         <p:txBody>
-          <a:bodyPr>
-            <a:normAutofit/>
-          </a:bodyPr>
+          <a:bodyPr/>
           <a:lstStyle/>
           <a:p>
-            <a:pPr>
-              <a:lnSpc>
-                <a:spcPct val="90000"/>
-              </a:lnSpc>
-            </a:pPr>
             <a:r>
-              <a:rPr lang="en-US" sz="3150" b="1" dirty="0"/>
-              <a:t>Data Visualization – Top Streamed Artists By Genre</a:t>
+              <a:rPr lang="en-US" b="1" dirty="0"/>
+              <a:t>Data Visualization</a:t>
             </a:r>
+            <a:endParaRPr lang="en-US" dirty="0"/>
           </a:p>
         </p:txBody>
       </p:sp>
       <p:sp>
         <p:nvSpPr>
-          <p:cNvPr id="17" name="Content Placeholder 16">
+          <p:cNvPr id="3" name="Content Placeholder 2">
             <a:extLst>
               <a:ext uri="{FF2B5EF4-FFF2-40B4-BE49-F238E27FC236}">
-                <a16:creationId xmlns:a16="http://schemas.microsoft.com/office/drawing/2014/main" id="{0310CC84-FE29-232F-6D2D-F0611A8D43A8}"/>
+                <a16:creationId xmlns:a16="http://schemas.microsoft.com/office/drawing/2014/main" id="{DEFF6F3F-2BD2-3D76-1483-072534DC4B24}"/>
               </a:ext>
             </a:extLst>
           </p:cNvPr>
@@ -19831,57 +18588,31 @@
         </p:nvSpPr>
         <p:spPr>
           <a:xfrm>
-            <a:off x="603495" y="5150154"/>
-            <a:ext cx="11326037" cy="1273491"/>
+            <a:off x="932330" y="2286000"/>
+            <a:ext cx="8825659" cy="3598332"/>
           </a:xfrm>
         </p:spPr>
         <p:txBody>
-          <a:bodyPr>
-            <a:normAutofit/>
-          </a:bodyPr>
+          <a:bodyPr/>
           <a:lstStyle/>
           <a:p>
             <a:r>
-              <a:rPr lang="en-US" sz="1900" b="1" dirty="0">
+              <a:rPr lang="en-US" b="1" dirty="0">
                 <a:solidFill>
                   <a:schemeClr val="accent1"/>
                 </a:solidFill>
-                <a:latin typeface="+mj-lt"/>
               </a:rPr>
-              <a:t>Some artists’ popularity continued into covid</a:t>
-            </a:r>
-          </a:p>
-          <a:p>
-            <a:pPr lvl="1"/>
-            <a:r>
-              <a:rPr lang="en-US" sz="1700" b="1" dirty="0">
-                <a:solidFill>
-                  <a:schemeClr val="accent1"/>
-                </a:solidFill>
-                <a:latin typeface="+mj-lt"/>
-              </a:rPr>
-              <a:t>One artist Taylor Swift was sampled.</a:t>
-            </a:r>
-          </a:p>
-          <a:p>
-            <a:r>
-              <a:rPr lang="en-US" sz="1900" b="1" dirty="0">
-                <a:solidFill>
-                  <a:schemeClr val="accent1"/>
-                </a:solidFill>
-                <a:latin typeface="+mj-lt"/>
-              </a:rPr>
-              <a:t>Ed Sheeran was the most popular artist across all years and genres</a:t>
+              <a:t>Top Stream Artist Bar chart</a:t>
             </a:r>
           </a:p>
         </p:txBody>
       </p:sp>
       <p:pic>
         <p:nvPicPr>
-          <p:cNvPr id="3" name="Picture 2" descr="Chart, line chart&#10;&#10;Description automatically generated">
+          <p:cNvPr id="5" name="Picture 4">
             <a:extLst>
               <a:ext uri="{FF2B5EF4-FFF2-40B4-BE49-F238E27FC236}">
-                <a16:creationId xmlns:a16="http://schemas.microsoft.com/office/drawing/2014/main" id="{6CF3FA80-4E2A-3B86-FF00-FCE5654CCE16}"/>
+                <a16:creationId xmlns:a16="http://schemas.microsoft.com/office/drawing/2014/main" id="{940F62F0-465A-D325-EEEE-9A50B6C31765}"/>
               </a:ext>
             </a:extLst>
           </p:cNvPr>
@@ -19904,96 +18635,274 @@
         </p:blipFill>
         <p:spPr>
           <a:xfrm>
-            <a:off x="4379586" y="1454585"/>
-            <a:ext cx="3447176" cy="3654678"/>
+            <a:off x="1154953" y="2595282"/>
+            <a:ext cx="8825659" cy="3424517"/>
           </a:xfrm>
           <a:prstGeom prst="rect">
             <a:avLst/>
           </a:prstGeom>
         </p:spPr>
       </p:pic>
-      <p:pic>
-        <p:nvPicPr>
-          <p:cNvPr id="4" name="Picture 3" descr="Chart, pie chart&#10;&#10;Description automatically generated">
+      <p:sp>
+        <p:nvSpPr>
+          <p:cNvPr id="6" name="TextBox 5">
             <a:extLst>
               <a:ext uri="{FF2B5EF4-FFF2-40B4-BE49-F238E27FC236}">
-                <a16:creationId xmlns:a16="http://schemas.microsoft.com/office/drawing/2014/main" id="{E231B35B-8397-7B83-7446-08CC9E2AEA3A}"/>
+                <a16:creationId xmlns:a16="http://schemas.microsoft.com/office/drawing/2014/main" id="{02C48F7A-2837-3385-7DA8-E0AF27262B25}"/>
               </a:ext>
             </a:extLst>
           </p:cNvPr>
-          <p:cNvPicPr>
-            <a:picLocks noChangeAspect="1"/>
-          </p:cNvPicPr>
+          <p:cNvSpPr txBox="1"/>
           <p:nvPr/>
-        </p:nvPicPr>
-        <p:blipFill>
-          <a:blip r:embed="rId3">
-            <a:extLst>
-              <a:ext uri="{28A0092B-C50C-407E-A947-70E740481C1C}">
-                <a14:useLocalDpi xmlns:a14="http://schemas.microsoft.com/office/drawing/2010/main" val="0"/>
-              </a:ext>
-            </a:extLst>
-          </a:blip>
-          <a:stretch>
-            <a:fillRect/>
-          </a:stretch>
-        </p:blipFill>
+        </p:nvSpPr>
         <p:spPr>
           <a:xfrm>
-            <a:off x="454760" y="1454585"/>
-            <a:ext cx="3924826" cy="2981948"/>
+            <a:off x="932330" y="6019800"/>
+            <a:ext cx="10327339" cy="646331"/>
           </a:xfrm>
           <a:prstGeom prst="rect">
             <a:avLst/>
           </a:prstGeom>
+          <a:noFill/>
         </p:spPr>
-      </p:pic>
-      <p:pic>
-        <p:nvPicPr>
-          <p:cNvPr id="5" name="Picture 4" descr="Chart, bar chart&#10;&#10;Description automatically generated">
-            <a:extLst>
-              <a:ext uri="{FF2B5EF4-FFF2-40B4-BE49-F238E27FC236}">
-                <a16:creationId xmlns:a16="http://schemas.microsoft.com/office/drawing/2014/main" id="{B79BADE0-8DBD-93D8-A7EA-2E2E6B249712}"/>
-              </a:ext>
-            </a:extLst>
-          </p:cNvPr>
-          <p:cNvPicPr>
-            <a:picLocks noChangeAspect="1"/>
-          </p:cNvPicPr>
-          <p:nvPr/>
-        </p:nvPicPr>
-        <p:blipFill>
-          <a:blip r:embed="rId4">
-            <a:extLst>
-              <a:ext uri="{28A0092B-C50C-407E-A947-70E740481C1C}">
-                <a14:useLocalDpi xmlns:a14="http://schemas.microsoft.com/office/drawing/2010/main" val="0"/>
-              </a:ext>
-            </a:extLst>
-          </a:blip>
-          <a:stretch>
-            <a:fillRect/>
-          </a:stretch>
-        </p:blipFill>
-        <p:spPr>
-          <a:xfrm>
-            <a:off x="7812415" y="1454585"/>
-            <a:ext cx="3894520" cy="3881091"/>
-          </a:xfrm>
-          <a:prstGeom prst="rect">
-            <a:avLst/>
-          </a:prstGeom>
-        </p:spPr>
-      </p:pic>
+        <p:txBody>
+          <a:bodyPr wrap="square" rtlCol="0">
+            <a:spAutoFit/>
+          </a:bodyPr>
+          <a:lstStyle/>
+          <a:p>
+            <a:r>
+              <a:rPr lang="en-US" dirty="0"/>
+              <a:t>Event though Bad bunny was not the highest Streamed Artist Through out the Years he was the most Streamed Artist in the heart of Covid Year 2020 with a 3.3 Million streamed</a:t>
+            </a:r>
+          </a:p>
+        </p:txBody>
+      </p:sp>
     </p:spTree>
     <p:extLst>
       <p:ext uri="{BB962C8B-B14F-4D97-AF65-F5344CB8AC3E}">
-        <p14:creationId xmlns:p14="http://schemas.microsoft.com/office/powerpoint/2010/main" val="3860348866"/>
+        <p14:creationId xmlns:p14="http://schemas.microsoft.com/office/powerpoint/2010/main" val="722714087"/>
       </p:ext>
     </p:extLst>
   </p:cSld>
   <p:clrMapOvr>
     <a:masterClrMapping/>
   </p:clrMapOvr>
+  <p:transition spd="slow">
+    <p:push dir="u"/>
+  </p:transition>
+  <p:timing>
+    <p:tnLst>
+      <p:par>
+        <p:cTn id="1" dur="indefinite" restart="never" nodeType="tmRoot">
+          <p:childTnLst>
+            <p:seq concurrent="1" nextAc="seek">
+              <p:cTn id="2" dur="indefinite" nodeType="mainSeq">
+                <p:childTnLst>
+                  <p:par>
+                    <p:cTn id="3" fill="hold">
+                      <p:stCondLst>
+                        <p:cond delay="indefinite"/>
+                      </p:stCondLst>
+                      <p:childTnLst>
+                        <p:par>
+                          <p:cTn id="4" fill="hold">
+                            <p:stCondLst>
+                              <p:cond delay="0"/>
+                            </p:stCondLst>
+                            <p:childTnLst>
+                              <p:par>
+                                <p:cTn id="5" presetID="2" presetClass="entr" presetSubtype="4" fill="hold" nodeType="clickEffect">
+                                  <p:stCondLst>
+                                    <p:cond delay="0"/>
+                                  </p:stCondLst>
+                                  <p:childTnLst>
+                                    <p:set>
+                                      <p:cBhvr>
+                                        <p:cTn id="6" dur="1" fill="hold">
+                                          <p:stCondLst>
+                                            <p:cond delay="0"/>
+                                          </p:stCondLst>
+                                        </p:cTn>
+                                        <p:tgtEl>
+                                          <p:spTgt spid="5"/>
+                                        </p:tgtEl>
+                                        <p:attrNameLst>
+                                          <p:attrName>style.visibility</p:attrName>
+                                        </p:attrNameLst>
+                                      </p:cBhvr>
+                                      <p:to>
+                                        <p:strVal val="visible"/>
+                                      </p:to>
+                                    </p:set>
+                                    <p:anim calcmode="lin" valueType="num">
+                                      <p:cBhvr additive="base">
+                                        <p:cTn id="7" dur="500" fill="hold"/>
+                                        <p:tgtEl>
+                                          <p:spTgt spid="5"/>
+                                        </p:tgtEl>
+                                        <p:attrNameLst>
+                                          <p:attrName>ppt_x</p:attrName>
+                                        </p:attrNameLst>
+                                      </p:cBhvr>
+                                      <p:tavLst>
+                                        <p:tav tm="0">
+                                          <p:val>
+                                            <p:strVal val="#ppt_x"/>
+                                          </p:val>
+                                        </p:tav>
+                                        <p:tav tm="100000">
+                                          <p:val>
+                                            <p:strVal val="#ppt_x"/>
+                                          </p:val>
+                                        </p:tav>
+                                      </p:tavLst>
+                                    </p:anim>
+                                    <p:anim calcmode="lin" valueType="num">
+                                      <p:cBhvr additive="base">
+                                        <p:cTn id="8" dur="500" fill="hold"/>
+                                        <p:tgtEl>
+                                          <p:spTgt spid="5"/>
+                                        </p:tgtEl>
+                                        <p:attrNameLst>
+                                          <p:attrName>ppt_y</p:attrName>
+                                        </p:attrNameLst>
+                                      </p:cBhvr>
+                                      <p:tavLst>
+                                        <p:tav tm="0">
+                                          <p:val>
+                                            <p:strVal val="1+#ppt_h/2"/>
+                                          </p:val>
+                                        </p:tav>
+                                        <p:tav tm="100000">
+                                          <p:val>
+                                            <p:strVal val="#ppt_y"/>
+                                          </p:val>
+                                        </p:tav>
+                                      </p:tavLst>
+                                    </p:anim>
+                                  </p:childTnLst>
+                                </p:cTn>
+                              </p:par>
+                            </p:childTnLst>
+                          </p:cTn>
+                        </p:par>
+                      </p:childTnLst>
+                    </p:cTn>
+                  </p:par>
+                  <p:par>
+                    <p:cTn id="9" fill="hold">
+                      <p:stCondLst>
+                        <p:cond delay="indefinite"/>
+                      </p:stCondLst>
+                      <p:childTnLst>
+                        <p:par>
+                          <p:cTn id="10" fill="hold">
+                            <p:stCondLst>
+                              <p:cond delay="0"/>
+                            </p:stCondLst>
+                            <p:childTnLst>
+                              <p:par>
+                                <p:cTn id="11" presetID="2" presetClass="entr" presetSubtype="4" fill="hold" nodeType="clickEffect">
+                                  <p:stCondLst>
+                                    <p:cond delay="0"/>
+                                  </p:stCondLst>
+                                  <p:childTnLst>
+                                    <p:set>
+                                      <p:cBhvr>
+                                        <p:cTn id="12" dur="1" fill="hold">
+                                          <p:stCondLst>
+                                            <p:cond delay="0"/>
+                                          </p:stCondLst>
+                                        </p:cTn>
+                                        <p:tgtEl>
+                                          <p:spTgt spid="5"/>
+                                        </p:tgtEl>
+                                        <p:attrNameLst>
+                                          <p:attrName>style.visibility</p:attrName>
+                                        </p:attrNameLst>
+                                      </p:cBhvr>
+                                      <p:to>
+                                        <p:strVal val="visible"/>
+                                      </p:to>
+                                    </p:set>
+                                    <p:anim calcmode="lin" valueType="num">
+                                      <p:cBhvr additive="base">
+                                        <p:cTn id="13" dur="500" fill="hold"/>
+                                        <p:tgtEl>
+                                          <p:spTgt spid="5"/>
+                                        </p:tgtEl>
+                                        <p:attrNameLst>
+                                          <p:attrName>ppt_x</p:attrName>
+                                        </p:attrNameLst>
+                                      </p:cBhvr>
+                                      <p:tavLst>
+                                        <p:tav tm="0">
+                                          <p:val>
+                                            <p:strVal val="#ppt_x"/>
+                                          </p:val>
+                                        </p:tav>
+                                        <p:tav tm="100000">
+                                          <p:val>
+                                            <p:strVal val="#ppt_x"/>
+                                          </p:val>
+                                        </p:tav>
+                                      </p:tavLst>
+                                    </p:anim>
+                                    <p:anim calcmode="lin" valueType="num">
+                                      <p:cBhvr additive="base">
+                                        <p:cTn id="14" dur="500" fill="hold"/>
+                                        <p:tgtEl>
+                                          <p:spTgt spid="5"/>
+                                        </p:tgtEl>
+                                        <p:attrNameLst>
+                                          <p:attrName>ppt_y</p:attrName>
+                                        </p:attrNameLst>
+                                      </p:cBhvr>
+                                      <p:tavLst>
+                                        <p:tav tm="0">
+                                          <p:val>
+                                            <p:strVal val="1+#ppt_h/2"/>
+                                          </p:val>
+                                        </p:tav>
+                                        <p:tav tm="100000">
+                                          <p:val>
+                                            <p:strVal val="#ppt_y"/>
+                                          </p:val>
+                                        </p:tav>
+                                      </p:tavLst>
+                                    </p:anim>
+                                  </p:childTnLst>
+                                </p:cTn>
+                              </p:par>
+                            </p:childTnLst>
+                          </p:cTn>
+                        </p:par>
+                      </p:childTnLst>
+                    </p:cTn>
+                  </p:par>
+                </p:childTnLst>
+              </p:cTn>
+              <p:prevCondLst>
+                <p:cond evt="onPrev" delay="0">
+                  <p:tgtEl>
+                    <p:sldTgt/>
+                  </p:tgtEl>
+                </p:cond>
+              </p:prevCondLst>
+              <p:nextCondLst>
+                <p:cond evt="onNext" delay="0">
+                  <p:tgtEl>
+                    <p:sldTgt/>
+                  </p:tgtEl>
+                </p:cond>
+              </p:nextCondLst>
+            </p:seq>
+          </p:childTnLst>
+        </p:cTn>
+      </p:par>
+    </p:tnLst>
+  </p:timing>
 </p:sld>
 </file>
 
